--- a/design/System Design Notes.pptx
+++ b/design/System Design Notes.pptx
@@ -5,7 +5,11 @@
     <p:sldMasterId id="2147483648" r:id="rId1"/>
   </p:sldMasterIdLst>
   <p:sldIdLst>
-    <p:sldId id="256" r:id="rId2"/>
+    <p:sldId id="257" r:id="rId2"/>
+    <p:sldId id="258" r:id="rId3"/>
+    <p:sldId id="259" r:id="rId4"/>
+    <p:sldId id="260" r:id="rId5"/>
+    <p:sldId id="256" r:id="rId6"/>
   </p:sldIdLst>
   <p:sldSz cx="12192000" cy="6858000"/>
   <p:notesSz cx="6858000" cy="9144000"/>
@@ -2971,14 +2975,520 @@
       </p:grpSpPr>
       <p:sp>
         <p:nvSpPr>
-          <p:cNvPr id="4" name="TextBox 3"/>
+          <p:cNvPr id="3" name="Content Placeholder 2"/>
+          <p:cNvSpPr>
+            <a:spLocks noGrp="1"/>
+          </p:cNvSpPr>
+          <p:nvPr>
+            <p:ph idx="1"/>
+          </p:nvPr>
+        </p:nvSpPr>
+        <p:spPr>
+          <a:xfrm>
+            <a:off x="838200" y="420130"/>
+            <a:ext cx="5093043" cy="5756833"/>
+          </a:xfrm>
+        </p:spPr>
+        <p:txBody>
+          <a:bodyPr/>
+          <a:lstStyle/>
+          <a:p>
+            <a:r>
+              <a:rPr lang="en-US" b="1" dirty="0" smtClean="0">
+                <a:solidFill>
+                  <a:schemeClr val="accent2"/>
+                </a:solidFill>
+              </a:rPr>
+              <a:t>Horizontal Scaling</a:t>
+            </a:r>
+            <a:r>
+              <a:rPr lang="en-US" dirty="0" smtClean="0"/>
+              <a:t/>
+            </a:r>
+            <a:br>
+              <a:rPr lang="en-US" dirty="0" smtClean="0"/>
+            </a:br>
+            <a:endParaRPr lang="en-US" dirty="0" smtClean="0"/>
+          </a:p>
+          <a:p>
+            <a:r>
+              <a:rPr lang="en-US" dirty="0" smtClean="0"/>
+              <a:t>Load Balancing required</a:t>
+            </a:r>
+          </a:p>
+          <a:p>
+            <a:r>
+              <a:rPr lang="en-US" b="1" dirty="0" smtClean="0"/>
+              <a:t>RESILIENT</a:t>
+            </a:r>
+          </a:p>
+          <a:p>
+            <a:r>
+              <a:rPr lang="en-US" dirty="0" smtClean="0"/>
+              <a:t>Network calls (RPC)</a:t>
+            </a:r>
+          </a:p>
+          <a:p>
+            <a:r>
+              <a:rPr lang="en-US" dirty="0" smtClean="0"/>
+              <a:t>Data inconsistency</a:t>
+            </a:r>
+          </a:p>
+          <a:p>
+            <a:r>
+              <a:rPr lang="en-US" b="1" dirty="0" smtClean="0"/>
+              <a:t>Scales well as users increase</a:t>
+            </a:r>
+            <a:endParaRPr lang="en-US" b="1" dirty="0"/>
+          </a:p>
+        </p:txBody>
+      </p:sp>
+      <p:sp>
+        <p:nvSpPr>
+          <p:cNvPr id="4" name="Content Placeholder 2"/>
+          <p:cNvSpPr txBox="1">
+            <a:spLocks/>
+          </p:cNvSpPr>
+          <p:nvPr/>
+        </p:nvSpPr>
+        <p:spPr>
+          <a:xfrm>
+            <a:off x="6378146" y="420130"/>
+            <a:ext cx="5093043" cy="5756833"/>
+          </a:xfrm>
+          <a:prstGeom prst="rect">
+            <a:avLst/>
+          </a:prstGeom>
+        </p:spPr>
+        <p:txBody>
+          <a:bodyPr vert="horz" lIns="91440" tIns="45720" rIns="91440" bIns="45720" rtlCol="0">
+            <a:normAutofit/>
+          </a:bodyPr>
+          <a:lstStyle>
+            <a:lvl1pPr marL="228600" indent="-228600" algn="l" defTabSz="914400" rtl="0" eaLnBrk="1" latinLnBrk="0" hangingPunct="1">
+              <a:lnSpc>
+                <a:spcPct val="90000"/>
+              </a:lnSpc>
+              <a:spcBef>
+                <a:spcPts val="1000"/>
+              </a:spcBef>
+              <a:buFont typeface="Arial"/>
+              <a:buChar char="•"/>
+              <a:defRPr sz="2800" kern="1200">
+                <a:solidFill>
+                  <a:schemeClr val="tx1"/>
+                </a:solidFill>
+                <a:latin typeface="+mn-lt"/>
+                <a:ea typeface="+mn-ea"/>
+                <a:cs typeface="+mn-cs"/>
+              </a:defRPr>
+            </a:lvl1pPr>
+            <a:lvl2pPr marL="685800" indent="-228600" algn="l" defTabSz="914400" rtl="0" eaLnBrk="1" latinLnBrk="0" hangingPunct="1">
+              <a:lnSpc>
+                <a:spcPct val="90000"/>
+              </a:lnSpc>
+              <a:spcBef>
+                <a:spcPts val="500"/>
+              </a:spcBef>
+              <a:buFont typeface="Arial"/>
+              <a:buChar char="•"/>
+              <a:defRPr sz="2400" kern="1200">
+                <a:solidFill>
+                  <a:schemeClr val="tx1"/>
+                </a:solidFill>
+                <a:latin typeface="+mn-lt"/>
+                <a:ea typeface="+mn-ea"/>
+                <a:cs typeface="+mn-cs"/>
+              </a:defRPr>
+            </a:lvl2pPr>
+            <a:lvl3pPr marL="1143000" indent="-228600" algn="l" defTabSz="914400" rtl="0" eaLnBrk="1" latinLnBrk="0" hangingPunct="1">
+              <a:lnSpc>
+                <a:spcPct val="90000"/>
+              </a:lnSpc>
+              <a:spcBef>
+                <a:spcPts val="500"/>
+              </a:spcBef>
+              <a:buFont typeface="Arial"/>
+              <a:buChar char="•"/>
+              <a:defRPr sz="2000" kern="1200">
+                <a:solidFill>
+                  <a:schemeClr val="tx1"/>
+                </a:solidFill>
+                <a:latin typeface="+mn-lt"/>
+                <a:ea typeface="+mn-ea"/>
+                <a:cs typeface="+mn-cs"/>
+              </a:defRPr>
+            </a:lvl3pPr>
+            <a:lvl4pPr marL="1600200" indent="-228600" algn="l" defTabSz="914400" rtl="0" eaLnBrk="1" latinLnBrk="0" hangingPunct="1">
+              <a:lnSpc>
+                <a:spcPct val="90000"/>
+              </a:lnSpc>
+              <a:spcBef>
+                <a:spcPts val="500"/>
+              </a:spcBef>
+              <a:buFont typeface="Arial"/>
+              <a:buChar char="•"/>
+              <a:defRPr sz="1800" kern="1200">
+                <a:solidFill>
+                  <a:schemeClr val="tx1"/>
+                </a:solidFill>
+                <a:latin typeface="+mn-lt"/>
+                <a:ea typeface="+mn-ea"/>
+                <a:cs typeface="+mn-cs"/>
+              </a:defRPr>
+            </a:lvl4pPr>
+            <a:lvl5pPr marL="2057400" indent="-228600" algn="l" defTabSz="914400" rtl="0" eaLnBrk="1" latinLnBrk="0" hangingPunct="1">
+              <a:lnSpc>
+                <a:spcPct val="90000"/>
+              </a:lnSpc>
+              <a:spcBef>
+                <a:spcPts val="500"/>
+              </a:spcBef>
+              <a:buFont typeface="Arial"/>
+              <a:buChar char="•"/>
+              <a:defRPr sz="1800" kern="1200">
+                <a:solidFill>
+                  <a:schemeClr val="tx1"/>
+                </a:solidFill>
+                <a:latin typeface="+mn-lt"/>
+                <a:ea typeface="+mn-ea"/>
+                <a:cs typeface="+mn-cs"/>
+              </a:defRPr>
+            </a:lvl5pPr>
+            <a:lvl6pPr marL="2514600" indent="-228600" algn="l" defTabSz="914400" rtl="0" eaLnBrk="1" latinLnBrk="0" hangingPunct="1">
+              <a:lnSpc>
+                <a:spcPct val="90000"/>
+              </a:lnSpc>
+              <a:spcBef>
+                <a:spcPts val="500"/>
+              </a:spcBef>
+              <a:buFont typeface="Arial"/>
+              <a:buChar char="•"/>
+              <a:defRPr sz="1800" kern="1200">
+                <a:solidFill>
+                  <a:schemeClr val="tx1"/>
+                </a:solidFill>
+                <a:latin typeface="+mn-lt"/>
+                <a:ea typeface="+mn-ea"/>
+                <a:cs typeface="+mn-cs"/>
+              </a:defRPr>
+            </a:lvl6pPr>
+            <a:lvl7pPr marL="2971800" indent="-228600" algn="l" defTabSz="914400" rtl="0" eaLnBrk="1" latinLnBrk="0" hangingPunct="1">
+              <a:lnSpc>
+                <a:spcPct val="90000"/>
+              </a:lnSpc>
+              <a:spcBef>
+                <a:spcPts val="500"/>
+              </a:spcBef>
+              <a:buFont typeface="Arial"/>
+              <a:buChar char="•"/>
+              <a:defRPr sz="1800" kern="1200">
+                <a:solidFill>
+                  <a:schemeClr val="tx1"/>
+                </a:solidFill>
+                <a:latin typeface="+mn-lt"/>
+                <a:ea typeface="+mn-ea"/>
+                <a:cs typeface="+mn-cs"/>
+              </a:defRPr>
+            </a:lvl7pPr>
+            <a:lvl8pPr marL="3429000" indent="-228600" algn="l" defTabSz="914400" rtl="0" eaLnBrk="1" latinLnBrk="0" hangingPunct="1">
+              <a:lnSpc>
+                <a:spcPct val="90000"/>
+              </a:lnSpc>
+              <a:spcBef>
+                <a:spcPts val="500"/>
+              </a:spcBef>
+              <a:buFont typeface="Arial"/>
+              <a:buChar char="•"/>
+              <a:defRPr sz="1800" kern="1200">
+                <a:solidFill>
+                  <a:schemeClr val="tx1"/>
+                </a:solidFill>
+                <a:latin typeface="+mn-lt"/>
+                <a:ea typeface="+mn-ea"/>
+                <a:cs typeface="+mn-cs"/>
+              </a:defRPr>
+            </a:lvl8pPr>
+            <a:lvl9pPr marL="3886200" indent="-228600" algn="l" defTabSz="914400" rtl="0" eaLnBrk="1" latinLnBrk="0" hangingPunct="1">
+              <a:lnSpc>
+                <a:spcPct val="90000"/>
+              </a:lnSpc>
+              <a:spcBef>
+                <a:spcPts val="500"/>
+              </a:spcBef>
+              <a:buFont typeface="Arial"/>
+              <a:buChar char="•"/>
+              <a:defRPr sz="1800" kern="1200">
+                <a:solidFill>
+                  <a:schemeClr val="tx1"/>
+                </a:solidFill>
+                <a:latin typeface="+mn-lt"/>
+                <a:ea typeface="+mn-ea"/>
+                <a:cs typeface="+mn-cs"/>
+              </a:defRPr>
+            </a:lvl9pPr>
+          </a:lstStyle>
+          <a:p>
+            <a:r>
+              <a:rPr lang="en-US" b="1" dirty="0" smtClean="0">
+                <a:solidFill>
+                  <a:schemeClr val="accent2"/>
+                </a:solidFill>
+              </a:rPr>
+              <a:t>Vertical Scaling</a:t>
+            </a:r>
+            <a:r>
+              <a:rPr lang="en-US" dirty="0" smtClean="0"/>
+              <a:t/>
+            </a:r>
+            <a:br>
+              <a:rPr lang="en-US" dirty="0" smtClean="0"/>
+            </a:br>
+            <a:endParaRPr lang="en-US" dirty="0" smtClean="0"/>
+          </a:p>
+          <a:p>
+            <a:r>
+              <a:rPr lang="en-US" dirty="0" smtClean="0"/>
+              <a:t>N/A</a:t>
+            </a:r>
+          </a:p>
+          <a:p>
+            <a:r>
+              <a:rPr lang="en-US" dirty="0" smtClean="0"/>
+              <a:t>Single point of failure</a:t>
+            </a:r>
+          </a:p>
+          <a:p>
+            <a:r>
+              <a:rPr lang="en-US" b="1" dirty="0" smtClean="0"/>
+              <a:t>Inter- process communications</a:t>
+            </a:r>
+          </a:p>
+          <a:p>
+            <a:r>
+              <a:rPr lang="en-US" b="1" dirty="0" smtClean="0"/>
+              <a:t>Consistent Data</a:t>
+            </a:r>
+          </a:p>
+          <a:p>
+            <a:r>
+              <a:rPr lang="en-US" dirty="0" smtClean="0"/>
+              <a:t>Hardware limit</a:t>
+            </a:r>
+            <a:endParaRPr lang="en-US" dirty="0"/>
+          </a:p>
+        </p:txBody>
+      </p:sp>
+    </p:spTree>
+    <p:extLst>
+      <p:ext uri="{BB962C8B-B14F-4D97-AF65-F5344CB8AC3E}">
+        <p14:creationId xmlns:p14="http://schemas.microsoft.com/office/powerpoint/2010/main" val="541400772"/>
+      </p:ext>
+    </p:extLst>
+  </p:cSld>
+  <p:clrMapOvr>
+    <a:masterClrMapping/>
+  </p:clrMapOvr>
+</p:sld>
+</file>
+
+<file path=ppt/slides/slide2.xml><?xml version="1.0" encoding="utf-8"?>
+<p:sld xmlns:a="http://schemas.openxmlformats.org/drawingml/2006/main" xmlns:r="http://schemas.openxmlformats.org/officeDocument/2006/relationships" xmlns:p="http://schemas.openxmlformats.org/presentationml/2006/main">
+  <p:cSld>
+    <p:spTree>
+      <p:nvGrpSpPr>
+        <p:cNvPr id="1" name=""/>
+        <p:cNvGrpSpPr/>
+        <p:nvPr/>
+      </p:nvGrpSpPr>
+      <p:grpSpPr>
+        <a:xfrm>
+          <a:off x="0" y="0"/>
+          <a:ext cx="0" cy="0"/>
+          <a:chOff x="0" y="0"/>
+          <a:chExt cx="0" cy="0"/>
+        </a:xfrm>
+      </p:grpSpPr>
+      <p:sp>
+        <p:nvSpPr>
+          <p:cNvPr id="4" name="Rectangle 3"/>
+          <p:cNvSpPr/>
+          <p:nvPr/>
+        </p:nvSpPr>
+        <p:spPr>
+          <a:xfrm>
+            <a:off x="4550987" y="0"/>
+            <a:ext cx="3111054" cy="523220"/>
+          </a:xfrm>
+          <a:prstGeom prst="rect">
+            <a:avLst/>
+          </a:prstGeom>
+          <a:noFill/>
+        </p:spPr>
+        <p:txBody>
+          <a:bodyPr wrap="square" lIns="91440" tIns="45720" rIns="91440" bIns="45720">
+            <a:spAutoFit/>
+          </a:bodyPr>
+          <a:lstStyle/>
+          <a:p>
+            <a:pPr algn="ctr"/>
+            <a:r>
+              <a:rPr lang="en-US" sz="2800" b="0" cap="none" spc="0" dirty="0" smtClean="0">
+                <a:ln w="0"/>
+                <a:solidFill>
+                  <a:schemeClr val="accent2"/>
+                </a:solidFill>
+                <a:effectLst>
+                  <a:outerShdw blurRad="38100" dist="19050" dir="2700000" algn="tl" rotWithShape="0">
+                    <a:schemeClr val="dk1">
+                      <a:alpha val="40000"/>
+                    </a:schemeClr>
+                  </a:outerShdw>
+                </a:effectLst>
+              </a:rPr>
+              <a:t>Consistent Hashing</a:t>
+            </a:r>
+            <a:endParaRPr lang="en-US" sz="5400" b="0" cap="none" spc="0" dirty="0">
+              <a:ln w="0"/>
+              <a:solidFill>
+                <a:schemeClr val="accent2"/>
+              </a:solidFill>
+              <a:effectLst>
+                <a:outerShdw blurRad="38100" dist="19050" dir="2700000" algn="tl" rotWithShape="0">
+                  <a:schemeClr val="dk1">
+                    <a:alpha val="40000"/>
+                  </a:schemeClr>
+                </a:outerShdw>
+              </a:effectLst>
+            </a:endParaRPr>
+          </a:p>
+        </p:txBody>
+      </p:sp>
+      <p:sp>
+        <p:nvSpPr>
+          <p:cNvPr id="5" name="Oval 4"/>
+          <p:cNvSpPr/>
+          <p:nvPr/>
+        </p:nvSpPr>
+        <p:spPr>
+          <a:xfrm>
+            <a:off x="1050324" y="1173892"/>
+            <a:ext cx="4077730" cy="3731740"/>
+          </a:xfrm>
+          <a:prstGeom prst="ellipse">
+            <a:avLst/>
+          </a:prstGeom>
+          <a:noFill/>
+        </p:spPr>
+        <p:style>
+          <a:lnRef idx="2">
+            <a:schemeClr val="accent1">
+              <a:shade val="50000"/>
+            </a:schemeClr>
+          </a:lnRef>
+          <a:fillRef idx="1">
+            <a:schemeClr val="accent1"/>
+          </a:fillRef>
+          <a:effectRef idx="0">
+            <a:schemeClr val="accent1"/>
+          </a:effectRef>
+          <a:fontRef idx="minor">
+            <a:schemeClr val="lt1"/>
+          </a:fontRef>
+        </p:style>
+        <p:txBody>
+          <a:bodyPr rtlCol="0" anchor="ctr"/>
+          <a:lstStyle/>
+          <a:p>
+            <a:pPr algn="ctr"/>
+            <a:endParaRPr lang="en-US"/>
+          </a:p>
+        </p:txBody>
+      </p:sp>
+      <p:sp>
+        <p:nvSpPr>
+          <p:cNvPr id="6" name="Oval 5"/>
+          <p:cNvSpPr/>
+          <p:nvPr/>
+        </p:nvSpPr>
+        <p:spPr>
+          <a:xfrm>
+            <a:off x="1682578" y="1694935"/>
+            <a:ext cx="2813222" cy="2689654"/>
+          </a:xfrm>
+          <a:prstGeom prst="ellipse">
+            <a:avLst/>
+          </a:prstGeom>
+          <a:noFill/>
+        </p:spPr>
+        <p:style>
+          <a:lnRef idx="2">
+            <a:schemeClr val="accent1">
+              <a:shade val="50000"/>
+            </a:schemeClr>
+          </a:lnRef>
+          <a:fillRef idx="1">
+            <a:schemeClr val="accent1"/>
+          </a:fillRef>
+          <a:effectRef idx="0">
+            <a:schemeClr val="accent1"/>
+          </a:effectRef>
+          <a:fontRef idx="minor">
+            <a:schemeClr val="lt1"/>
+          </a:fontRef>
+        </p:style>
+        <p:txBody>
+          <a:bodyPr rtlCol="0" anchor="ctr"/>
+          <a:lstStyle/>
+          <a:p>
+            <a:pPr algn="ctr"/>
+            <a:endParaRPr lang="en-US"/>
+          </a:p>
+        </p:txBody>
+      </p:sp>
+      <p:sp>
+        <p:nvSpPr>
+          <p:cNvPr id="7" name="TextBox 6"/>
           <p:cNvSpPr txBox="1"/>
           <p:nvPr/>
         </p:nvSpPr>
         <p:spPr>
           <a:xfrm>
-            <a:off x="469131" y="873069"/>
-            <a:ext cx="1136822" cy="646331"/>
+            <a:off x="549519" y="527561"/>
+            <a:ext cx="2020685" cy="369332"/>
+          </a:xfrm>
+          <a:prstGeom prst="rect">
+            <a:avLst/>
+          </a:prstGeom>
+          <a:noFill/>
+          <a:ln>
+            <a:noFill/>
+          </a:ln>
+        </p:spPr>
+        <p:txBody>
+          <a:bodyPr wrap="square" rtlCol="0">
+            <a:spAutoFit/>
+          </a:bodyPr>
+          <a:lstStyle/>
+          <a:p>
+            <a:r>
+              <a:rPr lang="en-US" dirty="0" smtClean="0"/>
+              <a:t>Request Id -&gt;  h(r1)</a:t>
+            </a:r>
+            <a:endParaRPr lang="en-US" dirty="0"/>
+          </a:p>
+        </p:txBody>
+      </p:sp>
+      <p:sp>
+        <p:nvSpPr>
+          <p:cNvPr id="8" name="TextBox 7"/>
+          <p:cNvSpPr txBox="1"/>
+          <p:nvPr/>
+        </p:nvSpPr>
+        <p:spPr>
+          <a:xfrm>
+            <a:off x="5760308" y="989226"/>
+            <a:ext cx="1136822" cy="369332"/>
           </a:xfrm>
           <a:prstGeom prst="rect">
             <a:avLst/>
@@ -2998,24 +3508,712 @@
           <a:p>
             <a:r>
               <a:rPr lang="en-US" dirty="0" smtClean="0"/>
-              <a:t>Client 1</a:t>
-            </a:r>
-          </a:p>
-          <a:p>
+              <a:t>Server 0</a:t>
+            </a:r>
             <a:endParaRPr lang="en-US" dirty="0"/>
           </a:p>
         </p:txBody>
       </p:sp>
       <p:sp>
         <p:nvSpPr>
-          <p:cNvPr id="5" name="Rectangle 4"/>
+          <p:cNvPr id="10" name="TextBox 9"/>
+          <p:cNvSpPr txBox="1"/>
+          <p:nvPr/>
+        </p:nvSpPr>
+        <p:spPr>
+          <a:xfrm>
+            <a:off x="5760308" y="1787268"/>
+            <a:ext cx="1136822" cy="369332"/>
+          </a:xfrm>
+          <a:prstGeom prst="rect">
+            <a:avLst/>
+          </a:prstGeom>
+          <a:noFill/>
+          <a:ln>
+            <a:solidFill>
+              <a:schemeClr val="accent1"/>
+            </a:solidFill>
+          </a:ln>
+        </p:spPr>
+        <p:txBody>
+          <a:bodyPr wrap="square" rtlCol="0">
+            <a:spAutoFit/>
+          </a:bodyPr>
+          <a:lstStyle/>
+          <a:p>
+            <a:r>
+              <a:rPr lang="en-US" dirty="0" smtClean="0"/>
+              <a:t>Server 1</a:t>
+            </a:r>
+            <a:endParaRPr lang="en-US" dirty="0"/>
+          </a:p>
+        </p:txBody>
+      </p:sp>
+      <p:sp>
+        <p:nvSpPr>
+          <p:cNvPr id="11" name="TextBox 10"/>
+          <p:cNvSpPr txBox="1"/>
+          <p:nvPr/>
+        </p:nvSpPr>
+        <p:spPr>
+          <a:xfrm>
+            <a:off x="5760308" y="2744571"/>
+            <a:ext cx="1136822" cy="369332"/>
+          </a:xfrm>
+          <a:prstGeom prst="rect">
+            <a:avLst/>
+          </a:prstGeom>
+          <a:noFill/>
+          <a:ln>
+            <a:solidFill>
+              <a:schemeClr val="accent1"/>
+            </a:solidFill>
+          </a:ln>
+        </p:spPr>
+        <p:txBody>
+          <a:bodyPr wrap="square" rtlCol="0">
+            <a:spAutoFit/>
+          </a:bodyPr>
+          <a:lstStyle/>
+          <a:p>
+            <a:r>
+              <a:rPr lang="en-US" dirty="0" smtClean="0"/>
+              <a:t>Server 2</a:t>
+            </a:r>
+            <a:endParaRPr lang="en-US" dirty="0"/>
+          </a:p>
+        </p:txBody>
+      </p:sp>
+      <p:sp>
+        <p:nvSpPr>
+          <p:cNvPr id="12" name="TextBox 11"/>
+          <p:cNvSpPr txBox="1"/>
+          <p:nvPr/>
+        </p:nvSpPr>
+        <p:spPr>
+          <a:xfrm>
+            <a:off x="5760308" y="3701874"/>
+            <a:ext cx="1136822" cy="369332"/>
+          </a:xfrm>
+          <a:prstGeom prst="rect">
+            <a:avLst/>
+          </a:prstGeom>
+          <a:noFill/>
+          <a:ln>
+            <a:solidFill>
+              <a:schemeClr val="accent1"/>
+            </a:solidFill>
+          </a:ln>
+        </p:spPr>
+        <p:txBody>
+          <a:bodyPr wrap="square" rtlCol="0">
+            <a:spAutoFit/>
+          </a:bodyPr>
+          <a:lstStyle/>
+          <a:p>
+            <a:r>
+              <a:rPr lang="en-US" smtClean="0"/>
+              <a:t>Server 3</a:t>
+            </a:r>
+            <a:endParaRPr lang="en-US" dirty="0"/>
+          </a:p>
+        </p:txBody>
+      </p:sp>
+      <p:sp>
+        <p:nvSpPr>
+          <p:cNvPr id="13" name="TextBox 12"/>
+          <p:cNvSpPr txBox="1"/>
+          <p:nvPr/>
+        </p:nvSpPr>
+        <p:spPr>
+          <a:xfrm>
+            <a:off x="5760308" y="4628633"/>
+            <a:ext cx="1136822" cy="369332"/>
+          </a:xfrm>
+          <a:prstGeom prst="rect">
+            <a:avLst/>
+          </a:prstGeom>
+          <a:noFill/>
+          <a:ln>
+            <a:solidFill>
+              <a:schemeClr val="accent1"/>
+            </a:solidFill>
+          </a:ln>
+        </p:spPr>
+        <p:txBody>
+          <a:bodyPr wrap="square" rtlCol="0">
+            <a:spAutoFit/>
+          </a:bodyPr>
+          <a:lstStyle/>
+          <a:p>
+            <a:r>
+              <a:rPr lang="en-US" dirty="0" smtClean="0"/>
+              <a:t>Server M</a:t>
+            </a:r>
+            <a:endParaRPr lang="en-US" dirty="0"/>
+          </a:p>
+        </p:txBody>
+      </p:sp>
+      <p:sp>
+        <p:nvSpPr>
+          <p:cNvPr id="14" name="TextBox 13"/>
+          <p:cNvSpPr txBox="1"/>
+          <p:nvPr/>
+        </p:nvSpPr>
+        <p:spPr>
+          <a:xfrm>
+            <a:off x="7662041" y="970578"/>
+            <a:ext cx="1348510" cy="369332"/>
+          </a:xfrm>
+          <a:prstGeom prst="rect">
+            <a:avLst/>
+          </a:prstGeom>
+          <a:noFill/>
+          <a:ln>
+            <a:noFill/>
+          </a:ln>
+        </p:spPr>
+        <p:txBody>
+          <a:bodyPr wrap="square" rtlCol="0">
+            <a:spAutoFit/>
+          </a:bodyPr>
+          <a:lstStyle/>
+          <a:p>
+            <a:r>
+              <a:rPr lang="en-US" dirty="0" smtClean="0"/>
+              <a:t>h1(0) % M</a:t>
+            </a:r>
+            <a:endParaRPr lang="en-US" dirty="0"/>
+          </a:p>
+        </p:txBody>
+      </p:sp>
+      <p:sp>
+        <p:nvSpPr>
+          <p:cNvPr id="15" name="TextBox 14"/>
+          <p:cNvSpPr txBox="1"/>
+          <p:nvPr/>
+        </p:nvSpPr>
+        <p:spPr>
+          <a:xfrm>
+            <a:off x="3270421" y="1310276"/>
+            <a:ext cx="459260" cy="369332"/>
+          </a:xfrm>
+          <a:prstGeom prst="rect">
+            <a:avLst/>
+          </a:prstGeom>
+          <a:noFill/>
+          <a:ln>
+            <a:solidFill>
+              <a:schemeClr val="accent1"/>
+            </a:solidFill>
+          </a:ln>
+        </p:spPr>
+        <p:txBody>
+          <a:bodyPr wrap="square" rtlCol="0">
+            <a:spAutoFit/>
+          </a:bodyPr>
+          <a:lstStyle/>
+          <a:p>
+            <a:r>
+              <a:rPr lang="en-US" smtClean="0"/>
+              <a:t>S0</a:t>
+            </a:r>
+            <a:endParaRPr lang="en-US" dirty="0"/>
+          </a:p>
+        </p:txBody>
+      </p:sp>
+      <p:sp>
+        <p:nvSpPr>
+          <p:cNvPr id="16" name="TextBox 15"/>
+          <p:cNvSpPr txBox="1"/>
+          <p:nvPr/>
+        </p:nvSpPr>
+        <p:spPr>
+          <a:xfrm>
+            <a:off x="4550987" y="2694628"/>
+            <a:ext cx="459260" cy="369332"/>
+          </a:xfrm>
+          <a:prstGeom prst="rect">
+            <a:avLst/>
+          </a:prstGeom>
+          <a:noFill/>
+          <a:ln>
+            <a:solidFill>
+              <a:schemeClr val="accent1"/>
+            </a:solidFill>
+          </a:ln>
+        </p:spPr>
+        <p:txBody>
+          <a:bodyPr wrap="square" rtlCol="0">
+            <a:spAutoFit/>
+          </a:bodyPr>
+          <a:lstStyle/>
+          <a:p>
+            <a:r>
+              <a:rPr lang="en-US" smtClean="0"/>
+              <a:t>S1</a:t>
+            </a:r>
+            <a:endParaRPr lang="en-US" dirty="0"/>
+          </a:p>
+        </p:txBody>
+      </p:sp>
+      <p:sp>
+        <p:nvSpPr>
+          <p:cNvPr id="17" name="TextBox 16"/>
+          <p:cNvSpPr txBox="1"/>
+          <p:nvPr/>
+        </p:nvSpPr>
+        <p:spPr>
+          <a:xfrm>
+            <a:off x="3729681" y="4199923"/>
+            <a:ext cx="459260" cy="369332"/>
+          </a:xfrm>
+          <a:prstGeom prst="rect">
+            <a:avLst/>
+          </a:prstGeom>
+          <a:noFill/>
+          <a:ln>
+            <a:solidFill>
+              <a:schemeClr val="accent1"/>
+            </a:solidFill>
+          </a:ln>
+        </p:spPr>
+        <p:txBody>
+          <a:bodyPr wrap="square" rtlCol="0">
+            <a:spAutoFit/>
+          </a:bodyPr>
+          <a:lstStyle/>
+          <a:p>
+            <a:r>
+              <a:rPr lang="en-US" dirty="0" smtClean="0"/>
+              <a:t>S2</a:t>
+            </a:r>
+            <a:endParaRPr lang="en-US" dirty="0"/>
+          </a:p>
+        </p:txBody>
+      </p:sp>
+      <p:sp>
+        <p:nvSpPr>
+          <p:cNvPr id="18" name="TextBox 17"/>
+          <p:cNvSpPr txBox="1"/>
+          <p:nvPr/>
+        </p:nvSpPr>
+        <p:spPr>
+          <a:xfrm>
+            <a:off x="1930743" y="4199923"/>
+            <a:ext cx="459260" cy="369332"/>
+          </a:xfrm>
+          <a:prstGeom prst="rect">
+            <a:avLst/>
+          </a:prstGeom>
+          <a:noFill/>
+          <a:ln>
+            <a:solidFill>
+              <a:schemeClr val="accent1"/>
+            </a:solidFill>
+          </a:ln>
+        </p:spPr>
+        <p:txBody>
+          <a:bodyPr wrap="square" rtlCol="0">
+            <a:spAutoFit/>
+          </a:bodyPr>
+          <a:lstStyle/>
+          <a:p>
+            <a:r>
+              <a:rPr lang="en-US" smtClean="0"/>
+              <a:t>S3</a:t>
+            </a:r>
+            <a:endParaRPr lang="en-US" dirty="0"/>
+          </a:p>
+        </p:txBody>
+      </p:sp>
+      <p:sp>
+        <p:nvSpPr>
+          <p:cNvPr id="19" name="TextBox 18"/>
+          <p:cNvSpPr txBox="1"/>
+          <p:nvPr/>
+        </p:nvSpPr>
+        <p:spPr>
+          <a:xfrm>
+            <a:off x="1148566" y="2596630"/>
+            <a:ext cx="534012" cy="369332"/>
+          </a:xfrm>
+          <a:prstGeom prst="rect">
+            <a:avLst/>
+          </a:prstGeom>
+          <a:noFill/>
+          <a:ln>
+            <a:solidFill>
+              <a:schemeClr val="accent1"/>
+            </a:solidFill>
+          </a:ln>
+        </p:spPr>
+        <p:txBody>
+          <a:bodyPr wrap="square" rtlCol="0">
+            <a:spAutoFit/>
+          </a:bodyPr>
+          <a:lstStyle/>
+          <a:p>
+            <a:r>
+              <a:rPr lang="en-US" smtClean="0"/>
+              <a:t>SM</a:t>
+            </a:r>
+            <a:endParaRPr lang="en-US" dirty="0"/>
+          </a:p>
+        </p:txBody>
+      </p:sp>
+      <p:sp>
+        <p:nvSpPr>
+          <p:cNvPr id="20" name="TextBox 19"/>
+          <p:cNvSpPr txBox="1"/>
+          <p:nvPr/>
+        </p:nvSpPr>
+        <p:spPr>
+          <a:xfrm>
+            <a:off x="1930743" y="1477435"/>
+            <a:ext cx="459260" cy="369332"/>
+          </a:xfrm>
+          <a:prstGeom prst="rect">
+            <a:avLst/>
+          </a:prstGeom>
+          <a:noFill/>
+          <a:ln>
+            <a:solidFill>
+              <a:schemeClr val="accent1"/>
+            </a:solidFill>
+          </a:ln>
+        </p:spPr>
+        <p:txBody>
+          <a:bodyPr wrap="square" rtlCol="0">
+            <a:spAutoFit/>
+          </a:bodyPr>
+          <a:lstStyle/>
+          <a:p>
+            <a:endParaRPr lang="en-US" dirty="0"/>
+          </a:p>
+        </p:txBody>
+      </p:sp>
+      <p:sp>
+        <p:nvSpPr>
+          <p:cNvPr id="21" name="TextBox 20"/>
+          <p:cNvSpPr txBox="1"/>
+          <p:nvPr/>
+        </p:nvSpPr>
+        <p:spPr>
+          <a:xfrm>
+            <a:off x="4123037" y="1701231"/>
+            <a:ext cx="459260" cy="369332"/>
+          </a:xfrm>
+          <a:prstGeom prst="rect">
+            <a:avLst/>
+          </a:prstGeom>
+          <a:noFill/>
+          <a:ln>
+            <a:solidFill>
+              <a:schemeClr val="accent1"/>
+            </a:solidFill>
+          </a:ln>
+        </p:spPr>
+        <p:txBody>
+          <a:bodyPr wrap="square" rtlCol="0">
+            <a:spAutoFit/>
+          </a:bodyPr>
+          <a:lstStyle/>
+          <a:p>
+            <a:endParaRPr lang="en-US" dirty="0"/>
+          </a:p>
+        </p:txBody>
+      </p:sp>
+      <p:sp>
+        <p:nvSpPr>
+          <p:cNvPr id="22" name="TextBox 21"/>
+          <p:cNvSpPr txBox="1"/>
+          <p:nvPr/>
+        </p:nvSpPr>
+        <p:spPr>
+          <a:xfrm>
+            <a:off x="7662041" y="1633381"/>
+            <a:ext cx="1348510" cy="369332"/>
+          </a:xfrm>
+          <a:prstGeom prst="rect">
+            <a:avLst/>
+          </a:prstGeom>
+          <a:noFill/>
+          <a:ln>
+            <a:noFill/>
+          </a:ln>
+        </p:spPr>
+        <p:txBody>
+          <a:bodyPr wrap="square" rtlCol="0">
+            <a:spAutoFit/>
+          </a:bodyPr>
+          <a:lstStyle/>
+          <a:p>
+            <a:r>
+              <a:rPr lang="en-US" dirty="0" smtClean="0"/>
+              <a:t>H1(1) % M</a:t>
+            </a:r>
+            <a:endParaRPr lang="en-US" dirty="0"/>
+          </a:p>
+        </p:txBody>
+      </p:sp>
+      <p:sp>
+        <p:nvSpPr>
+          <p:cNvPr id="23" name="TextBox 22"/>
+          <p:cNvSpPr txBox="1"/>
+          <p:nvPr/>
+        </p:nvSpPr>
+        <p:spPr>
+          <a:xfrm>
+            <a:off x="7662041" y="2670430"/>
+            <a:ext cx="1348510" cy="369332"/>
+          </a:xfrm>
+          <a:prstGeom prst="rect">
+            <a:avLst/>
+          </a:prstGeom>
+          <a:noFill/>
+          <a:ln>
+            <a:noFill/>
+          </a:ln>
+        </p:spPr>
+        <p:txBody>
+          <a:bodyPr wrap="square" rtlCol="0">
+            <a:spAutoFit/>
+          </a:bodyPr>
+          <a:lstStyle/>
+          <a:p>
+            <a:r>
+              <a:rPr lang="en-US" dirty="0" smtClean="0"/>
+              <a:t>H1(2) % M</a:t>
+            </a:r>
+            <a:endParaRPr lang="en-US" dirty="0"/>
+          </a:p>
+        </p:txBody>
+      </p:sp>
+      <p:sp>
+        <p:nvSpPr>
+          <p:cNvPr id="24" name="TextBox 23"/>
+          <p:cNvSpPr txBox="1"/>
+          <p:nvPr/>
+        </p:nvSpPr>
+        <p:spPr>
+          <a:xfrm>
+            <a:off x="7662041" y="3701874"/>
+            <a:ext cx="1348510" cy="369332"/>
+          </a:xfrm>
+          <a:prstGeom prst="rect">
+            <a:avLst/>
+          </a:prstGeom>
+          <a:noFill/>
+          <a:ln>
+            <a:noFill/>
+          </a:ln>
+        </p:spPr>
+        <p:txBody>
+          <a:bodyPr wrap="square" rtlCol="0">
+            <a:spAutoFit/>
+          </a:bodyPr>
+          <a:lstStyle/>
+          <a:p>
+            <a:r>
+              <a:rPr lang="en-US" dirty="0" smtClean="0"/>
+              <a:t>H1(3) % M</a:t>
+            </a:r>
+            <a:endParaRPr lang="en-US" dirty="0"/>
+          </a:p>
+        </p:txBody>
+      </p:sp>
+      <p:sp>
+        <p:nvSpPr>
+          <p:cNvPr id="25" name="TextBox 24"/>
+          <p:cNvSpPr txBox="1"/>
+          <p:nvPr/>
+        </p:nvSpPr>
+        <p:spPr>
+          <a:xfrm>
+            <a:off x="7662041" y="4548652"/>
+            <a:ext cx="1348510" cy="369332"/>
+          </a:xfrm>
+          <a:prstGeom prst="rect">
+            <a:avLst/>
+          </a:prstGeom>
+          <a:noFill/>
+          <a:ln>
+            <a:noFill/>
+          </a:ln>
+        </p:spPr>
+        <p:txBody>
+          <a:bodyPr wrap="square" rtlCol="0">
+            <a:spAutoFit/>
+          </a:bodyPr>
+          <a:lstStyle/>
+          <a:p>
+            <a:r>
+              <a:rPr lang="en-US" dirty="0" smtClean="0"/>
+              <a:t>H1(M) % M</a:t>
+            </a:r>
+            <a:endParaRPr lang="en-US" dirty="0"/>
+          </a:p>
+        </p:txBody>
+      </p:sp>
+      <p:sp>
+        <p:nvSpPr>
+          <p:cNvPr id="26" name="TextBox 25"/>
+          <p:cNvSpPr txBox="1"/>
+          <p:nvPr/>
+        </p:nvSpPr>
+        <p:spPr>
+          <a:xfrm>
+            <a:off x="9425789" y="881161"/>
+            <a:ext cx="2547908" cy="3416320"/>
+          </a:xfrm>
+          <a:prstGeom prst="rect">
+            <a:avLst/>
+          </a:prstGeom>
+          <a:noFill/>
+          <a:ln>
+            <a:noFill/>
+          </a:ln>
+        </p:spPr>
+        <p:txBody>
+          <a:bodyPr wrap="square" rtlCol="0">
+            <a:spAutoFit/>
+          </a:bodyPr>
+          <a:lstStyle/>
+          <a:p>
+            <a:pPr marL="285750" indent="-285750">
+              <a:buFont typeface="Arial" charset="0"/>
+              <a:buChar char="•"/>
+            </a:pPr>
+            <a:r>
+              <a:rPr lang="en-US" dirty="0" smtClean="0"/>
+              <a:t>Assign server to positions</a:t>
+            </a:r>
+          </a:p>
+          <a:p>
+            <a:pPr marL="285750" indent="-285750">
+              <a:buFont typeface="Arial" charset="0"/>
+              <a:buChar char="•"/>
+            </a:pPr>
+            <a:r>
+              <a:rPr lang="en-US" dirty="0" smtClean="0"/>
+              <a:t>Hash request ID, and find closest server</a:t>
+            </a:r>
+          </a:p>
+          <a:p>
+            <a:pPr marL="285750" indent="-285750">
+              <a:buFont typeface="Arial" charset="0"/>
+              <a:buChar char="•"/>
+            </a:pPr>
+            <a:r>
+              <a:rPr lang="en-US" dirty="0" smtClean="0"/>
+              <a:t>2</a:t>
+            </a:r>
+            <a:r>
+              <a:rPr lang="en-US" baseline="30000" dirty="0" smtClean="0"/>
+              <a:t>nd</a:t>
+            </a:r>
+            <a:r>
+              <a:rPr lang="en-US" dirty="0" smtClean="0"/>
+              <a:t> hash table, taking into account virtual servers, to load balance equally</a:t>
+            </a:r>
+          </a:p>
+          <a:p>
+            <a:pPr marL="285750" indent="-285750">
+              <a:buFont typeface="Arial" charset="0"/>
+              <a:buChar char="•"/>
+            </a:pPr>
+            <a:r>
+              <a:rPr lang="en-US" dirty="0" smtClean="0"/>
+              <a:t>Each servers maps to multiple points</a:t>
+            </a:r>
+          </a:p>
+          <a:p>
+            <a:pPr marL="285750" indent="-285750">
+              <a:buFont typeface="Arial" charset="0"/>
+              <a:buChar char="•"/>
+            </a:pPr>
+            <a:r>
+              <a:rPr lang="en-US" dirty="0" smtClean="0"/>
+              <a:t>Works well only when many servers</a:t>
+            </a:r>
+            <a:endParaRPr lang="en-US" dirty="0"/>
+          </a:p>
+        </p:txBody>
+      </p:sp>
+      <p:sp>
+        <p:nvSpPr>
+          <p:cNvPr id="27" name="TextBox 26"/>
+          <p:cNvSpPr txBox="1"/>
+          <p:nvPr/>
+        </p:nvSpPr>
+        <p:spPr>
+          <a:xfrm>
+            <a:off x="3959311" y="689466"/>
+            <a:ext cx="773327" cy="369332"/>
+          </a:xfrm>
+          <a:prstGeom prst="rect">
+            <a:avLst/>
+          </a:prstGeom>
+          <a:noFill/>
+          <a:ln>
+            <a:noFill/>
+          </a:ln>
+        </p:spPr>
+        <p:txBody>
+          <a:bodyPr wrap="square" rtlCol="0">
+            <a:spAutoFit/>
+          </a:bodyPr>
+          <a:lstStyle/>
+          <a:p>
+            <a:r>
+              <a:rPr lang="en-US" dirty="0" smtClean="0"/>
+              <a:t>1 / M</a:t>
+            </a:r>
+            <a:endParaRPr lang="en-US" dirty="0"/>
+          </a:p>
+        </p:txBody>
+      </p:sp>
+    </p:spTree>
+    <p:extLst>
+      <p:ext uri="{BB962C8B-B14F-4D97-AF65-F5344CB8AC3E}">
+        <p14:creationId xmlns:p14="http://schemas.microsoft.com/office/powerpoint/2010/main" val="1987476536"/>
+      </p:ext>
+    </p:extLst>
+  </p:cSld>
+  <p:clrMapOvr>
+    <a:masterClrMapping/>
+  </p:clrMapOvr>
+</p:sld>
+</file>
+
+<file path=ppt/slides/slide3.xml><?xml version="1.0" encoding="utf-8"?>
+<p:sld xmlns:a="http://schemas.openxmlformats.org/drawingml/2006/main" xmlns:r="http://schemas.openxmlformats.org/officeDocument/2006/relationships" xmlns:p="http://schemas.openxmlformats.org/presentationml/2006/main">
+  <p:cSld>
+    <p:spTree>
+      <p:nvGrpSpPr>
+        <p:cNvPr id="1" name=""/>
+        <p:cNvGrpSpPr/>
+        <p:nvPr/>
+      </p:nvGrpSpPr>
+      <p:grpSpPr>
+        <a:xfrm>
+          <a:off x="0" y="0"/>
+          <a:ext cx="0" cy="0"/>
+          <a:chOff x="0" y="0"/>
+          <a:chExt cx="0" cy="0"/>
+        </a:xfrm>
+      </p:grpSpPr>
+      <p:sp>
+        <p:nvSpPr>
+          <p:cNvPr id="4" name="Rectangle 3"/>
           <p:cNvSpPr/>
           <p:nvPr/>
         </p:nvSpPr>
         <p:spPr>
           <a:xfrm>
             <a:off x="4550987" y="0"/>
-            <a:ext cx="3111054" cy="523220"/>
+            <a:ext cx="3604472" cy="523220"/>
           </a:xfrm>
           <a:prstGeom prst="rect">
             <a:avLst/>
@@ -3043,7 +4241,23 @@
                   </a:outerShdw>
                 </a:effectLst>
               </a:rPr>
-              <a:t>WhatsApp</a:t>
+              <a:t>Message/ Task </a:t>
+            </a:r>
+            <a:r>
+              <a:rPr lang="en-US" sz="2800" b="0" cap="none" spc="0" dirty="0" smtClean="0">
+                <a:ln w="0"/>
+                <a:solidFill>
+                  <a:schemeClr val="accent2"/>
+                </a:solidFill>
+                <a:effectLst>
+                  <a:outerShdw blurRad="38100" dist="19050" dir="2700000" algn="tl" rotWithShape="0">
+                    <a:schemeClr val="dk1">
+                      <a:alpha val="40000"/>
+                    </a:schemeClr>
+                  </a:outerShdw>
+                </a:effectLst>
+              </a:rPr>
+              <a:t>Queues</a:t>
             </a:r>
             <a:endParaRPr lang="en-US" sz="5400" b="0" cap="none" spc="0" dirty="0">
               <a:ln w="0"/>
@@ -3063,14 +4277,14 @@
       </p:sp>
       <p:sp>
         <p:nvSpPr>
-          <p:cNvPr id="6" name="TextBox 5"/>
+          <p:cNvPr id="3" name="TextBox 2"/>
           <p:cNvSpPr txBox="1"/>
           <p:nvPr/>
         </p:nvSpPr>
         <p:spPr>
           <a:xfrm>
-            <a:off x="451236" y="1719151"/>
-            <a:ext cx="1136822" cy="646331"/>
+            <a:off x="2542918" y="847039"/>
+            <a:ext cx="1136822" cy="369332"/>
           </a:xfrm>
           <a:prstGeom prst="rect">
             <a:avLst/>
@@ -3090,24 +4304,22 @@
           <a:p>
             <a:r>
               <a:rPr lang="en-US" dirty="0" smtClean="0"/>
-              <a:t>Client 2</a:t>
-            </a:r>
-          </a:p>
-          <a:p>
+              <a:t>Server 0</a:t>
+            </a:r>
             <a:endParaRPr lang="en-US" dirty="0"/>
           </a:p>
         </p:txBody>
       </p:sp>
       <p:sp>
         <p:nvSpPr>
-          <p:cNvPr id="7" name="TextBox 6"/>
+          <p:cNvPr id="5" name="TextBox 4"/>
           <p:cNvSpPr txBox="1"/>
           <p:nvPr/>
         </p:nvSpPr>
         <p:spPr>
           <a:xfrm>
-            <a:off x="449106" y="2565233"/>
-            <a:ext cx="1136822" cy="646331"/>
+            <a:off x="2542918" y="1645081"/>
+            <a:ext cx="1136822" cy="369332"/>
           </a:xfrm>
           <a:prstGeom prst="rect">
             <a:avLst/>
@@ -3127,24 +4339,22 @@
           <a:p>
             <a:r>
               <a:rPr lang="en-US" dirty="0" smtClean="0"/>
-              <a:t>Client 3</a:t>
-            </a:r>
-          </a:p>
-          <a:p>
+              <a:t>Server 1</a:t>
+            </a:r>
             <a:endParaRPr lang="en-US" dirty="0"/>
           </a:p>
         </p:txBody>
       </p:sp>
       <p:sp>
         <p:nvSpPr>
-          <p:cNvPr id="8" name="TextBox 7"/>
+          <p:cNvPr id="6" name="TextBox 5"/>
           <p:cNvSpPr txBox="1"/>
           <p:nvPr/>
         </p:nvSpPr>
         <p:spPr>
           <a:xfrm>
-            <a:off x="449106" y="3411315"/>
-            <a:ext cx="1136822" cy="646331"/>
+            <a:off x="2542918" y="2602384"/>
+            <a:ext cx="1136822" cy="369332"/>
           </a:xfrm>
           <a:prstGeom prst="rect">
             <a:avLst/>
@@ -3164,24 +4374,22 @@
           <a:p>
             <a:r>
               <a:rPr lang="en-US" dirty="0" smtClean="0"/>
-              <a:t>Client 4</a:t>
-            </a:r>
-          </a:p>
-          <a:p>
+              <a:t>Server 2</a:t>
+            </a:r>
             <a:endParaRPr lang="en-US" dirty="0"/>
           </a:p>
         </p:txBody>
       </p:sp>
       <p:sp>
         <p:nvSpPr>
-          <p:cNvPr id="9" name="TextBox 8"/>
+          <p:cNvPr id="7" name="TextBox 6"/>
           <p:cNvSpPr txBox="1"/>
           <p:nvPr/>
         </p:nvSpPr>
         <p:spPr>
           <a:xfrm>
-            <a:off x="449106" y="4257397"/>
-            <a:ext cx="1136822" cy="646331"/>
+            <a:off x="2542918" y="3559687"/>
+            <a:ext cx="1136822" cy="369332"/>
           </a:xfrm>
           <a:prstGeom prst="rect">
             <a:avLst/>
@@ -3200,25 +4408,594 @@
           <a:lstStyle/>
           <a:p>
             <a:r>
-              <a:rPr lang="en-US" dirty="0" smtClean="0"/>
-              <a:t>Client 5</a:t>
-            </a:r>
-          </a:p>
-          <a:p>
+              <a:rPr lang="en-US" smtClean="0"/>
+              <a:t>Server 3</a:t>
+            </a:r>
             <a:endParaRPr lang="en-US" dirty="0"/>
           </a:p>
         </p:txBody>
       </p:sp>
-      <p:sp>
-        <p:nvSpPr>
-          <p:cNvPr id="11" name="TextBox 10"/>
+      <p:graphicFrame>
+        <p:nvGraphicFramePr>
+          <p:cNvPr id="2" name="Table 1"/>
+          <p:cNvGraphicFramePr>
+            <a:graphicFrameLocks noGrp="1"/>
+          </p:cNvGraphicFramePr>
+          <p:nvPr>
+            <p:extLst>
+              <p:ext uri="{D42A27DB-BD31-4B8C-83A1-F6EECF244321}">
+                <p14:modId xmlns:p14="http://schemas.microsoft.com/office/powerpoint/2010/main" val="465419092"/>
+              </p:ext>
+            </p:extLst>
+          </p:nvPr>
+        </p:nvGraphicFramePr>
+        <p:xfrm>
+          <a:off x="7962085" y="847039"/>
+          <a:ext cx="3381417" cy="2364090"/>
+        </p:xfrm>
+        <a:graphic>
+          <a:graphicData uri="http://schemas.openxmlformats.org/drawingml/2006/table">
+            <a:tbl>
+              <a:tblPr firstRow="1" bandRow="1">
+                <a:tableStyleId>{5C22544A-7EE6-4342-B048-85BDC9FD1C3A}</a:tableStyleId>
+              </a:tblPr>
+              <a:tblGrid>
+                <a:gridCol w="1127139"/>
+                <a:gridCol w="1127139"/>
+                <a:gridCol w="1127139"/>
+              </a:tblGrid>
+              <a:tr h="472818">
+                <a:tc>
+                  <a:txBody>
+                    <a:bodyPr/>
+                    <a:lstStyle/>
+                    <a:p>
+                      <a:pPr algn="ctr"/>
+                      <a:r>
+                        <a:rPr lang="en-US" dirty="0" smtClean="0"/>
+                        <a:t>ID</a:t>
+                      </a:r>
+                      <a:endParaRPr lang="en-US" dirty="0"/>
+                    </a:p>
+                  </a:txBody>
+                  <a:tcPr/>
+                </a:tc>
+                <a:tc>
+                  <a:txBody>
+                    <a:bodyPr/>
+                    <a:lstStyle/>
+                    <a:p>
+                      <a:pPr algn="ctr"/>
+                      <a:r>
+                        <a:rPr lang="en-US" dirty="0" smtClean="0"/>
+                        <a:t>Contents</a:t>
+                      </a:r>
+                      <a:endParaRPr lang="en-US" dirty="0"/>
+                    </a:p>
+                  </a:txBody>
+                  <a:tcPr/>
+                </a:tc>
+                <a:tc>
+                  <a:txBody>
+                    <a:bodyPr/>
+                    <a:lstStyle/>
+                    <a:p>
+                      <a:pPr algn="ctr"/>
+                      <a:r>
+                        <a:rPr lang="en-US" dirty="0" smtClean="0"/>
+                        <a:t>Done</a:t>
+                      </a:r>
+                      <a:endParaRPr lang="en-US" dirty="0"/>
+                    </a:p>
+                  </a:txBody>
+                  <a:tcPr/>
+                </a:tc>
+              </a:tr>
+              <a:tr h="472818">
+                <a:tc>
+                  <a:txBody>
+                    <a:bodyPr/>
+                    <a:lstStyle/>
+                    <a:p>
+                      <a:r>
+                        <a:rPr lang="en-US" dirty="0" smtClean="0"/>
+                        <a:t>1</a:t>
+                      </a:r>
+                      <a:endParaRPr lang="en-US" dirty="0"/>
+                    </a:p>
+                  </a:txBody>
+                  <a:tcPr/>
+                </a:tc>
+                <a:tc>
+                  <a:txBody>
+                    <a:bodyPr/>
+                    <a:lstStyle/>
+                    <a:p>
+                      <a:r>
+                        <a:rPr lang="en-US" dirty="0" smtClean="0"/>
+                        <a:t>Ham</a:t>
+                      </a:r>
+                      <a:endParaRPr lang="en-US" dirty="0"/>
+                    </a:p>
+                  </a:txBody>
+                  <a:tcPr/>
+                </a:tc>
+                <a:tc>
+                  <a:txBody>
+                    <a:bodyPr/>
+                    <a:lstStyle/>
+                    <a:p>
+                      <a:r>
+                        <a:rPr lang="en-US" dirty="0" smtClean="0"/>
+                        <a:t>Y</a:t>
+                      </a:r>
+                      <a:endParaRPr lang="en-US" dirty="0"/>
+                    </a:p>
+                  </a:txBody>
+                  <a:tcPr/>
+                </a:tc>
+              </a:tr>
+              <a:tr h="472818">
+                <a:tc>
+                  <a:txBody>
+                    <a:bodyPr/>
+                    <a:lstStyle/>
+                    <a:p>
+                      <a:r>
+                        <a:rPr lang="en-US" dirty="0" smtClean="0"/>
+                        <a:t>2</a:t>
+                      </a:r>
+                      <a:endParaRPr lang="en-US" dirty="0"/>
+                    </a:p>
+                  </a:txBody>
+                  <a:tcPr/>
+                </a:tc>
+                <a:tc>
+                  <a:txBody>
+                    <a:bodyPr/>
+                    <a:lstStyle/>
+                    <a:p>
+                      <a:r>
+                        <a:rPr lang="en-US" dirty="0" smtClean="0"/>
+                        <a:t>Cheese</a:t>
+                      </a:r>
+                      <a:endParaRPr lang="en-US" dirty="0"/>
+                    </a:p>
+                  </a:txBody>
+                  <a:tcPr/>
+                </a:tc>
+                <a:tc>
+                  <a:txBody>
+                    <a:bodyPr/>
+                    <a:lstStyle/>
+                    <a:p>
+                      <a:r>
+                        <a:rPr lang="en-US" dirty="0" smtClean="0"/>
+                        <a:t>N</a:t>
+                      </a:r>
+                      <a:endParaRPr lang="en-US" dirty="0"/>
+                    </a:p>
+                  </a:txBody>
+                  <a:tcPr/>
+                </a:tc>
+              </a:tr>
+              <a:tr h="472818">
+                <a:tc>
+                  <a:txBody>
+                    <a:bodyPr/>
+                    <a:lstStyle/>
+                    <a:p>
+                      <a:r>
+                        <a:rPr lang="en-US" dirty="0" smtClean="0"/>
+                        <a:t>3</a:t>
+                      </a:r>
+                      <a:endParaRPr lang="en-US" dirty="0"/>
+                    </a:p>
+                  </a:txBody>
+                  <a:tcPr/>
+                </a:tc>
+                <a:tc>
+                  <a:txBody>
+                    <a:bodyPr/>
+                    <a:lstStyle/>
+                    <a:p>
+                      <a:r>
+                        <a:rPr lang="en-US" dirty="0" smtClean="0"/>
+                        <a:t>Plain</a:t>
+                      </a:r>
+                      <a:endParaRPr lang="en-US" dirty="0"/>
+                    </a:p>
+                  </a:txBody>
+                  <a:tcPr/>
+                </a:tc>
+                <a:tc>
+                  <a:txBody>
+                    <a:bodyPr/>
+                    <a:lstStyle/>
+                    <a:p>
+                      <a:r>
+                        <a:rPr lang="en-US" dirty="0" smtClean="0"/>
+                        <a:t>N</a:t>
+                      </a:r>
+                      <a:endParaRPr lang="en-US" dirty="0"/>
+                    </a:p>
+                  </a:txBody>
+                  <a:tcPr/>
+                </a:tc>
+              </a:tr>
+              <a:tr h="472818">
+                <a:tc>
+                  <a:txBody>
+                    <a:bodyPr/>
+                    <a:lstStyle/>
+                    <a:p>
+                      <a:r>
+                        <a:rPr lang="en-US" dirty="0" smtClean="0"/>
+                        <a:t>4</a:t>
+                      </a:r>
+                      <a:endParaRPr lang="en-US" dirty="0"/>
+                    </a:p>
+                  </a:txBody>
+                  <a:tcPr/>
+                </a:tc>
+                <a:tc>
+                  <a:txBody>
+                    <a:bodyPr/>
+                    <a:lstStyle/>
+                    <a:p>
+                      <a:r>
+                        <a:rPr lang="mr-IN" dirty="0" smtClean="0"/>
+                        <a:t>…</a:t>
+                      </a:r>
+                      <a:endParaRPr lang="en-US" dirty="0"/>
+                    </a:p>
+                  </a:txBody>
+                  <a:tcPr/>
+                </a:tc>
+                <a:tc>
+                  <a:txBody>
+                    <a:bodyPr/>
+                    <a:lstStyle/>
+                    <a:p>
+                      <a:r>
+                        <a:rPr lang="mr-IN" dirty="0" smtClean="0"/>
+                        <a:t>…</a:t>
+                      </a:r>
+                      <a:endParaRPr lang="en-US" dirty="0"/>
+                    </a:p>
+                  </a:txBody>
+                  <a:tcPr/>
+                </a:tc>
+              </a:tr>
+            </a:tbl>
+          </a:graphicData>
+        </a:graphic>
+      </p:graphicFrame>
+      <p:cxnSp>
+        <p:nvCxnSpPr>
+          <p:cNvPr id="12" name="Straight Arrow Connector 11"/>
+          <p:cNvCxnSpPr/>
+          <p:nvPr/>
+        </p:nvCxnSpPr>
+        <p:spPr>
+          <a:xfrm flipV="1">
+            <a:off x="1149178" y="1000897"/>
+            <a:ext cx="1260390" cy="74141"/>
+          </a:xfrm>
+          <a:prstGeom prst="straightConnector1">
+            <a:avLst/>
+          </a:prstGeom>
+          <a:ln>
+            <a:tailEnd type="triangle"/>
+          </a:ln>
+        </p:spPr>
+        <p:style>
+          <a:lnRef idx="1">
+            <a:schemeClr val="accent1"/>
+          </a:lnRef>
+          <a:fillRef idx="0">
+            <a:schemeClr val="accent1"/>
+          </a:fillRef>
+          <a:effectRef idx="0">
+            <a:schemeClr val="accent1"/>
+          </a:effectRef>
+          <a:fontRef idx="minor">
+            <a:schemeClr val="tx1"/>
+          </a:fontRef>
+        </p:style>
+      </p:cxnSp>
+      <p:cxnSp>
+        <p:nvCxnSpPr>
+          <p:cNvPr id="13" name="Straight Arrow Connector 12"/>
+          <p:cNvCxnSpPr/>
+          <p:nvPr/>
+        </p:nvCxnSpPr>
+        <p:spPr>
+          <a:xfrm flipV="1">
+            <a:off x="1262706" y="1835156"/>
+            <a:ext cx="1260390" cy="74141"/>
+          </a:xfrm>
+          <a:prstGeom prst="straightConnector1">
+            <a:avLst/>
+          </a:prstGeom>
+          <a:ln>
+            <a:tailEnd type="triangle"/>
+          </a:ln>
+        </p:spPr>
+        <p:style>
+          <a:lnRef idx="1">
+            <a:schemeClr val="accent1"/>
+          </a:lnRef>
+          <a:fillRef idx="0">
+            <a:schemeClr val="accent1"/>
+          </a:fillRef>
+          <a:effectRef idx="0">
+            <a:schemeClr val="accent1"/>
+          </a:effectRef>
+          <a:fontRef idx="minor">
+            <a:schemeClr val="tx1"/>
+          </a:fontRef>
+        </p:style>
+      </p:cxnSp>
+      <p:cxnSp>
+        <p:nvCxnSpPr>
+          <p:cNvPr id="14" name="Straight Arrow Connector 13"/>
+          <p:cNvCxnSpPr/>
+          <p:nvPr/>
+        </p:nvCxnSpPr>
+        <p:spPr>
+          <a:xfrm flipV="1">
+            <a:off x="1262706" y="2791683"/>
+            <a:ext cx="1260390" cy="74141"/>
+          </a:xfrm>
+          <a:prstGeom prst="straightConnector1">
+            <a:avLst/>
+          </a:prstGeom>
+          <a:ln>
+            <a:tailEnd type="triangle"/>
+          </a:ln>
+        </p:spPr>
+        <p:style>
+          <a:lnRef idx="1">
+            <a:schemeClr val="accent1"/>
+          </a:lnRef>
+          <a:fillRef idx="0">
+            <a:schemeClr val="accent1"/>
+          </a:fillRef>
+          <a:effectRef idx="0">
+            <a:schemeClr val="accent1"/>
+          </a:effectRef>
+          <a:fontRef idx="minor">
+            <a:schemeClr val="tx1"/>
+          </a:fontRef>
+        </p:style>
+      </p:cxnSp>
+      <p:cxnSp>
+        <p:nvCxnSpPr>
+          <p:cNvPr id="15" name="Straight Arrow Connector 14"/>
+          <p:cNvCxnSpPr/>
+          <p:nvPr/>
+        </p:nvCxnSpPr>
+        <p:spPr>
+          <a:xfrm flipV="1">
+            <a:off x="1282528" y="3744353"/>
+            <a:ext cx="1260390" cy="74141"/>
+          </a:xfrm>
+          <a:prstGeom prst="straightConnector1">
+            <a:avLst/>
+          </a:prstGeom>
+          <a:ln>
+            <a:tailEnd type="triangle"/>
+          </a:ln>
+        </p:spPr>
+        <p:style>
+          <a:lnRef idx="1">
+            <a:schemeClr val="accent1"/>
+          </a:lnRef>
+          <a:fillRef idx="0">
+            <a:schemeClr val="accent1"/>
+          </a:fillRef>
+          <a:effectRef idx="0">
+            <a:schemeClr val="accent1"/>
+          </a:effectRef>
+          <a:fontRef idx="minor">
+            <a:schemeClr val="tx1"/>
+          </a:fontRef>
+        </p:style>
+      </p:cxnSp>
+      <p:cxnSp>
+        <p:nvCxnSpPr>
+          <p:cNvPr id="16" name="Straight Arrow Connector 15"/>
+          <p:cNvCxnSpPr/>
+          <p:nvPr/>
+        </p:nvCxnSpPr>
+        <p:spPr>
+          <a:xfrm flipV="1">
+            <a:off x="1282528" y="4113685"/>
+            <a:ext cx="1260390" cy="74141"/>
+          </a:xfrm>
+          <a:prstGeom prst="straightConnector1">
+            <a:avLst/>
+          </a:prstGeom>
+          <a:ln>
+            <a:tailEnd type="triangle"/>
+          </a:ln>
+        </p:spPr>
+        <p:style>
+          <a:lnRef idx="1">
+            <a:schemeClr val="accent1"/>
+          </a:lnRef>
+          <a:fillRef idx="0">
+            <a:schemeClr val="accent1"/>
+          </a:fillRef>
+          <a:effectRef idx="0">
+            <a:schemeClr val="accent1"/>
+          </a:effectRef>
+          <a:fontRef idx="minor">
+            <a:schemeClr val="tx1"/>
+          </a:fontRef>
+        </p:style>
+      </p:cxnSp>
+      <p:sp>
+        <p:nvSpPr>
+          <p:cNvPr id="17" name="TextBox 16"/>
           <p:cNvSpPr txBox="1"/>
           <p:nvPr/>
         </p:nvSpPr>
         <p:spPr>
           <a:xfrm>
-            <a:off x="2403034" y="1395985"/>
-            <a:ext cx="1270332" cy="646331"/>
+            <a:off x="1293130" y="814270"/>
+            <a:ext cx="619593" cy="276999"/>
+          </a:xfrm>
+          <a:prstGeom prst="rect">
+            <a:avLst/>
+          </a:prstGeom>
+          <a:noFill/>
+        </p:spPr>
+        <p:txBody>
+          <a:bodyPr wrap="square" rtlCol="0">
+            <a:spAutoFit/>
+          </a:bodyPr>
+          <a:lstStyle/>
+          <a:p>
+            <a:r>
+              <a:rPr lang="en-US" sz="1200" smtClean="0"/>
+              <a:t>20</a:t>
+            </a:r>
+            <a:endParaRPr lang="en-US" sz="1200" dirty="0"/>
+          </a:p>
+        </p:txBody>
+      </p:sp>
+      <p:sp>
+        <p:nvSpPr>
+          <p:cNvPr id="18" name="TextBox 17"/>
+          <p:cNvSpPr txBox="1"/>
+          <p:nvPr/>
+        </p:nvSpPr>
+        <p:spPr>
+          <a:xfrm>
+            <a:off x="1293130" y="1632298"/>
+            <a:ext cx="619593" cy="276999"/>
+          </a:xfrm>
+          <a:prstGeom prst="rect">
+            <a:avLst/>
+          </a:prstGeom>
+          <a:noFill/>
+        </p:spPr>
+        <p:txBody>
+          <a:bodyPr wrap="square" rtlCol="0">
+            <a:spAutoFit/>
+          </a:bodyPr>
+          <a:lstStyle/>
+          <a:p>
+            <a:r>
+              <a:rPr lang="en-US" sz="1200" dirty="0" smtClean="0"/>
+              <a:t>8</a:t>
+            </a:r>
+            <a:endParaRPr lang="en-US" sz="1200" dirty="0"/>
+          </a:p>
+        </p:txBody>
+      </p:sp>
+      <p:sp>
+        <p:nvSpPr>
+          <p:cNvPr id="19" name="TextBox 18"/>
+          <p:cNvSpPr txBox="1"/>
+          <p:nvPr/>
+        </p:nvSpPr>
+        <p:spPr>
+          <a:xfrm>
+            <a:off x="1262706" y="2533655"/>
+            <a:ext cx="619593" cy="276999"/>
+          </a:xfrm>
+          <a:prstGeom prst="rect">
+            <a:avLst/>
+          </a:prstGeom>
+          <a:noFill/>
+        </p:spPr>
+        <p:txBody>
+          <a:bodyPr wrap="square" rtlCol="0">
+            <a:spAutoFit/>
+          </a:bodyPr>
+          <a:lstStyle/>
+          <a:p>
+            <a:r>
+              <a:rPr lang="en-US" sz="1200" dirty="0" smtClean="0"/>
+              <a:t>3</a:t>
+            </a:r>
+            <a:endParaRPr lang="en-US" sz="1200" dirty="0"/>
+          </a:p>
+        </p:txBody>
+      </p:sp>
+      <p:sp>
+        <p:nvSpPr>
+          <p:cNvPr id="20" name="TextBox 19"/>
+          <p:cNvSpPr txBox="1"/>
+          <p:nvPr/>
+        </p:nvSpPr>
+        <p:spPr>
+          <a:xfrm>
+            <a:off x="1293130" y="3550591"/>
+            <a:ext cx="619593" cy="276999"/>
+          </a:xfrm>
+          <a:prstGeom prst="rect">
+            <a:avLst/>
+          </a:prstGeom>
+          <a:noFill/>
+        </p:spPr>
+        <p:txBody>
+          <a:bodyPr wrap="square" rtlCol="0">
+            <a:spAutoFit/>
+          </a:bodyPr>
+          <a:lstStyle/>
+          <a:p>
+            <a:r>
+              <a:rPr lang="en-US" sz="1200" dirty="0" smtClean="0"/>
+              <a:t>9</a:t>
+            </a:r>
+            <a:endParaRPr lang="en-US" sz="1200" dirty="0"/>
+          </a:p>
+        </p:txBody>
+      </p:sp>
+      <p:sp>
+        <p:nvSpPr>
+          <p:cNvPr id="21" name="TextBox 20"/>
+          <p:cNvSpPr txBox="1"/>
+          <p:nvPr/>
+        </p:nvSpPr>
+        <p:spPr>
+          <a:xfrm>
+            <a:off x="1273308" y="3975185"/>
+            <a:ext cx="619593" cy="276999"/>
+          </a:xfrm>
+          <a:prstGeom prst="rect">
+            <a:avLst/>
+          </a:prstGeom>
+          <a:noFill/>
+        </p:spPr>
+        <p:txBody>
+          <a:bodyPr wrap="square" rtlCol="0">
+            <a:spAutoFit/>
+          </a:bodyPr>
+          <a:lstStyle/>
+          <a:p>
+            <a:r>
+              <a:rPr lang="en-US" sz="1200" dirty="0" smtClean="0"/>
+              <a:t>11</a:t>
+            </a:r>
+            <a:endParaRPr lang="en-US" sz="1200" dirty="0"/>
+          </a:p>
+        </p:txBody>
+      </p:sp>
+      <p:sp>
+        <p:nvSpPr>
+          <p:cNvPr id="22" name="TextBox 21"/>
+          <p:cNvSpPr txBox="1"/>
+          <p:nvPr/>
+        </p:nvSpPr>
+        <p:spPr>
+          <a:xfrm>
+            <a:off x="5058245" y="1466509"/>
+            <a:ext cx="1747195" cy="923330"/>
           </a:xfrm>
           <a:prstGeom prst="rect">
             <a:avLst/>
@@ -3237,12 +5014,804 @@
           <a:lstStyle/>
           <a:p>
             <a:r>
-              <a:rPr lang="en-US" smtClean="0"/>
-              <a:t>Gateway </a:t>
+              <a:rPr lang="en-US" dirty="0" err="1" smtClean="0"/>
+              <a:t>Notifier</a:t>
             </a:r>
             <a:r>
               <a:rPr lang="en-US" dirty="0" smtClean="0"/>
-              <a:t>1</a:t>
+              <a:t> / Load Balancing</a:t>
+            </a:r>
+          </a:p>
+          <a:p>
+            <a:endParaRPr lang="en-US" dirty="0"/>
+          </a:p>
+        </p:txBody>
+      </p:sp>
+      <p:cxnSp>
+        <p:nvCxnSpPr>
+          <p:cNvPr id="24" name="Straight Arrow Connector 23"/>
+          <p:cNvCxnSpPr>
+            <a:stCxn id="3" idx="3"/>
+            <a:endCxn id="22" idx="1"/>
+          </p:cNvCxnSpPr>
+          <p:nvPr/>
+        </p:nvCxnSpPr>
+        <p:spPr>
+          <a:xfrm>
+            <a:off x="3679740" y="1031705"/>
+            <a:ext cx="1378505" cy="896469"/>
+          </a:xfrm>
+          <a:prstGeom prst="straightConnector1">
+            <a:avLst/>
+          </a:prstGeom>
+          <a:ln>
+            <a:headEnd type="triangle"/>
+            <a:tailEnd type="triangle"/>
+          </a:ln>
+        </p:spPr>
+        <p:style>
+          <a:lnRef idx="1">
+            <a:schemeClr val="accent1"/>
+          </a:lnRef>
+          <a:fillRef idx="0">
+            <a:schemeClr val="accent1"/>
+          </a:fillRef>
+          <a:effectRef idx="0">
+            <a:schemeClr val="accent1"/>
+          </a:effectRef>
+          <a:fontRef idx="minor">
+            <a:schemeClr val="tx1"/>
+          </a:fontRef>
+        </p:style>
+      </p:cxnSp>
+      <p:cxnSp>
+        <p:nvCxnSpPr>
+          <p:cNvPr id="26" name="Straight Arrow Connector 25"/>
+          <p:cNvCxnSpPr>
+            <a:stCxn id="5" idx="3"/>
+            <a:endCxn id="22" idx="1"/>
+          </p:cNvCxnSpPr>
+          <p:nvPr/>
+        </p:nvCxnSpPr>
+        <p:spPr>
+          <a:xfrm>
+            <a:off x="3679740" y="1829747"/>
+            <a:ext cx="1378505" cy="98427"/>
+          </a:xfrm>
+          <a:prstGeom prst="straightConnector1">
+            <a:avLst/>
+          </a:prstGeom>
+          <a:ln>
+            <a:headEnd type="triangle"/>
+            <a:tailEnd type="triangle"/>
+          </a:ln>
+        </p:spPr>
+        <p:style>
+          <a:lnRef idx="1">
+            <a:schemeClr val="accent1"/>
+          </a:lnRef>
+          <a:fillRef idx="0">
+            <a:schemeClr val="accent1"/>
+          </a:fillRef>
+          <a:effectRef idx="0">
+            <a:schemeClr val="accent1"/>
+          </a:effectRef>
+          <a:fontRef idx="minor">
+            <a:schemeClr val="tx1"/>
+          </a:fontRef>
+        </p:style>
+      </p:cxnSp>
+      <p:cxnSp>
+        <p:nvCxnSpPr>
+          <p:cNvPr id="28" name="Straight Arrow Connector 27"/>
+          <p:cNvCxnSpPr>
+            <a:stCxn id="6" idx="3"/>
+            <a:endCxn id="22" idx="1"/>
+          </p:cNvCxnSpPr>
+          <p:nvPr/>
+        </p:nvCxnSpPr>
+        <p:spPr>
+          <a:xfrm flipV="1">
+            <a:off x="3679740" y="1928174"/>
+            <a:ext cx="1378505" cy="858876"/>
+          </a:xfrm>
+          <a:prstGeom prst="straightConnector1">
+            <a:avLst/>
+          </a:prstGeom>
+          <a:ln>
+            <a:headEnd type="triangle"/>
+            <a:tailEnd type="triangle"/>
+          </a:ln>
+        </p:spPr>
+        <p:style>
+          <a:lnRef idx="1">
+            <a:schemeClr val="accent1"/>
+          </a:lnRef>
+          <a:fillRef idx="0">
+            <a:schemeClr val="accent1"/>
+          </a:fillRef>
+          <a:effectRef idx="0">
+            <a:schemeClr val="accent1"/>
+          </a:effectRef>
+          <a:fontRef idx="minor">
+            <a:schemeClr val="tx1"/>
+          </a:fontRef>
+        </p:style>
+      </p:cxnSp>
+      <p:cxnSp>
+        <p:nvCxnSpPr>
+          <p:cNvPr id="30" name="Straight Arrow Connector 29"/>
+          <p:cNvCxnSpPr>
+            <a:stCxn id="7" idx="3"/>
+          </p:cNvCxnSpPr>
+          <p:nvPr/>
+        </p:nvCxnSpPr>
+        <p:spPr>
+          <a:xfrm flipV="1">
+            <a:off x="3679740" y="1909297"/>
+            <a:ext cx="1378506" cy="1835056"/>
+          </a:xfrm>
+          <a:prstGeom prst="straightConnector1">
+            <a:avLst/>
+          </a:prstGeom>
+          <a:ln>
+            <a:headEnd type="triangle"/>
+            <a:tailEnd type="triangle"/>
+          </a:ln>
+        </p:spPr>
+        <p:style>
+          <a:lnRef idx="1">
+            <a:schemeClr val="accent1"/>
+          </a:lnRef>
+          <a:fillRef idx="0">
+            <a:schemeClr val="accent1"/>
+          </a:fillRef>
+          <a:effectRef idx="0">
+            <a:schemeClr val="accent1"/>
+          </a:effectRef>
+          <a:fontRef idx="minor">
+            <a:schemeClr val="tx1"/>
+          </a:fontRef>
+        </p:style>
+      </p:cxnSp>
+      <p:sp>
+        <p:nvSpPr>
+          <p:cNvPr id="31" name="TextBox 30"/>
+          <p:cNvSpPr txBox="1"/>
+          <p:nvPr/>
+        </p:nvSpPr>
+        <p:spPr>
+          <a:xfrm>
+            <a:off x="4000120" y="1031705"/>
+            <a:ext cx="816442" cy="276999"/>
+          </a:xfrm>
+          <a:prstGeom prst="rect">
+            <a:avLst/>
+          </a:prstGeom>
+          <a:noFill/>
+        </p:spPr>
+        <p:txBody>
+          <a:bodyPr wrap="none" rtlCol="0">
+            <a:spAutoFit/>
+          </a:bodyPr>
+          <a:lstStyle/>
+          <a:p>
+            <a:r>
+              <a:rPr lang="en-US" sz="1200" smtClean="0"/>
+              <a:t>Heartbeat</a:t>
+            </a:r>
+            <a:endParaRPr lang="en-US" sz="1200" dirty="0"/>
+          </a:p>
+        </p:txBody>
+      </p:sp>
+      <p:sp>
+        <p:nvSpPr>
+          <p:cNvPr id="32" name="TextBox 31"/>
+          <p:cNvSpPr txBox="1"/>
+          <p:nvPr/>
+        </p:nvSpPr>
+        <p:spPr>
+          <a:xfrm>
+            <a:off x="4786138" y="2631140"/>
+            <a:ext cx="2547908" cy="2862322"/>
+          </a:xfrm>
+          <a:prstGeom prst="rect">
+            <a:avLst/>
+          </a:prstGeom>
+          <a:noFill/>
+          <a:ln>
+            <a:noFill/>
+          </a:ln>
+        </p:spPr>
+        <p:txBody>
+          <a:bodyPr wrap="square" rtlCol="0">
+            <a:spAutoFit/>
+          </a:bodyPr>
+          <a:lstStyle/>
+          <a:p>
+            <a:pPr marL="285750" indent="-285750">
+              <a:buFont typeface="Arial" charset="0"/>
+              <a:buChar char="•"/>
+            </a:pPr>
+            <a:r>
+              <a:rPr lang="en-US" dirty="0" smtClean="0"/>
+              <a:t>If server doesn’t respond, </a:t>
+            </a:r>
+            <a:r>
+              <a:rPr lang="en-US" dirty="0" err="1" smtClean="0"/>
+              <a:t>notifier</a:t>
+            </a:r>
+            <a:r>
+              <a:rPr lang="en-US" dirty="0" smtClean="0"/>
+              <a:t> finds ids to dead server</a:t>
+            </a:r>
+          </a:p>
+          <a:p>
+            <a:pPr marL="285750" indent="-285750">
+              <a:buFont typeface="Arial" charset="0"/>
+              <a:buChar char="•"/>
+            </a:pPr>
+            <a:r>
+              <a:rPr lang="en-US" dirty="0" smtClean="0"/>
+              <a:t>Redistributes orders to other servers</a:t>
+            </a:r>
+          </a:p>
+          <a:p>
+            <a:pPr marL="285750" indent="-285750">
+              <a:buFont typeface="Arial" charset="0"/>
+              <a:buChar char="•"/>
+            </a:pPr>
+            <a:r>
+              <a:rPr lang="en-US" dirty="0" smtClean="0"/>
+              <a:t>Load balancing/ consistent hashing deals with duplicates, not sent to multiple servers</a:t>
+            </a:r>
+            <a:endParaRPr lang="en-US" dirty="0"/>
+          </a:p>
+        </p:txBody>
+      </p:sp>
+      <p:sp>
+        <p:nvSpPr>
+          <p:cNvPr id="36" name="TextBox 35"/>
+          <p:cNvSpPr txBox="1"/>
+          <p:nvPr/>
+        </p:nvSpPr>
+        <p:spPr>
+          <a:xfrm>
+            <a:off x="469131" y="5313405"/>
+            <a:ext cx="1990417" cy="1015663"/>
+          </a:xfrm>
+          <a:prstGeom prst="rect">
+            <a:avLst/>
+          </a:prstGeom>
+          <a:noFill/>
+        </p:spPr>
+        <p:txBody>
+          <a:bodyPr wrap="none" rtlCol="0">
+            <a:spAutoFit/>
+          </a:bodyPr>
+          <a:lstStyle/>
+          <a:p>
+            <a:r>
+              <a:rPr lang="en-US" sz="1200" dirty="0" smtClean="0"/>
+              <a:t>Features</a:t>
+            </a:r>
+          </a:p>
+          <a:p>
+            <a:pPr marL="228600" indent="-228600">
+              <a:buAutoNum type="arabicParenR"/>
+            </a:pPr>
+            <a:r>
+              <a:rPr lang="en-US" sz="1200" dirty="0" smtClean="0"/>
+              <a:t>Assignment / notification</a:t>
+            </a:r>
+          </a:p>
+          <a:p>
+            <a:pPr marL="228600" indent="-228600">
+              <a:buAutoNum type="arabicParenR"/>
+            </a:pPr>
+            <a:r>
+              <a:rPr lang="en-US" sz="1200" dirty="0" smtClean="0"/>
+              <a:t>Load balancing</a:t>
+            </a:r>
+          </a:p>
+          <a:p>
+            <a:pPr marL="228600" indent="-228600">
+              <a:buAutoNum type="arabicParenR"/>
+            </a:pPr>
+            <a:r>
+              <a:rPr lang="en-US" sz="1200" dirty="0" smtClean="0"/>
+              <a:t>Heartbeat</a:t>
+            </a:r>
+          </a:p>
+          <a:p>
+            <a:pPr marL="228600" indent="-228600">
+              <a:buAutoNum type="arabicParenR"/>
+            </a:pPr>
+            <a:r>
+              <a:rPr lang="en-US" sz="1200" dirty="0" smtClean="0"/>
+              <a:t>persistence</a:t>
+            </a:r>
+            <a:endParaRPr lang="en-US" sz="1200" dirty="0" smtClean="0"/>
+          </a:p>
+        </p:txBody>
+      </p:sp>
+    </p:spTree>
+    <p:extLst>
+      <p:ext uri="{BB962C8B-B14F-4D97-AF65-F5344CB8AC3E}">
+        <p14:creationId xmlns:p14="http://schemas.microsoft.com/office/powerpoint/2010/main" val="601108246"/>
+      </p:ext>
+    </p:extLst>
+  </p:cSld>
+  <p:clrMapOvr>
+    <a:masterClrMapping/>
+  </p:clrMapOvr>
+</p:sld>
+</file>
+
+<file path=ppt/slides/slide4.xml><?xml version="1.0" encoding="utf-8"?>
+<p:sld xmlns:a="http://schemas.openxmlformats.org/drawingml/2006/main" xmlns:r="http://schemas.openxmlformats.org/officeDocument/2006/relationships" xmlns:p="http://schemas.openxmlformats.org/presentationml/2006/main">
+  <p:cSld>
+    <p:spTree>
+      <p:nvGrpSpPr>
+        <p:cNvPr id="1" name=""/>
+        <p:cNvGrpSpPr/>
+        <p:nvPr/>
+      </p:nvGrpSpPr>
+      <p:grpSpPr>
+        <a:xfrm>
+          <a:off x="0" y="0"/>
+          <a:ext cx="0" cy="0"/>
+          <a:chOff x="0" y="0"/>
+          <a:chExt cx="0" cy="0"/>
+        </a:xfrm>
+      </p:grpSpPr>
+      <p:sp>
+        <p:nvSpPr>
+          <p:cNvPr id="3" name="Content Placeholder 2"/>
+          <p:cNvSpPr>
+            <a:spLocks noGrp="1"/>
+          </p:cNvSpPr>
+          <p:nvPr>
+            <p:ph idx="1"/>
+          </p:nvPr>
+        </p:nvSpPr>
+        <p:spPr/>
+        <p:txBody>
+          <a:bodyPr/>
+          <a:lstStyle/>
+          <a:p>
+            <a:pPr marL="0" indent="0">
+              <a:buNone/>
+            </a:pPr>
+            <a:r>
+              <a:rPr lang="en-US" dirty="0">
+                <a:hlinkClick r:id="rId2"/>
+              </a:rPr>
+              <a:t>https://www.youtube.com/watch?v=qYhRvH9tJKw&amp;list=PLMCXHnjXnTnvo6alSjVkgxV-VH6EPyvoX&amp;index=6</a:t>
+            </a:r>
+            <a:endParaRPr lang="en-US" dirty="0"/>
+          </a:p>
+        </p:txBody>
+      </p:sp>
+      <p:sp>
+        <p:nvSpPr>
+          <p:cNvPr id="4" name="Rectangle 3"/>
+          <p:cNvSpPr/>
+          <p:nvPr/>
+        </p:nvSpPr>
+        <p:spPr>
+          <a:xfrm>
+            <a:off x="3414163" y="0"/>
+            <a:ext cx="4901932" cy="523220"/>
+          </a:xfrm>
+          <a:prstGeom prst="rect">
+            <a:avLst/>
+          </a:prstGeom>
+          <a:noFill/>
+        </p:spPr>
+        <p:txBody>
+          <a:bodyPr wrap="square" lIns="91440" tIns="45720" rIns="91440" bIns="45720">
+            <a:spAutoFit/>
+          </a:bodyPr>
+          <a:lstStyle/>
+          <a:p>
+            <a:pPr algn="ctr"/>
+            <a:r>
+              <a:rPr lang="en-US" sz="2800" b="0" cap="none" spc="0" dirty="0" err="1" smtClean="0">
+                <a:ln w="0"/>
+                <a:solidFill>
+                  <a:schemeClr val="accent2"/>
+                </a:solidFill>
+                <a:effectLst>
+                  <a:outerShdw blurRad="38100" dist="19050" dir="2700000" algn="tl" rotWithShape="0">
+                    <a:schemeClr val="dk1">
+                      <a:alpha val="40000"/>
+                    </a:schemeClr>
+                  </a:outerShdw>
+                </a:effectLst>
+              </a:rPr>
+              <a:t>Monolithis</a:t>
+            </a:r>
+            <a:r>
+              <a:rPr lang="en-US" sz="2800" b="0" cap="none" spc="0" dirty="0" smtClean="0">
+                <a:ln w="0"/>
+                <a:solidFill>
+                  <a:schemeClr val="accent2"/>
+                </a:solidFill>
+                <a:effectLst>
+                  <a:outerShdw blurRad="38100" dist="19050" dir="2700000" algn="tl" rotWithShape="0">
+                    <a:schemeClr val="dk1">
+                      <a:alpha val="40000"/>
+                    </a:schemeClr>
+                  </a:outerShdw>
+                </a:effectLst>
+              </a:rPr>
+              <a:t> </a:t>
+            </a:r>
+            <a:r>
+              <a:rPr lang="en-US" sz="2800" dirty="0">
+                <a:ln w="0"/>
+                <a:solidFill>
+                  <a:schemeClr val="accent2"/>
+                </a:solidFill>
+                <a:effectLst>
+                  <a:outerShdw blurRad="38100" dist="19050" dir="2700000" algn="tl" rotWithShape="0">
+                    <a:schemeClr val="dk1">
+                      <a:alpha val="40000"/>
+                    </a:schemeClr>
+                  </a:outerShdw>
+                </a:effectLst>
+              </a:rPr>
+              <a:t>v</a:t>
+            </a:r>
+            <a:r>
+              <a:rPr lang="en-US" sz="2800" b="0" cap="none" spc="0" dirty="0" smtClean="0">
+                <a:ln w="0"/>
+                <a:solidFill>
+                  <a:schemeClr val="accent2"/>
+                </a:solidFill>
+                <a:effectLst>
+                  <a:outerShdw blurRad="38100" dist="19050" dir="2700000" algn="tl" rotWithShape="0">
+                    <a:schemeClr val="dk1">
+                      <a:alpha val="40000"/>
+                    </a:schemeClr>
+                  </a:outerShdw>
+                </a:effectLst>
+              </a:rPr>
+              <a:t>s </a:t>
+            </a:r>
+            <a:r>
+              <a:rPr lang="en-US" sz="2800" b="0" cap="none" spc="0" dirty="0" err="1" smtClean="0">
+                <a:ln w="0"/>
+                <a:solidFill>
+                  <a:schemeClr val="accent2"/>
+                </a:solidFill>
+                <a:effectLst>
+                  <a:outerShdw blurRad="38100" dist="19050" dir="2700000" algn="tl" rotWithShape="0">
+                    <a:schemeClr val="dk1">
+                      <a:alpha val="40000"/>
+                    </a:schemeClr>
+                  </a:outerShdw>
+                </a:effectLst>
+              </a:rPr>
+              <a:t>MicroServices</a:t>
+            </a:r>
+            <a:endParaRPr lang="en-US" sz="5400" b="0" cap="none" spc="0" dirty="0">
+              <a:ln w="0"/>
+              <a:solidFill>
+                <a:schemeClr val="accent2"/>
+              </a:solidFill>
+              <a:effectLst>
+                <a:outerShdw blurRad="38100" dist="19050" dir="2700000" algn="tl" rotWithShape="0">
+                  <a:schemeClr val="dk1">
+                    <a:alpha val="40000"/>
+                  </a:schemeClr>
+                </a:outerShdw>
+              </a:effectLst>
+            </a:endParaRPr>
+          </a:p>
+        </p:txBody>
+      </p:sp>
+    </p:spTree>
+    <p:extLst>
+      <p:ext uri="{BB962C8B-B14F-4D97-AF65-F5344CB8AC3E}">
+        <p14:creationId xmlns:p14="http://schemas.microsoft.com/office/powerpoint/2010/main" val="1582686598"/>
+      </p:ext>
+    </p:extLst>
+  </p:cSld>
+  <p:clrMapOvr>
+    <a:masterClrMapping/>
+  </p:clrMapOvr>
+</p:sld>
+</file>
+
+<file path=ppt/slides/slide5.xml><?xml version="1.0" encoding="utf-8"?>
+<p:sld xmlns:a="http://schemas.openxmlformats.org/drawingml/2006/main" xmlns:r="http://schemas.openxmlformats.org/officeDocument/2006/relationships" xmlns:p="http://schemas.openxmlformats.org/presentationml/2006/main">
+  <p:cSld>
+    <p:spTree>
+      <p:nvGrpSpPr>
+        <p:cNvPr id="1" name=""/>
+        <p:cNvGrpSpPr/>
+        <p:nvPr/>
+      </p:nvGrpSpPr>
+      <p:grpSpPr>
+        <a:xfrm>
+          <a:off x="0" y="0"/>
+          <a:ext cx="0" cy="0"/>
+          <a:chOff x="0" y="0"/>
+          <a:chExt cx="0" cy="0"/>
+        </a:xfrm>
+      </p:grpSpPr>
+      <p:sp>
+        <p:nvSpPr>
+          <p:cNvPr id="4" name="TextBox 3"/>
+          <p:cNvSpPr txBox="1"/>
+          <p:nvPr/>
+        </p:nvSpPr>
+        <p:spPr>
+          <a:xfrm>
+            <a:off x="469131" y="873069"/>
+            <a:ext cx="1136822" cy="646331"/>
+          </a:xfrm>
+          <a:prstGeom prst="rect">
+            <a:avLst/>
+          </a:prstGeom>
+          <a:noFill/>
+          <a:ln>
+            <a:solidFill>
+              <a:schemeClr val="accent1"/>
+            </a:solidFill>
+          </a:ln>
+        </p:spPr>
+        <p:txBody>
+          <a:bodyPr wrap="square" rtlCol="0">
+            <a:spAutoFit/>
+          </a:bodyPr>
+          <a:lstStyle/>
+          <a:p>
+            <a:r>
+              <a:rPr lang="en-US" dirty="0" smtClean="0"/>
+              <a:t>Client 1</a:t>
+            </a:r>
+          </a:p>
+          <a:p>
+            <a:endParaRPr lang="en-US" dirty="0"/>
+          </a:p>
+        </p:txBody>
+      </p:sp>
+      <p:sp>
+        <p:nvSpPr>
+          <p:cNvPr id="5" name="Rectangle 4"/>
+          <p:cNvSpPr/>
+          <p:nvPr/>
+        </p:nvSpPr>
+        <p:spPr>
+          <a:xfrm>
+            <a:off x="4550987" y="0"/>
+            <a:ext cx="3111054" cy="523220"/>
+          </a:xfrm>
+          <a:prstGeom prst="rect">
+            <a:avLst/>
+          </a:prstGeom>
+          <a:noFill/>
+        </p:spPr>
+        <p:txBody>
+          <a:bodyPr wrap="square" lIns="91440" tIns="45720" rIns="91440" bIns="45720">
+            <a:spAutoFit/>
+          </a:bodyPr>
+          <a:lstStyle/>
+          <a:p>
+            <a:pPr algn="ctr"/>
+            <a:r>
+              <a:rPr lang="en-US" sz="2800" b="0" cap="none" spc="0" dirty="0" smtClean="0">
+                <a:ln w="0"/>
+                <a:solidFill>
+                  <a:schemeClr val="accent2"/>
+                </a:solidFill>
+                <a:effectLst>
+                  <a:outerShdw blurRad="38100" dist="19050" dir="2700000" algn="tl" rotWithShape="0">
+                    <a:schemeClr val="dk1">
+                      <a:alpha val="40000"/>
+                    </a:schemeClr>
+                  </a:outerShdw>
+                </a:effectLst>
+              </a:rPr>
+              <a:t>WhatsApp</a:t>
+            </a:r>
+            <a:endParaRPr lang="en-US" sz="5400" b="0" cap="none" spc="0" dirty="0">
+              <a:ln w="0"/>
+              <a:solidFill>
+                <a:schemeClr val="accent2"/>
+              </a:solidFill>
+              <a:effectLst>
+                <a:outerShdw blurRad="38100" dist="19050" dir="2700000" algn="tl" rotWithShape="0">
+                  <a:schemeClr val="dk1">
+                    <a:alpha val="40000"/>
+                  </a:schemeClr>
+                </a:outerShdw>
+              </a:effectLst>
+            </a:endParaRPr>
+          </a:p>
+        </p:txBody>
+      </p:sp>
+      <p:sp>
+        <p:nvSpPr>
+          <p:cNvPr id="6" name="TextBox 5"/>
+          <p:cNvSpPr txBox="1"/>
+          <p:nvPr/>
+        </p:nvSpPr>
+        <p:spPr>
+          <a:xfrm>
+            <a:off x="451236" y="1719151"/>
+            <a:ext cx="1136822" cy="646331"/>
+          </a:xfrm>
+          <a:prstGeom prst="rect">
+            <a:avLst/>
+          </a:prstGeom>
+          <a:noFill/>
+          <a:ln>
+            <a:solidFill>
+              <a:schemeClr val="accent1"/>
+            </a:solidFill>
+          </a:ln>
+        </p:spPr>
+        <p:txBody>
+          <a:bodyPr wrap="square" rtlCol="0">
+            <a:spAutoFit/>
+          </a:bodyPr>
+          <a:lstStyle/>
+          <a:p>
+            <a:r>
+              <a:rPr lang="en-US" dirty="0" smtClean="0"/>
+              <a:t>Client 2</a:t>
+            </a:r>
+          </a:p>
+          <a:p>
+            <a:endParaRPr lang="en-US" dirty="0"/>
+          </a:p>
+        </p:txBody>
+      </p:sp>
+      <p:sp>
+        <p:nvSpPr>
+          <p:cNvPr id="7" name="TextBox 6"/>
+          <p:cNvSpPr txBox="1"/>
+          <p:nvPr/>
+        </p:nvSpPr>
+        <p:spPr>
+          <a:xfrm>
+            <a:off x="449106" y="2565233"/>
+            <a:ext cx="1136822" cy="646331"/>
+          </a:xfrm>
+          <a:prstGeom prst="rect">
+            <a:avLst/>
+          </a:prstGeom>
+          <a:noFill/>
+          <a:ln>
+            <a:solidFill>
+              <a:schemeClr val="accent1"/>
+            </a:solidFill>
+          </a:ln>
+        </p:spPr>
+        <p:txBody>
+          <a:bodyPr wrap="square" rtlCol="0">
+            <a:spAutoFit/>
+          </a:bodyPr>
+          <a:lstStyle/>
+          <a:p>
+            <a:r>
+              <a:rPr lang="en-US" dirty="0" smtClean="0"/>
+              <a:t>Client 3</a:t>
+            </a:r>
+          </a:p>
+          <a:p>
+            <a:endParaRPr lang="en-US" dirty="0"/>
+          </a:p>
+        </p:txBody>
+      </p:sp>
+      <p:sp>
+        <p:nvSpPr>
+          <p:cNvPr id="8" name="TextBox 7"/>
+          <p:cNvSpPr txBox="1"/>
+          <p:nvPr/>
+        </p:nvSpPr>
+        <p:spPr>
+          <a:xfrm>
+            <a:off x="449106" y="3411315"/>
+            <a:ext cx="1136822" cy="646331"/>
+          </a:xfrm>
+          <a:prstGeom prst="rect">
+            <a:avLst/>
+          </a:prstGeom>
+          <a:noFill/>
+          <a:ln>
+            <a:solidFill>
+              <a:schemeClr val="accent1"/>
+            </a:solidFill>
+          </a:ln>
+        </p:spPr>
+        <p:txBody>
+          <a:bodyPr wrap="square" rtlCol="0">
+            <a:spAutoFit/>
+          </a:bodyPr>
+          <a:lstStyle/>
+          <a:p>
+            <a:r>
+              <a:rPr lang="en-US" dirty="0" smtClean="0"/>
+              <a:t>Client 4</a:t>
+            </a:r>
+          </a:p>
+          <a:p>
+            <a:endParaRPr lang="en-US" dirty="0"/>
+          </a:p>
+        </p:txBody>
+      </p:sp>
+      <p:sp>
+        <p:nvSpPr>
+          <p:cNvPr id="9" name="TextBox 8"/>
+          <p:cNvSpPr txBox="1"/>
+          <p:nvPr/>
+        </p:nvSpPr>
+        <p:spPr>
+          <a:xfrm>
+            <a:off x="449106" y="4257397"/>
+            <a:ext cx="1136822" cy="646331"/>
+          </a:xfrm>
+          <a:prstGeom prst="rect">
+            <a:avLst/>
+          </a:prstGeom>
+          <a:noFill/>
+          <a:ln>
+            <a:solidFill>
+              <a:schemeClr val="accent1"/>
+            </a:solidFill>
+          </a:ln>
+        </p:spPr>
+        <p:txBody>
+          <a:bodyPr wrap="square" rtlCol="0">
+            <a:spAutoFit/>
+          </a:bodyPr>
+          <a:lstStyle/>
+          <a:p>
+            <a:r>
+              <a:rPr lang="en-US" dirty="0" smtClean="0"/>
+              <a:t>Client 5</a:t>
+            </a:r>
+          </a:p>
+          <a:p>
+            <a:endParaRPr lang="en-US" dirty="0"/>
+          </a:p>
+        </p:txBody>
+      </p:sp>
+      <p:sp>
+        <p:nvSpPr>
+          <p:cNvPr id="11" name="TextBox 10"/>
+          <p:cNvSpPr txBox="1"/>
+          <p:nvPr/>
+        </p:nvSpPr>
+        <p:spPr>
+          <a:xfrm>
+            <a:off x="2403034" y="1395985"/>
+            <a:ext cx="1270332" cy="646331"/>
+          </a:xfrm>
+          <a:prstGeom prst="rect">
+            <a:avLst/>
+          </a:prstGeom>
+          <a:noFill/>
+          <a:ln>
+            <a:solidFill>
+              <a:schemeClr val="accent1"/>
+            </a:solidFill>
+          </a:ln>
+        </p:spPr>
+        <p:txBody>
+          <a:bodyPr wrap="square" rtlCol="0">
+            <a:spAutoFit/>
+          </a:bodyPr>
+          <a:lstStyle/>
+          <a:p>
+            <a:r>
+              <a:rPr lang="en-US" dirty="0" smtClean="0"/>
+              <a:t>Gateway 1</a:t>
             </a:r>
           </a:p>
           <a:p>
@@ -3753,7 +6322,7 @@
           <a:lstStyle/>
           <a:p>
             <a:r>
-              <a:rPr lang="en-US" smtClean="0"/>
+              <a:rPr lang="en-US" dirty="0" smtClean="0"/>
               <a:t>Load Balancer</a:t>
             </a:r>
             <a:endParaRPr lang="en-US" dirty="0"/>
@@ -4308,7 +6877,6 @@
               <a:rPr lang="en-US" sz="1200" dirty="0"/>
               <a:t>Web sockets over http long polling</a:t>
             </a:r>
-            <a:endParaRPr lang="en-US" sz="1200" dirty="0"/>
           </a:p>
         </p:txBody>
       </p:sp>

--- a/design/System Design Notes.pptx
+++ b/design/System Design Notes.pptx
@@ -9,7 +9,8 @@
     <p:sldId id="258" r:id="rId3"/>
     <p:sldId id="259" r:id="rId4"/>
     <p:sldId id="260" r:id="rId5"/>
-    <p:sldId id="256" r:id="rId6"/>
+    <p:sldId id="261" r:id="rId6"/>
+    <p:sldId id="256" r:id="rId7"/>
   </p:sldIdLst>
   <p:sldSz cx="12192000" cy="6858000"/>
   <p:notesSz cx="6858000" cy="9144000"/>
@@ -110,7 +111,7 @@
   </p:defaultTextStyle>
   <p:extLst>
     <p:ext uri="{EFAFB233-063F-42B5-8137-9DF3F51BA10A}">
-      <p15:sldGuideLst xmlns:p15="http://schemas.microsoft.com/office/powerpoint/2012/main"/>
+      <p15:sldGuideLst xmlns:p15="http://schemas.microsoft.com/office/powerpoint/2012/main" xmlns=""/>
     </p:ext>
   </p:extLst>
 </p:presentation>
@@ -247,7 +248,7 @@
           <a:p>
             <a:fld id="{1240214C-7864-3945-89BC-709B9AB7D230}" type="datetimeFigureOut">
               <a:rPr lang="en-US" smtClean="0"/>
-              <a:t>6/8/19</a:t>
+              <a:t>6/9/2019</a:t>
             </a:fld>
             <a:endParaRPr lang="en-US"/>
           </a:p>
@@ -417,7 +418,7 @@
           <a:p>
             <a:fld id="{1240214C-7864-3945-89BC-709B9AB7D230}" type="datetimeFigureOut">
               <a:rPr lang="en-US" smtClean="0"/>
-              <a:t>6/8/19</a:t>
+              <a:t>6/9/2019</a:t>
             </a:fld>
             <a:endParaRPr lang="en-US"/>
           </a:p>
@@ -597,7 +598,7 @@
           <a:p>
             <a:fld id="{1240214C-7864-3945-89BC-709B9AB7D230}" type="datetimeFigureOut">
               <a:rPr lang="en-US" smtClean="0"/>
-              <a:t>6/8/19</a:t>
+              <a:t>6/9/2019</a:t>
             </a:fld>
             <a:endParaRPr lang="en-US"/>
           </a:p>
@@ -767,7 +768,7 @@
           <a:p>
             <a:fld id="{1240214C-7864-3945-89BC-709B9AB7D230}" type="datetimeFigureOut">
               <a:rPr lang="en-US" smtClean="0"/>
-              <a:t>6/8/19</a:t>
+              <a:t>6/9/2019</a:t>
             </a:fld>
             <a:endParaRPr lang="en-US"/>
           </a:p>
@@ -1013,7 +1014,7 @@
           <a:p>
             <a:fld id="{1240214C-7864-3945-89BC-709B9AB7D230}" type="datetimeFigureOut">
               <a:rPr lang="en-US" smtClean="0"/>
-              <a:t>6/8/19</a:t>
+              <a:t>6/9/2019</a:t>
             </a:fld>
             <a:endParaRPr lang="en-US"/>
           </a:p>
@@ -1245,7 +1246,7 @@
           <a:p>
             <a:fld id="{1240214C-7864-3945-89BC-709B9AB7D230}" type="datetimeFigureOut">
               <a:rPr lang="en-US" smtClean="0"/>
-              <a:t>6/8/19</a:t>
+              <a:t>6/9/2019</a:t>
             </a:fld>
             <a:endParaRPr lang="en-US"/>
           </a:p>
@@ -1612,7 +1613,7 @@
           <a:p>
             <a:fld id="{1240214C-7864-3945-89BC-709B9AB7D230}" type="datetimeFigureOut">
               <a:rPr lang="en-US" smtClean="0"/>
-              <a:t>6/8/19</a:t>
+              <a:t>6/9/2019</a:t>
             </a:fld>
             <a:endParaRPr lang="en-US"/>
           </a:p>
@@ -1730,7 +1731,7 @@
           <a:p>
             <a:fld id="{1240214C-7864-3945-89BC-709B9AB7D230}" type="datetimeFigureOut">
               <a:rPr lang="en-US" smtClean="0"/>
-              <a:t>6/8/19</a:t>
+              <a:t>6/9/2019</a:t>
             </a:fld>
             <a:endParaRPr lang="en-US"/>
           </a:p>
@@ -1825,7 +1826,7 @@
           <a:p>
             <a:fld id="{1240214C-7864-3945-89BC-709B9AB7D230}" type="datetimeFigureOut">
               <a:rPr lang="en-US" smtClean="0"/>
-              <a:t>6/8/19</a:t>
+              <a:t>6/9/2019</a:t>
             </a:fld>
             <a:endParaRPr lang="en-US"/>
           </a:p>
@@ -2102,7 +2103,7 @@
           <a:p>
             <a:fld id="{1240214C-7864-3945-89BC-709B9AB7D230}" type="datetimeFigureOut">
               <a:rPr lang="en-US" smtClean="0"/>
-              <a:t>6/8/19</a:t>
+              <a:t>6/9/2019</a:t>
             </a:fld>
             <a:endParaRPr lang="en-US"/>
           </a:p>
@@ -2355,7 +2356,7 @@
           <a:p>
             <a:fld id="{1240214C-7864-3945-89BC-709B9AB7D230}" type="datetimeFigureOut">
               <a:rPr lang="en-US" smtClean="0"/>
-              <a:t>6/8/19</a:t>
+              <a:t>6/9/2019</a:t>
             </a:fld>
             <a:endParaRPr lang="en-US"/>
           </a:p>
@@ -2568,7 +2569,7 @@
           <a:p>
             <a:fld id="{1240214C-7864-3945-89BC-709B9AB7D230}" type="datetimeFigureOut">
               <a:rPr lang="en-US" smtClean="0"/>
-              <a:t>6/8/19</a:t>
+              <a:t>6/9/2019</a:t>
             </a:fld>
             <a:endParaRPr lang="en-US"/>
           </a:p>
@@ -5331,7 +5332,6 @@
               <a:rPr lang="en-US" sz="1200" dirty="0" smtClean="0"/>
               <a:t>persistence</a:t>
             </a:r>
-            <a:endParaRPr lang="en-US" sz="1200" dirty="0" smtClean="0"/>
           </a:p>
         </p:txBody>
       </p:sp>
@@ -5367,34 +5367,6 @@
       </p:grpSpPr>
       <p:sp>
         <p:nvSpPr>
-          <p:cNvPr id="3" name="Content Placeholder 2"/>
-          <p:cNvSpPr>
-            <a:spLocks noGrp="1"/>
-          </p:cNvSpPr>
-          <p:nvPr>
-            <p:ph idx="1"/>
-          </p:nvPr>
-        </p:nvSpPr>
-        <p:spPr/>
-        <p:txBody>
-          <a:bodyPr/>
-          <a:lstStyle/>
-          <a:p>
-            <a:pPr marL="0" indent="0">
-              <a:buNone/>
-            </a:pPr>
-            <a:r>
-              <a:rPr lang="en-US" dirty="0">
-                <a:hlinkClick r:id="rId2"/>
-              </a:rPr>
-              <a:t>https://www.youtube.com/watch?v=qYhRvH9tJKw&amp;list=PLMCXHnjXnTnvo6alSjVkgxV-VH6EPyvoX&amp;index=6</a:t>
-            </a:r>
-            <a:endParaRPr lang="en-US" dirty="0"/>
-          </a:p>
-        </p:txBody>
-      </p:sp>
-      <p:sp>
-        <p:nvSpPr>
           <p:cNvPr id="4" name="Rectangle 3"/>
           <p:cNvSpPr/>
           <p:nvPr/>
@@ -5416,22 +5388,6 @@
           <a:lstStyle/>
           <a:p>
             <a:pPr algn="ctr"/>
-            <a:r>
-              <a:rPr lang="en-US" sz="2800" b="0" cap="none" spc="0" dirty="0" err="1" smtClean="0">
-                <a:ln w="0"/>
-                <a:solidFill>
-                  <a:schemeClr val="accent2"/>
-                </a:solidFill>
-                <a:effectLst>
-                  <a:outerShdw blurRad="38100" dist="19050" dir="2700000" algn="tl" rotWithShape="0">
-                    <a:schemeClr val="dk1">
-                      <a:alpha val="40000"/>
-                    </a:schemeClr>
-                  </a:outerShdw>
-                </a:effectLst>
-              </a:rPr>
-              <a:t>Monolithis</a:t>
-            </a:r>
             <a:r>
               <a:rPr lang="en-US" sz="2800" b="0" cap="none" spc="0" dirty="0" smtClean="0">
                 <a:ln w="0"/>
@@ -5446,7 +5402,7 @@
                   </a:outerShdw>
                 </a:effectLst>
               </a:rPr>
-              <a:t> </a:t>
+              <a:t>Monolithic </a:t>
             </a:r>
             <a:r>
               <a:rPr lang="en-US" sz="2800" dirty="0">
@@ -5512,6 +5468,355 @@
           </a:p>
         </p:txBody>
       </p:sp>
+      <p:sp>
+        <p:nvSpPr>
+          <p:cNvPr id="5" name="Content Placeholder 2"/>
+          <p:cNvSpPr>
+            <a:spLocks noGrp="1"/>
+          </p:cNvSpPr>
+          <p:nvPr>
+            <p:ph idx="1"/>
+          </p:nvPr>
+        </p:nvSpPr>
+        <p:spPr>
+          <a:xfrm>
+            <a:off x="838200" y="420130"/>
+            <a:ext cx="5093043" cy="5756833"/>
+          </a:xfrm>
+        </p:spPr>
+        <p:txBody>
+          <a:bodyPr>
+            <a:normAutofit/>
+          </a:bodyPr>
+          <a:lstStyle/>
+          <a:p>
+            <a:r>
+              <a:rPr lang="en-US" sz="2000" b="1" dirty="0" smtClean="0">
+                <a:solidFill>
+                  <a:schemeClr val="accent2"/>
+                </a:solidFill>
+              </a:rPr>
+              <a:t>Monolithic</a:t>
+            </a:r>
+            <a:r>
+              <a:rPr lang="en-US" sz="2000" dirty="0" smtClean="0"/>
+              <a:t/>
+            </a:r>
+            <a:br>
+              <a:rPr lang="en-US" sz="2000" dirty="0" smtClean="0"/>
+            </a:br>
+            <a:endParaRPr lang="en-US" sz="2000" dirty="0" smtClean="0"/>
+          </a:p>
+          <a:p>
+            <a:r>
+              <a:rPr lang="en-US" sz="2000" dirty="0" smtClean="0"/>
+              <a:t>Can have many machines</a:t>
+            </a:r>
+          </a:p>
+          <a:p>
+            <a:r>
+              <a:rPr lang="en-US" sz="2000" dirty="0" smtClean="0"/>
+              <a:t>Simpler to maintain</a:t>
+            </a:r>
+          </a:p>
+          <a:p>
+            <a:r>
+              <a:rPr lang="en-US" sz="2000" dirty="0" smtClean="0"/>
+              <a:t>Less Complex</a:t>
+            </a:r>
+          </a:p>
+          <a:p>
+            <a:r>
+              <a:rPr lang="en-US" sz="2000" dirty="0" smtClean="0"/>
+              <a:t>Don’t need to duplicate for setting up tests, connections</a:t>
+            </a:r>
+          </a:p>
+          <a:p>
+            <a:r>
+              <a:rPr lang="en-US" sz="2000" dirty="0" smtClean="0"/>
+              <a:t>Procedure calls faster, not RPC</a:t>
+            </a:r>
+            <a:br>
+              <a:rPr lang="en-US" sz="2000" dirty="0" smtClean="0"/>
+            </a:br>
+            <a:endParaRPr lang="en-US" sz="2000" dirty="0" smtClean="0"/>
+          </a:p>
+          <a:p>
+            <a:r>
+              <a:rPr lang="en-US" sz="2000" dirty="0" smtClean="0"/>
+              <a:t>Deployments are complicated, have to be monitored every time</a:t>
+            </a:r>
+          </a:p>
+          <a:p>
+            <a:r>
+              <a:rPr lang="en-US" sz="2000" dirty="0" smtClean="0"/>
+              <a:t>Single point of failure, have to restart everything instead of at few points</a:t>
+            </a:r>
+            <a:endParaRPr lang="en-US" sz="2000" dirty="0" smtClean="0"/>
+          </a:p>
+        </p:txBody>
+      </p:sp>
+      <p:sp>
+        <p:nvSpPr>
+          <p:cNvPr id="6" name="Content Placeholder 2"/>
+          <p:cNvSpPr txBox="1">
+            <a:spLocks/>
+          </p:cNvSpPr>
+          <p:nvPr/>
+        </p:nvSpPr>
+        <p:spPr>
+          <a:xfrm>
+            <a:off x="6209581" y="567090"/>
+            <a:ext cx="5093043" cy="5756833"/>
+          </a:xfrm>
+          <a:prstGeom prst="rect">
+            <a:avLst/>
+          </a:prstGeom>
+        </p:spPr>
+        <p:txBody>
+          <a:bodyPr vert="horz" lIns="91440" tIns="45720" rIns="91440" bIns="45720" rtlCol="0">
+            <a:normAutofit/>
+          </a:bodyPr>
+          <a:lstStyle>
+            <a:lvl1pPr marL="228600" indent="-228600" algn="l" defTabSz="914400" rtl="0" eaLnBrk="1" latinLnBrk="0" hangingPunct="1">
+              <a:lnSpc>
+                <a:spcPct val="90000"/>
+              </a:lnSpc>
+              <a:spcBef>
+                <a:spcPts val="1000"/>
+              </a:spcBef>
+              <a:buFont typeface="Arial"/>
+              <a:buChar char="•"/>
+              <a:defRPr sz="2800" kern="1200">
+                <a:solidFill>
+                  <a:schemeClr val="tx1"/>
+                </a:solidFill>
+                <a:latin typeface="+mn-lt"/>
+                <a:ea typeface="+mn-ea"/>
+                <a:cs typeface="+mn-cs"/>
+              </a:defRPr>
+            </a:lvl1pPr>
+            <a:lvl2pPr marL="685800" indent="-228600" algn="l" defTabSz="914400" rtl="0" eaLnBrk="1" latinLnBrk="0" hangingPunct="1">
+              <a:lnSpc>
+                <a:spcPct val="90000"/>
+              </a:lnSpc>
+              <a:spcBef>
+                <a:spcPts val="500"/>
+              </a:spcBef>
+              <a:buFont typeface="Arial"/>
+              <a:buChar char="•"/>
+              <a:defRPr sz="2400" kern="1200">
+                <a:solidFill>
+                  <a:schemeClr val="tx1"/>
+                </a:solidFill>
+                <a:latin typeface="+mn-lt"/>
+                <a:ea typeface="+mn-ea"/>
+                <a:cs typeface="+mn-cs"/>
+              </a:defRPr>
+            </a:lvl2pPr>
+            <a:lvl3pPr marL="1143000" indent="-228600" algn="l" defTabSz="914400" rtl="0" eaLnBrk="1" latinLnBrk="0" hangingPunct="1">
+              <a:lnSpc>
+                <a:spcPct val="90000"/>
+              </a:lnSpc>
+              <a:spcBef>
+                <a:spcPts val="500"/>
+              </a:spcBef>
+              <a:buFont typeface="Arial"/>
+              <a:buChar char="•"/>
+              <a:defRPr sz="2000" kern="1200">
+                <a:solidFill>
+                  <a:schemeClr val="tx1"/>
+                </a:solidFill>
+                <a:latin typeface="+mn-lt"/>
+                <a:ea typeface="+mn-ea"/>
+                <a:cs typeface="+mn-cs"/>
+              </a:defRPr>
+            </a:lvl3pPr>
+            <a:lvl4pPr marL="1600200" indent="-228600" algn="l" defTabSz="914400" rtl="0" eaLnBrk="1" latinLnBrk="0" hangingPunct="1">
+              <a:lnSpc>
+                <a:spcPct val="90000"/>
+              </a:lnSpc>
+              <a:spcBef>
+                <a:spcPts val="500"/>
+              </a:spcBef>
+              <a:buFont typeface="Arial"/>
+              <a:buChar char="•"/>
+              <a:defRPr sz="1800" kern="1200">
+                <a:solidFill>
+                  <a:schemeClr val="tx1"/>
+                </a:solidFill>
+                <a:latin typeface="+mn-lt"/>
+                <a:ea typeface="+mn-ea"/>
+                <a:cs typeface="+mn-cs"/>
+              </a:defRPr>
+            </a:lvl4pPr>
+            <a:lvl5pPr marL="2057400" indent="-228600" algn="l" defTabSz="914400" rtl="0" eaLnBrk="1" latinLnBrk="0" hangingPunct="1">
+              <a:lnSpc>
+                <a:spcPct val="90000"/>
+              </a:lnSpc>
+              <a:spcBef>
+                <a:spcPts val="500"/>
+              </a:spcBef>
+              <a:buFont typeface="Arial"/>
+              <a:buChar char="•"/>
+              <a:defRPr sz="1800" kern="1200">
+                <a:solidFill>
+                  <a:schemeClr val="tx1"/>
+                </a:solidFill>
+                <a:latin typeface="+mn-lt"/>
+                <a:ea typeface="+mn-ea"/>
+                <a:cs typeface="+mn-cs"/>
+              </a:defRPr>
+            </a:lvl5pPr>
+            <a:lvl6pPr marL="2514600" indent="-228600" algn="l" defTabSz="914400" rtl="0" eaLnBrk="1" latinLnBrk="0" hangingPunct="1">
+              <a:lnSpc>
+                <a:spcPct val="90000"/>
+              </a:lnSpc>
+              <a:spcBef>
+                <a:spcPts val="500"/>
+              </a:spcBef>
+              <a:buFont typeface="Arial"/>
+              <a:buChar char="•"/>
+              <a:defRPr sz="1800" kern="1200">
+                <a:solidFill>
+                  <a:schemeClr val="tx1"/>
+                </a:solidFill>
+                <a:latin typeface="+mn-lt"/>
+                <a:ea typeface="+mn-ea"/>
+                <a:cs typeface="+mn-cs"/>
+              </a:defRPr>
+            </a:lvl6pPr>
+            <a:lvl7pPr marL="2971800" indent="-228600" algn="l" defTabSz="914400" rtl="0" eaLnBrk="1" latinLnBrk="0" hangingPunct="1">
+              <a:lnSpc>
+                <a:spcPct val="90000"/>
+              </a:lnSpc>
+              <a:spcBef>
+                <a:spcPts val="500"/>
+              </a:spcBef>
+              <a:buFont typeface="Arial"/>
+              <a:buChar char="•"/>
+              <a:defRPr sz="1800" kern="1200">
+                <a:solidFill>
+                  <a:schemeClr val="tx1"/>
+                </a:solidFill>
+                <a:latin typeface="+mn-lt"/>
+                <a:ea typeface="+mn-ea"/>
+                <a:cs typeface="+mn-cs"/>
+              </a:defRPr>
+            </a:lvl7pPr>
+            <a:lvl8pPr marL="3429000" indent="-228600" algn="l" defTabSz="914400" rtl="0" eaLnBrk="1" latinLnBrk="0" hangingPunct="1">
+              <a:lnSpc>
+                <a:spcPct val="90000"/>
+              </a:lnSpc>
+              <a:spcBef>
+                <a:spcPts val="500"/>
+              </a:spcBef>
+              <a:buFont typeface="Arial"/>
+              <a:buChar char="•"/>
+              <a:defRPr sz="1800" kern="1200">
+                <a:solidFill>
+                  <a:schemeClr val="tx1"/>
+                </a:solidFill>
+                <a:latin typeface="+mn-lt"/>
+                <a:ea typeface="+mn-ea"/>
+                <a:cs typeface="+mn-cs"/>
+              </a:defRPr>
+            </a:lvl8pPr>
+            <a:lvl9pPr marL="3886200" indent="-228600" algn="l" defTabSz="914400" rtl="0" eaLnBrk="1" latinLnBrk="0" hangingPunct="1">
+              <a:lnSpc>
+                <a:spcPct val="90000"/>
+              </a:lnSpc>
+              <a:spcBef>
+                <a:spcPts val="500"/>
+              </a:spcBef>
+              <a:buFont typeface="Arial"/>
+              <a:buChar char="•"/>
+              <a:defRPr sz="1800" kern="1200">
+                <a:solidFill>
+                  <a:schemeClr val="tx1"/>
+                </a:solidFill>
+                <a:latin typeface="+mn-lt"/>
+                <a:ea typeface="+mn-ea"/>
+                <a:cs typeface="+mn-cs"/>
+              </a:defRPr>
+            </a:lvl9pPr>
+          </a:lstStyle>
+          <a:p>
+            <a:r>
+              <a:rPr lang="en-US" sz="2000" b="1" dirty="0" err="1" smtClean="0">
+                <a:solidFill>
+                  <a:schemeClr val="accent2"/>
+                </a:solidFill>
+              </a:rPr>
+              <a:t>MicroService</a:t>
+            </a:r>
+            <a:r>
+              <a:rPr lang="en-US" sz="2000" b="1" dirty="0" smtClean="0">
+                <a:solidFill>
+                  <a:schemeClr val="accent2"/>
+                </a:solidFill>
+              </a:rPr>
+              <a:t/>
+            </a:r>
+            <a:br>
+              <a:rPr lang="en-US" sz="2000" b="1" dirty="0" smtClean="0">
+                <a:solidFill>
+                  <a:schemeClr val="accent2"/>
+                </a:solidFill>
+              </a:rPr>
+            </a:br>
+            <a:endParaRPr lang="en-US" sz="2000" b="1" dirty="0" smtClean="0">
+              <a:solidFill>
+                <a:schemeClr val="accent2"/>
+              </a:solidFill>
+            </a:endParaRPr>
+          </a:p>
+          <a:p>
+            <a:r>
+              <a:rPr lang="en-US" sz="2000" dirty="0" smtClean="0"/>
+              <a:t>Can have little machines</a:t>
+            </a:r>
+          </a:p>
+          <a:p>
+            <a:r>
+              <a:rPr lang="en-US" sz="2000" dirty="0" smtClean="0"/>
+              <a:t>Easier to scale</a:t>
+            </a:r>
+          </a:p>
+          <a:p>
+            <a:r>
+              <a:rPr lang="en-US" sz="2000" dirty="0" smtClean="0"/>
+              <a:t>Easier for new team members</a:t>
+            </a:r>
+          </a:p>
+          <a:p>
+            <a:r>
+              <a:rPr lang="en-US" sz="2000" dirty="0" smtClean="0"/>
+              <a:t>Parallel development is easier</a:t>
+            </a:r>
+          </a:p>
+          <a:p>
+            <a:r>
+              <a:rPr lang="en-US" sz="2000" dirty="0" smtClean="0"/>
+              <a:t>Fewer parts are hidden when deploying</a:t>
+            </a:r>
+            <a:br>
+              <a:rPr lang="en-US" sz="2000" dirty="0" smtClean="0"/>
+            </a:br>
+            <a:endParaRPr lang="en-US" sz="2000" dirty="0" smtClean="0"/>
+          </a:p>
+          <a:p>
+            <a:r>
+              <a:rPr lang="en-US" sz="2000" dirty="0" smtClean="0"/>
+              <a:t>Not easy to design, needs smart architects</a:t>
+            </a:r>
+            <a:br>
+              <a:rPr lang="en-US" sz="2000" dirty="0" smtClean="0"/>
+            </a:br>
+            <a:endParaRPr lang="en-US" sz="2000" dirty="0" smtClean="0"/>
+          </a:p>
+        </p:txBody>
+      </p:sp>
     </p:spTree>
     <p:extLst>
       <p:ext uri="{BB962C8B-B14F-4D97-AF65-F5344CB8AC3E}">
@@ -5526,6 +5831,206 @@
 </file>
 
 <file path=ppt/slides/slide5.xml><?xml version="1.0" encoding="utf-8"?>
+<p:sld xmlns:a="http://schemas.openxmlformats.org/drawingml/2006/main" xmlns:r="http://schemas.openxmlformats.org/officeDocument/2006/relationships" xmlns:p="http://schemas.openxmlformats.org/presentationml/2006/main">
+  <p:cSld>
+    <p:spTree>
+      <p:nvGrpSpPr>
+        <p:cNvPr id="1" name=""/>
+        <p:cNvGrpSpPr/>
+        <p:nvPr/>
+      </p:nvGrpSpPr>
+      <p:grpSpPr>
+        <a:xfrm>
+          <a:off x="0" y="0"/>
+          <a:ext cx="0" cy="0"/>
+          <a:chOff x="0" y="0"/>
+          <a:chExt cx="0" cy="0"/>
+        </a:xfrm>
+      </p:grpSpPr>
+      <p:sp>
+        <p:nvSpPr>
+          <p:cNvPr id="4" name="Rectangle 3"/>
+          <p:cNvSpPr/>
+          <p:nvPr/>
+        </p:nvSpPr>
+        <p:spPr>
+          <a:xfrm>
+            <a:off x="3414163" y="0"/>
+            <a:ext cx="4901932" cy="523220"/>
+          </a:xfrm>
+          <a:prstGeom prst="rect">
+            <a:avLst/>
+          </a:prstGeom>
+          <a:noFill/>
+        </p:spPr>
+        <p:txBody>
+          <a:bodyPr wrap="square" lIns="91440" tIns="45720" rIns="91440" bIns="45720">
+            <a:spAutoFit/>
+          </a:bodyPr>
+          <a:lstStyle/>
+          <a:p>
+            <a:pPr algn="ctr"/>
+            <a:r>
+              <a:rPr lang="en-US" sz="2800" b="0" cap="none" spc="0" dirty="0" smtClean="0">
+                <a:ln w="0"/>
+                <a:solidFill>
+                  <a:schemeClr val="accent2"/>
+                </a:solidFill>
+                <a:effectLst>
+                  <a:outerShdw blurRad="38100" dist="19050" dir="2700000" algn="tl" rotWithShape="0">
+                    <a:schemeClr val="dk1">
+                      <a:alpha val="40000"/>
+                    </a:schemeClr>
+                  </a:outerShdw>
+                </a:effectLst>
+              </a:rPr>
+              <a:t>Database </a:t>
+            </a:r>
+            <a:r>
+              <a:rPr lang="en-US" sz="2800" b="0" cap="none" spc="0" dirty="0" err="1" smtClean="0">
+                <a:ln w="0"/>
+                <a:solidFill>
+                  <a:schemeClr val="accent2"/>
+                </a:solidFill>
+                <a:effectLst>
+                  <a:outerShdw blurRad="38100" dist="19050" dir="2700000" algn="tl" rotWithShape="0">
+                    <a:schemeClr val="dk1">
+                      <a:alpha val="40000"/>
+                    </a:schemeClr>
+                  </a:outerShdw>
+                </a:effectLst>
+              </a:rPr>
+              <a:t>Sharding</a:t>
+            </a:r>
+            <a:endParaRPr lang="en-US" sz="5400" b="0" cap="none" spc="0" dirty="0">
+              <a:ln w="0"/>
+              <a:solidFill>
+                <a:schemeClr val="accent2"/>
+              </a:solidFill>
+              <a:effectLst>
+                <a:outerShdw blurRad="38100" dist="19050" dir="2700000" algn="tl" rotWithShape="0">
+                  <a:schemeClr val="dk1">
+                    <a:alpha val="40000"/>
+                  </a:schemeClr>
+                </a:outerShdw>
+              </a:effectLst>
+            </a:endParaRPr>
+          </a:p>
+        </p:txBody>
+      </p:sp>
+      <p:sp>
+        <p:nvSpPr>
+          <p:cNvPr id="5" name="Content Placeholder 2"/>
+          <p:cNvSpPr>
+            <a:spLocks noGrp="1"/>
+          </p:cNvSpPr>
+          <p:nvPr>
+            <p:ph idx="1"/>
+          </p:nvPr>
+        </p:nvSpPr>
+        <p:spPr>
+          <a:xfrm>
+            <a:off x="838200" y="420130"/>
+            <a:ext cx="5093043" cy="5756833"/>
+          </a:xfrm>
+        </p:spPr>
+        <p:txBody>
+          <a:bodyPr>
+            <a:normAutofit/>
+          </a:bodyPr>
+          <a:lstStyle/>
+          <a:p>
+            <a:r>
+              <a:rPr lang="en-US" sz="2000" dirty="0" smtClean="0"/>
+              <a:t>Consistency</a:t>
+            </a:r>
+          </a:p>
+          <a:p>
+            <a:r>
+              <a:rPr lang="en-US" sz="2000" dirty="0" smtClean="0"/>
+              <a:t>Availability</a:t>
+            </a:r>
+          </a:p>
+          <a:p>
+            <a:r>
+              <a:rPr lang="en-US" sz="2000" dirty="0" smtClean="0"/>
+              <a:t>Can shard by </a:t>
+            </a:r>
+            <a:r>
+              <a:rPr lang="en-US" sz="2000" dirty="0" err="1" smtClean="0"/>
+              <a:t>userId</a:t>
+            </a:r>
+            <a:r>
+              <a:rPr lang="en-US" sz="2000" dirty="0" smtClean="0"/>
+              <a:t>, location</a:t>
+            </a:r>
+            <a:r>
+              <a:rPr lang="en-US" sz="2000" dirty="0"/>
+              <a:t/>
+            </a:r>
+            <a:br>
+              <a:rPr lang="en-US" sz="2000" dirty="0"/>
+            </a:br>
+            <a:endParaRPr lang="en-US" sz="2000" dirty="0" smtClean="0"/>
+          </a:p>
+          <a:p>
+            <a:r>
+              <a:rPr lang="en-US" sz="2000" dirty="0" smtClean="0"/>
+              <a:t>Problems</a:t>
+            </a:r>
+          </a:p>
+          <a:p>
+            <a:r>
+              <a:rPr lang="en-US" sz="2000" dirty="0" smtClean="0"/>
+              <a:t>Joins across shards, expensive</a:t>
+            </a:r>
+          </a:p>
+          <a:p>
+            <a:r>
+              <a:rPr lang="en-US" sz="2000" dirty="0" smtClean="0"/>
+              <a:t>Shards are inflexible in number, can use consistent hashing (</a:t>
+            </a:r>
+            <a:r>
+              <a:rPr lang="en-US" sz="2000" dirty="0" err="1" smtClean="0"/>
+              <a:t>Memcached</a:t>
+            </a:r>
+            <a:r>
+              <a:rPr lang="en-US" sz="2000" dirty="0" smtClean="0"/>
+              <a:t>)</a:t>
+            </a:r>
+            <a:br>
+              <a:rPr lang="en-US" sz="2000" dirty="0" smtClean="0"/>
+            </a:br>
+            <a:endParaRPr lang="en-US" sz="2000" dirty="0" smtClean="0"/>
+          </a:p>
+          <a:p>
+            <a:r>
+              <a:rPr lang="en-US" sz="2000" dirty="0" smtClean="0"/>
+              <a:t>Create index on shards</a:t>
+            </a:r>
+          </a:p>
+          <a:p>
+            <a:r>
+              <a:rPr lang="en-US" sz="2000" dirty="0" smtClean="0"/>
+              <a:t>Master -&gt; Slave Arch</a:t>
+            </a:r>
+          </a:p>
+        </p:txBody>
+      </p:sp>
+    </p:spTree>
+    <p:extLst>
+      <p:ext uri="{BB962C8B-B14F-4D97-AF65-F5344CB8AC3E}">
+        <p14:creationId xmlns:p14="http://schemas.microsoft.com/office/powerpoint/2010/main" val="3329022345"/>
+      </p:ext>
+    </p:extLst>
+  </p:cSld>
+  <p:clrMapOvr>
+    <a:masterClrMapping/>
+  </p:clrMapOvr>
+</p:sld>
+</file>
+
+<file path=ppt/slides/slide6.xml><?xml version="1.0" encoding="utf-8"?>
 <p:sld xmlns:a="http://schemas.openxmlformats.org/drawingml/2006/main" xmlns:r="http://schemas.openxmlformats.org/officeDocument/2006/relationships" xmlns:p="http://schemas.openxmlformats.org/presentationml/2006/main">
   <p:cSld>
     <p:spTree>
@@ -7199,7 +7704,7 @@
     </a:clrScheme>
     <a:fontScheme name="Office">
       <a:majorFont>
-        <a:latin typeface="Calibri Light" panose="020F0302020204030204"/>
+        <a:latin typeface="Calibri Light"/>
         <a:ea typeface=""/>
         <a:cs typeface=""/>
         <a:font script="Jpan" typeface="ＭＳ Ｐゴシック"/>
@@ -7234,7 +7739,7 @@
         <a:font script="Geor" typeface="Sylfaen"/>
       </a:majorFont>
       <a:minorFont>
-        <a:latin typeface="Calibri" panose="020F0502020204030204"/>
+        <a:latin typeface="Calibri"/>
         <a:ea typeface=""/>
         <a:cs typeface=""/>
         <a:font script="Jpan" typeface="ＭＳ Ｐゴシック"/>
@@ -7411,7 +7916,7 @@
   <a:extraClrSchemeLst/>
   <a:extLst>
     <a:ext uri="{05A4C25C-085E-4340-85A3-A5531E510DB2}">
-      <thm15:themeFamily xmlns:thm15="http://schemas.microsoft.com/office/thememl/2012/main" name="Office Theme" id="{62F939B6-93AF-4DB8-9C6B-D6C7DFDC589F}" vid="{4A3C46E8-61CC-4603-A589-7422A47A8E4A}"/>
+      <thm15:themeFamily xmlns:thm15="http://schemas.microsoft.com/office/thememl/2012/main" xmlns="" name="Office Theme" id="{62F939B6-93AF-4DB8-9C6B-D6C7DFDC589F}" vid="{4A3C46E8-61CC-4603-A589-7422A47A8E4A}"/>
     </a:ext>
   </a:extLst>
 </a:theme>

--- a/design/System Design Notes.pptx
+++ b/design/System Design Notes.pptx
@@ -10,7 +10,9 @@
     <p:sldId id="259" r:id="rId4"/>
     <p:sldId id="260" r:id="rId5"/>
     <p:sldId id="261" r:id="rId6"/>
-    <p:sldId id="256" r:id="rId7"/>
+    <p:sldId id="262" r:id="rId7"/>
+    <p:sldId id="263" r:id="rId8"/>
+    <p:sldId id="256" r:id="rId9"/>
   </p:sldIdLst>
   <p:sldSz cx="12192000" cy="6858000"/>
   <p:notesSz cx="6858000" cy="9144000"/>
@@ -6015,6 +6017,13 @@
               <a:t>Master -&gt; Slave Arch</a:t>
             </a:r>
           </a:p>
+          <a:p>
+            <a:r>
+              <a:rPr lang="en-US" sz="2000" dirty="0" smtClean="0"/>
+              <a:t>Writes to master, reads to slaves, slave becomes master if needed</a:t>
+            </a:r>
+            <a:endParaRPr lang="en-US" sz="2000" dirty="0" smtClean="0"/>
+          </a:p>
         </p:txBody>
       </p:sp>
     </p:spTree>
@@ -6031,6 +6040,1375 @@
 </file>
 
 <file path=ppt/slides/slide6.xml><?xml version="1.0" encoding="utf-8"?>
+<p:sld xmlns:a="http://schemas.openxmlformats.org/drawingml/2006/main" xmlns:r="http://schemas.openxmlformats.org/officeDocument/2006/relationships" xmlns:p="http://schemas.openxmlformats.org/presentationml/2006/main">
+  <p:cSld>
+    <p:spTree>
+      <p:nvGrpSpPr>
+        <p:cNvPr id="1" name=""/>
+        <p:cNvGrpSpPr/>
+        <p:nvPr/>
+      </p:nvGrpSpPr>
+      <p:grpSpPr>
+        <a:xfrm>
+          <a:off x="0" y="0"/>
+          <a:ext cx="0" cy="0"/>
+          <a:chOff x="0" y="0"/>
+          <a:chExt cx="0" cy="0"/>
+        </a:xfrm>
+      </p:grpSpPr>
+      <p:sp>
+        <p:nvSpPr>
+          <p:cNvPr id="4" name="Rectangle 3"/>
+          <p:cNvSpPr/>
+          <p:nvPr/>
+        </p:nvSpPr>
+        <p:spPr>
+          <a:xfrm>
+            <a:off x="3414163" y="0"/>
+            <a:ext cx="4901932" cy="523220"/>
+          </a:xfrm>
+          <a:prstGeom prst="rect">
+            <a:avLst/>
+          </a:prstGeom>
+          <a:noFill/>
+        </p:spPr>
+        <p:txBody>
+          <a:bodyPr wrap="square" lIns="91440" tIns="45720" rIns="91440" bIns="45720">
+            <a:spAutoFit/>
+          </a:bodyPr>
+          <a:lstStyle/>
+          <a:p>
+            <a:pPr algn="ctr"/>
+            <a:r>
+              <a:rPr lang="en-US" sz="2800" b="0" cap="none" spc="0" dirty="0" smtClean="0">
+                <a:ln w="0"/>
+                <a:solidFill>
+                  <a:schemeClr val="accent2"/>
+                </a:solidFill>
+                <a:effectLst>
+                  <a:outerShdw blurRad="38100" dist="19050" dir="2700000" algn="tl" rotWithShape="0">
+                    <a:schemeClr val="dk1">
+                      <a:alpha val="40000"/>
+                    </a:schemeClr>
+                  </a:outerShdw>
+                </a:effectLst>
+              </a:rPr>
+              <a:t>Single point of failure</a:t>
+            </a:r>
+            <a:endParaRPr lang="en-US" sz="5400" b="0" cap="none" spc="0" dirty="0">
+              <a:ln w="0"/>
+              <a:solidFill>
+                <a:schemeClr val="accent2"/>
+              </a:solidFill>
+              <a:effectLst>
+                <a:outerShdw blurRad="38100" dist="19050" dir="2700000" algn="tl" rotWithShape="0">
+                  <a:schemeClr val="dk1">
+                    <a:alpha val="40000"/>
+                  </a:schemeClr>
+                </a:outerShdw>
+              </a:effectLst>
+            </a:endParaRPr>
+          </a:p>
+        </p:txBody>
+      </p:sp>
+      <p:sp>
+        <p:nvSpPr>
+          <p:cNvPr id="5" name="Content Placeholder 2"/>
+          <p:cNvSpPr>
+            <a:spLocks noGrp="1"/>
+          </p:cNvSpPr>
+          <p:nvPr>
+            <p:ph idx="1"/>
+          </p:nvPr>
+        </p:nvSpPr>
+        <p:spPr>
+          <a:xfrm>
+            <a:off x="772086" y="773813"/>
+            <a:ext cx="5093043" cy="5756833"/>
+          </a:xfrm>
+        </p:spPr>
+        <p:txBody>
+          <a:bodyPr>
+            <a:normAutofit/>
+          </a:bodyPr>
+          <a:lstStyle/>
+          <a:p>
+            <a:r>
+              <a:rPr lang="en-US" sz="2000" dirty="0" smtClean="0"/>
+              <a:t>More Nodes</a:t>
+            </a:r>
+          </a:p>
+          <a:p>
+            <a:r>
+              <a:rPr lang="en-US" sz="2000" dirty="0" smtClean="0"/>
+              <a:t>Master – Slave</a:t>
+            </a:r>
+          </a:p>
+          <a:p>
+            <a:r>
+              <a:rPr lang="en-US" sz="2000" dirty="0" smtClean="0"/>
+              <a:t>Regions</a:t>
+            </a:r>
+            <a:br>
+              <a:rPr lang="en-US" sz="2000" dirty="0" smtClean="0"/>
+            </a:br>
+            <a:endParaRPr lang="en-US" sz="2000" dirty="0" smtClean="0"/>
+          </a:p>
+          <a:p>
+            <a:r>
+              <a:rPr lang="en-US" sz="2000" dirty="0" smtClean="0"/>
+              <a:t>Multiple Load Balancers (Gateway)</a:t>
+            </a:r>
+          </a:p>
+          <a:p>
+            <a:r>
+              <a:rPr lang="en-US" sz="2000" dirty="0" smtClean="0"/>
+              <a:t>Client -&gt; DNS -&gt; LBs -&gt; Nodes -&gt; DBs</a:t>
+            </a:r>
+          </a:p>
+          <a:p>
+            <a:endParaRPr lang="en-US" sz="2000" dirty="0" smtClean="0"/>
+          </a:p>
+        </p:txBody>
+      </p:sp>
+    </p:spTree>
+    <p:extLst>
+      <p:ext uri="{BB962C8B-B14F-4D97-AF65-F5344CB8AC3E}">
+        <p14:creationId xmlns:p14="http://schemas.microsoft.com/office/powerpoint/2010/main" val="4103316298"/>
+      </p:ext>
+    </p:extLst>
+  </p:cSld>
+  <p:clrMapOvr>
+    <a:masterClrMapping/>
+  </p:clrMapOvr>
+</p:sld>
+</file>
+
+<file path=ppt/slides/slide7.xml><?xml version="1.0" encoding="utf-8"?>
+<p:sld xmlns:a="http://schemas.openxmlformats.org/drawingml/2006/main" xmlns:r="http://schemas.openxmlformats.org/officeDocument/2006/relationships" xmlns:p="http://schemas.openxmlformats.org/presentationml/2006/main">
+  <p:cSld>
+    <p:spTree>
+      <p:nvGrpSpPr>
+        <p:cNvPr id="1" name=""/>
+        <p:cNvGrpSpPr/>
+        <p:nvPr/>
+      </p:nvGrpSpPr>
+      <p:grpSpPr>
+        <a:xfrm>
+          <a:off x="0" y="0"/>
+          <a:ext cx="0" cy="0"/>
+          <a:chOff x="0" y="0"/>
+          <a:chExt cx="0" cy="0"/>
+        </a:xfrm>
+      </p:grpSpPr>
+      <p:sp>
+        <p:nvSpPr>
+          <p:cNvPr id="4" name="TextBox 3"/>
+          <p:cNvSpPr txBox="1"/>
+          <p:nvPr/>
+        </p:nvSpPr>
+        <p:spPr>
+          <a:xfrm>
+            <a:off x="469131" y="873069"/>
+            <a:ext cx="1136822" cy="646331"/>
+          </a:xfrm>
+          <a:prstGeom prst="rect">
+            <a:avLst/>
+          </a:prstGeom>
+          <a:noFill/>
+          <a:ln>
+            <a:solidFill>
+              <a:schemeClr val="accent1"/>
+            </a:solidFill>
+          </a:ln>
+        </p:spPr>
+        <p:txBody>
+          <a:bodyPr wrap="square" rtlCol="0">
+            <a:spAutoFit/>
+          </a:bodyPr>
+          <a:lstStyle/>
+          <a:p>
+            <a:r>
+              <a:rPr lang="en-US" dirty="0" smtClean="0"/>
+              <a:t>Client 1</a:t>
+            </a:r>
+          </a:p>
+          <a:p>
+            <a:endParaRPr lang="en-US" dirty="0"/>
+          </a:p>
+        </p:txBody>
+      </p:sp>
+      <p:sp>
+        <p:nvSpPr>
+          <p:cNvPr id="5" name="Rectangle 4"/>
+          <p:cNvSpPr/>
+          <p:nvPr/>
+        </p:nvSpPr>
+        <p:spPr>
+          <a:xfrm>
+            <a:off x="4550987" y="0"/>
+            <a:ext cx="3111054" cy="523220"/>
+          </a:xfrm>
+          <a:prstGeom prst="rect">
+            <a:avLst/>
+          </a:prstGeom>
+          <a:noFill/>
+        </p:spPr>
+        <p:txBody>
+          <a:bodyPr wrap="square" lIns="91440" tIns="45720" rIns="91440" bIns="45720">
+            <a:spAutoFit/>
+          </a:bodyPr>
+          <a:lstStyle/>
+          <a:p>
+            <a:pPr algn="ctr"/>
+            <a:r>
+              <a:rPr lang="en-US" sz="2800" b="0" cap="none" spc="0" dirty="0" smtClean="0">
+                <a:ln w="0"/>
+                <a:solidFill>
+                  <a:schemeClr val="accent2"/>
+                </a:solidFill>
+                <a:effectLst>
+                  <a:outerShdw blurRad="38100" dist="19050" dir="2700000" algn="tl" rotWithShape="0">
+                    <a:schemeClr val="dk1">
+                      <a:alpha val="40000"/>
+                    </a:schemeClr>
+                  </a:outerShdw>
+                </a:effectLst>
+              </a:rPr>
+              <a:t>Tinder</a:t>
+            </a:r>
+            <a:endParaRPr lang="en-US" sz="5400" b="0" cap="none" spc="0" dirty="0">
+              <a:ln w="0"/>
+              <a:solidFill>
+                <a:schemeClr val="accent2"/>
+              </a:solidFill>
+              <a:effectLst>
+                <a:outerShdw blurRad="38100" dist="19050" dir="2700000" algn="tl" rotWithShape="0">
+                  <a:schemeClr val="dk1">
+                    <a:alpha val="40000"/>
+                  </a:schemeClr>
+                </a:outerShdw>
+              </a:effectLst>
+            </a:endParaRPr>
+          </a:p>
+        </p:txBody>
+      </p:sp>
+      <p:sp>
+        <p:nvSpPr>
+          <p:cNvPr id="9" name="TextBox 8"/>
+          <p:cNvSpPr txBox="1"/>
+          <p:nvPr/>
+        </p:nvSpPr>
+        <p:spPr>
+          <a:xfrm>
+            <a:off x="6943105" y="2939111"/>
+            <a:ext cx="1136822" cy="923330"/>
+          </a:xfrm>
+          <a:prstGeom prst="rect">
+            <a:avLst/>
+          </a:prstGeom>
+          <a:noFill/>
+          <a:ln>
+            <a:solidFill>
+              <a:schemeClr val="accent1"/>
+            </a:solidFill>
+          </a:ln>
+        </p:spPr>
+        <p:txBody>
+          <a:bodyPr wrap="square" rtlCol="0">
+            <a:spAutoFit/>
+          </a:bodyPr>
+          <a:lstStyle/>
+          <a:p>
+            <a:r>
+              <a:rPr lang="en-US" dirty="0" smtClean="0"/>
+              <a:t>Profile</a:t>
+            </a:r>
+          </a:p>
+          <a:p>
+            <a:r>
+              <a:rPr lang="en-US" dirty="0" smtClean="0"/>
+              <a:t>Service</a:t>
+            </a:r>
+            <a:endParaRPr lang="en-US" dirty="0" smtClean="0"/>
+          </a:p>
+          <a:p>
+            <a:endParaRPr lang="en-US" dirty="0"/>
+          </a:p>
+        </p:txBody>
+      </p:sp>
+      <p:sp>
+        <p:nvSpPr>
+          <p:cNvPr id="42" name="TextBox 41"/>
+          <p:cNvSpPr txBox="1"/>
+          <p:nvPr/>
+        </p:nvSpPr>
+        <p:spPr>
+          <a:xfrm>
+            <a:off x="469131" y="5313405"/>
+            <a:ext cx="4138249" cy="1200329"/>
+          </a:xfrm>
+          <a:prstGeom prst="rect">
+            <a:avLst/>
+          </a:prstGeom>
+          <a:noFill/>
+        </p:spPr>
+        <p:txBody>
+          <a:bodyPr wrap="none" rtlCol="0">
+            <a:spAutoFit/>
+          </a:bodyPr>
+          <a:lstStyle/>
+          <a:p>
+            <a:r>
+              <a:rPr lang="en-US" sz="1200" dirty="0" smtClean="0"/>
+              <a:t>Features</a:t>
+            </a:r>
+          </a:p>
+          <a:p>
+            <a:pPr marL="342900" indent="-342900">
+              <a:buFontTx/>
+              <a:buAutoNum type="arabicParenR"/>
+            </a:pPr>
+            <a:r>
+              <a:rPr lang="en-US" sz="1200" dirty="0" smtClean="0"/>
+              <a:t>Store Profiles (Images – 5 per </a:t>
+            </a:r>
+            <a:r>
+              <a:rPr lang="en-US" sz="1200" dirty="0"/>
+              <a:t>User)</a:t>
+            </a:r>
+            <a:br>
+              <a:rPr lang="en-US" sz="1200" dirty="0"/>
+            </a:br>
+            <a:r>
+              <a:rPr lang="en-US" sz="1200" dirty="0"/>
+              <a:t>	Store Images as file or </a:t>
+            </a:r>
+            <a:r>
+              <a:rPr lang="en-US" sz="1200" dirty="0" smtClean="0"/>
+              <a:t>Blob </a:t>
+            </a:r>
+            <a:r>
+              <a:rPr lang="en-US" sz="1200" dirty="0"/>
+              <a:t>(Binary Large Object</a:t>
+            </a:r>
+            <a:r>
+              <a:rPr lang="en-US" sz="1200" dirty="0" smtClean="0"/>
+              <a:t>)</a:t>
+            </a:r>
+            <a:endParaRPr lang="en-US" sz="1200" dirty="0" smtClean="0"/>
+          </a:p>
+          <a:p>
+            <a:pPr marL="342900" indent="-342900">
+              <a:buAutoNum type="arabicParenR"/>
+            </a:pPr>
+            <a:r>
+              <a:rPr lang="en-US" sz="1200" dirty="0" smtClean="0"/>
+              <a:t>Recommend matches (# of active users)</a:t>
+            </a:r>
+          </a:p>
+          <a:p>
+            <a:pPr marL="342900" indent="-342900">
+              <a:buAutoNum type="arabicParenR"/>
+            </a:pPr>
+            <a:r>
+              <a:rPr lang="en-US" sz="1200" dirty="0" smtClean="0"/>
+              <a:t>Note matches (0.1%  match)</a:t>
+            </a:r>
+          </a:p>
+          <a:p>
+            <a:pPr marL="342900" indent="-342900">
+              <a:buAutoNum type="arabicParenR"/>
+            </a:pPr>
+            <a:r>
+              <a:rPr lang="en-US" sz="1200" dirty="0" smtClean="0"/>
+              <a:t>Direct messaging</a:t>
+            </a:r>
+            <a:endParaRPr lang="en-US" sz="1200" dirty="0"/>
+          </a:p>
+        </p:txBody>
+      </p:sp>
+      <p:sp>
+        <p:nvSpPr>
+          <p:cNvPr id="64" name="TextBox 63"/>
+          <p:cNvSpPr txBox="1"/>
+          <p:nvPr/>
+        </p:nvSpPr>
+        <p:spPr>
+          <a:xfrm>
+            <a:off x="1216585" y="350880"/>
+            <a:ext cx="3214919" cy="276999"/>
+          </a:xfrm>
+          <a:prstGeom prst="rect">
+            <a:avLst/>
+          </a:prstGeom>
+          <a:noFill/>
+        </p:spPr>
+        <p:txBody>
+          <a:bodyPr wrap="none" rtlCol="0">
+            <a:spAutoFit/>
+          </a:bodyPr>
+          <a:lstStyle/>
+          <a:p>
+            <a:r>
+              <a:rPr lang="en-US" sz="1200" dirty="0" smtClean="0"/>
+              <a:t>Store Images as file or Blog (Binary Large Object)</a:t>
+            </a:r>
+            <a:endParaRPr lang="en-US" sz="1200" dirty="0"/>
+          </a:p>
+        </p:txBody>
+      </p:sp>
+      <p:sp>
+        <p:nvSpPr>
+          <p:cNvPr id="44" name="TextBox 43"/>
+          <p:cNvSpPr txBox="1"/>
+          <p:nvPr/>
+        </p:nvSpPr>
+        <p:spPr>
+          <a:xfrm>
+            <a:off x="5098520" y="5313405"/>
+            <a:ext cx="1584665" cy="1015663"/>
+          </a:xfrm>
+          <a:prstGeom prst="rect">
+            <a:avLst/>
+          </a:prstGeom>
+          <a:noFill/>
+        </p:spPr>
+        <p:txBody>
+          <a:bodyPr wrap="none" rtlCol="0">
+            <a:spAutoFit/>
+          </a:bodyPr>
+          <a:lstStyle/>
+          <a:p>
+            <a:r>
+              <a:rPr lang="en-US" sz="1200" dirty="0" smtClean="0"/>
+              <a:t>DBs</a:t>
+            </a:r>
+          </a:p>
+          <a:p>
+            <a:pPr marL="228600" indent="-228600">
+              <a:buAutoNum type="arabicParenR"/>
+            </a:pPr>
+            <a:r>
+              <a:rPr lang="en-US" sz="1200" dirty="0" smtClean="0"/>
+              <a:t>Mutability</a:t>
+            </a:r>
+          </a:p>
+          <a:p>
+            <a:pPr marL="228600" indent="-228600">
+              <a:buAutoNum type="arabicParenR"/>
+            </a:pPr>
+            <a:r>
+              <a:rPr lang="en-US" sz="1200" dirty="0" smtClean="0"/>
+              <a:t>Transaction – ACID</a:t>
+            </a:r>
+          </a:p>
+          <a:p>
+            <a:pPr marL="228600" indent="-228600">
+              <a:buAutoNum type="arabicParenR"/>
+            </a:pPr>
+            <a:r>
+              <a:rPr lang="en-US" sz="1200" dirty="0" smtClean="0"/>
+              <a:t>Indexes (search)</a:t>
+            </a:r>
+          </a:p>
+          <a:p>
+            <a:pPr marL="228600" indent="-228600">
+              <a:buAutoNum type="arabicParenR"/>
+            </a:pPr>
+            <a:r>
+              <a:rPr lang="en-US" sz="1200" dirty="0" smtClean="0"/>
+              <a:t>Access Control</a:t>
+            </a:r>
+            <a:endParaRPr lang="en-US" sz="1200" dirty="0"/>
+          </a:p>
+        </p:txBody>
+      </p:sp>
+      <p:sp>
+        <p:nvSpPr>
+          <p:cNvPr id="46" name="TextBox 45"/>
+          <p:cNvSpPr txBox="1"/>
+          <p:nvPr/>
+        </p:nvSpPr>
+        <p:spPr>
+          <a:xfrm>
+            <a:off x="7010709" y="5405737"/>
+            <a:ext cx="1761444" cy="1015663"/>
+          </a:xfrm>
+          <a:prstGeom prst="rect">
+            <a:avLst/>
+          </a:prstGeom>
+          <a:noFill/>
+        </p:spPr>
+        <p:txBody>
+          <a:bodyPr wrap="none" rtlCol="0">
+            <a:spAutoFit/>
+          </a:bodyPr>
+          <a:lstStyle/>
+          <a:p>
+            <a:r>
+              <a:rPr lang="en-US" sz="1200" dirty="0" smtClean="0"/>
+              <a:t>Store as file</a:t>
+            </a:r>
+          </a:p>
+          <a:p>
+            <a:pPr marL="228600" indent="-228600">
+              <a:buAutoNum type="arabicParenR"/>
+            </a:pPr>
+            <a:r>
+              <a:rPr lang="en-US" sz="1200" dirty="0" smtClean="0"/>
+              <a:t>Cheaper</a:t>
+            </a:r>
+          </a:p>
+          <a:p>
+            <a:pPr marL="228600" indent="-228600">
+              <a:buAutoNum type="arabicParenR"/>
+            </a:pPr>
+            <a:r>
+              <a:rPr lang="en-US" sz="1200" dirty="0" smtClean="0"/>
+              <a:t>Faster</a:t>
+            </a:r>
+          </a:p>
+          <a:p>
+            <a:r>
+              <a:rPr lang="en-US" sz="1200" dirty="0" err="1" smtClean="0"/>
+              <a:t>profileId</a:t>
+            </a:r>
+            <a:r>
+              <a:rPr lang="en-US" sz="1200" dirty="0" smtClean="0"/>
+              <a:t>, </a:t>
+            </a:r>
+            <a:r>
+              <a:rPr lang="en-US" sz="1200" dirty="0" err="1" smtClean="0"/>
+              <a:t>imageId</a:t>
+            </a:r>
+            <a:r>
+              <a:rPr lang="en-US" sz="1200" dirty="0" smtClean="0"/>
+              <a:t>, </a:t>
+            </a:r>
+            <a:r>
+              <a:rPr lang="en-US" sz="1200" dirty="0" err="1" smtClean="0"/>
+              <a:t>FileUrl</a:t>
+            </a:r>
+            <a:endParaRPr lang="en-US" sz="1200" dirty="0" smtClean="0"/>
+          </a:p>
+          <a:p>
+            <a:r>
+              <a:rPr lang="en-US" sz="1200" dirty="0" smtClean="0"/>
+              <a:t>To Distributed File Sys</a:t>
+            </a:r>
+            <a:endParaRPr lang="en-US" sz="1200" dirty="0"/>
+          </a:p>
+        </p:txBody>
+      </p:sp>
+      <p:cxnSp>
+        <p:nvCxnSpPr>
+          <p:cNvPr id="10" name="Straight Arrow Connector 9"/>
+          <p:cNvCxnSpPr>
+            <a:stCxn id="4" idx="3"/>
+          </p:cNvCxnSpPr>
+          <p:nvPr/>
+        </p:nvCxnSpPr>
+        <p:spPr>
+          <a:xfrm>
+            <a:off x="1605953" y="1196235"/>
+            <a:ext cx="1864605" cy="908610"/>
+          </a:xfrm>
+          <a:prstGeom prst="straightConnector1">
+            <a:avLst/>
+          </a:prstGeom>
+          <a:ln>
+            <a:headEnd type="arrow"/>
+            <a:tailEnd type="arrow"/>
+          </a:ln>
+        </p:spPr>
+        <p:style>
+          <a:lnRef idx="1">
+            <a:schemeClr val="accent1"/>
+          </a:lnRef>
+          <a:fillRef idx="0">
+            <a:schemeClr val="accent1"/>
+          </a:fillRef>
+          <a:effectRef idx="0">
+            <a:schemeClr val="accent1"/>
+          </a:effectRef>
+          <a:fontRef idx="minor">
+            <a:schemeClr val="tx1"/>
+          </a:fontRef>
+        </p:style>
+      </p:cxnSp>
+      <p:sp>
+        <p:nvSpPr>
+          <p:cNvPr id="51" name="TextBox 50"/>
+          <p:cNvSpPr txBox="1"/>
+          <p:nvPr/>
+        </p:nvSpPr>
+        <p:spPr>
+          <a:xfrm>
+            <a:off x="2099589" y="1655258"/>
+            <a:ext cx="958917" cy="276999"/>
+          </a:xfrm>
+          <a:prstGeom prst="rect">
+            <a:avLst/>
+          </a:prstGeom>
+          <a:noFill/>
+        </p:spPr>
+        <p:txBody>
+          <a:bodyPr wrap="none" rtlCol="0">
+            <a:spAutoFit/>
+          </a:bodyPr>
+          <a:lstStyle/>
+          <a:p>
+            <a:r>
+              <a:rPr lang="en-US" sz="1200" dirty="0" smtClean="0"/>
+              <a:t>User / token</a:t>
+            </a:r>
+          </a:p>
+        </p:txBody>
+      </p:sp>
+      <p:sp>
+        <p:nvSpPr>
+          <p:cNvPr id="54" name="TextBox 53"/>
+          <p:cNvSpPr txBox="1"/>
+          <p:nvPr/>
+        </p:nvSpPr>
+        <p:spPr>
+          <a:xfrm>
+            <a:off x="2168600" y="1293926"/>
+            <a:ext cx="987899" cy="276999"/>
+          </a:xfrm>
+          <a:prstGeom prst="rect">
+            <a:avLst/>
+          </a:prstGeom>
+          <a:noFill/>
+        </p:spPr>
+        <p:txBody>
+          <a:bodyPr wrap="none" rtlCol="0">
+            <a:spAutoFit/>
+          </a:bodyPr>
+          <a:lstStyle/>
+          <a:p>
+            <a:r>
+              <a:rPr lang="en-US" sz="1200" dirty="0"/>
+              <a:t>u</a:t>
+            </a:r>
+            <a:r>
+              <a:rPr lang="en-US" sz="1200" dirty="0" smtClean="0"/>
+              <a:t>pdate(user)</a:t>
+            </a:r>
+          </a:p>
+        </p:txBody>
+      </p:sp>
+      <p:sp>
+        <p:nvSpPr>
+          <p:cNvPr id="63" name="TextBox 62"/>
+          <p:cNvSpPr txBox="1"/>
+          <p:nvPr/>
+        </p:nvSpPr>
+        <p:spPr>
+          <a:xfrm>
+            <a:off x="3470558" y="1853212"/>
+            <a:ext cx="1136822" cy="923330"/>
+          </a:xfrm>
+          <a:prstGeom prst="rect">
+            <a:avLst/>
+          </a:prstGeom>
+          <a:noFill/>
+          <a:ln>
+            <a:solidFill>
+              <a:schemeClr val="accent1"/>
+            </a:solidFill>
+          </a:ln>
+        </p:spPr>
+        <p:txBody>
+          <a:bodyPr wrap="square" rtlCol="0">
+            <a:spAutoFit/>
+          </a:bodyPr>
+          <a:lstStyle/>
+          <a:p>
+            <a:r>
+              <a:rPr lang="en-US" dirty="0" smtClean="0"/>
+              <a:t>Gateway</a:t>
+            </a:r>
+          </a:p>
+          <a:p>
+            <a:r>
+              <a:rPr lang="en-US" dirty="0" smtClean="0"/>
+              <a:t>Service</a:t>
+            </a:r>
+            <a:endParaRPr lang="en-US" dirty="0" smtClean="0"/>
+          </a:p>
+          <a:p>
+            <a:endParaRPr lang="en-US" dirty="0"/>
+          </a:p>
+        </p:txBody>
+      </p:sp>
+      <p:cxnSp>
+        <p:nvCxnSpPr>
+          <p:cNvPr id="23" name="Straight Arrow Connector 22"/>
+          <p:cNvCxnSpPr>
+            <a:stCxn id="63" idx="3"/>
+            <a:endCxn id="9" idx="1"/>
+          </p:cNvCxnSpPr>
+          <p:nvPr/>
+        </p:nvCxnSpPr>
+        <p:spPr>
+          <a:xfrm>
+            <a:off x="4607380" y="2314877"/>
+            <a:ext cx="2335725" cy="1085899"/>
+          </a:xfrm>
+          <a:prstGeom prst="straightConnector1">
+            <a:avLst/>
+          </a:prstGeom>
+          <a:ln>
+            <a:headEnd type="arrow"/>
+            <a:tailEnd type="arrow"/>
+          </a:ln>
+        </p:spPr>
+        <p:style>
+          <a:lnRef idx="1">
+            <a:schemeClr val="accent1"/>
+          </a:lnRef>
+          <a:fillRef idx="0">
+            <a:schemeClr val="accent1"/>
+          </a:fillRef>
+          <a:effectRef idx="0">
+            <a:schemeClr val="accent1"/>
+          </a:effectRef>
+          <a:fontRef idx="minor">
+            <a:schemeClr val="tx1"/>
+          </a:fontRef>
+        </p:style>
+      </p:cxnSp>
+      <p:sp>
+        <p:nvSpPr>
+          <p:cNvPr id="65" name="TextBox 64"/>
+          <p:cNvSpPr txBox="1"/>
+          <p:nvPr/>
+        </p:nvSpPr>
+        <p:spPr>
+          <a:xfrm>
+            <a:off x="3522473" y="3077610"/>
+            <a:ext cx="909031" cy="461665"/>
+          </a:xfrm>
+          <a:prstGeom prst="rect">
+            <a:avLst/>
+          </a:prstGeom>
+          <a:noFill/>
+        </p:spPr>
+        <p:txBody>
+          <a:bodyPr wrap="none" rtlCol="0">
+            <a:spAutoFit/>
+          </a:bodyPr>
+          <a:lstStyle/>
+          <a:p>
+            <a:r>
+              <a:rPr lang="en-US" sz="1200" dirty="0" err="1" smtClean="0"/>
+              <a:t>Auth</a:t>
+            </a:r>
+            <a:endParaRPr lang="en-US" sz="1200" dirty="0" smtClean="0"/>
+          </a:p>
+          <a:p>
+            <a:r>
+              <a:rPr lang="en-US" sz="1200" dirty="0" smtClean="0"/>
+              <a:t>Web socket</a:t>
+            </a:r>
+            <a:endParaRPr lang="en-US" sz="1200" dirty="0" smtClean="0"/>
+          </a:p>
+        </p:txBody>
+      </p:sp>
+      <p:sp>
+        <p:nvSpPr>
+          <p:cNvPr id="68" name="TextBox 67"/>
+          <p:cNvSpPr txBox="1"/>
+          <p:nvPr/>
+        </p:nvSpPr>
+        <p:spPr>
+          <a:xfrm>
+            <a:off x="6927832" y="3979875"/>
+            <a:ext cx="1136822" cy="923330"/>
+          </a:xfrm>
+          <a:prstGeom prst="rect">
+            <a:avLst/>
+          </a:prstGeom>
+          <a:noFill/>
+          <a:ln>
+            <a:solidFill>
+              <a:schemeClr val="accent1"/>
+            </a:solidFill>
+          </a:ln>
+        </p:spPr>
+        <p:txBody>
+          <a:bodyPr wrap="square" rtlCol="0">
+            <a:spAutoFit/>
+          </a:bodyPr>
+          <a:lstStyle/>
+          <a:p>
+            <a:r>
+              <a:rPr lang="en-US" dirty="0" smtClean="0"/>
+              <a:t>Images</a:t>
+            </a:r>
+          </a:p>
+          <a:p>
+            <a:r>
+              <a:rPr lang="en-US" dirty="0" smtClean="0"/>
+              <a:t>Service</a:t>
+            </a:r>
+            <a:endParaRPr lang="en-US" dirty="0" smtClean="0"/>
+          </a:p>
+          <a:p>
+            <a:endParaRPr lang="en-US" dirty="0"/>
+          </a:p>
+        </p:txBody>
+      </p:sp>
+      <p:cxnSp>
+        <p:nvCxnSpPr>
+          <p:cNvPr id="29" name="Straight Arrow Connector 28"/>
+          <p:cNvCxnSpPr>
+            <a:endCxn id="68" idx="1"/>
+          </p:cNvCxnSpPr>
+          <p:nvPr/>
+        </p:nvCxnSpPr>
+        <p:spPr>
+          <a:xfrm>
+            <a:off x="4607380" y="2584387"/>
+            <a:ext cx="2320452" cy="1857153"/>
+          </a:xfrm>
+          <a:prstGeom prst="straightConnector1">
+            <a:avLst/>
+          </a:prstGeom>
+          <a:ln>
+            <a:headEnd type="arrow"/>
+            <a:tailEnd type="arrow"/>
+          </a:ln>
+        </p:spPr>
+        <p:style>
+          <a:lnRef idx="1">
+            <a:schemeClr val="accent1"/>
+          </a:lnRef>
+          <a:fillRef idx="0">
+            <a:schemeClr val="accent1"/>
+          </a:fillRef>
+          <a:effectRef idx="0">
+            <a:schemeClr val="accent1"/>
+          </a:effectRef>
+          <a:fontRef idx="minor">
+            <a:schemeClr val="tx1"/>
+          </a:fontRef>
+        </p:style>
+      </p:cxnSp>
+      <p:sp>
+        <p:nvSpPr>
+          <p:cNvPr id="74" name="TextBox 73"/>
+          <p:cNvSpPr txBox="1"/>
+          <p:nvPr/>
+        </p:nvSpPr>
+        <p:spPr>
+          <a:xfrm>
+            <a:off x="1874977" y="2662112"/>
+            <a:ext cx="1212511" cy="276999"/>
+          </a:xfrm>
+          <a:prstGeom prst="rect">
+            <a:avLst/>
+          </a:prstGeom>
+          <a:noFill/>
+        </p:spPr>
+        <p:txBody>
+          <a:bodyPr wrap="none" rtlCol="0">
+            <a:spAutoFit/>
+          </a:bodyPr>
+          <a:lstStyle/>
+          <a:p>
+            <a:r>
+              <a:rPr lang="en-US" sz="1200" dirty="0"/>
+              <a:t>m</a:t>
+            </a:r>
+            <a:r>
+              <a:rPr lang="en-US" sz="1200" dirty="0" smtClean="0"/>
+              <a:t>essage(u1, u2)</a:t>
+            </a:r>
+          </a:p>
+        </p:txBody>
+      </p:sp>
+      <p:sp>
+        <p:nvSpPr>
+          <p:cNvPr id="75" name="TextBox 74"/>
+          <p:cNvSpPr txBox="1"/>
+          <p:nvPr/>
+        </p:nvSpPr>
+        <p:spPr>
+          <a:xfrm>
+            <a:off x="469131" y="2754445"/>
+            <a:ext cx="1136822" cy="646331"/>
+          </a:xfrm>
+          <a:prstGeom prst="rect">
+            <a:avLst/>
+          </a:prstGeom>
+          <a:noFill/>
+          <a:ln>
+            <a:solidFill>
+              <a:schemeClr val="accent1"/>
+            </a:solidFill>
+          </a:ln>
+        </p:spPr>
+        <p:txBody>
+          <a:bodyPr wrap="square" rtlCol="0">
+            <a:spAutoFit/>
+          </a:bodyPr>
+          <a:lstStyle/>
+          <a:p>
+            <a:r>
+              <a:rPr lang="en-US" dirty="0" smtClean="0"/>
+              <a:t>Client </a:t>
+            </a:r>
+            <a:r>
+              <a:rPr lang="en-US" dirty="0" smtClean="0"/>
+              <a:t>2</a:t>
+            </a:r>
+            <a:endParaRPr lang="en-US" dirty="0" smtClean="0"/>
+          </a:p>
+          <a:p>
+            <a:endParaRPr lang="en-US" dirty="0"/>
+          </a:p>
+        </p:txBody>
+      </p:sp>
+      <p:cxnSp>
+        <p:nvCxnSpPr>
+          <p:cNvPr id="31" name="Straight Arrow Connector 30"/>
+          <p:cNvCxnSpPr>
+            <a:endCxn id="63" idx="1"/>
+          </p:cNvCxnSpPr>
+          <p:nvPr/>
+        </p:nvCxnSpPr>
+        <p:spPr>
+          <a:xfrm flipV="1">
+            <a:off x="1605953" y="2314877"/>
+            <a:ext cx="1864605" cy="497335"/>
+          </a:xfrm>
+          <a:prstGeom prst="straightConnector1">
+            <a:avLst/>
+          </a:prstGeom>
+          <a:ln>
+            <a:headEnd type="arrow"/>
+            <a:tailEnd type="arrow"/>
+          </a:ln>
+        </p:spPr>
+        <p:style>
+          <a:lnRef idx="1">
+            <a:schemeClr val="accent1"/>
+          </a:lnRef>
+          <a:fillRef idx="0">
+            <a:schemeClr val="accent1"/>
+          </a:fillRef>
+          <a:effectRef idx="0">
+            <a:schemeClr val="accent1"/>
+          </a:effectRef>
+          <a:fontRef idx="minor">
+            <a:schemeClr val="tx1"/>
+          </a:fontRef>
+        </p:style>
+      </p:cxnSp>
+      <p:sp>
+        <p:nvSpPr>
+          <p:cNvPr id="76" name="TextBox 75"/>
+          <p:cNvSpPr txBox="1"/>
+          <p:nvPr/>
+        </p:nvSpPr>
+        <p:spPr>
+          <a:xfrm>
+            <a:off x="972456" y="3656709"/>
+            <a:ext cx="1941365" cy="646331"/>
+          </a:xfrm>
+          <a:prstGeom prst="rect">
+            <a:avLst/>
+          </a:prstGeom>
+          <a:noFill/>
+        </p:spPr>
+        <p:txBody>
+          <a:bodyPr wrap="none" rtlCol="0">
+            <a:spAutoFit/>
+          </a:bodyPr>
+          <a:lstStyle/>
+          <a:p>
+            <a:r>
+              <a:rPr lang="en-US" sz="1200" dirty="0" smtClean="0"/>
+              <a:t>Peer 2 Peer Protocol (</a:t>
+            </a:r>
+            <a:r>
+              <a:rPr lang="en-US" sz="1200" dirty="0" err="1" smtClean="0"/>
+              <a:t>xmpp</a:t>
+            </a:r>
+            <a:r>
+              <a:rPr lang="en-US" sz="1200" dirty="0" smtClean="0"/>
+              <a:t>)</a:t>
+            </a:r>
+          </a:p>
+          <a:p>
+            <a:r>
+              <a:rPr lang="en-US" sz="1200" dirty="0" smtClean="0"/>
+              <a:t>Instead of</a:t>
+            </a:r>
+          </a:p>
+          <a:p>
+            <a:r>
+              <a:rPr lang="en-US" sz="1200" dirty="0" smtClean="0"/>
+              <a:t>Client Server Protocol (http)</a:t>
+            </a:r>
+            <a:endParaRPr lang="en-US" sz="1200" dirty="0" smtClean="0"/>
+          </a:p>
+        </p:txBody>
+      </p:sp>
+      <p:sp>
+        <p:nvSpPr>
+          <p:cNvPr id="77" name="TextBox 76"/>
+          <p:cNvSpPr txBox="1"/>
+          <p:nvPr/>
+        </p:nvSpPr>
+        <p:spPr>
+          <a:xfrm>
+            <a:off x="7511516" y="411404"/>
+            <a:ext cx="1136822" cy="923330"/>
+          </a:xfrm>
+          <a:prstGeom prst="rect">
+            <a:avLst/>
+          </a:prstGeom>
+          <a:noFill/>
+          <a:ln>
+            <a:solidFill>
+              <a:schemeClr val="accent1"/>
+            </a:solidFill>
+          </a:ln>
+        </p:spPr>
+        <p:txBody>
+          <a:bodyPr wrap="square" rtlCol="0">
+            <a:spAutoFit/>
+          </a:bodyPr>
+          <a:lstStyle/>
+          <a:p>
+            <a:r>
+              <a:rPr lang="en-US" dirty="0" smtClean="0"/>
+              <a:t>Sessions</a:t>
+            </a:r>
+          </a:p>
+          <a:p>
+            <a:r>
+              <a:rPr lang="en-US" dirty="0" smtClean="0"/>
+              <a:t>Service</a:t>
+            </a:r>
+            <a:endParaRPr lang="en-US" dirty="0" smtClean="0"/>
+          </a:p>
+          <a:p>
+            <a:endParaRPr lang="en-US" dirty="0"/>
+          </a:p>
+        </p:txBody>
+      </p:sp>
+      <p:cxnSp>
+        <p:nvCxnSpPr>
+          <p:cNvPr id="35" name="Straight Arrow Connector 34"/>
+          <p:cNvCxnSpPr>
+            <a:endCxn id="77" idx="1"/>
+          </p:cNvCxnSpPr>
+          <p:nvPr/>
+        </p:nvCxnSpPr>
+        <p:spPr>
+          <a:xfrm flipV="1">
+            <a:off x="4431504" y="873069"/>
+            <a:ext cx="3080012" cy="980143"/>
+          </a:xfrm>
+          <a:prstGeom prst="straightConnector1">
+            <a:avLst/>
+          </a:prstGeom>
+          <a:ln>
+            <a:headEnd type="arrow"/>
+            <a:tailEnd type="arrow"/>
+          </a:ln>
+        </p:spPr>
+        <p:style>
+          <a:lnRef idx="1">
+            <a:schemeClr val="accent1"/>
+          </a:lnRef>
+          <a:fillRef idx="0">
+            <a:schemeClr val="accent1"/>
+          </a:fillRef>
+          <a:effectRef idx="0">
+            <a:schemeClr val="accent1"/>
+          </a:effectRef>
+          <a:fontRef idx="minor">
+            <a:schemeClr val="tx1"/>
+          </a:fontRef>
+        </p:style>
+      </p:cxnSp>
+      <p:sp>
+        <p:nvSpPr>
+          <p:cNvPr id="81" name="TextBox 80"/>
+          <p:cNvSpPr txBox="1"/>
+          <p:nvPr/>
+        </p:nvSpPr>
+        <p:spPr>
+          <a:xfrm>
+            <a:off x="6367057" y="1781679"/>
+            <a:ext cx="1152095" cy="646331"/>
+          </a:xfrm>
+          <a:prstGeom prst="rect">
+            <a:avLst/>
+          </a:prstGeom>
+          <a:noFill/>
+          <a:ln>
+            <a:solidFill>
+              <a:schemeClr val="accent1"/>
+            </a:solidFill>
+          </a:ln>
+        </p:spPr>
+        <p:txBody>
+          <a:bodyPr wrap="square" rtlCol="0">
+            <a:spAutoFit/>
+          </a:bodyPr>
+          <a:lstStyle/>
+          <a:p>
+            <a:r>
+              <a:rPr lang="en-US" dirty="0" smtClean="0"/>
+              <a:t>Matcher</a:t>
+            </a:r>
+          </a:p>
+          <a:p>
+            <a:r>
+              <a:rPr lang="en-US" dirty="0" smtClean="0"/>
+              <a:t>Service</a:t>
+            </a:r>
+            <a:endParaRPr lang="en-US" dirty="0"/>
+          </a:p>
+        </p:txBody>
+      </p:sp>
+      <p:cxnSp>
+        <p:nvCxnSpPr>
+          <p:cNvPr id="83" name="Straight Arrow Connector 82"/>
+          <p:cNvCxnSpPr>
+            <a:endCxn id="81" idx="1"/>
+          </p:cNvCxnSpPr>
+          <p:nvPr/>
+        </p:nvCxnSpPr>
+        <p:spPr>
+          <a:xfrm>
+            <a:off x="4607380" y="2104844"/>
+            <a:ext cx="1759677" cy="1"/>
+          </a:xfrm>
+          <a:prstGeom prst="straightConnector1">
+            <a:avLst/>
+          </a:prstGeom>
+          <a:ln>
+            <a:headEnd type="arrow"/>
+            <a:tailEnd type="arrow"/>
+          </a:ln>
+        </p:spPr>
+        <p:style>
+          <a:lnRef idx="1">
+            <a:schemeClr val="accent1"/>
+          </a:lnRef>
+          <a:fillRef idx="0">
+            <a:schemeClr val="accent1"/>
+          </a:fillRef>
+          <a:effectRef idx="0">
+            <a:schemeClr val="accent1"/>
+          </a:effectRef>
+          <a:fontRef idx="minor">
+            <a:schemeClr val="tx1"/>
+          </a:fontRef>
+        </p:style>
+      </p:cxnSp>
+      <p:cxnSp>
+        <p:nvCxnSpPr>
+          <p:cNvPr id="85" name="Straight Arrow Connector 84"/>
+          <p:cNvCxnSpPr/>
+          <p:nvPr/>
+        </p:nvCxnSpPr>
+        <p:spPr>
+          <a:xfrm flipV="1">
+            <a:off x="7332453" y="1373541"/>
+            <a:ext cx="457200" cy="408138"/>
+          </a:xfrm>
+          <a:prstGeom prst="straightConnector1">
+            <a:avLst/>
+          </a:prstGeom>
+          <a:ln>
+            <a:headEnd type="arrow"/>
+            <a:tailEnd type="arrow"/>
+          </a:ln>
+        </p:spPr>
+        <p:style>
+          <a:lnRef idx="1">
+            <a:schemeClr val="accent1"/>
+          </a:lnRef>
+          <a:fillRef idx="0">
+            <a:schemeClr val="accent1"/>
+          </a:fillRef>
+          <a:effectRef idx="0">
+            <a:schemeClr val="accent1"/>
+          </a:effectRef>
+          <a:fontRef idx="minor">
+            <a:schemeClr val="tx1"/>
+          </a:fontRef>
+        </p:style>
+      </p:cxnSp>
+      <p:sp>
+        <p:nvSpPr>
+          <p:cNvPr id="86" name="TextBox 85"/>
+          <p:cNvSpPr txBox="1"/>
+          <p:nvPr/>
+        </p:nvSpPr>
+        <p:spPr>
+          <a:xfrm>
+            <a:off x="9544000" y="2055712"/>
+            <a:ext cx="2437719" cy="1938992"/>
+          </a:xfrm>
+          <a:prstGeom prst="rect">
+            <a:avLst/>
+          </a:prstGeom>
+          <a:noFill/>
+        </p:spPr>
+        <p:txBody>
+          <a:bodyPr wrap="none" rtlCol="0">
+            <a:spAutoFit/>
+          </a:bodyPr>
+          <a:lstStyle/>
+          <a:p>
+            <a:r>
+              <a:rPr lang="en-US" sz="1200" dirty="0" smtClean="0"/>
+              <a:t>Can only sort by 1 Index</a:t>
+            </a:r>
+          </a:p>
+          <a:p>
+            <a:pPr marL="228600" indent="-228600">
+              <a:buAutoNum type="arabicParenR"/>
+            </a:pPr>
+            <a:r>
+              <a:rPr lang="en-US" sz="1200" dirty="0" smtClean="0"/>
+              <a:t>Age</a:t>
+            </a:r>
+          </a:p>
+          <a:p>
+            <a:pPr marL="228600" indent="-228600">
+              <a:buAutoNum type="arabicParenR"/>
+            </a:pPr>
+            <a:r>
+              <a:rPr lang="en-US" sz="1200" dirty="0" smtClean="0"/>
+              <a:t>Gender</a:t>
+            </a:r>
+          </a:p>
+          <a:p>
+            <a:pPr marL="228600" indent="-228600">
+              <a:buAutoNum type="arabicParenR"/>
+            </a:pPr>
+            <a:r>
+              <a:rPr lang="en-US" sz="1200" dirty="0" smtClean="0"/>
+              <a:t>Location</a:t>
+            </a:r>
+          </a:p>
+          <a:p>
+            <a:endParaRPr lang="en-US" sz="1200" dirty="0"/>
+          </a:p>
+          <a:p>
+            <a:r>
+              <a:rPr lang="en-US" sz="1200" dirty="0" smtClean="0"/>
+              <a:t>Use</a:t>
+            </a:r>
+          </a:p>
+          <a:p>
+            <a:pPr marL="228600" indent="-228600">
+              <a:buAutoNum type="arabicParenR"/>
+            </a:pPr>
+            <a:r>
+              <a:rPr lang="en-US" sz="1200" dirty="0" smtClean="0"/>
+              <a:t>Cassandra/ Dynamo</a:t>
+            </a:r>
+          </a:p>
+          <a:p>
+            <a:pPr marL="228600" indent="-228600">
+              <a:buAutoNum type="arabicParenR"/>
+            </a:pPr>
+            <a:r>
+              <a:rPr lang="en-US" sz="1200" dirty="0" err="1" smtClean="0"/>
+              <a:t>Sharding</a:t>
+            </a:r>
+            <a:r>
+              <a:rPr lang="en-US" sz="1200" dirty="0" smtClean="0"/>
+              <a:t>, Horizontal Partitioning</a:t>
+            </a:r>
+            <a:br>
+              <a:rPr lang="en-US" sz="1200" dirty="0" smtClean="0"/>
+            </a:br>
+            <a:r>
+              <a:rPr lang="en-US" sz="1200" dirty="0" smtClean="0"/>
+              <a:t>on location</a:t>
+            </a:r>
+            <a:br>
+              <a:rPr lang="en-US" sz="1200" dirty="0" smtClean="0"/>
+            </a:br>
+            <a:r>
+              <a:rPr lang="en-US" sz="1200" dirty="0" smtClean="0"/>
+              <a:t>Use master slave arch</a:t>
+            </a:r>
+            <a:endParaRPr lang="en-US" sz="1200" dirty="0"/>
+          </a:p>
+        </p:txBody>
+      </p:sp>
+      <p:sp>
+        <p:nvSpPr>
+          <p:cNvPr id="87" name="TextBox 86"/>
+          <p:cNvSpPr txBox="1"/>
+          <p:nvPr/>
+        </p:nvSpPr>
+        <p:spPr>
+          <a:xfrm>
+            <a:off x="3850049" y="3983885"/>
+            <a:ext cx="2040803" cy="923330"/>
+          </a:xfrm>
+          <a:prstGeom prst="rect">
+            <a:avLst/>
+          </a:prstGeom>
+          <a:noFill/>
+          <a:ln>
+            <a:solidFill>
+              <a:schemeClr val="accent1"/>
+            </a:solidFill>
+          </a:ln>
+        </p:spPr>
+        <p:txBody>
+          <a:bodyPr wrap="square" rtlCol="0">
+            <a:spAutoFit/>
+          </a:bodyPr>
+          <a:lstStyle/>
+          <a:p>
+            <a:r>
+              <a:rPr lang="en-US" dirty="0" smtClean="0"/>
+              <a:t>Recommendations</a:t>
+            </a:r>
+          </a:p>
+          <a:p>
+            <a:r>
+              <a:rPr lang="en-US" dirty="0" smtClean="0"/>
+              <a:t>Service</a:t>
+            </a:r>
+            <a:endParaRPr lang="en-US" dirty="0" smtClean="0"/>
+          </a:p>
+          <a:p>
+            <a:endParaRPr lang="en-US" dirty="0"/>
+          </a:p>
+        </p:txBody>
+      </p:sp>
+    </p:spTree>
+    <p:extLst>
+      <p:ext uri="{BB962C8B-B14F-4D97-AF65-F5344CB8AC3E}">
+        <p14:creationId xmlns:p14="http://schemas.microsoft.com/office/powerpoint/2010/main" val="3969854580"/>
+      </p:ext>
+    </p:extLst>
+  </p:cSld>
+  <p:clrMapOvr>
+    <a:masterClrMapping/>
+  </p:clrMapOvr>
+</p:sld>
+</file>
+
+<file path=ppt/slides/slide8.xml><?xml version="1.0" encoding="utf-8"?>
 <p:sld xmlns:a="http://schemas.openxmlformats.org/drawingml/2006/main" xmlns:r="http://schemas.openxmlformats.org/officeDocument/2006/relationships" xmlns:p="http://schemas.openxmlformats.org/presentationml/2006/main">
   <p:cSld>
     <p:spTree>

--- a/design/System Design Notes.pptx
+++ b/design/System Design Notes.pptx
@@ -13,6 +13,7 @@
     <p:sldId id="262" r:id="rId7"/>
     <p:sldId id="263" r:id="rId8"/>
     <p:sldId id="256" r:id="rId9"/>
+    <p:sldId id="264" r:id="rId10"/>
   </p:sldIdLst>
   <p:sldSz cx="12192000" cy="6858000"/>
   <p:notesSz cx="6858000" cy="9144000"/>
@@ -250,7 +251,7 @@
           <a:p>
             <a:fld id="{1240214C-7864-3945-89BC-709B9AB7D230}" type="datetimeFigureOut">
               <a:rPr lang="en-US" smtClean="0"/>
-              <a:t>6/9/2019</a:t>
+              <a:t>6/11/2019</a:t>
             </a:fld>
             <a:endParaRPr lang="en-US"/>
           </a:p>
@@ -420,7 +421,7 @@
           <a:p>
             <a:fld id="{1240214C-7864-3945-89BC-709B9AB7D230}" type="datetimeFigureOut">
               <a:rPr lang="en-US" smtClean="0"/>
-              <a:t>6/9/2019</a:t>
+              <a:t>6/11/2019</a:t>
             </a:fld>
             <a:endParaRPr lang="en-US"/>
           </a:p>
@@ -600,7 +601,7 @@
           <a:p>
             <a:fld id="{1240214C-7864-3945-89BC-709B9AB7D230}" type="datetimeFigureOut">
               <a:rPr lang="en-US" smtClean="0"/>
-              <a:t>6/9/2019</a:t>
+              <a:t>6/11/2019</a:t>
             </a:fld>
             <a:endParaRPr lang="en-US"/>
           </a:p>
@@ -770,7 +771,7 @@
           <a:p>
             <a:fld id="{1240214C-7864-3945-89BC-709B9AB7D230}" type="datetimeFigureOut">
               <a:rPr lang="en-US" smtClean="0"/>
-              <a:t>6/9/2019</a:t>
+              <a:t>6/11/2019</a:t>
             </a:fld>
             <a:endParaRPr lang="en-US"/>
           </a:p>
@@ -1016,7 +1017,7 @@
           <a:p>
             <a:fld id="{1240214C-7864-3945-89BC-709B9AB7D230}" type="datetimeFigureOut">
               <a:rPr lang="en-US" smtClean="0"/>
-              <a:t>6/9/2019</a:t>
+              <a:t>6/11/2019</a:t>
             </a:fld>
             <a:endParaRPr lang="en-US"/>
           </a:p>
@@ -1248,7 +1249,7 @@
           <a:p>
             <a:fld id="{1240214C-7864-3945-89BC-709B9AB7D230}" type="datetimeFigureOut">
               <a:rPr lang="en-US" smtClean="0"/>
-              <a:t>6/9/2019</a:t>
+              <a:t>6/11/2019</a:t>
             </a:fld>
             <a:endParaRPr lang="en-US"/>
           </a:p>
@@ -1615,7 +1616,7 @@
           <a:p>
             <a:fld id="{1240214C-7864-3945-89BC-709B9AB7D230}" type="datetimeFigureOut">
               <a:rPr lang="en-US" smtClean="0"/>
-              <a:t>6/9/2019</a:t>
+              <a:t>6/11/2019</a:t>
             </a:fld>
             <a:endParaRPr lang="en-US"/>
           </a:p>
@@ -1733,7 +1734,7 @@
           <a:p>
             <a:fld id="{1240214C-7864-3945-89BC-709B9AB7D230}" type="datetimeFigureOut">
               <a:rPr lang="en-US" smtClean="0"/>
-              <a:t>6/9/2019</a:t>
+              <a:t>6/11/2019</a:t>
             </a:fld>
             <a:endParaRPr lang="en-US"/>
           </a:p>
@@ -1828,7 +1829,7 @@
           <a:p>
             <a:fld id="{1240214C-7864-3945-89BC-709B9AB7D230}" type="datetimeFigureOut">
               <a:rPr lang="en-US" smtClean="0"/>
-              <a:t>6/9/2019</a:t>
+              <a:t>6/11/2019</a:t>
             </a:fld>
             <a:endParaRPr lang="en-US"/>
           </a:p>
@@ -2105,7 +2106,7 @@
           <a:p>
             <a:fld id="{1240214C-7864-3945-89BC-709B9AB7D230}" type="datetimeFigureOut">
               <a:rPr lang="en-US" smtClean="0"/>
-              <a:t>6/9/2019</a:t>
+              <a:t>6/11/2019</a:t>
             </a:fld>
             <a:endParaRPr lang="en-US"/>
           </a:p>
@@ -2358,7 +2359,7 @@
           <a:p>
             <a:fld id="{1240214C-7864-3945-89BC-709B9AB7D230}" type="datetimeFigureOut">
               <a:rPr lang="en-US" smtClean="0"/>
-              <a:t>6/9/2019</a:t>
+              <a:t>6/11/2019</a:t>
             </a:fld>
             <a:endParaRPr lang="en-US"/>
           </a:p>
@@ -2571,7 +2572,7 @@
           <a:p>
             <a:fld id="{1240214C-7864-3945-89BC-709B9AB7D230}" type="datetimeFigureOut">
               <a:rPr lang="en-US" smtClean="0"/>
-              <a:t>6/9/2019</a:t>
+              <a:t>6/11/2019</a:t>
             </a:fld>
             <a:endParaRPr lang="en-US"/>
           </a:p>
@@ -5554,7 +5555,6 @@
               <a:rPr lang="en-US" sz="2000" dirty="0" smtClean="0"/>
               <a:t>Single point of failure, have to restart everything instead of at few points</a:t>
             </a:r>
-            <a:endParaRPr lang="en-US" sz="2000" dirty="0" smtClean="0"/>
           </a:p>
         </p:txBody>
       </p:sp>
@@ -6022,7 +6022,6 @@
               <a:rPr lang="en-US" sz="2000" dirty="0" smtClean="0"/>
               <a:t>Writes to master, reads to slaves, slave becomes master if needed</a:t>
             </a:r>
-            <a:endParaRPr lang="en-US" sz="2000" dirty="0" smtClean="0"/>
           </a:p>
         </p:txBody>
       </p:sp>
@@ -6330,7 +6329,6 @@
               <a:rPr lang="en-US" dirty="0" smtClean="0"/>
               <a:t>Service</a:t>
             </a:r>
-            <a:endParaRPr lang="en-US" dirty="0" smtClean="0"/>
           </a:p>
           <a:p>
             <a:endParaRPr lang="en-US" dirty="0"/>
@@ -6396,7 +6394,6 @@
               <a:rPr lang="en-US" sz="1200" dirty="0" smtClean="0"/>
               <a:t>)</a:t>
             </a:r>
-            <a:endParaRPr lang="en-US" sz="1200" dirty="0" smtClean="0"/>
           </a:p>
           <a:p>
             <a:pPr marL="342900" indent="-342900">
@@ -6736,7 +6733,6 @@
               <a:rPr lang="en-US" dirty="0" smtClean="0"/>
               <a:t>Service</a:t>
             </a:r>
-            <a:endParaRPr lang="en-US" dirty="0" smtClean="0"/>
           </a:p>
           <a:p>
             <a:endParaRPr lang="en-US" dirty="0"/>
@@ -6813,7 +6809,6 @@
               <a:rPr lang="en-US" sz="1200" dirty="0" smtClean="0"/>
               <a:t>Web socket</a:t>
             </a:r>
-            <a:endParaRPr lang="en-US" sz="1200" dirty="0" smtClean="0"/>
           </a:p>
         </p:txBody>
       </p:sp>
@@ -6854,7 +6849,6 @@
               <a:rPr lang="en-US" dirty="0" smtClean="0"/>
               <a:t>Service</a:t>
             </a:r>
-            <a:endParaRPr lang="en-US" dirty="0" smtClean="0"/>
           </a:p>
           <a:p>
             <a:endParaRPr lang="en-US" dirty="0"/>
@@ -6959,13 +6953,8 @@
           <a:p>
             <a:r>
               <a:rPr lang="en-US" dirty="0" smtClean="0"/>
-              <a:t>Client </a:t>
-            </a:r>
-            <a:r>
-              <a:rPr lang="en-US" dirty="0" smtClean="0"/>
-              <a:t>2</a:t>
-            </a:r>
-            <a:endParaRPr lang="en-US" dirty="0" smtClean="0"/>
+              <a:t>Client 2</a:t>
+            </a:r>
           </a:p>
           <a:p>
             <a:endParaRPr lang="en-US" dirty="0"/>
@@ -7054,7 +7043,6 @@
               <a:rPr lang="en-US" sz="1200" dirty="0" smtClean="0"/>
               <a:t>Client Server Protocol (http)</a:t>
             </a:r>
-            <a:endParaRPr lang="en-US" sz="1200" dirty="0" smtClean="0"/>
           </a:p>
         </p:txBody>
       </p:sp>
@@ -7095,7 +7083,6 @@
               <a:rPr lang="en-US" dirty="0" smtClean="0"/>
               <a:t>Service</a:t>
             </a:r>
-            <a:endParaRPr lang="en-US" dirty="0" smtClean="0"/>
           </a:p>
           <a:p>
             <a:endParaRPr lang="en-US" dirty="0"/>
@@ -7388,7 +7375,6 @@
               <a:rPr lang="en-US" dirty="0" smtClean="0"/>
               <a:t>Service</a:t>
             </a:r>
-            <a:endParaRPr lang="en-US" dirty="0" smtClean="0"/>
           </a:p>
           <a:p>
             <a:endParaRPr lang="en-US" dirty="0"/>
@@ -9030,6 +9016,481 @@
     <p:extLst>
       <p:ext uri="{BB962C8B-B14F-4D97-AF65-F5344CB8AC3E}">
         <p14:creationId xmlns:p14="http://schemas.microsoft.com/office/powerpoint/2010/main" val="1733889212"/>
+      </p:ext>
+    </p:extLst>
+  </p:cSld>
+  <p:clrMapOvr>
+    <a:masterClrMapping/>
+  </p:clrMapOvr>
+</p:sld>
+</file>
+
+<file path=ppt/slides/slide9.xml><?xml version="1.0" encoding="utf-8"?>
+<p:sld xmlns:a="http://schemas.openxmlformats.org/drawingml/2006/main" xmlns:r="http://schemas.openxmlformats.org/officeDocument/2006/relationships" xmlns:p="http://schemas.openxmlformats.org/presentationml/2006/main">
+  <p:cSld>
+    <p:spTree>
+      <p:nvGrpSpPr>
+        <p:cNvPr id="1" name=""/>
+        <p:cNvGrpSpPr/>
+        <p:nvPr/>
+      </p:nvGrpSpPr>
+      <p:grpSpPr>
+        <a:xfrm>
+          <a:off x="0" y="0"/>
+          <a:ext cx="0" cy="0"/>
+          <a:chOff x="0" y="0"/>
+          <a:chExt cx="0" cy="0"/>
+        </a:xfrm>
+      </p:grpSpPr>
+      <p:sp>
+        <p:nvSpPr>
+          <p:cNvPr id="4" name="Rectangle 3"/>
+          <p:cNvSpPr/>
+          <p:nvPr/>
+        </p:nvSpPr>
+        <p:spPr>
+          <a:xfrm>
+            <a:off x="4550987" y="0"/>
+            <a:ext cx="3111054" cy="523220"/>
+          </a:xfrm>
+          <a:prstGeom prst="rect">
+            <a:avLst/>
+          </a:prstGeom>
+          <a:noFill/>
+        </p:spPr>
+        <p:txBody>
+          <a:bodyPr wrap="square" lIns="91440" tIns="45720" rIns="91440" bIns="45720">
+            <a:spAutoFit/>
+          </a:bodyPr>
+          <a:lstStyle/>
+          <a:p>
+            <a:pPr algn="ctr"/>
+            <a:r>
+              <a:rPr lang="en-US" sz="2800" dirty="0" smtClean="0">
+                <a:ln w="0"/>
+                <a:solidFill>
+                  <a:schemeClr val="accent2"/>
+                </a:solidFill>
+                <a:effectLst>
+                  <a:outerShdw blurRad="38100" dist="19050" dir="2700000" algn="tl" rotWithShape="0">
+                    <a:schemeClr val="dk1">
+                      <a:alpha val="40000"/>
+                    </a:schemeClr>
+                  </a:outerShdw>
+                </a:effectLst>
+              </a:rPr>
+              <a:t>Distributed Caching</a:t>
+            </a:r>
+            <a:endParaRPr lang="en-US" sz="5400" b="0" cap="none" spc="0" dirty="0">
+              <a:ln w="0"/>
+              <a:solidFill>
+                <a:schemeClr val="accent2"/>
+              </a:solidFill>
+              <a:effectLst>
+                <a:outerShdw blurRad="38100" dist="19050" dir="2700000" algn="tl" rotWithShape="0">
+                  <a:schemeClr val="dk1">
+                    <a:alpha val="40000"/>
+                  </a:schemeClr>
+                </a:outerShdw>
+              </a:effectLst>
+            </a:endParaRPr>
+          </a:p>
+        </p:txBody>
+      </p:sp>
+      <p:sp>
+        <p:nvSpPr>
+          <p:cNvPr id="7" name="Content Placeholder 2"/>
+          <p:cNvSpPr>
+            <a:spLocks noGrp="1"/>
+          </p:cNvSpPr>
+          <p:nvPr>
+            <p:ph idx="1"/>
+          </p:nvPr>
+        </p:nvSpPr>
+        <p:spPr>
+          <a:xfrm>
+            <a:off x="772086" y="773814"/>
+            <a:ext cx="5093043" cy="5506216"/>
+          </a:xfrm>
+        </p:spPr>
+        <p:txBody>
+          <a:bodyPr>
+            <a:normAutofit fontScale="77500" lnSpcReduction="20000"/>
+          </a:bodyPr>
+          <a:lstStyle/>
+          <a:p>
+            <a:pPr marL="0" indent="0">
+              <a:buNone/>
+            </a:pPr>
+            <a:r>
+              <a:rPr lang="en-US" sz="2000" dirty="0" smtClean="0"/>
+              <a:t>Why</a:t>
+            </a:r>
+          </a:p>
+          <a:p>
+            <a:pPr marL="342900" indent="-342900">
+              <a:buAutoNum type="arabicParenR"/>
+            </a:pPr>
+            <a:r>
+              <a:rPr lang="en-US" sz="2000" dirty="0" smtClean="0"/>
+              <a:t>Avoid </a:t>
+            </a:r>
+            <a:r>
+              <a:rPr lang="en-US" sz="2000" dirty="0"/>
+              <a:t>Network Call</a:t>
+            </a:r>
+          </a:p>
+          <a:p>
+            <a:pPr marL="342900" indent="-342900">
+              <a:buAutoNum type="arabicParenR"/>
+            </a:pPr>
+            <a:r>
+              <a:rPr lang="en-US" sz="2000" dirty="0"/>
+              <a:t>Avoid computations</a:t>
+            </a:r>
+          </a:p>
+          <a:p>
+            <a:pPr marL="342900" indent="-342900">
+              <a:buAutoNum type="arabicParenR"/>
+            </a:pPr>
+            <a:r>
+              <a:rPr lang="en-US" sz="2000" dirty="0"/>
+              <a:t>Reduce DB load</a:t>
+            </a:r>
+          </a:p>
+          <a:p>
+            <a:endParaRPr lang="en-US" sz="2000" dirty="0" smtClean="0"/>
+          </a:p>
+          <a:p>
+            <a:r>
+              <a:rPr lang="en-US" sz="2000" dirty="0" smtClean="0"/>
+              <a:t>If cache closer to server, faster, but can be inconsistent between servers (in memory)</a:t>
+            </a:r>
+          </a:p>
+          <a:p>
+            <a:r>
+              <a:rPr lang="en-US" sz="2000" dirty="0" smtClean="0"/>
+              <a:t>Global cache (</a:t>
+            </a:r>
+            <a:r>
+              <a:rPr lang="en-US" sz="2000" dirty="0" err="1" smtClean="0"/>
+              <a:t>Redis</a:t>
+            </a:r>
+            <a:r>
+              <a:rPr lang="en-US" sz="2000" dirty="0" smtClean="0"/>
+              <a:t>), can recover when failing, and can scale independently</a:t>
+            </a:r>
+          </a:p>
+          <a:p>
+            <a:endParaRPr lang="en-US" sz="2000" dirty="0"/>
+          </a:p>
+          <a:p>
+            <a:r>
+              <a:rPr lang="en-US" sz="2000" dirty="0" smtClean="0"/>
+              <a:t>Write-through </a:t>
+            </a:r>
+          </a:p>
+          <a:p>
+            <a:pPr lvl="1"/>
+            <a:r>
+              <a:rPr lang="en-US" sz="1200" dirty="0" smtClean="0"/>
+              <a:t>Update cache first, then update DB</a:t>
+            </a:r>
+          </a:p>
+          <a:p>
+            <a:pPr lvl="1"/>
+            <a:r>
+              <a:rPr lang="en-US" sz="1600" dirty="0" smtClean="0"/>
+              <a:t>Can wait and send to DB in both, for noncritical data, for saving network calls</a:t>
+            </a:r>
+          </a:p>
+          <a:p>
+            <a:pPr lvl="1"/>
+            <a:r>
+              <a:rPr lang="en-US" sz="1600" dirty="0" smtClean="0"/>
+              <a:t>Not practical for multiple caches</a:t>
+            </a:r>
+          </a:p>
+          <a:p>
+            <a:r>
+              <a:rPr lang="en-US" sz="2000" dirty="0" smtClean="0"/>
+              <a:t>Write-back (performance issues)</a:t>
+            </a:r>
+          </a:p>
+          <a:p>
+            <a:pPr lvl="1"/>
+            <a:r>
+              <a:rPr lang="en-US" sz="1600" dirty="0"/>
+              <a:t>Update DB first, then make entry in </a:t>
+            </a:r>
+            <a:r>
+              <a:rPr lang="en-US" sz="1600" dirty="0" smtClean="0"/>
+              <a:t>cache/ or invalidate</a:t>
+            </a:r>
+            <a:endParaRPr lang="en-US" sz="1600" dirty="0"/>
+          </a:p>
+          <a:p>
+            <a:pPr lvl="1"/>
+            <a:r>
+              <a:rPr lang="en-US" sz="1600" dirty="0" smtClean="0"/>
+              <a:t>When hit cache on GET, then go to </a:t>
+            </a:r>
+            <a:r>
+              <a:rPr lang="en-US" sz="1600" dirty="0" err="1" smtClean="0"/>
+              <a:t>db</a:t>
+            </a:r>
+            <a:r>
+              <a:rPr lang="en-US" sz="1600" dirty="0" smtClean="0"/>
+              <a:t>, and also update cache</a:t>
+            </a:r>
+          </a:p>
+          <a:p>
+            <a:pPr lvl="1"/>
+            <a:r>
+              <a:rPr lang="en-US" sz="1600" dirty="0" smtClean="0"/>
+              <a:t>Hit cache, invalidate entry if it is there</a:t>
+            </a:r>
+            <a:endParaRPr lang="en-US" sz="1600" dirty="0"/>
+          </a:p>
+          <a:p>
+            <a:r>
+              <a:rPr lang="en-US" sz="2000" dirty="0" smtClean="0"/>
+              <a:t>Hybrid</a:t>
+            </a:r>
+          </a:p>
+          <a:p>
+            <a:pPr lvl="1"/>
+            <a:r>
+              <a:rPr lang="en-US" sz="1600" dirty="0" smtClean="0"/>
+              <a:t>If not critical info, write to cache, wait, and take entries in bulk and write to DB</a:t>
+            </a:r>
+          </a:p>
+        </p:txBody>
+      </p:sp>
+      <p:sp>
+        <p:nvSpPr>
+          <p:cNvPr id="8" name="Content Placeholder 2"/>
+          <p:cNvSpPr txBox="1">
+            <a:spLocks/>
+          </p:cNvSpPr>
+          <p:nvPr/>
+        </p:nvSpPr>
+        <p:spPr>
+          <a:xfrm>
+            <a:off x="6462644" y="926214"/>
+            <a:ext cx="5093043" cy="3979342"/>
+          </a:xfrm>
+          <a:prstGeom prst="rect">
+            <a:avLst/>
+          </a:prstGeom>
+        </p:spPr>
+        <p:txBody>
+          <a:bodyPr vert="horz" lIns="91440" tIns="45720" rIns="91440" bIns="45720" rtlCol="0">
+            <a:normAutofit/>
+          </a:bodyPr>
+          <a:lstStyle>
+            <a:lvl1pPr marL="228600" indent="-228600" algn="l" defTabSz="914400" rtl="0" eaLnBrk="1" latinLnBrk="0" hangingPunct="1">
+              <a:lnSpc>
+                <a:spcPct val="90000"/>
+              </a:lnSpc>
+              <a:spcBef>
+                <a:spcPts val="1000"/>
+              </a:spcBef>
+              <a:buFont typeface="Arial"/>
+              <a:buChar char="•"/>
+              <a:defRPr sz="2800" kern="1200">
+                <a:solidFill>
+                  <a:schemeClr val="tx1"/>
+                </a:solidFill>
+                <a:latin typeface="+mn-lt"/>
+                <a:ea typeface="+mn-ea"/>
+                <a:cs typeface="+mn-cs"/>
+              </a:defRPr>
+            </a:lvl1pPr>
+            <a:lvl2pPr marL="685800" indent="-228600" algn="l" defTabSz="914400" rtl="0" eaLnBrk="1" latinLnBrk="0" hangingPunct="1">
+              <a:lnSpc>
+                <a:spcPct val="90000"/>
+              </a:lnSpc>
+              <a:spcBef>
+                <a:spcPts val="500"/>
+              </a:spcBef>
+              <a:buFont typeface="Arial"/>
+              <a:buChar char="•"/>
+              <a:defRPr sz="2400" kern="1200">
+                <a:solidFill>
+                  <a:schemeClr val="tx1"/>
+                </a:solidFill>
+                <a:latin typeface="+mn-lt"/>
+                <a:ea typeface="+mn-ea"/>
+                <a:cs typeface="+mn-cs"/>
+              </a:defRPr>
+            </a:lvl2pPr>
+            <a:lvl3pPr marL="1143000" indent="-228600" algn="l" defTabSz="914400" rtl="0" eaLnBrk="1" latinLnBrk="0" hangingPunct="1">
+              <a:lnSpc>
+                <a:spcPct val="90000"/>
+              </a:lnSpc>
+              <a:spcBef>
+                <a:spcPts val="500"/>
+              </a:spcBef>
+              <a:buFont typeface="Arial"/>
+              <a:buChar char="•"/>
+              <a:defRPr sz="2000" kern="1200">
+                <a:solidFill>
+                  <a:schemeClr val="tx1"/>
+                </a:solidFill>
+                <a:latin typeface="+mn-lt"/>
+                <a:ea typeface="+mn-ea"/>
+                <a:cs typeface="+mn-cs"/>
+              </a:defRPr>
+            </a:lvl3pPr>
+            <a:lvl4pPr marL="1600200" indent="-228600" algn="l" defTabSz="914400" rtl="0" eaLnBrk="1" latinLnBrk="0" hangingPunct="1">
+              <a:lnSpc>
+                <a:spcPct val="90000"/>
+              </a:lnSpc>
+              <a:spcBef>
+                <a:spcPts val="500"/>
+              </a:spcBef>
+              <a:buFont typeface="Arial"/>
+              <a:buChar char="•"/>
+              <a:defRPr sz="1800" kern="1200">
+                <a:solidFill>
+                  <a:schemeClr val="tx1"/>
+                </a:solidFill>
+                <a:latin typeface="+mn-lt"/>
+                <a:ea typeface="+mn-ea"/>
+                <a:cs typeface="+mn-cs"/>
+              </a:defRPr>
+            </a:lvl4pPr>
+            <a:lvl5pPr marL="2057400" indent="-228600" algn="l" defTabSz="914400" rtl="0" eaLnBrk="1" latinLnBrk="0" hangingPunct="1">
+              <a:lnSpc>
+                <a:spcPct val="90000"/>
+              </a:lnSpc>
+              <a:spcBef>
+                <a:spcPts val="500"/>
+              </a:spcBef>
+              <a:buFont typeface="Arial"/>
+              <a:buChar char="•"/>
+              <a:defRPr sz="1800" kern="1200">
+                <a:solidFill>
+                  <a:schemeClr val="tx1"/>
+                </a:solidFill>
+                <a:latin typeface="+mn-lt"/>
+                <a:ea typeface="+mn-ea"/>
+                <a:cs typeface="+mn-cs"/>
+              </a:defRPr>
+            </a:lvl5pPr>
+            <a:lvl6pPr marL="2514600" indent="-228600" algn="l" defTabSz="914400" rtl="0" eaLnBrk="1" latinLnBrk="0" hangingPunct="1">
+              <a:lnSpc>
+                <a:spcPct val="90000"/>
+              </a:lnSpc>
+              <a:spcBef>
+                <a:spcPts val="500"/>
+              </a:spcBef>
+              <a:buFont typeface="Arial"/>
+              <a:buChar char="•"/>
+              <a:defRPr sz="1800" kern="1200">
+                <a:solidFill>
+                  <a:schemeClr val="tx1"/>
+                </a:solidFill>
+                <a:latin typeface="+mn-lt"/>
+                <a:ea typeface="+mn-ea"/>
+                <a:cs typeface="+mn-cs"/>
+              </a:defRPr>
+            </a:lvl6pPr>
+            <a:lvl7pPr marL="2971800" indent="-228600" algn="l" defTabSz="914400" rtl="0" eaLnBrk="1" latinLnBrk="0" hangingPunct="1">
+              <a:lnSpc>
+                <a:spcPct val="90000"/>
+              </a:lnSpc>
+              <a:spcBef>
+                <a:spcPts val="500"/>
+              </a:spcBef>
+              <a:buFont typeface="Arial"/>
+              <a:buChar char="•"/>
+              <a:defRPr sz="1800" kern="1200">
+                <a:solidFill>
+                  <a:schemeClr val="tx1"/>
+                </a:solidFill>
+                <a:latin typeface="+mn-lt"/>
+                <a:ea typeface="+mn-ea"/>
+                <a:cs typeface="+mn-cs"/>
+              </a:defRPr>
+            </a:lvl7pPr>
+            <a:lvl8pPr marL="3429000" indent="-228600" algn="l" defTabSz="914400" rtl="0" eaLnBrk="1" latinLnBrk="0" hangingPunct="1">
+              <a:lnSpc>
+                <a:spcPct val="90000"/>
+              </a:lnSpc>
+              <a:spcBef>
+                <a:spcPts val="500"/>
+              </a:spcBef>
+              <a:buFont typeface="Arial"/>
+              <a:buChar char="•"/>
+              <a:defRPr sz="1800" kern="1200">
+                <a:solidFill>
+                  <a:schemeClr val="tx1"/>
+                </a:solidFill>
+                <a:latin typeface="+mn-lt"/>
+                <a:ea typeface="+mn-ea"/>
+                <a:cs typeface="+mn-cs"/>
+              </a:defRPr>
+            </a:lvl8pPr>
+            <a:lvl9pPr marL="3886200" indent="-228600" algn="l" defTabSz="914400" rtl="0" eaLnBrk="1" latinLnBrk="0" hangingPunct="1">
+              <a:lnSpc>
+                <a:spcPct val="90000"/>
+              </a:lnSpc>
+              <a:spcBef>
+                <a:spcPts val="500"/>
+              </a:spcBef>
+              <a:buFont typeface="Arial"/>
+              <a:buChar char="•"/>
+              <a:defRPr sz="1800" kern="1200">
+                <a:solidFill>
+                  <a:schemeClr val="tx1"/>
+                </a:solidFill>
+                <a:latin typeface="+mn-lt"/>
+                <a:ea typeface="+mn-ea"/>
+                <a:cs typeface="+mn-cs"/>
+              </a:defRPr>
+            </a:lvl9pPr>
+          </a:lstStyle>
+          <a:p>
+            <a:pPr marL="342900" indent="-342900">
+              <a:buFont typeface="Arial"/>
+              <a:buAutoNum type="arabicParenR"/>
+            </a:pPr>
+            <a:r>
+              <a:rPr lang="en-US" sz="2000" dirty="0" smtClean="0"/>
+              <a:t>Eviction Policy</a:t>
+            </a:r>
+          </a:p>
+          <a:p>
+            <a:pPr marL="342900" indent="-342900">
+              <a:buFont typeface="Arial"/>
+              <a:buAutoNum type="arabicParenR"/>
+            </a:pPr>
+            <a:r>
+              <a:rPr lang="en-US" sz="2000" dirty="0" smtClean="0"/>
+              <a:t>Thrashing – constantly inputting and outputting to cache without using results</a:t>
+            </a:r>
+          </a:p>
+          <a:p>
+            <a:pPr marL="342900" indent="-342900">
+              <a:buFont typeface="Arial"/>
+              <a:buAutoNum type="arabicParenR"/>
+            </a:pPr>
+            <a:r>
+              <a:rPr lang="en-US" sz="2000" dirty="0" smtClean="0"/>
+              <a:t>Consistency</a:t>
+            </a:r>
+          </a:p>
+          <a:p>
+            <a:endParaRPr lang="en-US" sz="2000" dirty="0" smtClean="0"/>
+          </a:p>
+        </p:txBody>
+      </p:sp>
+    </p:spTree>
+    <p:extLst>
+      <p:ext uri="{BB962C8B-B14F-4D97-AF65-F5344CB8AC3E}">
+        <p14:creationId xmlns:p14="http://schemas.microsoft.com/office/powerpoint/2010/main" val="1134319611"/>
       </p:ext>
     </p:extLst>
   </p:cSld>

--- a/design/System Design Notes.pptx
+++ b/design/System Design Notes.pptx
@@ -14,6 +14,7 @@
     <p:sldId id="263" r:id="rId8"/>
     <p:sldId id="256" r:id="rId9"/>
     <p:sldId id="264" r:id="rId10"/>
+    <p:sldId id="265" r:id="rId11"/>
   </p:sldIdLst>
   <p:sldSz cx="12192000" cy="6858000"/>
   <p:notesSz cx="6858000" cy="9144000"/>
@@ -3296,6 +3297,507 @@
 </p:sld>
 </file>
 
+<file path=ppt/slides/slide10.xml><?xml version="1.0" encoding="utf-8"?>
+<p:sld xmlns:a="http://schemas.openxmlformats.org/drawingml/2006/main" xmlns:r="http://schemas.openxmlformats.org/officeDocument/2006/relationships" xmlns:p="http://schemas.openxmlformats.org/presentationml/2006/main">
+  <p:cSld>
+    <p:spTree>
+      <p:nvGrpSpPr>
+        <p:cNvPr id="1" name=""/>
+        <p:cNvGrpSpPr/>
+        <p:nvPr/>
+      </p:nvGrpSpPr>
+      <p:grpSpPr>
+        <a:xfrm>
+          <a:off x="0" y="0"/>
+          <a:ext cx="0" cy="0"/>
+          <a:chOff x="0" y="0"/>
+          <a:chExt cx="0" cy="0"/>
+        </a:xfrm>
+      </p:grpSpPr>
+      <p:sp>
+        <p:nvSpPr>
+          <p:cNvPr id="4" name="Rectangle 3"/>
+          <p:cNvSpPr/>
+          <p:nvPr/>
+        </p:nvSpPr>
+        <p:spPr>
+          <a:xfrm>
+            <a:off x="4550987" y="0"/>
+            <a:ext cx="3111054" cy="523220"/>
+          </a:xfrm>
+          <a:prstGeom prst="rect">
+            <a:avLst/>
+          </a:prstGeom>
+          <a:noFill/>
+        </p:spPr>
+        <p:txBody>
+          <a:bodyPr wrap="square" lIns="91440" tIns="45720" rIns="91440" bIns="45720">
+            <a:spAutoFit/>
+          </a:bodyPr>
+          <a:lstStyle/>
+          <a:p>
+            <a:pPr algn="ctr"/>
+            <a:r>
+              <a:rPr lang="en-US" sz="2800" dirty="0" smtClean="0">
+                <a:ln w="0"/>
+                <a:solidFill>
+                  <a:schemeClr val="accent2"/>
+                </a:solidFill>
+                <a:effectLst>
+                  <a:outerShdw blurRad="38100" dist="19050" dir="2700000" algn="tl" rotWithShape="0">
+                    <a:schemeClr val="dk1">
+                      <a:alpha val="40000"/>
+                    </a:schemeClr>
+                  </a:outerShdw>
+                </a:effectLst>
+              </a:rPr>
+              <a:t>API Design</a:t>
+            </a:r>
+            <a:endParaRPr lang="en-US" sz="5400" b="0" cap="none" spc="0" dirty="0">
+              <a:ln w="0"/>
+              <a:solidFill>
+                <a:schemeClr val="accent2"/>
+              </a:solidFill>
+              <a:effectLst>
+                <a:outerShdw blurRad="38100" dist="19050" dir="2700000" algn="tl" rotWithShape="0">
+                  <a:schemeClr val="dk1">
+                    <a:alpha val="40000"/>
+                  </a:schemeClr>
+                </a:outerShdw>
+              </a:effectLst>
+            </a:endParaRPr>
+          </a:p>
+        </p:txBody>
+      </p:sp>
+      <p:sp>
+        <p:nvSpPr>
+          <p:cNvPr id="5" name="Content Placeholder 2"/>
+          <p:cNvSpPr>
+            <a:spLocks noGrp="1"/>
+          </p:cNvSpPr>
+          <p:nvPr>
+            <p:ph idx="1"/>
+          </p:nvPr>
+        </p:nvSpPr>
+        <p:spPr>
+          <a:xfrm>
+            <a:off x="772086" y="773814"/>
+            <a:ext cx="5093043" cy="5506216"/>
+          </a:xfrm>
+        </p:spPr>
+        <p:txBody>
+          <a:bodyPr>
+            <a:normAutofit/>
+          </a:bodyPr>
+          <a:lstStyle/>
+          <a:p>
+            <a:pPr marL="0" indent="0">
+              <a:buNone/>
+            </a:pPr>
+            <a:r>
+              <a:rPr lang="en-US" sz="2000" dirty="0" smtClean="0"/>
+              <a:t>Items of importance</a:t>
+            </a:r>
+          </a:p>
+          <a:p>
+            <a:pPr marL="342900" indent="-342900">
+              <a:buAutoNum type="arabicParenR"/>
+            </a:pPr>
+            <a:r>
+              <a:rPr lang="en-US" sz="2000" dirty="0" smtClean="0"/>
+              <a:t>Naming</a:t>
+            </a:r>
+          </a:p>
+          <a:p>
+            <a:pPr marL="342900" indent="-342900">
+              <a:buAutoNum type="arabicParenR"/>
+            </a:pPr>
+            <a:r>
+              <a:rPr lang="en-US" sz="2000" dirty="0" smtClean="0"/>
+              <a:t>Parameters deficiency</a:t>
+            </a:r>
+          </a:p>
+          <a:p>
+            <a:pPr marL="800100" lvl="1" indent="-342900">
+              <a:buAutoNum type="arabicParenR"/>
+            </a:pPr>
+            <a:r>
+              <a:rPr lang="en-US" sz="1600" dirty="0" smtClean="0"/>
+              <a:t>More </a:t>
+            </a:r>
+            <a:r>
+              <a:rPr lang="en-US" sz="1600" dirty="0" err="1" smtClean="0"/>
+              <a:t>params</a:t>
+            </a:r>
+            <a:r>
+              <a:rPr lang="en-US" sz="1600" dirty="0" smtClean="0"/>
+              <a:t> for efficiency only</a:t>
+            </a:r>
+          </a:p>
+          <a:p>
+            <a:pPr marL="342900" indent="-342900">
+              <a:buAutoNum type="arabicParenR"/>
+            </a:pPr>
+            <a:r>
+              <a:rPr lang="en-US" sz="2000" dirty="0" smtClean="0"/>
+              <a:t>Response object simplicity</a:t>
+            </a:r>
+          </a:p>
+          <a:p>
+            <a:pPr marL="342900" indent="-342900">
+              <a:buAutoNum type="arabicParenR"/>
+            </a:pPr>
+            <a:r>
+              <a:rPr lang="en-US" sz="2000" dirty="0" smtClean="0"/>
+              <a:t>Return specific errors messages, for expected errors</a:t>
+            </a:r>
+          </a:p>
+          <a:p>
+            <a:pPr marL="342900" indent="-342900">
+              <a:buAutoNum type="arabicParenR"/>
+            </a:pPr>
+            <a:endParaRPr lang="en-US" sz="2000" dirty="0" smtClean="0"/>
+          </a:p>
+          <a:p>
+            <a:pPr marL="342900" indent="-342900">
+              <a:buAutoNum type="arabicParenR"/>
+            </a:pPr>
+            <a:endParaRPr lang="en-US" sz="2000" dirty="0"/>
+          </a:p>
+        </p:txBody>
+      </p:sp>
+      <p:sp>
+        <p:nvSpPr>
+          <p:cNvPr id="6" name="Content Placeholder 2"/>
+          <p:cNvSpPr txBox="1">
+            <a:spLocks/>
+          </p:cNvSpPr>
+          <p:nvPr/>
+        </p:nvSpPr>
+        <p:spPr>
+          <a:xfrm>
+            <a:off x="5865129" y="773814"/>
+            <a:ext cx="5093043" cy="5506216"/>
+          </a:xfrm>
+          <a:prstGeom prst="rect">
+            <a:avLst/>
+          </a:prstGeom>
+        </p:spPr>
+        <p:txBody>
+          <a:bodyPr vert="horz" lIns="91440" tIns="45720" rIns="91440" bIns="45720" rtlCol="0">
+            <a:normAutofit/>
+          </a:bodyPr>
+          <a:lstStyle>
+            <a:lvl1pPr marL="228600" indent="-228600" algn="l" defTabSz="914400" rtl="0" eaLnBrk="1" latinLnBrk="0" hangingPunct="1">
+              <a:lnSpc>
+                <a:spcPct val="90000"/>
+              </a:lnSpc>
+              <a:spcBef>
+                <a:spcPts val="1000"/>
+              </a:spcBef>
+              <a:buFont typeface="Arial"/>
+              <a:buChar char="•"/>
+              <a:defRPr sz="2800" kern="1200">
+                <a:solidFill>
+                  <a:schemeClr val="tx1"/>
+                </a:solidFill>
+                <a:latin typeface="+mn-lt"/>
+                <a:ea typeface="+mn-ea"/>
+                <a:cs typeface="+mn-cs"/>
+              </a:defRPr>
+            </a:lvl1pPr>
+            <a:lvl2pPr marL="685800" indent="-228600" algn="l" defTabSz="914400" rtl="0" eaLnBrk="1" latinLnBrk="0" hangingPunct="1">
+              <a:lnSpc>
+                <a:spcPct val="90000"/>
+              </a:lnSpc>
+              <a:spcBef>
+                <a:spcPts val="500"/>
+              </a:spcBef>
+              <a:buFont typeface="Arial"/>
+              <a:buChar char="•"/>
+              <a:defRPr sz="2400" kern="1200">
+                <a:solidFill>
+                  <a:schemeClr val="tx1"/>
+                </a:solidFill>
+                <a:latin typeface="+mn-lt"/>
+                <a:ea typeface="+mn-ea"/>
+                <a:cs typeface="+mn-cs"/>
+              </a:defRPr>
+            </a:lvl2pPr>
+            <a:lvl3pPr marL="1143000" indent="-228600" algn="l" defTabSz="914400" rtl="0" eaLnBrk="1" latinLnBrk="0" hangingPunct="1">
+              <a:lnSpc>
+                <a:spcPct val="90000"/>
+              </a:lnSpc>
+              <a:spcBef>
+                <a:spcPts val="500"/>
+              </a:spcBef>
+              <a:buFont typeface="Arial"/>
+              <a:buChar char="•"/>
+              <a:defRPr sz="2000" kern="1200">
+                <a:solidFill>
+                  <a:schemeClr val="tx1"/>
+                </a:solidFill>
+                <a:latin typeface="+mn-lt"/>
+                <a:ea typeface="+mn-ea"/>
+                <a:cs typeface="+mn-cs"/>
+              </a:defRPr>
+            </a:lvl3pPr>
+            <a:lvl4pPr marL="1600200" indent="-228600" algn="l" defTabSz="914400" rtl="0" eaLnBrk="1" latinLnBrk="0" hangingPunct="1">
+              <a:lnSpc>
+                <a:spcPct val="90000"/>
+              </a:lnSpc>
+              <a:spcBef>
+                <a:spcPts val="500"/>
+              </a:spcBef>
+              <a:buFont typeface="Arial"/>
+              <a:buChar char="•"/>
+              <a:defRPr sz="1800" kern="1200">
+                <a:solidFill>
+                  <a:schemeClr val="tx1"/>
+                </a:solidFill>
+                <a:latin typeface="+mn-lt"/>
+                <a:ea typeface="+mn-ea"/>
+                <a:cs typeface="+mn-cs"/>
+              </a:defRPr>
+            </a:lvl4pPr>
+            <a:lvl5pPr marL="2057400" indent="-228600" algn="l" defTabSz="914400" rtl="0" eaLnBrk="1" latinLnBrk="0" hangingPunct="1">
+              <a:lnSpc>
+                <a:spcPct val="90000"/>
+              </a:lnSpc>
+              <a:spcBef>
+                <a:spcPts val="500"/>
+              </a:spcBef>
+              <a:buFont typeface="Arial"/>
+              <a:buChar char="•"/>
+              <a:defRPr sz="1800" kern="1200">
+                <a:solidFill>
+                  <a:schemeClr val="tx1"/>
+                </a:solidFill>
+                <a:latin typeface="+mn-lt"/>
+                <a:ea typeface="+mn-ea"/>
+                <a:cs typeface="+mn-cs"/>
+              </a:defRPr>
+            </a:lvl5pPr>
+            <a:lvl6pPr marL="2514600" indent="-228600" algn="l" defTabSz="914400" rtl="0" eaLnBrk="1" latinLnBrk="0" hangingPunct="1">
+              <a:lnSpc>
+                <a:spcPct val="90000"/>
+              </a:lnSpc>
+              <a:spcBef>
+                <a:spcPts val="500"/>
+              </a:spcBef>
+              <a:buFont typeface="Arial"/>
+              <a:buChar char="•"/>
+              <a:defRPr sz="1800" kern="1200">
+                <a:solidFill>
+                  <a:schemeClr val="tx1"/>
+                </a:solidFill>
+                <a:latin typeface="+mn-lt"/>
+                <a:ea typeface="+mn-ea"/>
+                <a:cs typeface="+mn-cs"/>
+              </a:defRPr>
+            </a:lvl6pPr>
+            <a:lvl7pPr marL="2971800" indent="-228600" algn="l" defTabSz="914400" rtl="0" eaLnBrk="1" latinLnBrk="0" hangingPunct="1">
+              <a:lnSpc>
+                <a:spcPct val="90000"/>
+              </a:lnSpc>
+              <a:spcBef>
+                <a:spcPts val="500"/>
+              </a:spcBef>
+              <a:buFont typeface="Arial"/>
+              <a:buChar char="•"/>
+              <a:defRPr sz="1800" kern="1200">
+                <a:solidFill>
+                  <a:schemeClr val="tx1"/>
+                </a:solidFill>
+                <a:latin typeface="+mn-lt"/>
+                <a:ea typeface="+mn-ea"/>
+                <a:cs typeface="+mn-cs"/>
+              </a:defRPr>
+            </a:lvl7pPr>
+            <a:lvl8pPr marL="3429000" indent="-228600" algn="l" defTabSz="914400" rtl="0" eaLnBrk="1" latinLnBrk="0" hangingPunct="1">
+              <a:lnSpc>
+                <a:spcPct val="90000"/>
+              </a:lnSpc>
+              <a:spcBef>
+                <a:spcPts val="500"/>
+              </a:spcBef>
+              <a:buFont typeface="Arial"/>
+              <a:buChar char="•"/>
+              <a:defRPr sz="1800" kern="1200">
+                <a:solidFill>
+                  <a:schemeClr val="tx1"/>
+                </a:solidFill>
+                <a:latin typeface="+mn-lt"/>
+                <a:ea typeface="+mn-ea"/>
+                <a:cs typeface="+mn-cs"/>
+              </a:defRPr>
+            </a:lvl8pPr>
+            <a:lvl9pPr marL="3886200" indent="-228600" algn="l" defTabSz="914400" rtl="0" eaLnBrk="1" latinLnBrk="0" hangingPunct="1">
+              <a:lnSpc>
+                <a:spcPct val="90000"/>
+              </a:lnSpc>
+              <a:spcBef>
+                <a:spcPts val="500"/>
+              </a:spcBef>
+              <a:buFont typeface="Arial"/>
+              <a:buChar char="•"/>
+              <a:defRPr sz="1800" kern="1200">
+                <a:solidFill>
+                  <a:schemeClr val="tx1"/>
+                </a:solidFill>
+                <a:latin typeface="+mn-lt"/>
+                <a:ea typeface="+mn-ea"/>
+                <a:cs typeface="+mn-cs"/>
+              </a:defRPr>
+            </a:lvl9pPr>
+          </a:lstStyle>
+          <a:p>
+            <a:pPr marL="0" indent="0">
+              <a:buFont typeface="Arial"/>
+              <a:buNone/>
+            </a:pPr>
+            <a:r>
+              <a:rPr lang="en-US" sz="2000" dirty="0" smtClean="0"/>
+              <a:t>Design API request</a:t>
+            </a:r>
+          </a:p>
+          <a:p>
+            <a:pPr marL="342900" indent="-342900">
+              <a:buFont typeface="Arial"/>
+              <a:buAutoNum type="arabicParenR"/>
+            </a:pPr>
+            <a:r>
+              <a:rPr lang="en-US" sz="2000" dirty="0" smtClean="0">
+                <a:hlinkClick r:id="rId2"/>
+              </a:rPr>
+              <a:t>www.webiste.com/chat_messaging/getAdmins</a:t>
+            </a:r>
+            <a:endParaRPr lang="en-US" sz="2000" dirty="0" smtClean="0"/>
+          </a:p>
+          <a:p>
+            <a:pPr marL="800100" lvl="1" indent="-342900">
+              <a:buFont typeface="Arial"/>
+              <a:buAutoNum type="arabicParenR"/>
+            </a:pPr>
+            <a:r>
+              <a:rPr lang="en-US" sz="1600" dirty="0" smtClean="0"/>
+              <a:t>POST</a:t>
+            </a:r>
+          </a:p>
+          <a:p>
+            <a:pPr marL="800100" lvl="1" indent="-342900">
+              <a:buFont typeface="Arial"/>
+              <a:buAutoNum type="arabicParenR"/>
+            </a:pPr>
+            <a:r>
+              <a:rPr lang="en-US" sz="1600" dirty="0" smtClean="0"/>
+              <a:t>Request Object</a:t>
+            </a:r>
+          </a:p>
+          <a:p>
+            <a:pPr marL="800100" lvl="1" indent="-342900">
+              <a:buFont typeface="Arial"/>
+              <a:buAutoNum type="arabicParenR"/>
+            </a:pPr>
+            <a:r>
+              <a:rPr lang="en-US" sz="1600" dirty="0" smtClean="0"/>
+              <a:t>Response</a:t>
+            </a:r>
+          </a:p>
+          <a:p>
+            <a:pPr marL="342900" indent="-342900">
+              <a:buFont typeface="Arial"/>
+              <a:buAutoNum type="arabicParenR"/>
+            </a:pPr>
+            <a:r>
+              <a:rPr lang="en-US" sz="2000" dirty="0" smtClean="0"/>
+              <a:t>No side effects. If many flags, should break down into separate functions</a:t>
+            </a:r>
+          </a:p>
+          <a:p>
+            <a:pPr marL="800100" lvl="1" indent="-342900">
+              <a:buFont typeface="Arial"/>
+              <a:buAutoNum type="arabicParenR"/>
+            </a:pPr>
+            <a:r>
+              <a:rPr lang="en-US" sz="1600" dirty="0" smtClean="0"/>
+              <a:t>Doing everything</a:t>
+            </a:r>
+          </a:p>
+          <a:p>
+            <a:pPr marL="800100" lvl="1" indent="-342900">
+              <a:buFont typeface="Arial"/>
+              <a:buAutoNum type="arabicParenR"/>
+            </a:pPr>
+            <a:r>
+              <a:rPr lang="en-US" sz="1600" dirty="0"/>
+              <a:t>atomicity</a:t>
+            </a:r>
+            <a:endParaRPr lang="en-US" sz="1600" dirty="0" smtClean="0"/>
+          </a:p>
+          <a:p>
+            <a:pPr marL="342900" indent="-342900">
+              <a:buFont typeface="Arial"/>
+              <a:buAutoNum type="arabicParenR"/>
+            </a:pPr>
+            <a:r>
+              <a:rPr lang="en-US" sz="2000" dirty="0" smtClean="0"/>
+              <a:t>When response is huge</a:t>
+            </a:r>
+          </a:p>
+          <a:p>
+            <a:pPr marL="800100" lvl="1" indent="-342900">
+              <a:buFont typeface="Arial"/>
+              <a:buAutoNum type="arabicParenR"/>
+            </a:pPr>
+            <a:r>
+              <a:rPr lang="en-US" sz="1600" dirty="0" smtClean="0"/>
+              <a:t>Pagination - Break response into multiple responses, but not stateless</a:t>
+            </a:r>
+          </a:p>
+          <a:p>
+            <a:pPr marL="800100" lvl="1" indent="-342900">
+              <a:buFont typeface="Arial"/>
+              <a:buAutoNum type="arabicParenR"/>
+            </a:pPr>
+            <a:r>
+              <a:rPr lang="en-US" sz="1600" dirty="0" smtClean="0"/>
+              <a:t>Fragmentation</a:t>
+            </a:r>
+          </a:p>
+          <a:p>
+            <a:pPr marL="800100" lvl="1" indent="-342900">
+              <a:buFont typeface="Arial"/>
+              <a:buAutoNum type="arabicParenR"/>
+            </a:pPr>
+            <a:endParaRPr lang="en-US" sz="1600" dirty="0" smtClean="0"/>
+          </a:p>
+          <a:p>
+            <a:pPr marL="342900" indent="-342900">
+              <a:buFont typeface="Arial"/>
+              <a:buAutoNum type="arabicParenR"/>
+            </a:pPr>
+            <a:r>
+              <a:rPr lang="en-US" sz="2000" dirty="0" smtClean="0"/>
+              <a:t>Do you want perfect consistency?</a:t>
+            </a:r>
+            <a:endParaRPr lang="en-US" sz="2000" dirty="0"/>
+          </a:p>
+        </p:txBody>
+      </p:sp>
+    </p:spTree>
+    <p:extLst>
+      <p:ext uri="{BB962C8B-B14F-4D97-AF65-F5344CB8AC3E}">
+        <p14:creationId xmlns:p14="http://schemas.microsoft.com/office/powerpoint/2010/main" val="276724027"/>
+      </p:ext>
+    </p:extLst>
+  </p:cSld>
+  <p:clrMapOvr>
+    <a:masterClrMapping/>
+  </p:clrMapOvr>
+</p:sld>
+</file>
+
 <file path=ppt/slides/slide2.xml><?xml version="1.0" encoding="utf-8"?>
 <p:sld xmlns:a="http://schemas.openxmlformats.org/drawingml/2006/main" xmlns:r="http://schemas.openxmlformats.org/officeDocument/2006/relationships" xmlns:p="http://schemas.openxmlformats.org/presentationml/2006/main">
   <p:cSld>

--- a/design/System Design Notes.pptx
+++ b/design/System Design Notes.pptx
@@ -15,6 +15,10 @@
     <p:sldId id="256" r:id="rId9"/>
     <p:sldId id="264" r:id="rId10"/>
     <p:sldId id="265" r:id="rId11"/>
+    <p:sldId id="266" r:id="rId12"/>
+    <p:sldId id="267" r:id="rId13"/>
+    <p:sldId id="268" r:id="rId14"/>
+    <p:sldId id="269" r:id="rId15"/>
   </p:sldIdLst>
   <p:sldSz cx="12192000" cy="6858000"/>
   <p:notesSz cx="6858000" cy="9144000"/>
@@ -3798,6 +3802,1474 @@
 </p:sld>
 </file>
 
+<file path=ppt/slides/slide11.xml><?xml version="1.0" encoding="utf-8"?>
+<p:sld xmlns:a="http://schemas.openxmlformats.org/drawingml/2006/main" xmlns:r="http://schemas.openxmlformats.org/officeDocument/2006/relationships" xmlns:p="http://schemas.openxmlformats.org/presentationml/2006/main">
+  <p:cSld>
+    <p:spTree>
+      <p:nvGrpSpPr>
+        <p:cNvPr id="1" name=""/>
+        <p:cNvGrpSpPr/>
+        <p:nvPr/>
+      </p:nvGrpSpPr>
+      <p:grpSpPr>
+        <a:xfrm>
+          <a:off x="0" y="0"/>
+          <a:ext cx="0" cy="0"/>
+          <a:chOff x="0" y="0"/>
+          <a:chExt cx="0" cy="0"/>
+        </a:xfrm>
+      </p:grpSpPr>
+      <p:sp>
+        <p:nvSpPr>
+          <p:cNvPr id="4" name="Rectangle 3"/>
+          <p:cNvSpPr/>
+          <p:nvPr/>
+        </p:nvSpPr>
+        <p:spPr>
+          <a:xfrm>
+            <a:off x="4550987" y="0"/>
+            <a:ext cx="3111054" cy="523220"/>
+          </a:xfrm>
+          <a:prstGeom prst="rect">
+            <a:avLst/>
+          </a:prstGeom>
+          <a:noFill/>
+        </p:spPr>
+        <p:txBody>
+          <a:bodyPr wrap="square" lIns="91440" tIns="45720" rIns="91440" bIns="45720">
+            <a:spAutoFit/>
+          </a:bodyPr>
+          <a:lstStyle/>
+          <a:p>
+            <a:pPr algn="ctr"/>
+            <a:r>
+              <a:rPr lang="en-US" sz="2800" dirty="0" err="1" smtClean="0">
+                <a:ln w="0"/>
+                <a:solidFill>
+                  <a:schemeClr val="accent2"/>
+                </a:solidFill>
+                <a:effectLst>
+                  <a:outerShdw blurRad="38100" dist="19050" dir="2700000" algn="tl" rotWithShape="0">
+                    <a:schemeClr val="dk1">
+                      <a:alpha val="40000"/>
+                    </a:schemeClr>
+                  </a:outerShdw>
+                </a:effectLst>
+              </a:rPr>
+              <a:t>NoSQL</a:t>
+            </a:r>
+            <a:endParaRPr lang="en-US" sz="5400" b="0" cap="none" spc="0" dirty="0">
+              <a:ln w="0"/>
+              <a:solidFill>
+                <a:schemeClr val="accent2"/>
+              </a:solidFill>
+              <a:effectLst>
+                <a:outerShdw blurRad="38100" dist="19050" dir="2700000" algn="tl" rotWithShape="0">
+                  <a:schemeClr val="dk1">
+                    <a:alpha val="40000"/>
+                  </a:schemeClr>
+                </a:outerShdw>
+              </a:effectLst>
+            </a:endParaRPr>
+          </a:p>
+        </p:txBody>
+      </p:sp>
+      <p:sp>
+        <p:nvSpPr>
+          <p:cNvPr id="5" name="Content Placeholder 2"/>
+          <p:cNvSpPr>
+            <a:spLocks noGrp="1"/>
+          </p:cNvSpPr>
+          <p:nvPr>
+            <p:ph idx="1"/>
+          </p:nvPr>
+        </p:nvSpPr>
+        <p:spPr>
+          <a:xfrm>
+            <a:off x="772086" y="773814"/>
+            <a:ext cx="5093043" cy="5506216"/>
+          </a:xfrm>
+        </p:spPr>
+        <p:txBody>
+          <a:bodyPr>
+            <a:normAutofit/>
+          </a:bodyPr>
+          <a:lstStyle/>
+          <a:p>
+            <a:pPr marL="342900" indent="-342900">
+              <a:buAutoNum type="arabicParenR"/>
+            </a:pPr>
+            <a:r>
+              <a:rPr lang="en-US" sz="2000" dirty="0" smtClean="0"/>
+              <a:t>SQL </a:t>
+            </a:r>
+          </a:p>
+          <a:p>
+            <a:pPr marL="800100" lvl="1" indent="-342900">
+              <a:buAutoNum type="arabicParenR"/>
+            </a:pPr>
+            <a:r>
+              <a:rPr lang="en-US" sz="1200" dirty="0"/>
+              <a:t>requires joins which are expensive, no way to efficiently normalize</a:t>
+            </a:r>
+            <a:endParaRPr lang="en-US" sz="1200" dirty="0" smtClean="0"/>
+          </a:p>
+          <a:p>
+            <a:pPr marL="342900" indent="-342900">
+              <a:buAutoNum type="arabicParenR"/>
+            </a:pPr>
+            <a:r>
+              <a:rPr lang="en-US" sz="2000" dirty="0" err="1" smtClean="0"/>
+              <a:t>NoSQL</a:t>
+            </a:r>
+            <a:r>
+              <a:rPr lang="en-US" sz="2000" dirty="0" smtClean="0"/>
+              <a:t> </a:t>
+            </a:r>
+          </a:p>
+          <a:p>
+            <a:pPr marL="800100" lvl="1" indent="-342900">
+              <a:buAutoNum type="arabicParenR"/>
+            </a:pPr>
+            <a:r>
+              <a:rPr lang="en-US" sz="1200" dirty="0" smtClean="0"/>
+              <a:t>Flexible schema</a:t>
+            </a:r>
+          </a:p>
+          <a:p>
+            <a:pPr marL="800100" lvl="1" indent="-342900">
+              <a:buFont typeface="Arial"/>
+              <a:buAutoNum type="arabicParenR"/>
+            </a:pPr>
+            <a:r>
+              <a:rPr lang="en-US" sz="1200" dirty="0"/>
+              <a:t>insertions and retrievals require the whole </a:t>
+            </a:r>
+            <a:r>
+              <a:rPr lang="en-US" sz="1200" dirty="0" smtClean="0"/>
+              <a:t>blob</a:t>
+            </a:r>
+          </a:p>
+          <a:p>
+            <a:pPr marL="800100" lvl="1" indent="-342900">
+              <a:buFont typeface="Arial"/>
+              <a:buAutoNum type="arabicParenR"/>
+            </a:pPr>
+            <a:r>
+              <a:rPr lang="en-US" sz="1200" dirty="0" smtClean="0"/>
+              <a:t>Horizontal partitioning built in, build for scale</a:t>
+            </a:r>
+          </a:p>
+          <a:p>
+            <a:pPr marL="800100" lvl="1" indent="-342900">
+              <a:buFont typeface="Arial"/>
+              <a:buAutoNum type="arabicParenR"/>
+            </a:pPr>
+            <a:r>
+              <a:rPr lang="en-US" sz="1200" dirty="0" smtClean="0"/>
+              <a:t>Build for aggregation, finding metrics</a:t>
+            </a:r>
+          </a:p>
+          <a:p>
+            <a:pPr marL="342900" indent="-342900">
+              <a:buFont typeface="Arial"/>
+              <a:buAutoNum type="arabicParenR"/>
+            </a:pPr>
+            <a:r>
+              <a:rPr lang="en-US" sz="1600" dirty="0" err="1" smtClean="0"/>
+              <a:t>NoSQL</a:t>
+            </a:r>
+            <a:r>
+              <a:rPr lang="en-US" sz="1600" dirty="0" smtClean="0"/>
+              <a:t> – disadvantages</a:t>
+            </a:r>
+          </a:p>
+          <a:p>
+            <a:pPr marL="800100" lvl="1" indent="-342900">
+              <a:buFont typeface="Arial"/>
+              <a:buAutoNum type="arabicParenR"/>
+            </a:pPr>
+            <a:r>
+              <a:rPr lang="en-US" sz="1200" dirty="0" smtClean="0"/>
+              <a:t>Not built for updates (delete and insert), </a:t>
+            </a:r>
+            <a:r>
+              <a:rPr lang="en-US" sz="1200" dirty="0"/>
+              <a:t>Consistency, ACID not  </a:t>
+            </a:r>
+            <a:r>
+              <a:rPr lang="en-US" sz="1200" dirty="0" smtClean="0"/>
+              <a:t>guaranteed</a:t>
+            </a:r>
+          </a:p>
+          <a:p>
+            <a:pPr marL="800100" lvl="1" indent="-342900">
+              <a:buFont typeface="Arial"/>
+              <a:buAutoNum type="arabicParenR"/>
+            </a:pPr>
+            <a:r>
+              <a:rPr lang="en-US" sz="1200" dirty="0" smtClean="0"/>
+              <a:t>Not read optimized</a:t>
+            </a:r>
+          </a:p>
+          <a:p>
+            <a:pPr marL="800100" lvl="1" indent="-342900">
+              <a:buFont typeface="Arial"/>
+              <a:buAutoNum type="arabicParenR"/>
+            </a:pPr>
+            <a:r>
+              <a:rPr lang="en-US" sz="1200" dirty="0" smtClean="0"/>
+              <a:t>Relations are not implicit</a:t>
+            </a:r>
+          </a:p>
+          <a:p>
+            <a:pPr marL="800100" lvl="1" indent="-342900">
+              <a:buFont typeface="Arial"/>
+              <a:buAutoNum type="arabicParenR"/>
+            </a:pPr>
+            <a:r>
+              <a:rPr lang="en-US" sz="1200" dirty="0" smtClean="0"/>
+              <a:t>Joins are hard		</a:t>
+            </a:r>
+          </a:p>
+          <a:p>
+            <a:pPr marL="342900" indent="-342900">
+              <a:buFont typeface="Arial"/>
+              <a:buAutoNum type="arabicParenR"/>
+            </a:pPr>
+            <a:r>
+              <a:rPr lang="en-US" sz="1600" dirty="0" smtClean="0"/>
+              <a:t>Cassandra</a:t>
+            </a:r>
+          </a:p>
+          <a:p>
+            <a:pPr marL="800100" lvl="1" indent="-342900">
+              <a:buFont typeface="Arial"/>
+              <a:buAutoNum type="arabicParenR"/>
+            </a:pPr>
+            <a:r>
+              <a:rPr lang="en-US" sz="1200" dirty="0" smtClean="0"/>
+              <a:t>Have n instances</a:t>
+            </a:r>
+          </a:p>
+          <a:p>
+            <a:pPr marL="800100" lvl="1" indent="-342900">
+              <a:buFont typeface="Arial"/>
+              <a:buAutoNum type="arabicParenR"/>
+            </a:pPr>
+            <a:r>
+              <a:rPr lang="en-US" sz="1200" dirty="0" smtClean="0"/>
+              <a:t>Writes to m servers, where </a:t>
+            </a:r>
+            <a:r>
+              <a:rPr lang="en-US" sz="1200" dirty="0" err="1" smtClean="0"/>
+              <a:t>pos</a:t>
+            </a:r>
+            <a:r>
+              <a:rPr lang="en-US" sz="1200" dirty="0" smtClean="0"/>
+              <a:t> through </a:t>
+            </a:r>
+            <a:r>
+              <a:rPr lang="en-US" sz="1200" dirty="0" err="1" smtClean="0"/>
+              <a:t>pos</a:t>
+            </a:r>
+            <a:r>
+              <a:rPr lang="en-US" sz="1200" dirty="0" smtClean="0"/>
+              <a:t> + m - 1</a:t>
+            </a:r>
+          </a:p>
+          <a:p>
+            <a:pPr marL="800100" lvl="1" indent="-342900">
+              <a:buFont typeface="Arial"/>
+              <a:buAutoNum type="arabicParenR"/>
+            </a:pPr>
+            <a:r>
+              <a:rPr lang="en-US" sz="1200" dirty="0" smtClean="0"/>
+              <a:t>Quorum factor of x. For reads, x servers have to return the same value</a:t>
+            </a:r>
+            <a:endParaRPr lang="en-US" sz="1200" dirty="0"/>
+          </a:p>
+          <a:p>
+            <a:pPr marL="800100" lvl="1" indent="-342900">
+              <a:buAutoNum type="arabicParenR"/>
+            </a:pPr>
+            <a:endParaRPr lang="en-US" sz="1200" dirty="0" smtClean="0"/>
+          </a:p>
+          <a:p>
+            <a:pPr marL="342900" indent="-342900">
+              <a:buAutoNum type="arabicParenR"/>
+            </a:pPr>
+            <a:endParaRPr lang="en-US" sz="2000" dirty="0" smtClean="0"/>
+          </a:p>
+          <a:p>
+            <a:pPr marL="342900" indent="-342900">
+              <a:buAutoNum type="arabicParenR"/>
+            </a:pPr>
+            <a:endParaRPr lang="en-US" sz="2000" dirty="0"/>
+          </a:p>
+        </p:txBody>
+      </p:sp>
+      <p:pic>
+        <p:nvPicPr>
+          <p:cNvPr id="1026" name="Picture 2"/>
+          <p:cNvPicPr>
+            <a:picLocks noChangeAspect="1" noChangeArrowheads="1"/>
+          </p:cNvPicPr>
+          <p:nvPr/>
+        </p:nvPicPr>
+        <p:blipFill>
+          <a:blip r:embed="rId2">
+            <a:extLst>
+              <a:ext uri="{28A0092B-C50C-407E-A947-70E740481C1C}">
+                <a14:useLocalDpi xmlns:a14="http://schemas.microsoft.com/office/drawing/2010/main" val="0"/>
+              </a:ext>
+            </a:extLst>
+          </a:blip>
+          <a:srcRect/>
+          <a:stretch>
+            <a:fillRect/>
+          </a:stretch>
+        </p:blipFill>
+        <p:spPr bwMode="auto">
+          <a:xfrm>
+            <a:off x="6106514" y="920035"/>
+            <a:ext cx="5090410" cy="4448444"/>
+          </a:xfrm>
+          <a:prstGeom prst="rect">
+            <a:avLst/>
+          </a:prstGeom>
+          <a:noFill/>
+          <a:ln>
+            <a:noFill/>
+          </a:ln>
+          <a:effectLst/>
+          <a:extLst>
+            <a:ext uri="{909E8E84-426E-40DD-AFC4-6F175D3DCCD1}">
+              <a14:hiddenFill xmlns:a14="http://schemas.microsoft.com/office/drawing/2010/main">
+                <a:solidFill>
+                  <a:schemeClr val="accent1"/>
+                </a:solidFill>
+              </a14:hiddenFill>
+            </a:ext>
+            <a:ext uri="{91240B29-F687-4F45-9708-019B960494DF}">
+              <a14:hiddenLine xmlns:a14="http://schemas.microsoft.com/office/drawing/2010/main" w="9525">
+                <a:solidFill>
+                  <a:schemeClr val="tx1"/>
+                </a:solidFill>
+                <a:miter lim="800000"/>
+                <a:headEnd/>
+                <a:tailEnd/>
+              </a14:hiddenLine>
+            </a:ext>
+            <a:ext uri="{AF507438-7753-43E0-B8FC-AC1667EBCBE1}">
+              <a14:hiddenEffects xmlns:a14="http://schemas.microsoft.com/office/drawing/2010/main">
+                <a:effectLst>
+                  <a:outerShdw dist="35921" dir="2700000" algn="ctr" rotWithShape="0">
+                    <a:schemeClr val="bg2"/>
+                  </a:outerShdw>
+                </a:effectLst>
+              </a14:hiddenEffects>
+            </a:ext>
+          </a:extLst>
+        </p:spPr>
+      </p:pic>
+    </p:spTree>
+    <p:extLst>
+      <p:ext uri="{BB962C8B-B14F-4D97-AF65-F5344CB8AC3E}">
+        <p14:creationId xmlns:p14="http://schemas.microsoft.com/office/powerpoint/2010/main" val="2827605530"/>
+      </p:ext>
+    </p:extLst>
+  </p:cSld>
+  <p:clrMapOvr>
+    <a:masterClrMapping/>
+  </p:clrMapOvr>
+</p:sld>
+</file>
+
+<file path=ppt/slides/slide12.xml><?xml version="1.0" encoding="utf-8"?>
+<p:sld xmlns:a="http://schemas.openxmlformats.org/drawingml/2006/main" xmlns:r="http://schemas.openxmlformats.org/officeDocument/2006/relationships" xmlns:p="http://schemas.openxmlformats.org/presentationml/2006/main">
+  <p:cSld>
+    <p:spTree>
+      <p:nvGrpSpPr>
+        <p:cNvPr id="1" name=""/>
+        <p:cNvGrpSpPr/>
+        <p:nvPr/>
+      </p:nvGrpSpPr>
+      <p:grpSpPr>
+        <a:xfrm>
+          <a:off x="0" y="0"/>
+          <a:ext cx="0" cy="0"/>
+          <a:chOff x="0" y="0"/>
+          <a:chExt cx="0" cy="0"/>
+        </a:xfrm>
+      </p:grpSpPr>
+      <p:sp>
+        <p:nvSpPr>
+          <p:cNvPr id="4" name="Rectangle 3"/>
+          <p:cNvSpPr/>
+          <p:nvPr/>
+        </p:nvSpPr>
+        <p:spPr>
+          <a:xfrm>
+            <a:off x="4550986" y="0"/>
+            <a:ext cx="3842516" cy="523220"/>
+          </a:xfrm>
+          <a:prstGeom prst="rect">
+            <a:avLst/>
+          </a:prstGeom>
+          <a:noFill/>
+        </p:spPr>
+        <p:txBody>
+          <a:bodyPr wrap="square" lIns="91440" tIns="45720" rIns="91440" bIns="45720">
+            <a:spAutoFit/>
+          </a:bodyPr>
+          <a:lstStyle/>
+          <a:p>
+            <a:pPr algn="ctr"/>
+            <a:r>
+              <a:rPr lang="en-US" sz="2800" dirty="0" smtClean="0">
+                <a:ln w="0"/>
+                <a:solidFill>
+                  <a:schemeClr val="accent2"/>
+                </a:solidFill>
+                <a:effectLst>
+                  <a:outerShdw blurRad="38100" dist="19050" dir="2700000" algn="tl" rotWithShape="0">
+                    <a:schemeClr val="dk1">
+                      <a:alpha val="40000"/>
+                    </a:schemeClr>
+                  </a:outerShdw>
+                </a:effectLst>
+              </a:rPr>
+              <a:t>Distributed Consensus</a:t>
+            </a:r>
+            <a:endParaRPr lang="en-US" sz="5400" b="0" cap="none" spc="0" dirty="0">
+              <a:ln w="0"/>
+              <a:solidFill>
+                <a:schemeClr val="accent2"/>
+              </a:solidFill>
+              <a:effectLst>
+                <a:outerShdw blurRad="38100" dist="19050" dir="2700000" algn="tl" rotWithShape="0">
+                  <a:schemeClr val="dk1">
+                    <a:alpha val="40000"/>
+                  </a:schemeClr>
+                </a:outerShdw>
+              </a:effectLst>
+            </a:endParaRPr>
+          </a:p>
+        </p:txBody>
+      </p:sp>
+      <p:sp>
+        <p:nvSpPr>
+          <p:cNvPr id="5" name="Content Placeholder 2"/>
+          <p:cNvSpPr>
+            <a:spLocks noGrp="1"/>
+          </p:cNvSpPr>
+          <p:nvPr>
+            <p:ph idx="1"/>
+          </p:nvPr>
+        </p:nvSpPr>
+        <p:spPr>
+          <a:xfrm>
+            <a:off x="459028" y="4977800"/>
+            <a:ext cx="5093043" cy="2354652"/>
+          </a:xfrm>
+        </p:spPr>
+        <p:txBody>
+          <a:bodyPr>
+            <a:normAutofit/>
+          </a:bodyPr>
+          <a:lstStyle/>
+          <a:p>
+            <a:pPr marL="342900" indent="-342900">
+              <a:buAutoNum type="arabicParenR"/>
+            </a:pPr>
+            <a:r>
+              <a:rPr lang="en-US" sz="1600" dirty="0" smtClean="0"/>
+              <a:t>Bottleneck to Master DB</a:t>
+            </a:r>
+          </a:p>
+          <a:p>
+            <a:pPr marL="800100" lvl="1" indent="-342900">
+              <a:buAutoNum type="arabicParenR"/>
+            </a:pPr>
+            <a:r>
+              <a:rPr lang="en-US" sz="1200" dirty="0" smtClean="0"/>
+              <a:t>Add slave node, prevent writes to it, only reads</a:t>
+            </a:r>
+          </a:p>
+          <a:p>
+            <a:pPr marL="800100" lvl="1" indent="-342900">
+              <a:buAutoNum type="arabicParenR"/>
+            </a:pPr>
+            <a:r>
+              <a:rPr lang="en-US" sz="1200" dirty="0" smtClean="0"/>
+              <a:t>Or make both masters</a:t>
+            </a:r>
+          </a:p>
+          <a:p>
+            <a:pPr marL="342900" indent="-342900">
+              <a:buAutoNum type="arabicParenR"/>
+            </a:pPr>
+            <a:r>
+              <a:rPr lang="en-US" sz="1400" dirty="0" smtClean="0"/>
+              <a:t>Add 2 slaves</a:t>
+            </a:r>
+          </a:p>
+          <a:p>
+            <a:pPr marL="342900" indent="-342900">
+              <a:buAutoNum type="arabicParenR"/>
+            </a:pPr>
+            <a:r>
+              <a:rPr lang="en-US" sz="1200" dirty="0" smtClean="0"/>
+              <a:t>2 Phase commit, 3 phase commit, MVCC, SAGA</a:t>
+            </a:r>
+          </a:p>
+          <a:p>
+            <a:pPr marL="342900" indent="-342900">
+              <a:buAutoNum type="arabicParenR"/>
+            </a:pPr>
+            <a:endParaRPr lang="en-US" sz="1600" dirty="0" smtClean="0"/>
+          </a:p>
+          <a:p>
+            <a:pPr marL="342900" indent="-342900">
+              <a:buAutoNum type="arabicParenR"/>
+            </a:pPr>
+            <a:endParaRPr lang="en-US" sz="1600" dirty="0"/>
+          </a:p>
+        </p:txBody>
+      </p:sp>
+      <p:pic>
+        <p:nvPicPr>
+          <p:cNvPr id="2050" name="Picture 2"/>
+          <p:cNvPicPr>
+            <a:picLocks noChangeAspect="1" noChangeArrowheads="1"/>
+          </p:cNvPicPr>
+          <p:nvPr/>
+        </p:nvPicPr>
+        <p:blipFill>
+          <a:blip r:embed="rId2">
+            <a:extLst>
+              <a:ext uri="{28A0092B-C50C-407E-A947-70E740481C1C}">
+                <a14:useLocalDpi xmlns:a14="http://schemas.microsoft.com/office/drawing/2010/main" val="0"/>
+              </a:ext>
+            </a:extLst>
+          </a:blip>
+          <a:srcRect/>
+          <a:stretch>
+            <a:fillRect/>
+          </a:stretch>
+        </p:blipFill>
+        <p:spPr bwMode="auto">
+          <a:xfrm>
+            <a:off x="459028" y="687550"/>
+            <a:ext cx="7692401" cy="4220880"/>
+          </a:xfrm>
+          <a:prstGeom prst="rect">
+            <a:avLst/>
+          </a:prstGeom>
+          <a:noFill/>
+          <a:ln>
+            <a:noFill/>
+          </a:ln>
+          <a:effectLst/>
+          <a:extLst>
+            <a:ext uri="{909E8E84-426E-40DD-AFC4-6F175D3DCCD1}">
+              <a14:hiddenFill xmlns:a14="http://schemas.microsoft.com/office/drawing/2010/main">
+                <a:solidFill>
+                  <a:schemeClr val="accent1"/>
+                </a:solidFill>
+              </a14:hiddenFill>
+            </a:ext>
+            <a:ext uri="{91240B29-F687-4F45-9708-019B960494DF}">
+              <a14:hiddenLine xmlns:a14="http://schemas.microsoft.com/office/drawing/2010/main" w="9525">
+                <a:solidFill>
+                  <a:schemeClr val="tx1"/>
+                </a:solidFill>
+                <a:miter lim="800000"/>
+                <a:headEnd/>
+                <a:tailEnd/>
+              </a14:hiddenLine>
+            </a:ext>
+            <a:ext uri="{AF507438-7753-43E0-B8FC-AC1667EBCBE1}">
+              <a14:hiddenEffects xmlns:a14="http://schemas.microsoft.com/office/drawing/2010/main">
+                <a:effectLst>
+                  <a:outerShdw dist="35921" dir="2700000" algn="ctr" rotWithShape="0">
+                    <a:schemeClr val="bg2"/>
+                  </a:outerShdw>
+                </a:effectLst>
+              </a14:hiddenEffects>
+            </a:ext>
+          </a:extLst>
+        </p:spPr>
+      </p:pic>
+      <p:pic>
+        <p:nvPicPr>
+          <p:cNvPr id="2051" name="Picture 3"/>
+          <p:cNvPicPr>
+            <a:picLocks noChangeAspect="1" noChangeArrowheads="1"/>
+          </p:cNvPicPr>
+          <p:nvPr/>
+        </p:nvPicPr>
+        <p:blipFill>
+          <a:blip r:embed="rId3">
+            <a:extLst>
+              <a:ext uri="{28A0092B-C50C-407E-A947-70E740481C1C}">
+                <a14:useLocalDpi xmlns:a14="http://schemas.microsoft.com/office/drawing/2010/main" val="0"/>
+              </a:ext>
+            </a:extLst>
+          </a:blip>
+          <a:srcRect/>
+          <a:stretch>
+            <a:fillRect/>
+          </a:stretch>
+        </p:blipFill>
+        <p:spPr bwMode="auto">
+          <a:xfrm>
+            <a:off x="8260243" y="1067112"/>
+            <a:ext cx="3643368" cy="3617031"/>
+          </a:xfrm>
+          <a:prstGeom prst="rect">
+            <a:avLst/>
+          </a:prstGeom>
+          <a:noFill/>
+          <a:ln>
+            <a:noFill/>
+          </a:ln>
+          <a:effectLst/>
+          <a:extLst>
+            <a:ext uri="{909E8E84-426E-40DD-AFC4-6F175D3DCCD1}">
+              <a14:hiddenFill xmlns:a14="http://schemas.microsoft.com/office/drawing/2010/main">
+                <a:solidFill>
+                  <a:schemeClr val="accent1"/>
+                </a:solidFill>
+              </a14:hiddenFill>
+            </a:ext>
+            <a:ext uri="{91240B29-F687-4F45-9708-019B960494DF}">
+              <a14:hiddenLine xmlns:a14="http://schemas.microsoft.com/office/drawing/2010/main" w="9525">
+                <a:solidFill>
+                  <a:schemeClr val="tx1"/>
+                </a:solidFill>
+                <a:miter lim="800000"/>
+                <a:headEnd/>
+                <a:tailEnd/>
+              </a14:hiddenLine>
+            </a:ext>
+            <a:ext uri="{AF507438-7753-43E0-B8FC-AC1667EBCBE1}">
+              <a14:hiddenEffects xmlns:a14="http://schemas.microsoft.com/office/drawing/2010/main">
+                <a:effectLst>
+                  <a:outerShdw dist="35921" dir="2700000" algn="ctr" rotWithShape="0">
+                    <a:schemeClr val="bg2"/>
+                  </a:outerShdw>
+                </a:effectLst>
+              </a14:hiddenEffects>
+            </a:ext>
+          </a:extLst>
+        </p:spPr>
+      </p:pic>
+    </p:spTree>
+    <p:extLst>
+      <p:ext uri="{BB962C8B-B14F-4D97-AF65-F5344CB8AC3E}">
+        <p14:creationId xmlns:p14="http://schemas.microsoft.com/office/powerpoint/2010/main" val="2447353537"/>
+      </p:ext>
+    </p:extLst>
+  </p:cSld>
+  <p:clrMapOvr>
+    <a:masterClrMapping/>
+  </p:clrMapOvr>
+</p:sld>
+</file>
+
+<file path=ppt/slides/slide13.xml><?xml version="1.0" encoding="utf-8"?>
+<p:sld xmlns:a="http://schemas.openxmlformats.org/drawingml/2006/main" xmlns:r="http://schemas.openxmlformats.org/officeDocument/2006/relationships" xmlns:p="http://schemas.openxmlformats.org/presentationml/2006/main">
+  <p:cSld>
+    <p:spTree>
+      <p:nvGrpSpPr>
+        <p:cNvPr id="1" name=""/>
+        <p:cNvGrpSpPr/>
+        <p:nvPr/>
+      </p:nvGrpSpPr>
+      <p:grpSpPr>
+        <a:xfrm>
+          <a:off x="0" y="0"/>
+          <a:ext cx="0" cy="0"/>
+          <a:chOff x="0" y="0"/>
+          <a:chExt cx="0" cy="0"/>
+        </a:xfrm>
+      </p:grpSpPr>
+      <p:sp>
+        <p:nvSpPr>
+          <p:cNvPr id="4" name="Rectangle 3"/>
+          <p:cNvSpPr/>
+          <p:nvPr/>
+        </p:nvSpPr>
+        <p:spPr>
+          <a:xfrm>
+            <a:off x="4550986" y="0"/>
+            <a:ext cx="3842516" cy="523220"/>
+          </a:xfrm>
+          <a:prstGeom prst="rect">
+            <a:avLst/>
+          </a:prstGeom>
+          <a:noFill/>
+        </p:spPr>
+        <p:txBody>
+          <a:bodyPr wrap="square" lIns="91440" tIns="45720" rIns="91440" bIns="45720">
+            <a:spAutoFit/>
+          </a:bodyPr>
+          <a:lstStyle/>
+          <a:p>
+            <a:pPr algn="ctr"/>
+            <a:r>
+              <a:rPr lang="en-US" sz="2800" dirty="0" smtClean="0">
+                <a:ln w="0"/>
+                <a:solidFill>
+                  <a:schemeClr val="accent2"/>
+                </a:solidFill>
+                <a:effectLst>
+                  <a:outerShdw blurRad="38100" dist="19050" dir="2700000" algn="tl" rotWithShape="0">
+                    <a:schemeClr val="dk1">
+                      <a:alpha val="40000"/>
+                    </a:schemeClr>
+                  </a:outerShdw>
+                </a:effectLst>
+              </a:rPr>
+              <a:t>Pub Sub</a:t>
+            </a:r>
+            <a:endParaRPr lang="en-US" sz="5400" b="0" cap="none" spc="0" dirty="0">
+              <a:ln w="0"/>
+              <a:solidFill>
+                <a:schemeClr val="accent2"/>
+              </a:solidFill>
+              <a:effectLst>
+                <a:outerShdw blurRad="38100" dist="19050" dir="2700000" algn="tl" rotWithShape="0">
+                  <a:schemeClr val="dk1">
+                    <a:alpha val="40000"/>
+                  </a:schemeClr>
+                </a:outerShdw>
+              </a:effectLst>
+            </a:endParaRPr>
+          </a:p>
+        </p:txBody>
+      </p:sp>
+      <p:pic>
+        <p:nvPicPr>
+          <p:cNvPr id="3074" name="Picture 2"/>
+          <p:cNvPicPr>
+            <a:picLocks noChangeAspect="1" noChangeArrowheads="1"/>
+          </p:cNvPicPr>
+          <p:nvPr/>
+        </p:nvPicPr>
+        <p:blipFill>
+          <a:blip r:embed="rId2">
+            <a:extLst>
+              <a:ext uri="{28A0092B-C50C-407E-A947-70E740481C1C}">
+                <a14:useLocalDpi xmlns:a14="http://schemas.microsoft.com/office/drawing/2010/main" val="0"/>
+              </a:ext>
+            </a:extLst>
+          </a:blip>
+          <a:srcRect/>
+          <a:stretch>
+            <a:fillRect/>
+          </a:stretch>
+        </p:blipFill>
+        <p:spPr bwMode="auto">
+          <a:xfrm>
+            <a:off x="569164" y="839227"/>
+            <a:ext cx="5010649" cy="3801786"/>
+          </a:xfrm>
+          <a:prstGeom prst="rect">
+            <a:avLst/>
+          </a:prstGeom>
+          <a:noFill/>
+          <a:ln>
+            <a:noFill/>
+          </a:ln>
+          <a:effectLst/>
+          <a:extLst>
+            <a:ext uri="{909E8E84-426E-40DD-AFC4-6F175D3DCCD1}">
+              <a14:hiddenFill xmlns:a14="http://schemas.microsoft.com/office/drawing/2010/main">
+                <a:solidFill>
+                  <a:schemeClr val="accent1"/>
+                </a:solidFill>
+              </a14:hiddenFill>
+            </a:ext>
+            <a:ext uri="{91240B29-F687-4F45-9708-019B960494DF}">
+              <a14:hiddenLine xmlns:a14="http://schemas.microsoft.com/office/drawing/2010/main" w="9525">
+                <a:solidFill>
+                  <a:schemeClr val="tx1"/>
+                </a:solidFill>
+                <a:miter lim="800000"/>
+                <a:headEnd/>
+                <a:tailEnd/>
+              </a14:hiddenLine>
+            </a:ext>
+            <a:ext uri="{AF507438-7753-43E0-B8FC-AC1667EBCBE1}">
+              <a14:hiddenEffects xmlns:a14="http://schemas.microsoft.com/office/drawing/2010/main">
+                <a:effectLst>
+                  <a:outerShdw dist="35921" dir="2700000" algn="ctr" rotWithShape="0">
+                    <a:schemeClr val="bg2"/>
+                  </a:outerShdw>
+                </a:effectLst>
+              </a14:hiddenEffects>
+            </a:ext>
+          </a:extLst>
+        </p:spPr>
+      </p:pic>
+      <p:sp>
+        <p:nvSpPr>
+          <p:cNvPr id="7" name="Content Placeholder 2"/>
+          <p:cNvSpPr>
+            <a:spLocks noGrp="1"/>
+          </p:cNvSpPr>
+          <p:nvPr>
+            <p:ph idx="1"/>
+          </p:nvPr>
+        </p:nvSpPr>
+        <p:spPr>
+          <a:xfrm>
+            <a:off x="459028" y="4977800"/>
+            <a:ext cx="5093043" cy="1673166"/>
+          </a:xfrm>
+        </p:spPr>
+        <p:txBody>
+          <a:bodyPr>
+            <a:normAutofit/>
+          </a:bodyPr>
+          <a:lstStyle/>
+          <a:p>
+            <a:pPr marL="342900" indent="-342900">
+              <a:buAutoNum type="arabicParenR"/>
+            </a:pPr>
+            <a:r>
+              <a:rPr lang="en-US" sz="1600" dirty="0" smtClean="0"/>
+              <a:t>Use queue</a:t>
+            </a:r>
+          </a:p>
+          <a:p>
+            <a:pPr marL="342900" indent="-342900">
+              <a:buAutoNum type="arabicParenR"/>
+            </a:pPr>
+            <a:r>
+              <a:rPr lang="en-US" sz="1600" dirty="0" smtClean="0"/>
+              <a:t>Disadvantage – not enough consistency by default</a:t>
+            </a:r>
+            <a:endParaRPr lang="en-US" sz="1200" dirty="0" smtClean="0"/>
+          </a:p>
+          <a:p>
+            <a:pPr marL="342900" indent="-342900">
+              <a:buAutoNum type="arabicParenR"/>
+            </a:pPr>
+            <a:endParaRPr lang="en-US" sz="1600" dirty="0" smtClean="0"/>
+          </a:p>
+          <a:p>
+            <a:pPr marL="342900" indent="-342900">
+              <a:buAutoNum type="arabicParenR"/>
+            </a:pPr>
+            <a:endParaRPr lang="en-US" sz="1600" dirty="0"/>
+          </a:p>
+        </p:txBody>
+      </p:sp>
+      <p:pic>
+        <p:nvPicPr>
+          <p:cNvPr id="3076" name="Picture 4"/>
+          <p:cNvPicPr>
+            <a:picLocks noChangeAspect="1" noChangeArrowheads="1"/>
+          </p:cNvPicPr>
+          <p:nvPr/>
+        </p:nvPicPr>
+        <p:blipFill>
+          <a:blip r:embed="rId3">
+            <a:extLst>
+              <a:ext uri="{28A0092B-C50C-407E-A947-70E740481C1C}">
+                <a14:useLocalDpi xmlns:a14="http://schemas.microsoft.com/office/drawing/2010/main" val="0"/>
+              </a:ext>
+            </a:extLst>
+          </a:blip>
+          <a:srcRect/>
+          <a:stretch>
+            <a:fillRect/>
+          </a:stretch>
+        </p:blipFill>
+        <p:spPr bwMode="auto">
+          <a:xfrm>
+            <a:off x="5828576" y="718810"/>
+            <a:ext cx="6217838" cy="4620941"/>
+          </a:xfrm>
+          <a:prstGeom prst="rect">
+            <a:avLst/>
+          </a:prstGeom>
+          <a:noFill/>
+          <a:ln>
+            <a:noFill/>
+          </a:ln>
+          <a:effectLst/>
+          <a:extLst>
+            <a:ext uri="{909E8E84-426E-40DD-AFC4-6F175D3DCCD1}">
+              <a14:hiddenFill xmlns:a14="http://schemas.microsoft.com/office/drawing/2010/main">
+                <a:solidFill>
+                  <a:schemeClr val="accent1"/>
+                </a:solidFill>
+              </a14:hiddenFill>
+            </a:ext>
+            <a:ext uri="{91240B29-F687-4F45-9708-019B960494DF}">
+              <a14:hiddenLine xmlns:a14="http://schemas.microsoft.com/office/drawing/2010/main" w="9525">
+                <a:solidFill>
+                  <a:schemeClr val="tx1"/>
+                </a:solidFill>
+                <a:miter lim="800000"/>
+                <a:headEnd/>
+                <a:tailEnd/>
+              </a14:hiddenLine>
+            </a:ext>
+            <a:ext uri="{AF507438-7753-43E0-B8FC-AC1667EBCBE1}">
+              <a14:hiddenEffects xmlns:a14="http://schemas.microsoft.com/office/drawing/2010/main">
+                <a:effectLst>
+                  <a:outerShdw dist="35921" dir="2700000" algn="ctr" rotWithShape="0">
+                    <a:schemeClr val="bg2"/>
+                  </a:outerShdw>
+                </a:effectLst>
+              </a14:hiddenEffects>
+            </a:ext>
+          </a:extLst>
+        </p:spPr>
+      </p:pic>
+    </p:spTree>
+    <p:extLst>
+      <p:ext uri="{BB962C8B-B14F-4D97-AF65-F5344CB8AC3E}">
+        <p14:creationId xmlns:p14="http://schemas.microsoft.com/office/powerpoint/2010/main" val="3700570281"/>
+      </p:ext>
+    </p:extLst>
+  </p:cSld>
+  <p:clrMapOvr>
+    <a:masterClrMapping/>
+  </p:clrMapOvr>
+</p:sld>
+</file>
+
+<file path=ppt/slides/slide14.xml><?xml version="1.0" encoding="utf-8"?>
+<p:sld xmlns:a="http://schemas.openxmlformats.org/drawingml/2006/main" xmlns:r="http://schemas.openxmlformats.org/officeDocument/2006/relationships" xmlns:p="http://schemas.openxmlformats.org/presentationml/2006/main">
+  <p:cSld>
+    <p:spTree>
+      <p:nvGrpSpPr>
+        <p:cNvPr id="1" name=""/>
+        <p:cNvGrpSpPr/>
+        <p:nvPr/>
+      </p:nvGrpSpPr>
+      <p:grpSpPr>
+        <a:xfrm>
+          <a:off x="0" y="0"/>
+          <a:ext cx="0" cy="0"/>
+          <a:chOff x="0" y="0"/>
+          <a:chExt cx="0" cy="0"/>
+        </a:xfrm>
+      </p:grpSpPr>
+      <p:sp>
+        <p:nvSpPr>
+          <p:cNvPr id="4" name="Rectangle 3"/>
+          <p:cNvSpPr/>
+          <p:nvPr/>
+        </p:nvSpPr>
+        <p:spPr>
+          <a:xfrm>
+            <a:off x="4550986" y="0"/>
+            <a:ext cx="3842516" cy="523220"/>
+          </a:xfrm>
+          <a:prstGeom prst="rect">
+            <a:avLst/>
+          </a:prstGeom>
+          <a:noFill/>
+        </p:spPr>
+        <p:txBody>
+          <a:bodyPr wrap="square" lIns="91440" tIns="45720" rIns="91440" bIns="45720">
+            <a:spAutoFit/>
+          </a:bodyPr>
+          <a:lstStyle/>
+          <a:p>
+            <a:pPr algn="ctr"/>
+            <a:r>
+              <a:rPr lang="en-US" sz="2800" dirty="0" smtClean="0">
+                <a:ln w="0"/>
+                <a:solidFill>
+                  <a:schemeClr val="accent2"/>
+                </a:solidFill>
+                <a:effectLst>
+                  <a:outerShdw blurRad="38100" dist="19050" dir="2700000" algn="tl" rotWithShape="0">
+                    <a:schemeClr val="dk1">
+                      <a:alpha val="40000"/>
+                    </a:schemeClr>
+                  </a:outerShdw>
+                </a:effectLst>
+              </a:rPr>
+              <a:t>Event Driven Systems</a:t>
+            </a:r>
+            <a:endParaRPr lang="en-US" sz="5400" b="0" cap="none" spc="0" dirty="0">
+              <a:ln w="0"/>
+              <a:solidFill>
+                <a:schemeClr val="accent2"/>
+              </a:solidFill>
+              <a:effectLst>
+                <a:outerShdw blurRad="38100" dist="19050" dir="2700000" algn="tl" rotWithShape="0">
+                  <a:schemeClr val="dk1">
+                    <a:alpha val="40000"/>
+                  </a:schemeClr>
+                </a:outerShdw>
+              </a:effectLst>
+            </a:endParaRPr>
+          </a:p>
+        </p:txBody>
+      </p:sp>
+      <p:sp>
+        <p:nvSpPr>
+          <p:cNvPr id="7" name="Content Placeholder 2"/>
+          <p:cNvSpPr>
+            <a:spLocks noGrp="1"/>
+          </p:cNvSpPr>
+          <p:nvPr>
+            <p:ph idx="1"/>
+          </p:nvPr>
+        </p:nvSpPr>
+        <p:spPr>
+          <a:xfrm>
+            <a:off x="7265270" y="681845"/>
+            <a:ext cx="5093043" cy="1673166"/>
+          </a:xfrm>
+        </p:spPr>
+        <p:txBody>
+          <a:bodyPr>
+            <a:normAutofit/>
+          </a:bodyPr>
+          <a:lstStyle/>
+          <a:p>
+            <a:pPr marL="342900" indent="-342900">
+              <a:buAutoNum type="arabicParenR"/>
+            </a:pPr>
+            <a:r>
+              <a:rPr lang="en-US" sz="1600" dirty="0" smtClean="0"/>
+              <a:t>Availability (but lower consistency)</a:t>
+            </a:r>
+          </a:p>
+          <a:p>
+            <a:pPr marL="342900" indent="-342900">
+              <a:buAutoNum type="arabicParenR"/>
+            </a:pPr>
+            <a:r>
+              <a:rPr lang="en-US" sz="1600" dirty="0" smtClean="0"/>
+              <a:t>Easy Roll- backs</a:t>
+            </a:r>
+          </a:p>
+          <a:p>
+            <a:pPr marL="342900" indent="-342900">
+              <a:buAutoNum type="arabicParenR"/>
+            </a:pPr>
+            <a:r>
+              <a:rPr lang="en-US" sz="1600" dirty="0" smtClean="0"/>
+              <a:t>Replacement</a:t>
+            </a:r>
+            <a:endParaRPr lang="en-US" sz="1200" dirty="0" smtClean="0"/>
+          </a:p>
+          <a:p>
+            <a:pPr marL="342900" indent="-342900">
+              <a:buAutoNum type="arabicParenR"/>
+            </a:pPr>
+            <a:endParaRPr lang="en-US" sz="1600" dirty="0" smtClean="0"/>
+          </a:p>
+          <a:p>
+            <a:pPr marL="342900" indent="-342900">
+              <a:buAutoNum type="arabicParenR"/>
+            </a:pPr>
+            <a:endParaRPr lang="en-US" sz="1600" dirty="0"/>
+          </a:p>
+        </p:txBody>
+      </p:sp>
+      <p:sp>
+        <p:nvSpPr>
+          <p:cNvPr id="6" name="Content Placeholder 2"/>
+          <p:cNvSpPr txBox="1">
+            <a:spLocks/>
+          </p:cNvSpPr>
+          <p:nvPr/>
+        </p:nvSpPr>
+        <p:spPr>
+          <a:xfrm>
+            <a:off x="7705216" y="2355011"/>
+            <a:ext cx="5093043" cy="3786997"/>
+          </a:xfrm>
+          <a:prstGeom prst="rect">
+            <a:avLst/>
+          </a:prstGeom>
+        </p:spPr>
+        <p:txBody>
+          <a:bodyPr vert="horz" lIns="91440" tIns="45720" rIns="91440" bIns="45720" rtlCol="0">
+            <a:noAutofit/>
+          </a:bodyPr>
+          <a:lstStyle>
+            <a:lvl1pPr marL="228600" indent="-228600" algn="l" defTabSz="914400" rtl="0" eaLnBrk="1" latinLnBrk="0" hangingPunct="1">
+              <a:lnSpc>
+                <a:spcPct val="90000"/>
+              </a:lnSpc>
+              <a:spcBef>
+                <a:spcPts val="1000"/>
+              </a:spcBef>
+              <a:buFont typeface="Arial"/>
+              <a:buChar char="•"/>
+              <a:defRPr sz="2800" kern="1200">
+                <a:solidFill>
+                  <a:schemeClr val="tx1"/>
+                </a:solidFill>
+                <a:latin typeface="+mn-lt"/>
+                <a:ea typeface="+mn-ea"/>
+                <a:cs typeface="+mn-cs"/>
+              </a:defRPr>
+            </a:lvl1pPr>
+            <a:lvl2pPr marL="685800" indent="-228600" algn="l" defTabSz="914400" rtl="0" eaLnBrk="1" latinLnBrk="0" hangingPunct="1">
+              <a:lnSpc>
+                <a:spcPct val="90000"/>
+              </a:lnSpc>
+              <a:spcBef>
+                <a:spcPts val="500"/>
+              </a:spcBef>
+              <a:buFont typeface="Arial"/>
+              <a:buChar char="•"/>
+              <a:defRPr sz="2400" kern="1200">
+                <a:solidFill>
+                  <a:schemeClr val="tx1"/>
+                </a:solidFill>
+                <a:latin typeface="+mn-lt"/>
+                <a:ea typeface="+mn-ea"/>
+                <a:cs typeface="+mn-cs"/>
+              </a:defRPr>
+            </a:lvl2pPr>
+            <a:lvl3pPr marL="1143000" indent="-228600" algn="l" defTabSz="914400" rtl="0" eaLnBrk="1" latinLnBrk="0" hangingPunct="1">
+              <a:lnSpc>
+                <a:spcPct val="90000"/>
+              </a:lnSpc>
+              <a:spcBef>
+                <a:spcPts val="500"/>
+              </a:spcBef>
+              <a:buFont typeface="Arial"/>
+              <a:buChar char="•"/>
+              <a:defRPr sz="2000" kern="1200">
+                <a:solidFill>
+                  <a:schemeClr val="tx1"/>
+                </a:solidFill>
+                <a:latin typeface="+mn-lt"/>
+                <a:ea typeface="+mn-ea"/>
+                <a:cs typeface="+mn-cs"/>
+              </a:defRPr>
+            </a:lvl3pPr>
+            <a:lvl4pPr marL="1600200" indent="-228600" algn="l" defTabSz="914400" rtl="0" eaLnBrk="1" latinLnBrk="0" hangingPunct="1">
+              <a:lnSpc>
+                <a:spcPct val="90000"/>
+              </a:lnSpc>
+              <a:spcBef>
+                <a:spcPts val="500"/>
+              </a:spcBef>
+              <a:buFont typeface="Arial"/>
+              <a:buChar char="•"/>
+              <a:defRPr sz="1800" kern="1200">
+                <a:solidFill>
+                  <a:schemeClr val="tx1"/>
+                </a:solidFill>
+                <a:latin typeface="+mn-lt"/>
+                <a:ea typeface="+mn-ea"/>
+                <a:cs typeface="+mn-cs"/>
+              </a:defRPr>
+            </a:lvl4pPr>
+            <a:lvl5pPr marL="2057400" indent="-228600" algn="l" defTabSz="914400" rtl="0" eaLnBrk="1" latinLnBrk="0" hangingPunct="1">
+              <a:lnSpc>
+                <a:spcPct val="90000"/>
+              </a:lnSpc>
+              <a:spcBef>
+                <a:spcPts val="500"/>
+              </a:spcBef>
+              <a:buFont typeface="Arial"/>
+              <a:buChar char="•"/>
+              <a:defRPr sz="1800" kern="1200">
+                <a:solidFill>
+                  <a:schemeClr val="tx1"/>
+                </a:solidFill>
+                <a:latin typeface="+mn-lt"/>
+                <a:ea typeface="+mn-ea"/>
+                <a:cs typeface="+mn-cs"/>
+              </a:defRPr>
+            </a:lvl5pPr>
+            <a:lvl6pPr marL="2514600" indent="-228600" algn="l" defTabSz="914400" rtl="0" eaLnBrk="1" latinLnBrk="0" hangingPunct="1">
+              <a:lnSpc>
+                <a:spcPct val="90000"/>
+              </a:lnSpc>
+              <a:spcBef>
+                <a:spcPts val="500"/>
+              </a:spcBef>
+              <a:buFont typeface="Arial"/>
+              <a:buChar char="•"/>
+              <a:defRPr sz="1800" kern="1200">
+                <a:solidFill>
+                  <a:schemeClr val="tx1"/>
+                </a:solidFill>
+                <a:latin typeface="+mn-lt"/>
+                <a:ea typeface="+mn-ea"/>
+                <a:cs typeface="+mn-cs"/>
+              </a:defRPr>
+            </a:lvl6pPr>
+            <a:lvl7pPr marL="2971800" indent="-228600" algn="l" defTabSz="914400" rtl="0" eaLnBrk="1" latinLnBrk="0" hangingPunct="1">
+              <a:lnSpc>
+                <a:spcPct val="90000"/>
+              </a:lnSpc>
+              <a:spcBef>
+                <a:spcPts val="500"/>
+              </a:spcBef>
+              <a:buFont typeface="Arial"/>
+              <a:buChar char="•"/>
+              <a:defRPr sz="1800" kern="1200">
+                <a:solidFill>
+                  <a:schemeClr val="tx1"/>
+                </a:solidFill>
+                <a:latin typeface="+mn-lt"/>
+                <a:ea typeface="+mn-ea"/>
+                <a:cs typeface="+mn-cs"/>
+              </a:defRPr>
+            </a:lvl7pPr>
+            <a:lvl8pPr marL="3429000" indent="-228600" algn="l" defTabSz="914400" rtl="0" eaLnBrk="1" latinLnBrk="0" hangingPunct="1">
+              <a:lnSpc>
+                <a:spcPct val="90000"/>
+              </a:lnSpc>
+              <a:spcBef>
+                <a:spcPts val="500"/>
+              </a:spcBef>
+              <a:buFont typeface="Arial"/>
+              <a:buChar char="•"/>
+              <a:defRPr sz="1800" kern="1200">
+                <a:solidFill>
+                  <a:schemeClr val="tx1"/>
+                </a:solidFill>
+                <a:latin typeface="+mn-lt"/>
+                <a:ea typeface="+mn-ea"/>
+                <a:cs typeface="+mn-cs"/>
+              </a:defRPr>
+            </a:lvl8pPr>
+            <a:lvl9pPr marL="3886200" indent="-228600" algn="l" defTabSz="914400" rtl="0" eaLnBrk="1" latinLnBrk="0" hangingPunct="1">
+              <a:lnSpc>
+                <a:spcPct val="90000"/>
+              </a:lnSpc>
+              <a:spcBef>
+                <a:spcPts val="500"/>
+              </a:spcBef>
+              <a:buFont typeface="Arial"/>
+              <a:buChar char="•"/>
+              <a:defRPr sz="1800" kern="1200">
+                <a:solidFill>
+                  <a:schemeClr val="tx1"/>
+                </a:solidFill>
+                <a:latin typeface="+mn-lt"/>
+                <a:ea typeface="+mn-ea"/>
+                <a:cs typeface="+mn-cs"/>
+              </a:defRPr>
+            </a:lvl9pPr>
+          </a:lstStyle>
+          <a:p>
+            <a:pPr marL="0" indent="0">
+              <a:buNone/>
+            </a:pPr>
+            <a:r>
+              <a:rPr lang="en-US" sz="1800" dirty="0" smtClean="0"/>
+              <a:t>Problems</a:t>
+            </a:r>
+          </a:p>
+          <a:p>
+            <a:pPr marL="342900" indent="-342900">
+              <a:buAutoNum type="arabicParenR"/>
+            </a:pPr>
+            <a:r>
+              <a:rPr lang="en-US" sz="1800" dirty="0" smtClean="0"/>
+              <a:t>Consistency</a:t>
+            </a:r>
+          </a:p>
+          <a:p>
+            <a:pPr marL="342900" indent="-342900">
+              <a:buAutoNum type="arabicParenR"/>
+            </a:pPr>
+            <a:r>
+              <a:rPr lang="en-US" sz="1800" dirty="0" smtClean="0"/>
+              <a:t>N/A to Gateways</a:t>
+            </a:r>
+          </a:p>
+          <a:p>
+            <a:pPr marL="342900" indent="-342900">
+              <a:buAutoNum type="arabicParenR"/>
+            </a:pPr>
+            <a:r>
+              <a:rPr lang="en-US" sz="1800" dirty="0" smtClean="0"/>
+              <a:t>Less control of responses</a:t>
+            </a:r>
+          </a:p>
+          <a:p>
+            <a:pPr marL="342900" indent="-342900">
+              <a:buAutoNum type="arabicParenR"/>
+            </a:pPr>
+            <a:r>
+              <a:rPr lang="en-US" sz="1800" dirty="0" smtClean="0"/>
+              <a:t>Compaction</a:t>
+            </a:r>
+          </a:p>
+          <a:p>
+            <a:pPr marL="342900" indent="-342900">
+              <a:buAutoNum type="arabicParenR"/>
+            </a:pPr>
+            <a:r>
+              <a:rPr lang="en-US" sz="1800" dirty="0" smtClean="0"/>
+              <a:t>Hidden Slow</a:t>
+            </a:r>
+          </a:p>
+          <a:p>
+            <a:pPr marL="342900" indent="-342900">
+              <a:buAutoNum type="arabicParenR"/>
+            </a:pPr>
+            <a:r>
+              <a:rPr lang="en-US" sz="1800" dirty="0" smtClean="0"/>
+              <a:t>Fixing</a:t>
+            </a:r>
+          </a:p>
+          <a:p>
+            <a:pPr marL="800100" lvl="1" indent="-342900">
+              <a:buAutoNum type="arabicParenR"/>
+            </a:pPr>
+            <a:r>
+              <a:rPr lang="en-US" sz="1200" dirty="0" smtClean="0"/>
+              <a:t>Replay from Start</a:t>
+            </a:r>
+          </a:p>
+          <a:p>
+            <a:pPr marL="800100" lvl="1" indent="-342900">
+              <a:buAutoNum type="arabicParenR"/>
+            </a:pPr>
+            <a:r>
+              <a:rPr lang="en-US" sz="1200" dirty="0" smtClean="0"/>
+              <a:t>Diff based</a:t>
+            </a:r>
+          </a:p>
+          <a:p>
+            <a:pPr marL="800100" lvl="1" indent="-342900">
+              <a:buAutoNum type="arabicParenR"/>
+            </a:pPr>
+            <a:r>
+              <a:rPr lang="en-US" sz="1200" dirty="0" smtClean="0"/>
+              <a:t>Undo</a:t>
+            </a:r>
+            <a:endParaRPr lang="en-US" sz="1200" dirty="0"/>
+          </a:p>
+          <a:p>
+            <a:pPr marL="0" indent="0">
+              <a:buNone/>
+            </a:pPr>
+            <a:r>
+              <a:rPr lang="en-US" sz="1800" dirty="0" smtClean="0"/>
+              <a:t/>
+            </a:r>
+            <a:br>
+              <a:rPr lang="en-US" sz="1800" dirty="0" smtClean="0"/>
+            </a:br>
+            <a:endParaRPr lang="en-US" sz="1800" dirty="0" smtClean="0"/>
+          </a:p>
+          <a:p>
+            <a:pPr marL="342900" indent="-342900">
+              <a:buFont typeface="Arial"/>
+              <a:buAutoNum type="arabicParenR"/>
+            </a:pPr>
+            <a:endParaRPr lang="en-US" sz="1200" dirty="0" smtClean="0"/>
+          </a:p>
+          <a:p>
+            <a:pPr marL="342900" indent="-342900">
+              <a:buFont typeface="Arial"/>
+              <a:buAutoNum type="arabicParenR"/>
+            </a:pPr>
+            <a:endParaRPr lang="en-US" sz="1800" dirty="0" smtClean="0"/>
+          </a:p>
+          <a:p>
+            <a:pPr marL="342900" indent="-342900">
+              <a:buFont typeface="Arial"/>
+              <a:buAutoNum type="arabicParenR"/>
+            </a:pPr>
+            <a:endParaRPr lang="en-US" sz="1800" dirty="0"/>
+          </a:p>
+        </p:txBody>
+      </p:sp>
+      <p:pic>
+        <p:nvPicPr>
+          <p:cNvPr id="4099" name="Picture 3"/>
+          <p:cNvPicPr>
+            <a:picLocks noChangeAspect="1" noChangeArrowheads="1"/>
+          </p:cNvPicPr>
+          <p:nvPr/>
+        </p:nvPicPr>
+        <p:blipFill>
+          <a:blip r:embed="rId2">
+            <a:extLst>
+              <a:ext uri="{28A0092B-C50C-407E-A947-70E740481C1C}">
+                <a14:useLocalDpi xmlns:a14="http://schemas.microsoft.com/office/drawing/2010/main" val="0"/>
+              </a:ext>
+            </a:extLst>
+          </a:blip>
+          <a:srcRect/>
+          <a:stretch>
+            <a:fillRect/>
+          </a:stretch>
+        </p:blipFill>
+        <p:spPr bwMode="auto">
+          <a:xfrm>
+            <a:off x="494672" y="681845"/>
+            <a:ext cx="6268438" cy="5651742"/>
+          </a:xfrm>
+          <a:prstGeom prst="rect">
+            <a:avLst/>
+          </a:prstGeom>
+          <a:noFill/>
+          <a:ln>
+            <a:noFill/>
+          </a:ln>
+          <a:effectLst/>
+          <a:extLst>
+            <a:ext uri="{909E8E84-426E-40DD-AFC4-6F175D3DCCD1}">
+              <a14:hiddenFill xmlns:a14="http://schemas.microsoft.com/office/drawing/2010/main">
+                <a:solidFill>
+                  <a:schemeClr val="accent1"/>
+                </a:solidFill>
+              </a14:hiddenFill>
+            </a:ext>
+            <a:ext uri="{91240B29-F687-4F45-9708-019B960494DF}">
+              <a14:hiddenLine xmlns:a14="http://schemas.microsoft.com/office/drawing/2010/main" w="9525">
+                <a:solidFill>
+                  <a:schemeClr val="tx1"/>
+                </a:solidFill>
+                <a:miter lim="800000"/>
+                <a:headEnd/>
+                <a:tailEnd/>
+              </a14:hiddenLine>
+            </a:ext>
+            <a:ext uri="{AF507438-7753-43E0-B8FC-AC1667EBCBE1}">
+              <a14:hiddenEffects xmlns:a14="http://schemas.microsoft.com/office/drawing/2010/main">
+                <a:effectLst>
+                  <a:outerShdw dist="35921" dir="2700000" algn="ctr" rotWithShape="0">
+                    <a:schemeClr val="bg2"/>
+                  </a:outerShdw>
+                </a:effectLst>
+              </a14:hiddenEffects>
+            </a:ext>
+          </a:extLst>
+        </p:spPr>
+      </p:pic>
+    </p:spTree>
+    <p:extLst>
+      <p:ext uri="{BB962C8B-B14F-4D97-AF65-F5344CB8AC3E}">
+        <p14:creationId xmlns:p14="http://schemas.microsoft.com/office/powerpoint/2010/main" val="3862124870"/>
+      </p:ext>
+    </p:extLst>
+  </p:cSld>
+  <p:clrMapOvr>
+    <a:masterClrMapping/>
+  </p:clrMapOvr>
+</p:sld>
+</file>
+
 <file path=ppt/slides/slide2.xml><?xml version="1.0" encoding="utf-8"?>
 <p:sld xmlns:a="http://schemas.openxmlformats.org/drawingml/2006/main" xmlns:r="http://schemas.openxmlformats.org/officeDocument/2006/relationships" xmlns:p="http://schemas.openxmlformats.org/presentationml/2006/main">
   <p:cSld>

--- a/design/System Design Notes.pptx
+++ b/design/System Design Notes.pptx
@@ -19,6 +19,7 @@
     <p:sldId id="267" r:id="rId13"/>
     <p:sldId id="268" r:id="rId14"/>
     <p:sldId id="269" r:id="rId15"/>
+    <p:sldId id="270" r:id="rId16"/>
   </p:sldIdLst>
   <p:sldSz cx="12192000" cy="6858000"/>
   <p:notesSz cx="6858000" cy="9144000"/>
@@ -119,7 +120,7 @@
   </p:defaultTextStyle>
   <p:extLst>
     <p:ext uri="{EFAFB233-063F-42B5-8137-9DF3F51BA10A}">
-      <p15:sldGuideLst xmlns:p15="http://schemas.microsoft.com/office/powerpoint/2012/main" xmlns=""/>
+      <p15:sldGuideLst xmlns="" xmlns:p15="http://schemas.microsoft.com/office/powerpoint/2012/main"/>
     </p:ext>
   </p:extLst>
 </p:presentation>
@@ -256,7 +257,7 @@
           <a:p>
             <a:fld id="{1240214C-7864-3945-89BC-709B9AB7D230}" type="datetimeFigureOut">
               <a:rPr lang="en-US" smtClean="0"/>
-              <a:t>6/11/2019</a:t>
+              <a:t>6/16/2019</a:t>
             </a:fld>
             <a:endParaRPr lang="en-US"/>
           </a:p>
@@ -426,7 +427,7 @@
           <a:p>
             <a:fld id="{1240214C-7864-3945-89BC-709B9AB7D230}" type="datetimeFigureOut">
               <a:rPr lang="en-US" smtClean="0"/>
-              <a:t>6/11/2019</a:t>
+              <a:t>6/16/2019</a:t>
             </a:fld>
             <a:endParaRPr lang="en-US"/>
           </a:p>
@@ -606,7 +607,7 @@
           <a:p>
             <a:fld id="{1240214C-7864-3945-89BC-709B9AB7D230}" type="datetimeFigureOut">
               <a:rPr lang="en-US" smtClean="0"/>
-              <a:t>6/11/2019</a:t>
+              <a:t>6/16/2019</a:t>
             </a:fld>
             <a:endParaRPr lang="en-US"/>
           </a:p>
@@ -776,7 +777,7 @@
           <a:p>
             <a:fld id="{1240214C-7864-3945-89BC-709B9AB7D230}" type="datetimeFigureOut">
               <a:rPr lang="en-US" smtClean="0"/>
-              <a:t>6/11/2019</a:t>
+              <a:t>6/16/2019</a:t>
             </a:fld>
             <a:endParaRPr lang="en-US"/>
           </a:p>
@@ -1022,7 +1023,7 @@
           <a:p>
             <a:fld id="{1240214C-7864-3945-89BC-709B9AB7D230}" type="datetimeFigureOut">
               <a:rPr lang="en-US" smtClean="0"/>
-              <a:t>6/11/2019</a:t>
+              <a:t>6/16/2019</a:t>
             </a:fld>
             <a:endParaRPr lang="en-US"/>
           </a:p>
@@ -1254,7 +1255,7 @@
           <a:p>
             <a:fld id="{1240214C-7864-3945-89BC-709B9AB7D230}" type="datetimeFigureOut">
               <a:rPr lang="en-US" smtClean="0"/>
-              <a:t>6/11/2019</a:t>
+              <a:t>6/16/2019</a:t>
             </a:fld>
             <a:endParaRPr lang="en-US"/>
           </a:p>
@@ -1621,7 +1622,7 @@
           <a:p>
             <a:fld id="{1240214C-7864-3945-89BC-709B9AB7D230}" type="datetimeFigureOut">
               <a:rPr lang="en-US" smtClean="0"/>
-              <a:t>6/11/2019</a:t>
+              <a:t>6/16/2019</a:t>
             </a:fld>
             <a:endParaRPr lang="en-US"/>
           </a:p>
@@ -1739,7 +1740,7 @@
           <a:p>
             <a:fld id="{1240214C-7864-3945-89BC-709B9AB7D230}" type="datetimeFigureOut">
               <a:rPr lang="en-US" smtClean="0"/>
-              <a:t>6/11/2019</a:t>
+              <a:t>6/16/2019</a:t>
             </a:fld>
             <a:endParaRPr lang="en-US"/>
           </a:p>
@@ -1834,7 +1835,7 @@
           <a:p>
             <a:fld id="{1240214C-7864-3945-89BC-709B9AB7D230}" type="datetimeFigureOut">
               <a:rPr lang="en-US" smtClean="0"/>
-              <a:t>6/11/2019</a:t>
+              <a:t>6/16/2019</a:t>
             </a:fld>
             <a:endParaRPr lang="en-US"/>
           </a:p>
@@ -2111,7 +2112,7 @@
           <a:p>
             <a:fld id="{1240214C-7864-3945-89BC-709B9AB7D230}" type="datetimeFigureOut">
               <a:rPr lang="en-US" smtClean="0"/>
-              <a:t>6/11/2019</a:t>
+              <a:t>6/16/2019</a:t>
             </a:fld>
             <a:endParaRPr lang="en-US"/>
           </a:p>
@@ -2364,7 +2365,7 @@
           <a:p>
             <a:fld id="{1240214C-7864-3945-89BC-709B9AB7D230}" type="datetimeFigureOut">
               <a:rPr lang="en-US" smtClean="0"/>
-              <a:t>6/11/2019</a:t>
+              <a:t>6/16/2019</a:t>
             </a:fld>
             <a:endParaRPr lang="en-US"/>
           </a:p>
@@ -2577,7 +2578,7 @@
           <a:p>
             <a:fld id="{1240214C-7864-3945-89BC-709B9AB7D230}" type="datetimeFigureOut">
               <a:rPr lang="en-US" smtClean="0"/>
-              <a:t>6/11/2019</a:t>
+              <a:t>6/16/2019</a:t>
             </a:fld>
             <a:endParaRPr lang="en-US"/>
           </a:p>
@@ -5270,6 +5271,1764 @@
 </p:sld>
 </file>
 
+<file path=ppt/slides/slide15.xml><?xml version="1.0" encoding="utf-8"?>
+<p:sld xmlns:a="http://schemas.openxmlformats.org/drawingml/2006/main" xmlns:r="http://schemas.openxmlformats.org/officeDocument/2006/relationships" xmlns:p="http://schemas.openxmlformats.org/presentationml/2006/main">
+  <p:cSld>
+    <p:spTree>
+      <p:nvGrpSpPr>
+        <p:cNvPr id="1" name=""/>
+        <p:cNvGrpSpPr/>
+        <p:nvPr/>
+      </p:nvGrpSpPr>
+      <p:grpSpPr>
+        <a:xfrm>
+          <a:off x="0" y="0"/>
+          <a:ext cx="0" cy="0"/>
+          <a:chOff x="0" y="0"/>
+          <a:chExt cx="0" cy="0"/>
+        </a:xfrm>
+      </p:grpSpPr>
+      <p:sp>
+        <p:nvSpPr>
+          <p:cNvPr id="4" name="TextBox 3"/>
+          <p:cNvSpPr txBox="1"/>
+          <p:nvPr/>
+        </p:nvSpPr>
+        <p:spPr>
+          <a:xfrm>
+            <a:off x="219672" y="559011"/>
+            <a:ext cx="1136822" cy="646331"/>
+          </a:xfrm>
+          <a:prstGeom prst="rect">
+            <a:avLst/>
+          </a:prstGeom>
+          <a:noFill/>
+          <a:ln>
+            <a:solidFill>
+              <a:schemeClr val="accent1"/>
+            </a:solidFill>
+          </a:ln>
+        </p:spPr>
+        <p:txBody>
+          <a:bodyPr wrap="square" rtlCol="0">
+            <a:spAutoFit/>
+          </a:bodyPr>
+          <a:lstStyle/>
+          <a:p>
+            <a:r>
+              <a:rPr lang="en-US" dirty="0" smtClean="0"/>
+              <a:t>Client 1</a:t>
+            </a:r>
+          </a:p>
+          <a:p>
+            <a:endParaRPr lang="en-US" dirty="0"/>
+          </a:p>
+        </p:txBody>
+      </p:sp>
+      <p:sp>
+        <p:nvSpPr>
+          <p:cNvPr id="5" name="Rectangle 4"/>
+          <p:cNvSpPr/>
+          <p:nvPr/>
+        </p:nvSpPr>
+        <p:spPr>
+          <a:xfrm>
+            <a:off x="4550987" y="0"/>
+            <a:ext cx="3111054" cy="523220"/>
+          </a:xfrm>
+          <a:prstGeom prst="rect">
+            <a:avLst/>
+          </a:prstGeom>
+          <a:noFill/>
+        </p:spPr>
+        <p:txBody>
+          <a:bodyPr wrap="square" lIns="91440" tIns="45720" rIns="91440" bIns="45720">
+            <a:spAutoFit/>
+          </a:bodyPr>
+          <a:lstStyle/>
+          <a:p>
+            <a:pPr algn="ctr"/>
+            <a:r>
+              <a:rPr lang="en-US" sz="2800" b="0" cap="none" spc="0" dirty="0" err="1" smtClean="0">
+                <a:ln w="0"/>
+                <a:solidFill>
+                  <a:schemeClr val="accent2"/>
+                </a:solidFill>
+                <a:effectLst>
+                  <a:outerShdw blurRad="38100" dist="19050" dir="2700000" algn="tl" rotWithShape="0">
+                    <a:schemeClr val="dk1">
+                      <a:alpha val="40000"/>
+                    </a:schemeClr>
+                  </a:outerShdw>
+                </a:effectLst>
+              </a:rPr>
+              <a:t>Instagram</a:t>
+            </a:r>
+            <a:endParaRPr lang="en-US" sz="5400" b="0" cap="none" spc="0" dirty="0">
+              <a:ln w="0"/>
+              <a:solidFill>
+                <a:schemeClr val="accent2"/>
+              </a:solidFill>
+              <a:effectLst>
+                <a:outerShdw blurRad="38100" dist="19050" dir="2700000" algn="tl" rotWithShape="0">
+                  <a:schemeClr val="dk1">
+                    <a:alpha val="40000"/>
+                  </a:schemeClr>
+                </a:outerShdw>
+              </a:effectLst>
+            </a:endParaRPr>
+          </a:p>
+        </p:txBody>
+      </p:sp>
+      <p:sp>
+        <p:nvSpPr>
+          <p:cNvPr id="11" name="TextBox 10"/>
+          <p:cNvSpPr txBox="1"/>
+          <p:nvPr/>
+        </p:nvSpPr>
+        <p:spPr>
+          <a:xfrm>
+            <a:off x="2153575" y="523220"/>
+            <a:ext cx="1270332" cy="646331"/>
+          </a:xfrm>
+          <a:prstGeom prst="rect">
+            <a:avLst/>
+          </a:prstGeom>
+          <a:noFill/>
+          <a:ln>
+            <a:solidFill>
+              <a:schemeClr val="accent1"/>
+            </a:solidFill>
+          </a:ln>
+        </p:spPr>
+        <p:txBody>
+          <a:bodyPr wrap="square" rtlCol="0">
+            <a:spAutoFit/>
+          </a:bodyPr>
+          <a:lstStyle/>
+          <a:p>
+            <a:r>
+              <a:rPr lang="en-US" dirty="0" smtClean="0"/>
+              <a:t>Gateway </a:t>
+            </a:r>
+            <a:endParaRPr lang="en-US" dirty="0"/>
+          </a:p>
+          <a:p>
+            <a:endParaRPr lang="en-US" dirty="0" smtClean="0"/>
+          </a:p>
+        </p:txBody>
+      </p:sp>
+      <p:cxnSp>
+        <p:nvCxnSpPr>
+          <p:cNvPr id="3" name="Straight Arrow Connector 2"/>
+          <p:cNvCxnSpPr>
+            <a:stCxn id="4" idx="3"/>
+            <a:endCxn id="11" idx="1"/>
+          </p:cNvCxnSpPr>
+          <p:nvPr/>
+        </p:nvCxnSpPr>
+        <p:spPr>
+          <a:xfrm flipV="1">
+            <a:off x="1356494" y="846386"/>
+            <a:ext cx="797081" cy="35791"/>
+          </a:xfrm>
+          <a:prstGeom prst="straightConnector1">
+            <a:avLst/>
+          </a:prstGeom>
+          <a:ln>
+            <a:headEnd type="triangle"/>
+            <a:tailEnd type="triangle"/>
+          </a:ln>
+        </p:spPr>
+        <p:style>
+          <a:lnRef idx="1">
+            <a:schemeClr val="accent1"/>
+          </a:lnRef>
+          <a:fillRef idx="0">
+            <a:schemeClr val="accent1"/>
+          </a:fillRef>
+          <a:effectRef idx="0">
+            <a:schemeClr val="accent1"/>
+          </a:effectRef>
+          <a:fontRef idx="minor">
+            <a:schemeClr val="tx1"/>
+          </a:fontRef>
+        </p:style>
+      </p:cxnSp>
+      <p:sp>
+        <p:nvSpPr>
+          <p:cNvPr id="37" name="TextBox 36"/>
+          <p:cNvSpPr txBox="1"/>
+          <p:nvPr/>
+        </p:nvSpPr>
+        <p:spPr>
+          <a:xfrm>
+            <a:off x="3912495" y="601012"/>
+            <a:ext cx="1893000" cy="369332"/>
+          </a:xfrm>
+          <a:prstGeom prst="rect">
+            <a:avLst/>
+          </a:prstGeom>
+          <a:noFill/>
+          <a:ln>
+            <a:solidFill>
+              <a:schemeClr val="accent1"/>
+            </a:solidFill>
+          </a:ln>
+        </p:spPr>
+        <p:txBody>
+          <a:bodyPr wrap="square" rtlCol="0">
+            <a:spAutoFit/>
+          </a:bodyPr>
+          <a:lstStyle/>
+          <a:p>
+            <a:r>
+              <a:rPr lang="en-US" dirty="0" smtClean="0"/>
+              <a:t>User Feed </a:t>
+            </a:r>
+            <a:r>
+              <a:rPr lang="en-US" dirty="0" smtClean="0"/>
+              <a:t>Service</a:t>
+            </a:r>
+            <a:endParaRPr lang="en-US" dirty="0"/>
+          </a:p>
+        </p:txBody>
+      </p:sp>
+      <p:cxnSp>
+        <p:nvCxnSpPr>
+          <p:cNvPr id="39" name="Straight Arrow Connector 38"/>
+          <p:cNvCxnSpPr>
+            <a:endCxn id="37" idx="1"/>
+          </p:cNvCxnSpPr>
+          <p:nvPr/>
+        </p:nvCxnSpPr>
+        <p:spPr>
+          <a:xfrm flipV="1">
+            <a:off x="3423907" y="785678"/>
+            <a:ext cx="488588" cy="22217"/>
+          </a:xfrm>
+          <a:prstGeom prst="straightConnector1">
+            <a:avLst/>
+          </a:prstGeom>
+          <a:ln>
+            <a:headEnd type="triangle"/>
+            <a:tailEnd type="triangle"/>
+          </a:ln>
+        </p:spPr>
+        <p:style>
+          <a:lnRef idx="1">
+            <a:schemeClr val="accent1"/>
+          </a:lnRef>
+          <a:fillRef idx="0">
+            <a:schemeClr val="accent1"/>
+          </a:fillRef>
+          <a:effectRef idx="0">
+            <a:schemeClr val="accent1"/>
+          </a:effectRef>
+          <a:fontRef idx="minor">
+            <a:schemeClr val="tx1"/>
+          </a:fontRef>
+        </p:style>
+      </p:cxnSp>
+      <p:sp>
+        <p:nvSpPr>
+          <p:cNvPr id="42" name="TextBox 41"/>
+          <p:cNvSpPr txBox="1"/>
+          <p:nvPr/>
+        </p:nvSpPr>
+        <p:spPr>
+          <a:xfrm>
+            <a:off x="4804550" y="1562773"/>
+            <a:ext cx="2490490" cy="1169551"/>
+          </a:xfrm>
+          <a:prstGeom prst="rect">
+            <a:avLst/>
+          </a:prstGeom>
+          <a:noFill/>
+        </p:spPr>
+        <p:txBody>
+          <a:bodyPr wrap="none" rtlCol="0">
+            <a:spAutoFit/>
+          </a:bodyPr>
+          <a:lstStyle/>
+          <a:p>
+            <a:r>
+              <a:rPr lang="en-US" sz="1400" dirty="0" smtClean="0"/>
+              <a:t>Features</a:t>
+            </a:r>
+          </a:p>
+          <a:p>
+            <a:pPr marL="342900" indent="-342900">
+              <a:buAutoNum type="arabicParenR"/>
+            </a:pPr>
+            <a:r>
+              <a:rPr lang="en-US" sz="1400" dirty="0" smtClean="0"/>
+              <a:t>Store/ Get Images</a:t>
+            </a:r>
+          </a:p>
+          <a:p>
+            <a:pPr marL="342900" indent="-342900">
+              <a:buAutoNum type="arabicParenR"/>
+            </a:pPr>
+            <a:r>
+              <a:rPr lang="en-US" sz="1400" dirty="0" smtClean="0"/>
+              <a:t>Like + Comment on Images</a:t>
+            </a:r>
+          </a:p>
+          <a:p>
+            <a:pPr marL="342900" indent="-342900">
+              <a:buAutoNum type="arabicParenR"/>
+            </a:pPr>
+            <a:r>
+              <a:rPr lang="en-US" sz="1400" dirty="0" smtClean="0"/>
+              <a:t>Follow someone</a:t>
+            </a:r>
+          </a:p>
+          <a:p>
+            <a:pPr marL="342900" indent="-342900">
+              <a:buAutoNum type="arabicParenR"/>
+            </a:pPr>
+            <a:r>
+              <a:rPr lang="en-US" sz="1400" dirty="0" smtClean="0"/>
+              <a:t>Publish a newsfeed</a:t>
+            </a:r>
+            <a:endParaRPr lang="en-US" sz="1400" dirty="0"/>
+          </a:p>
+        </p:txBody>
+      </p:sp>
+      <p:graphicFrame>
+        <p:nvGraphicFramePr>
+          <p:cNvPr id="2" name="Table 1"/>
+          <p:cNvGraphicFramePr>
+            <a:graphicFrameLocks noGrp="1"/>
+          </p:cNvGraphicFramePr>
+          <p:nvPr>
+            <p:extLst>
+              <p:ext uri="{D42A27DB-BD31-4B8C-83A1-F6EECF244321}">
+                <p14:modId xmlns:p14="http://schemas.microsoft.com/office/powerpoint/2010/main" val="1904174808"/>
+              </p:ext>
+            </p:extLst>
+          </p:nvPr>
+        </p:nvGraphicFramePr>
+        <p:xfrm>
+          <a:off x="2915430" y="4802928"/>
+          <a:ext cx="6323161" cy="1010920"/>
+        </p:xfrm>
+        <a:graphic>
+          <a:graphicData uri="http://schemas.openxmlformats.org/drawingml/2006/table">
+            <a:tbl>
+              <a:tblPr firstRow="1" bandRow="1">
+                <a:tableStyleId>{5C22544A-7EE6-4342-B048-85BDC9FD1C3A}</a:tableStyleId>
+              </a:tblPr>
+              <a:tblGrid>
+                <a:gridCol w="1041866"/>
+                <a:gridCol w="1041866"/>
+                <a:gridCol w="1041866"/>
+                <a:gridCol w="1041866"/>
+                <a:gridCol w="1041866"/>
+                <a:gridCol w="1113831"/>
+              </a:tblGrid>
+              <a:tr h="370840">
+                <a:tc>
+                  <a:txBody>
+                    <a:bodyPr/>
+                    <a:lstStyle/>
+                    <a:p>
+                      <a:r>
+                        <a:rPr lang="en-US" dirty="0" smtClean="0"/>
+                        <a:t>Likes</a:t>
+                      </a:r>
+                      <a:endParaRPr lang="en-US" dirty="0"/>
+                    </a:p>
+                  </a:txBody>
+                  <a:tcPr/>
+                </a:tc>
+                <a:tc>
+                  <a:txBody>
+                    <a:bodyPr/>
+                    <a:lstStyle/>
+                    <a:p>
+                      <a:endParaRPr lang="en-US" dirty="0"/>
+                    </a:p>
+                  </a:txBody>
+                  <a:tcPr/>
+                </a:tc>
+                <a:tc>
+                  <a:txBody>
+                    <a:bodyPr/>
+                    <a:lstStyle/>
+                    <a:p>
+                      <a:endParaRPr lang="en-US" dirty="0"/>
+                    </a:p>
+                  </a:txBody>
+                  <a:tcPr/>
+                </a:tc>
+                <a:tc>
+                  <a:txBody>
+                    <a:bodyPr/>
+                    <a:lstStyle/>
+                    <a:p>
+                      <a:endParaRPr lang="en-US" dirty="0"/>
+                    </a:p>
+                  </a:txBody>
+                  <a:tcPr/>
+                </a:tc>
+                <a:tc>
+                  <a:txBody>
+                    <a:bodyPr/>
+                    <a:lstStyle/>
+                    <a:p>
+                      <a:endParaRPr lang="en-US" dirty="0"/>
+                    </a:p>
+                  </a:txBody>
+                  <a:tcPr/>
+                </a:tc>
+                <a:tc>
+                  <a:txBody>
+                    <a:bodyPr/>
+                    <a:lstStyle/>
+                    <a:p>
+                      <a:endParaRPr lang="en-US"/>
+                    </a:p>
+                  </a:txBody>
+                  <a:tcPr/>
+                </a:tc>
+              </a:tr>
+              <a:tr h="370840">
+                <a:tc>
+                  <a:txBody>
+                    <a:bodyPr/>
+                    <a:lstStyle/>
+                    <a:p>
+                      <a:r>
+                        <a:rPr lang="en-US" dirty="0" smtClean="0"/>
+                        <a:t>ID</a:t>
+                      </a:r>
+                      <a:endParaRPr lang="en-US" dirty="0"/>
+                    </a:p>
+                  </a:txBody>
+                  <a:tcPr/>
+                </a:tc>
+                <a:tc>
+                  <a:txBody>
+                    <a:bodyPr/>
+                    <a:lstStyle/>
+                    <a:p>
+                      <a:r>
+                        <a:rPr lang="en-US" dirty="0" smtClean="0"/>
+                        <a:t>type</a:t>
+                      </a:r>
+                      <a:endParaRPr lang="en-US" dirty="0"/>
+                    </a:p>
+                  </a:txBody>
+                  <a:tcPr/>
+                </a:tc>
+                <a:tc>
+                  <a:txBody>
+                    <a:bodyPr/>
+                    <a:lstStyle/>
+                    <a:p>
+                      <a:r>
+                        <a:rPr lang="en-US" dirty="0" smtClean="0"/>
+                        <a:t>active</a:t>
+                      </a:r>
+                      <a:endParaRPr lang="en-US" dirty="0"/>
+                    </a:p>
+                  </a:txBody>
+                  <a:tcPr/>
+                </a:tc>
+                <a:tc>
+                  <a:txBody>
+                    <a:bodyPr/>
+                    <a:lstStyle/>
+                    <a:p>
+                      <a:r>
+                        <a:rPr lang="en-US" dirty="0" err="1" smtClean="0"/>
+                        <a:t>activityId</a:t>
+                      </a:r>
+                      <a:r>
+                        <a:rPr lang="en-US" dirty="0" smtClean="0"/>
+                        <a:t> </a:t>
+                      </a:r>
+                      <a:endParaRPr lang="en-US" dirty="0"/>
+                    </a:p>
+                  </a:txBody>
+                  <a:tcPr/>
+                </a:tc>
+                <a:tc>
+                  <a:txBody>
+                    <a:bodyPr/>
+                    <a:lstStyle/>
+                    <a:p>
+                      <a:r>
+                        <a:rPr lang="en-US" dirty="0" err="1" smtClean="0"/>
+                        <a:t>UserID</a:t>
+                      </a:r>
+                      <a:endParaRPr lang="en-US" dirty="0"/>
+                    </a:p>
+                  </a:txBody>
+                  <a:tcPr/>
+                </a:tc>
+                <a:tc>
+                  <a:txBody>
+                    <a:bodyPr/>
+                    <a:lstStyle/>
+                    <a:p>
+                      <a:r>
+                        <a:rPr lang="en-US" dirty="0" smtClean="0"/>
+                        <a:t>Time</a:t>
+                      </a:r>
+                    </a:p>
+                    <a:p>
+                      <a:endParaRPr lang="en-US" dirty="0"/>
+                    </a:p>
+                  </a:txBody>
+                  <a:tcPr/>
+                </a:tc>
+              </a:tr>
+            </a:tbl>
+          </a:graphicData>
+        </a:graphic>
+      </p:graphicFrame>
+      <p:graphicFrame>
+        <p:nvGraphicFramePr>
+          <p:cNvPr id="10" name="Table 9"/>
+          <p:cNvGraphicFramePr>
+            <a:graphicFrameLocks noGrp="1"/>
+          </p:cNvGraphicFramePr>
+          <p:nvPr>
+            <p:extLst>
+              <p:ext uri="{D42A27DB-BD31-4B8C-83A1-F6EECF244321}">
+                <p14:modId xmlns:p14="http://schemas.microsoft.com/office/powerpoint/2010/main" val="1733106084"/>
+              </p:ext>
+            </p:extLst>
+          </p:nvPr>
+        </p:nvGraphicFramePr>
+        <p:xfrm>
+          <a:off x="5520247" y="2927078"/>
+          <a:ext cx="6416710" cy="741680"/>
+        </p:xfrm>
+        <a:graphic>
+          <a:graphicData uri="http://schemas.openxmlformats.org/drawingml/2006/table">
+            <a:tbl>
+              <a:tblPr firstRow="1" bandRow="1">
+                <a:tableStyleId>{5C22544A-7EE6-4342-B048-85BDC9FD1C3A}</a:tableStyleId>
+              </a:tblPr>
+              <a:tblGrid>
+                <a:gridCol w="1283342"/>
+                <a:gridCol w="1283342"/>
+                <a:gridCol w="1283342"/>
+                <a:gridCol w="1283342"/>
+                <a:gridCol w="1283342"/>
+              </a:tblGrid>
+              <a:tr h="370840">
+                <a:tc>
+                  <a:txBody>
+                    <a:bodyPr/>
+                    <a:lstStyle/>
+                    <a:p>
+                      <a:r>
+                        <a:rPr lang="en-US" dirty="0" smtClean="0"/>
+                        <a:t>Post</a:t>
+                      </a:r>
+                      <a:endParaRPr lang="en-US" dirty="0"/>
+                    </a:p>
+                  </a:txBody>
+                  <a:tcPr/>
+                </a:tc>
+                <a:tc>
+                  <a:txBody>
+                    <a:bodyPr/>
+                    <a:lstStyle/>
+                    <a:p>
+                      <a:endParaRPr lang="en-US" dirty="0"/>
+                    </a:p>
+                  </a:txBody>
+                  <a:tcPr/>
+                </a:tc>
+                <a:tc>
+                  <a:txBody>
+                    <a:bodyPr/>
+                    <a:lstStyle/>
+                    <a:p>
+                      <a:endParaRPr lang="en-US" dirty="0"/>
+                    </a:p>
+                  </a:txBody>
+                  <a:tcPr/>
+                </a:tc>
+                <a:tc>
+                  <a:txBody>
+                    <a:bodyPr/>
+                    <a:lstStyle/>
+                    <a:p>
+                      <a:endParaRPr lang="en-US"/>
+                    </a:p>
+                  </a:txBody>
+                  <a:tcPr/>
+                </a:tc>
+                <a:tc>
+                  <a:txBody>
+                    <a:bodyPr/>
+                    <a:lstStyle/>
+                    <a:p>
+                      <a:endParaRPr lang="en-US" dirty="0"/>
+                    </a:p>
+                  </a:txBody>
+                  <a:tcPr/>
+                </a:tc>
+              </a:tr>
+              <a:tr h="370840">
+                <a:tc>
+                  <a:txBody>
+                    <a:bodyPr/>
+                    <a:lstStyle/>
+                    <a:p>
+                      <a:r>
+                        <a:rPr lang="en-US" dirty="0" smtClean="0"/>
+                        <a:t>ID</a:t>
+                      </a:r>
+                      <a:endParaRPr lang="en-US" dirty="0"/>
+                    </a:p>
+                  </a:txBody>
+                  <a:tcPr/>
+                </a:tc>
+                <a:tc>
+                  <a:txBody>
+                    <a:bodyPr/>
+                    <a:lstStyle/>
+                    <a:p>
+                      <a:r>
+                        <a:rPr lang="en-US" dirty="0" smtClean="0"/>
+                        <a:t>text</a:t>
+                      </a:r>
+                      <a:endParaRPr lang="en-US" dirty="0"/>
+                    </a:p>
+                  </a:txBody>
+                  <a:tcPr/>
+                </a:tc>
+                <a:tc>
+                  <a:txBody>
+                    <a:bodyPr/>
+                    <a:lstStyle/>
+                    <a:p>
+                      <a:r>
+                        <a:rPr lang="en-US" dirty="0" err="1" smtClean="0"/>
+                        <a:t>imageUrl</a:t>
+                      </a:r>
+                      <a:endParaRPr lang="en-US" dirty="0"/>
+                    </a:p>
+                  </a:txBody>
+                  <a:tcPr/>
+                </a:tc>
+                <a:tc>
+                  <a:txBody>
+                    <a:bodyPr/>
+                    <a:lstStyle/>
+                    <a:p>
+                      <a:r>
+                        <a:rPr lang="en-US" dirty="0" err="1" smtClean="0"/>
+                        <a:t>userId</a:t>
+                      </a:r>
+                      <a:endParaRPr lang="en-US" dirty="0" smtClean="0"/>
+                    </a:p>
+                  </a:txBody>
+                  <a:tcPr/>
+                </a:tc>
+                <a:tc>
+                  <a:txBody>
+                    <a:bodyPr/>
+                    <a:lstStyle/>
+                    <a:p>
+                      <a:r>
+                        <a:rPr lang="en-US" dirty="0" smtClean="0"/>
+                        <a:t>Time</a:t>
+                      </a:r>
+                      <a:endParaRPr lang="en-US" dirty="0"/>
+                    </a:p>
+                  </a:txBody>
+                  <a:tcPr/>
+                </a:tc>
+              </a:tr>
+            </a:tbl>
+          </a:graphicData>
+        </a:graphic>
+      </p:graphicFrame>
+      <p:graphicFrame>
+        <p:nvGraphicFramePr>
+          <p:cNvPr id="15" name="Table 14"/>
+          <p:cNvGraphicFramePr>
+            <a:graphicFrameLocks noGrp="1"/>
+          </p:cNvGraphicFramePr>
+          <p:nvPr>
+            <p:extLst>
+              <p:ext uri="{D42A27DB-BD31-4B8C-83A1-F6EECF244321}">
+                <p14:modId xmlns:p14="http://schemas.microsoft.com/office/powerpoint/2010/main" val="2613696448"/>
+              </p:ext>
+            </p:extLst>
+          </p:nvPr>
+        </p:nvGraphicFramePr>
+        <p:xfrm>
+          <a:off x="6593587" y="3815279"/>
+          <a:ext cx="5251764" cy="736600"/>
+        </p:xfrm>
+        <a:graphic>
+          <a:graphicData uri="http://schemas.openxmlformats.org/drawingml/2006/table">
+            <a:tbl>
+              <a:tblPr firstRow="1" bandRow="1">
+                <a:tableStyleId>{5C22544A-7EE6-4342-B048-85BDC9FD1C3A}</a:tableStyleId>
+              </a:tblPr>
+              <a:tblGrid>
+                <a:gridCol w="1312941"/>
+                <a:gridCol w="1312941"/>
+                <a:gridCol w="1312941"/>
+                <a:gridCol w="1312941"/>
+              </a:tblGrid>
+              <a:tr h="349823">
+                <a:tc>
+                  <a:txBody>
+                    <a:bodyPr/>
+                    <a:lstStyle/>
+                    <a:p>
+                      <a:r>
+                        <a:rPr lang="en-US" dirty="0" smtClean="0"/>
+                        <a:t>Comment</a:t>
+                      </a:r>
+                      <a:endParaRPr lang="en-US" dirty="0"/>
+                    </a:p>
+                  </a:txBody>
+                  <a:tcPr/>
+                </a:tc>
+                <a:tc>
+                  <a:txBody>
+                    <a:bodyPr/>
+                    <a:lstStyle/>
+                    <a:p>
+                      <a:endParaRPr lang="en-US" dirty="0"/>
+                    </a:p>
+                  </a:txBody>
+                  <a:tcPr/>
+                </a:tc>
+                <a:tc>
+                  <a:txBody>
+                    <a:bodyPr/>
+                    <a:lstStyle/>
+                    <a:p>
+                      <a:endParaRPr lang="en-US" dirty="0"/>
+                    </a:p>
+                  </a:txBody>
+                  <a:tcPr/>
+                </a:tc>
+                <a:tc>
+                  <a:txBody>
+                    <a:bodyPr/>
+                    <a:lstStyle/>
+                    <a:p>
+                      <a:endParaRPr lang="en-US" dirty="0"/>
+                    </a:p>
+                  </a:txBody>
+                  <a:tcPr/>
+                </a:tc>
+              </a:tr>
+              <a:tr h="370840">
+                <a:tc>
+                  <a:txBody>
+                    <a:bodyPr/>
+                    <a:lstStyle/>
+                    <a:p>
+                      <a:r>
+                        <a:rPr lang="en-US" dirty="0" smtClean="0"/>
+                        <a:t>ID</a:t>
+                      </a:r>
+                      <a:endParaRPr lang="en-US" dirty="0"/>
+                    </a:p>
+                  </a:txBody>
+                  <a:tcPr/>
+                </a:tc>
+                <a:tc>
+                  <a:txBody>
+                    <a:bodyPr/>
+                    <a:lstStyle/>
+                    <a:p>
+                      <a:r>
+                        <a:rPr lang="en-US" dirty="0" smtClean="0"/>
+                        <a:t>text</a:t>
+                      </a:r>
+                      <a:endParaRPr lang="en-US" dirty="0"/>
+                    </a:p>
+                  </a:txBody>
+                  <a:tcPr/>
+                </a:tc>
+                <a:tc>
+                  <a:txBody>
+                    <a:bodyPr/>
+                    <a:lstStyle/>
+                    <a:p>
+                      <a:r>
+                        <a:rPr lang="en-US" dirty="0" smtClean="0"/>
+                        <a:t>time</a:t>
+                      </a:r>
+                      <a:endParaRPr lang="en-US" dirty="0"/>
+                    </a:p>
+                  </a:txBody>
+                  <a:tcPr/>
+                </a:tc>
+                <a:tc>
+                  <a:txBody>
+                    <a:bodyPr/>
+                    <a:lstStyle/>
+                    <a:p>
+                      <a:r>
+                        <a:rPr lang="en-US" dirty="0" err="1" smtClean="0"/>
+                        <a:t>activityid</a:t>
+                      </a:r>
+                      <a:endParaRPr lang="en-US" dirty="0"/>
+                    </a:p>
+                  </a:txBody>
+                  <a:tcPr/>
+                </a:tc>
+              </a:tr>
+            </a:tbl>
+          </a:graphicData>
+        </a:graphic>
+      </p:graphicFrame>
+      <p:graphicFrame>
+        <p:nvGraphicFramePr>
+          <p:cNvPr id="54" name="Table 53"/>
+          <p:cNvGraphicFramePr>
+            <a:graphicFrameLocks noGrp="1"/>
+          </p:cNvGraphicFramePr>
+          <p:nvPr>
+            <p:extLst>
+              <p:ext uri="{D42A27DB-BD31-4B8C-83A1-F6EECF244321}">
+                <p14:modId xmlns:p14="http://schemas.microsoft.com/office/powerpoint/2010/main" val="403758830"/>
+              </p:ext>
+            </p:extLst>
+          </p:nvPr>
+        </p:nvGraphicFramePr>
+        <p:xfrm>
+          <a:off x="9395754" y="4837349"/>
+          <a:ext cx="2625882" cy="736600"/>
+        </p:xfrm>
+        <a:graphic>
+          <a:graphicData uri="http://schemas.openxmlformats.org/drawingml/2006/table">
+            <a:tbl>
+              <a:tblPr firstRow="1" bandRow="1">
+                <a:tableStyleId>{5C22544A-7EE6-4342-B048-85BDC9FD1C3A}</a:tableStyleId>
+              </a:tblPr>
+              <a:tblGrid>
+                <a:gridCol w="1312941"/>
+                <a:gridCol w="1312941"/>
+              </a:tblGrid>
+              <a:tr h="349823">
+                <a:tc>
+                  <a:txBody>
+                    <a:bodyPr/>
+                    <a:lstStyle/>
+                    <a:p>
+                      <a:r>
+                        <a:rPr lang="en-US" dirty="0" smtClean="0"/>
+                        <a:t>Activity</a:t>
+                      </a:r>
+                      <a:endParaRPr lang="en-US" dirty="0"/>
+                    </a:p>
+                  </a:txBody>
+                  <a:tcPr/>
+                </a:tc>
+                <a:tc>
+                  <a:txBody>
+                    <a:bodyPr/>
+                    <a:lstStyle/>
+                    <a:p>
+                      <a:endParaRPr lang="en-US" dirty="0"/>
+                    </a:p>
+                  </a:txBody>
+                  <a:tcPr/>
+                </a:tc>
+              </a:tr>
+              <a:tr h="370840">
+                <a:tc>
+                  <a:txBody>
+                    <a:bodyPr/>
+                    <a:lstStyle/>
+                    <a:p>
+                      <a:r>
+                        <a:rPr lang="en-US" dirty="0" smtClean="0"/>
+                        <a:t>ID</a:t>
+                      </a:r>
+                      <a:endParaRPr lang="en-US" dirty="0"/>
+                    </a:p>
+                  </a:txBody>
+                  <a:tcPr/>
+                </a:tc>
+                <a:tc>
+                  <a:txBody>
+                    <a:bodyPr/>
+                    <a:lstStyle/>
+                    <a:p>
+                      <a:r>
+                        <a:rPr lang="en-US" dirty="0" err="1" smtClean="0"/>
+                        <a:t>numLikes</a:t>
+                      </a:r>
+                      <a:endParaRPr lang="en-US" dirty="0"/>
+                    </a:p>
+                  </a:txBody>
+                  <a:tcPr/>
+                </a:tc>
+              </a:tr>
+            </a:tbl>
+          </a:graphicData>
+        </a:graphic>
+      </p:graphicFrame>
+      <p:sp>
+        <p:nvSpPr>
+          <p:cNvPr id="63" name="TextBox 62"/>
+          <p:cNvSpPr txBox="1"/>
+          <p:nvPr/>
+        </p:nvSpPr>
+        <p:spPr>
+          <a:xfrm>
+            <a:off x="3065557" y="3135824"/>
+            <a:ext cx="2331920" cy="1569660"/>
+          </a:xfrm>
+          <a:prstGeom prst="rect">
+            <a:avLst/>
+          </a:prstGeom>
+          <a:noFill/>
+        </p:spPr>
+        <p:txBody>
+          <a:bodyPr wrap="none" rtlCol="0">
+            <a:spAutoFit/>
+          </a:bodyPr>
+          <a:lstStyle/>
+          <a:p>
+            <a:r>
+              <a:rPr lang="en-US" sz="1200" dirty="0" smtClean="0"/>
+              <a:t>Feature #2</a:t>
+            </a:r>
+          </a:p>
+          <a:p>
+            <a:r>
+              <a:rPr lang="en-US" sz="1200" dirty="0"/>
+              <a:t>Like + Comment on Images</a:t>
+            </a:r>
+          </a:p>
+          <a:p>
+            <a:endParaRPr lang="en-US" sz="1200" dirty="0"/>
+          </a:p>
+          <a:p>
+            <a:r>
+              <a:rPr lang="en-US" sz="1200" dirty="0" smtClean="0"/>
+              <a:t>Can you comment on a comment?</a:t>
+            </a:r>
+          </a:p>
+          <a:p>
+            <a:r>
+              <a:rPr lang="en-US" sz="1200" dirty="0" smtClean="0"/>
+              <a:t>Can you like a comment?</a:t>
+            </a:r>
+          </a:p>
+          <a:p>
+            <a:r>
+              <a:rPr lang="en-US" sz="1200" dirty="0" smtClean="0"/>
+              <a:t>Design ER diagram and DB tables</a:t>
+            </a:r>
+            <a:endParaRPr lang="en-US" sz="1200" dirty="0" smtClean="0"/>
+          </a:p>
+          <a:p>
+            <a:endParaRPr lang="en-US" sz="1200" dirty="0"/>
+          </a:p>
+          <a:p>
+            <a:endParaRPr lang="en-US" sz="1200" dirty="0" smtClean="0"/>
+          </a:p>
+        </p:txBody>
+      </p:sp>
+      <p:sp>
+        <p:nvSpPr>
+          <p:cNvPr id="65" name="TextBox 64"/>
+          <p:cNvSpPr txBox="1"/>
+          <p:nvPr/>
+        </p:nvSpPr>
+        <p:spPr>
+          <a:xfrm>
+            <a:off x="7913727" y="1612862"/>
+            <a:ext cx="1981761" cy="1015663"/>
+          </a:xfrm>
+          <a:prstGeom prst="rect">
+            <a:avLst/>
+          </a:prstGeom>
+          <a:noFill/>
+        </p:spPr>
+        <p:txBody>
+          <a:bodyPr wrap="none" rtlCol="0">
+            <a:spAutoFit/>
+          </a:bodyPr>
+          <a:lstStyle/>
+          <a:p>
+            <a:r>
+              <a:rPr lang="en-US" sz="1200" dirty="0" smtClean="0"/>
+              <a:t>Feature #1</a:t>
+            </a:r>
+          </a:p>
+          <a:p>
+            <a:pPr marL="342900" indent="-342900">
+              <a:buAutoNum type="arabicParenR"/>
+            </a:pPr>
+            <a:r>
+              <a:rPr lang="en-US" sz="1200" dirty="0"/>
+              <a:t>Store/ Get Images</a:t>
+            </a:r>
+          </a:p>
+          <a:p>
+            <a:endParaRPr lang="en-US" sz="1200" dirty="0" smtClean="0"/>
+          </a:p>
+          <a:p>
+            <a:r>
+              <a:rPr lang="en-US" sz="1200" dirty="0" smtClean="0"/>
+              <a:t>Already cover by Tinder slide</a:t>
+            </a:r>
+            <a:endParaRPr lang="en-US" sz="1200" dirty="0"/>
+          </a:p>
+          <a:p>
+            <a:endParaRPr lang="en-US" sz="1200" dirty="0" smtClean="0"/>
+          </a:p>
+        </p:txBody>
+      </p:sp>
+      <p:sp>
+        <p:nvSpPr>
+          <p:cNvPr id="75" name="TextBox 74"/>
+          <p:cNvSpPr txBox="1"/>
+          <p:nvPr/>
+        </p:nvSpPr>
+        <p:spPr>
+          <a:xfrm>
+            <a:off x="1882255" y="1372939"/>
+            <a:ext cx="1662890" cy="646331"/>
+          </a:xfrm>
+          <a:prstGeom prst="rect">
+            <a:avLst/>
+          </a:prstGeom>
+          <a:noFill/>
+          <a:ln>
+            <a:solidFill>
+              <a:schemeClr val="accent1"/>
+            </a:solidFill>
+          </a:ln>
+        </p:spPr>
+        <p:txBody>
+          <a:bodyPr wrap="square" rtlCol="0">
+            <a:spAutoFit/>
+          </a:bodyPr>
+          <a:lstStyle/>
+          <a:p>
+            <a:r>
+              <a:rPr lang="en-US" dirty="0" smtClean="0"/>
+              <a:t>Load Balancer</a:t>
+            </a:r>
+          </a:p>
+          <a:p>
+            <a:r>
+              <a:rPr lang="en-US" dirty="0" smtClean="0"/>
+              <a:t>(snapshots)</a:t>
+            </a:r>
+            <a:endParaRPr lang="en-US" dirty="0"/>
+          </a:p>
+        </p:txBody>
+      </p:sp>
+      <p:sp>
+        <p:nvSpPr>
+          <p:cNvPr id="76" name="TextBox 75"/>
+          <p:cNvSpPr txBox="1"/>
+          <p:nvPr/>
+        </p:nvSpPr>
+        <p:spPr>
+          <a:xfrm>
+            <a:off x="6294095" y="563152"/>
+            <a:ext cx="1893000" cy="369332"/>
+          </a:xfrm>
+          <a:prstGeom prst="rect">
+            <a:avLst/>
+          </a:prstGeom>
+          <a:noFill/>
+          <a:ln>
+            <a:solidFill>
+              <a:schemeClr val="accent1"/>
+            </a:solidFill>
+          </a:ln>
+        </p:spPr>
+        <p:txBody>
+          <a:bodyPr wrap="square" rtlCol="0">
+            <a:spAutoFit/>
+          </a:bodyPr>
+          <a:lstStyle/>
+          <a:p>
+            <a:r>
+              <a:rPr lang="en-US" dirty="0" smtClean="0"/>
+              <a:t>Posts </a:t>
+            </a:r>
+            <a:r>
+              <a:rPr lang="en-US" dirty="0" smtClean="0"/>
+              <a:t>Service</a:t>
+            </a:r>
+            <a:endParaRPr lang="en-US" dirty="0"/>
+          </a:p>
+        </p:txBody>
+      </p:sp>
+      <p:sp>
+        <p:nvSpPr>
+          <p:cNvPr id="77" name="TextBox 76"/>
+          <p:cNvSpPr txBox="1"/>
+          <p:nvPr/>
+        </p:nvSpPr>
+        <p:spPr>
+          <a:xfrm>
+            <a:off x="6294095" y="1042767"/>
+            <a:ext cx="1893000" cy="369332"/>
+          </a:xfrm>
+          <a:prstGeom prst="rect">
+            <a:avLst/>
+          </a:prstGeom>
+          <a:noFill/>
+          <a:ln>
+            <a:solidFill>
+              <a:schemeClr val="accent1"/>
+            </a:solidFill>
+          </a:ln>
+        </p:spPr>
+        <p:txBody>
+          <a:bodyPr wrap="square" rtlCol="0">
+            <a:spAutoFit/>
+          </a:bodyPr>
+          <a:lstStyle/>
+          <a:p>
+            <a:r>
+              <a:rPr lang="en-US" dirty="0" smtClean="0"/>
+              <a:t>Follow </a:t>
+            </a:r>
+            <a:r>
+              <a:rPr lang="en-US" dirty="0" smtClean="0"/>
+              <a:t>Service</a:t>
+            </a:r>
+            <a:endParaRPr lang="en-US" dirty="0"/>
+          </a:p>
+        </p:txBody>
+      </p:sp>
+      <p:cxnSp>
+        <p:nvCxnSpPr>
+          <p:cNvPr id="20" name="Straight Arrow Connector 19"/>
+          <p:cNvCxnSpPr>
+            <a:stCxn id="37" idx="3"/>
+            <a:endCxn id="76" idx="1"/>
+          </p:cNvCxnSpPr>
+          <p:nvPr/>
+        </p:nvCxnSpPr>
+        <p:spPr>
+          <a:xfrm flipV="1">
+            <a:off x="5805495" y="747818"/>
+            <a:ext cx="488600" cy="37860"/>
+          </a:xfrm>
+          <a:prstGeom prst="straightConnector1">
+            <a:avLst/>
+          </a:prstGeom>
+          <a:ln>
+            <a:headEnd type="arrow"/>
+            <a:tailEnd type="arrow"/>
+          </a:ln>
+        </p:spPr>
+        <p:style>
+          <a:lnRef idx="1">
+            <a:schemeClr val="accent1"/>
+          </a:lnRef>
+          <a:fillRef idx="0">
+            <a:schemeClr val="accent1"/>
+          </a:fillRef>
+          <a:effectRef idx="0">
+            <a:schemeClr val="accent1"/>
+          </a:effectRef>
+          <a:fontRef idx="minor">
+            <a:schemeClr val="tx1"/>
+          </a:fontRef>
+        </p:style>
+      </p:cxnSp>
+      <p:cxnSp>
+        <p:nvCxnSpPr>
+          <p:cNvPr id="25" name="Straight Arrow Connector 24"/>
+          <p:cNvCxnSpPr>
+            <a:endCxn id="77" idx="1"/>
+          </p:cNvCxnSpPr>
+          <p:nvPr/>
+        </p:nvCxnSpPr>
+        <p:spPr>
+          <a:xfrm>
+            <a:off x="5805495" y="936421"/>
+            <a:ext cx="488600" cy="291012"/>
+          </a:xfrm>
+          <a:prstGeom prst="straightConnector1">
+            <a:avLst/>
+          </a:prstGeom>
+          <a:ln>
+            <a:headEnd type="arrow"/>
+            <a:tailEnd type="arrow"/>
+          </a:ln>
+        </p:spPr>
+        <p:style>
+          <a:lnRef idx="1">
+            <a:schemeClr val="accent1"/>
+          </a:lnRef>
+          <a:fillRef idx="0">
+            <a:schemeClr val="accent1"/>
+          </a:fillRef>
+          <a:effectRef idx="0">
+            <a:schemeClr val="accent1"/>
+          </a:effectRef>
+          <a:fontRef idx="minor">
+            <a:schemeClr val="tx1"/>
+          </a:fontRef>
+        </p:style>
+      </p:cxnSp>
+      <p:sp>
+        <p:nvSpPr>
+          <p:cNvPr id="78" name="TextBox 77"/>
+          <p:cNvSpPr txBox="1"/>
+          <p:nvPr/>
+        </p:nvSpPr>
+        <p:spPr>
+          <a:xfrm>
+            <a:off x="10075121" y="99161"/>
+            <a:ext cx="1893000" cy="369332"/>
+          </a:xfrm>
+          <a:prstGeom prst="rect">
+            <a:avLst/>
+          </a:prstGeom>
+          <a:noFill/>
+          <a:ln>
+            <a:solidFill>
+              <a:schemeClr val="accent1"/>
+            </a:solidFill>
+          </a:ln>
+        </p:spPr>
+        <p:txBody>
+          <a:bodyPr wrap="square" rtlCol="0">
+            <a:spAutoFit/>
+          </a:bodyPr>
+          <a:lstStyle/>
+          <a:p>
+            <a:r>
+              <a:rPr lang="en-US" dirty="0" smtClean="0"/>
+              <a:t>Image </a:t>
+            </a:r>
+            <a:r>
+              <a:rPr lang="en-US" dirty="0" smtClean="0"/>
+              <a:t>Service</a:t>
+            </a:r>
+            <a:endParaRPr lang="en-US" dirty="0"/>
+          </a:p>
+        </p:txBody>
+      </p:sp>
+      <p:sp>
+        <p:nvSpPr>
+          <p:cNvPr id="79" name="TextBox 78"/>
+          <p:cNvSpPr txBox="1"/>
+          <p:nvPr/>
+        </p:nvSpPr>
+        <p:spPr>
+          <a:xfrm>
+            <a:off x="10075121" y="601012"/>
+            <a:ext cx="1893000" cy="369332"/>
+          </a:xfrm>
+          <a:prstGeom prst="rect">
+            <a:avLst/>
+          </a:prstGeom>
+          <a:noFill/>
+          <a:ln>
+            <a:solidFill>
+              <a:schemeClr val="accent1"/>
+            </a:solidFill>
+          </a:ln>
+        </p:spPr>
+        <p:txBody>
+          <a:bodyPr wrap="square" rtlCol="0">
+            <a:spAutoFit/>
+          </a:bodyPr>
+          <a:lstStyle/>
+          <a:p>
+            <a:r>
+              <a:rPr lang="en-US" dirty="0" smtClean="0"/>
+              <a:t>Chat </a:t>
+            </a:r>
+            <a:r>
+              <a:rPr lang="en-US" dirty="0" smtClean="0"/>
+              <a:t>Service</a:t>
+            </a:r>
+            <a:endParaRPr lang="en-US" dirty="0"/>
+          </a:p>
+        </p:txBody>
+      </p:sp>
+      <p:sp>
+        <p:nvSpPr>
+          <p:cNvPr id="80" name="TextBox 79"/>
+          <p:cNvSpPr txBox="1"/>
+          <p:nvPr/>
+        </p:nvSpPr>
+        <p:spPr>
+          <a:xfrm>
+            <a:off x="10075121" y="1103986"/>
+            <a:ext cx="1893000" cy="369332"/>
+          </a:xfrm>
+          <a:prstGeom prst="rect">
+            <a:avLst/>
+          </a:prstGeom>
+          <a:noFill/>
+          <a:ln>
+            <a:solidFill>
+              <a:schemeClr val="accent1"/>
+            </a:solidFill>
+          </a:ln>
+        </p:spPr>
+        <p:txBody>
+          <a:bodyPr wrap="square" rtlCol="0">
+            <a:spAutoFit/>
+          </a:bodyPr>
+          <a:lstStyle/>
+          <a:p>
+            <a:r>
+              <a:rPr lang="en-US" dirty="0" smtClean="0"/>
+              <a:t>Profile </a:t>
+            </a:r>
+            <a:r>
+              <a:rPr lang="en-US" dirty="0" smtClean="0"/>
+              <a:t>Service</a:t>
+            </a:r>
+            <a:endParaRPr lang="en-US" dirty="0"/>
+          </a:p>
+        </p:txBody>
+      </p:sp>
+      <p:sp>
+        <p:nvSpPr>
+          <p:cNvPr id="81" name="TextBox 80"/>
+          <p:cNvSpPr txBox="1"/>
+          <p:nvPr/>
+        </p:nvSpPr>
+        <p:spPr>
+          <a:xfrm>
+            <a:off x="10075121" y="1562773"/>
+            <a:ext cx="1893000" cy="369332"/>
+          </a:xfrm>
+          <a:prstGeom prst="rect">
+            <a:avLst/>
+          </a:prstGeom>
+          <a:noFill/>
+          <a:ln>
+            <a:solidFill>
+              <a:schemeClr val="accent1"/>
+            </a:solidFill>
+          </a:ln>
+        </p:spPr>
+        <p:txBody>
+          <a:bodyPr wrap="square" rtlCol="0">
+            <a:spAutoFit/>
+          </a:bodyPr>
+          <a:lstStyle/>
+          <a:p>
+            <a:r>
+              <a:rPr lang="en-US" dirty="0" smtClean="0"/>
+              <a:t>Activity </a:t>
+            </a:r>
+            <a:r>
+              <a:rPr lang="en-US" dirty="0" smtClean="0"/>
+              <a:t>Service</a:t>
+            </a:r>
+            <a:endParaRPr lang="en-US" dirty="0"/>
+          </a:p>
+        </p:txBody>
+      </p:sp>
+      <p:sp>
+        <p:nvSpPr>
+          <p:cNvPr id="82" name="TextBox 81"/>
+          <p:cNvSpPr txBox="1"/>
+          <p:nvPr/>
+        </p:nvSpPr>
+        <p:spPr>
+          <a:xfrm>
+            <a:off x="10075121" y="1936028"/>
+            <a:ext cx="1893000" cy="369332"/>
+          </a:xfrm>
+          <a:prstGeom prst="rect">
+            <a:avLst/>
+          </a:prstGeom>
+          <a:noFill/>
+          <a:ln>
+            <a:solidFill>
+              <a:schemeClr val="accent1"/>
+            </a:solidFill>
+          </a:ln>
+        </p:spPr>
+        <p:txBody>
+          <a:bodyPr wrap="square" rtlCol="0">
+            <a:spAutoFit/>
+          </a:bodyPr>
+          <a:lstStyle/>
+          <a:p>
+            <a:r>
+              <a:rPr lang="en-US" dirty="0" smtClean="0"/>
+              <a:t>Sessions </a:t>
+            </a:r>
+            <a:r>
+              <a:rPr lang="en-US" dirty="0" smtClean="0"/>
+              <a:t>Service</a:t>
+            </a:r>
+            <a:endParaRPr lang="en-US" dirty="0"/>
+          </a:p>
+        </p:txBody>
+      </p:sp>
+      <p:sp>
+        <p:nvSpPr>
+          <p:cNvPr id="83" name="TextBox 82"/>
+          <p:cNvSpPr txBox="1"/>
+          <p:nvPr/>
+        </p:nvSpPr>
+        <p:spPr>
+          <a:xfrm>
+            <a:off x="347018" y="2228790"/>
+            <a:ext cx="2737865" cy="4339650"/>
+          </a:xfrm>
+          <a:prstGeom prst="rect">
+            <a:avLst/>
+          </a:prstGeom>
+          <a:noFill/>
+        </p:spPr>
+        <p:txBody>
+          <a:bodyPr wrap="none" rtlCol="0">
+            <a:spAutoFit/>
+          </a:bodyPr>
+          <a:lstStyle/>
+          <a:p>
+            <a:r>
+              <a:rPr lang="en-US" sz="1200" dirty="0" smtClean="0"/>
+              <a:t>Feature #4</a:t>
+            </a:r>
+          </a:p>
+          <a:p>
+            <a:r>
+              <a:rPr lang="en-US" sz="1200" dirty="0" smtClean="0"/>
+              <a:t>Publish Newsfeed</a:t>
+            </a:r>
+          </a:p>
+          <a:p>
+            <a:endParaRPr lang="en-US" sz="1200" dirty="0"/>
+          </a:p>
+          <a:p>
+            <a:r>
+              <a:rPr lang="en-US" sz="1200" dirty="0" smtClean="0"/>
+              <a:t>Get followers, then posts</a:t>
+            </a:r>
+          </a:p>
+          <a:p>
+            <a:pPr marL="228600" indent="-228600">
+              <a:buAutoNum type="arabicParenR"/>
+            </a:pPr>
+            <a:r>
+              <a:rPr lang="en-US" sz="1200" dirty="0" smtClean="0"/>
+              <a:t>Expose API</a:t>
+            </a:r>
+          </a:p>
+          <a:p>
+            <a:pPr marL="685800" lvl="1" indent="-228600">
+              <a:buAutoNum type="arabicParenR"/>
+            </a:pPr>
+            <a:r>
+              <a:rPr lang="en-US" sz="1200" dirty="0" smtClean="0"/>
+              <a:t>Get posts by users</a:t>
+            </a:r>
+          </a:p>
+          <a:p>
+            <a:pPr marL="228600" indent="-228600">
+              <a:buAutoNum type="arabicParenR"/>
+            </a:pPr>
+            <a:r>
+              <a:rPr lang="en-US" sz="1200" dirty="0" smtClean="0"/>
+              <a:t>Limit # of posts from post</a:t>
+            </a:r>
+            <a:br>
+              <a:rPr lang="en-US" sz="1200" dirty="0" smtClean="0"/>
+            </a:br>
+            <a:r>
+              <a:rPr lang="en-US" sz="1200" dirty="0" smtClean="0"/>
+              <a:t>service</a:t>
+            </a:r>
+          </a:p>
+          <a:p>
+            <a:pPr marL="228600" indent="-228600">
+              <a:buAutoNum type="arabicParenR"/>
+            </a:pPr>
+            <a:r>
+              <a:rPr lang="en-US" sz="1200" dirty="0" smtClean="0"/>
+              <a:t>Pre-compute User feed</a:t>
+            </a:r>
+            <a:br>
+              <a:rPr lang="en-US" sz="1200" dirty="0" smtClean="0"/>
+            </a:br>
+            <a:r>
+              <a:rPr lang="en-US" sz="1200" dirty="0" smtClean="0"/>
+              <a:t>post service sends event</a:t>
+            </a:r>
+            <a:br>
+              <a:rPr lang="en-US" sz="1200" dirty="0" smtClean="0"/>
+            </a:br>
+            <a:r>
+              <a:rPr lang="en-US" sz="1200" dirty="0" smtClean="0"/>
+              <a:t>user feed service, get followers,</a:t>
+            </a:r>
+            <a:br>
+              <a:rPr lang="en-US" sz="1200" dirty="0" smtClean="0"/>
+            </a:br>
+            <a:r>
+              <a:rPr lang="en-US" sz="1200" dirty="0" smtClean="0"/>
+              <a:t>add to each one’s queue</a:t>
+            </a:r>
+          </a:p>
+          <a:p>
+            <a:pPr marL="685800" lvl="1" indent="-228600">
+              <a:buAutoNum type="arabicParenR"/>
+            </a:pPr>
+            <a:r>
+              <a:rPr lang="en-US" sz="1200" dirty="0" smtClean="0"/>
+              <a:t>Store in cache</a:t>
+            </a:r>
+          </a:p>
+          <a:p>
+            <a:pPr marL="228600" indent="-228600">
+              <a:buAutoNum type="arabicParenR"/>
+            </a:pPr>
+            <a:r>
+              <a:rPr lang="en-US" sz="1200" dirty="0" smtClean="0"/>
+              <a:t>Celebrity posts</a:t>
+            </a:r>
+          </a:p>
+          <a:p>
+            <a:pPr marL="685800" lvl="1" indent="-228600">
+              <a:buAutoNum type="arabicParenR"/>
+            </a:pPr>
+            <a:r>
+              <a:rPr lang="en-US" sz="1200" dirty="0" smtClean="0"/>
+              <a:t>Push Batch processing, </a:t>
+            </a:r>
+            <a:br>
+              <a:rPr lang="en-US" sz="1200" dirty="0" smtClean="0"/>
+            </a:br>
+            <a:r>
+              <a:rPr lang="en-US" sz="1200" dirty="0" smtClean="0"/>
+              <a:t>send 1000</a:t>
+            </a:r>
+            <a:br>
+              <a:rPr lang="en-US" sz="1200" dirty="0" smtClean="0"/>
+            </a:br>
+            <a:r>
+              <a:rPr lang="en-US" sz="1200" dirty="0" smtClean="0"/>
+              <a:t>posts every 10 sec (push)</a:t>
+            </a:r>
+          </a:p>
+          <a:p>
+            <a:pPr marL="685800" lvl="1" indent="-228600">
+              <a:buAutoNum type="arabicParenR"/>
+            </a:pPr>
+            <a:r>
+              <a:rPr lang="en-US" sz="1200" dirty="0" smtClean="0"/>
+              <a:t>Wait for followers to poll</a:t>
+            </a:r>
+            <a:br>
+              <a:rPr lang="en-US" sz="1200" dirty="0" smtClean="0"/>
+            </a:br>
+            <a:r>
+              <a:rPr lang="en-US" sz="1200" dirty="0" smtClean="0"/>
+              <a:t>server</a:t>
+            </a:r>
+          </a:p>
+          <a:p>
+            <a:pPr marL="228600" indent="-228600">
+              <a:buAutoNum type="arabicParenR"/>
+            </a:pPr>
+            <a:r>
+              <a:rPr lang="en-US" sz="1200" dirty="0" smtClean="0"/>
+              <a:t>Hybrid model – push for normal user,</a:t>
+            </a:r>
+            <a:br>
+              <a:rPr lang="en-US" sz="1200" dirty="0" smtClean="0"/>
+            </a:br>
+            <a:r>
+              <a:rPr lang="en-US" sz="1200" dirty="0" smtClean="0"/>
+              <a:t>poll for celebrity</a:t>
+            </a:r>
+          </a:p>
+          <a:p>
+            <a:endParaRPr lang="en-US" sz="1200" dirty="0"/>
+          </a:p>
+          <a:p>
+            <a:endParaRPr lang="en-US" sz="1200" dirty="0" smtClean="0"/>
+          </a:p>
+        </p:txBody>
+      </p:sp>
+      <p:graphicFrame>
+        <p:nvGraphicFramePr>
+          <p:cNvPr id="84" name="Table 83"/>
+          <p:cNvGraphicFramePr>
+            <a:graphicFrameLocks noGrp="1"/>
+          </p:cNvGraphicFramePr>
+          <p:nvPr>
+            <p:extLst>
+              <p:ext uri="{D42A27DB-BD31-4B8C-83A1-F6EECF244321}">
+                <p14:modId xmlns:p14="http://schemas.microsoft.com/office/powerpoint/2010/main" val="199388545"/>
+              </p:ext>
+            </p:extLst>
+          </p:nvPr>
+        </p:nvGraphicFramePr>
+        <p:xfrm>
+          <a:off x="7662041" y="5982614"/>
+          <a:ext cx="4246248" cy="741680"/>
+        </p:xfrm>
+        <a:graphic>
+          <a:graphicData uri="http://schemas.openxmlformats.org/drawingml/2006/table">
+            <a:tbl>
+              <a:tblPr firstRow="1" bandRow="1">
+                <a:tableStyleId>{5C22544A-7EE6-4342-B048-85BDC9FD1C3A}</a:tableStyleId>
+              </a:tblPr>
+              <a:tblGrid>
+                <a:gridCol w="1415416"/>
+                <a:gridCol w="1415416"/>
+                <a:gridCol w="1415416"/>
+              </a:tblGrid>
+              <a:tr h="370840">
+                <a:tc>
+                  <a:txBody>
+                    <a:bodyPr/>
+                    <a:lstStyle/>
+                    <a:p>
+                      <a:r>
+                        <a:rPr lang="en-US" dirty="0" smtClean="0"/>
+                        <a:t>Follow</a:t>
+                      </a:r>
+                      <a:endParaRPr lang="en-US" dirty="0"/>
+                    </a:p>
+                  </a:txBody>
+                  <a:tcPr/>
+                </a:tc>
+                <a:tc>
+                  <a:txBody>
+                    <a:bodyPr/>
+                    <a:lstStyle/>
+                    <a:p>
+                      <a:endParaRPr lang="en-US"/>
+                    </a:p>
+                  </a:txBody>
+                  <a:tcPr/>
+                </a:tc>
+                <a:tc>
+                  <a:txBody>
+                    <a:bodyPr/>
+                    <a:lstStyle/>
+                    <a:p>
+                      <a:endParaRPr lang="en-US"/>
+                    </a:p>
+                  </a:txBody>
+                  <a:tcPr/>
+                </a:tc>
+              </a:tr>
+              <a:tr h="370840">
+                <a:tc>
+                  <a:txBody>
+                    <a:bodyPr/>
+                    <a:lstStyle/>
+                    <a:p>
+                      <a:r>
+                        <a:rPr lang="en-US" dirty="0" err="1" smtClean="0"/>
+                        <a:t>followerID</a:t>
+                      </a:r>
+                      <a:endParaRPr lang="en-US" dirty="0"/>
+                    </a:p>
+                  </a:txBody>
+                  <a:tcPr/>
+                </a:tc>
+                <a:tc>
+                  <a:txBody>
+                    <a:bodyPr/>
+                    <a:lstStyle/>
+                    <a:p>
+                      <a:r>
+                        <a:rPr lang="en-US" dirty="0" err="1" smtClean="0"/>
+                        <a:t>FolloweeID</a:t>
+                      </a:r>
+                      <a:endParaRPr lang="en-US" dirty="0"/>
+                    </a:p>
+                  </a:txBody>
+                  <a:tcPr/>
+                </a:tc>
+                <a:tc>
+                  <a:txBody>
+                    <a:bodyPr/>
+                    <a:lstStyle/>
+                    <a:p>
+                      <a:r>
+                        <a:rPr lang="en-US" dirty="0" smtClean="0"/>
+                        <a:t>time</a:t>
+                      </a:r>
+                      <a:endParaRPr lang="en-US" dirty="0"/>
+                    </a:p>
+                  </a:txBody>
+                  <a:tcPr/>
+                </a:tc>
+              </a:tr>
+            </a:tbl>
+          </a:graphicData>
+        </a:graphic>
+      </p:graphicFrame>
+      <p:sp>
+        <p:nvSpPr>
+          <p:cNvPr id="85" name="TextBox 84"/>
+          <p:cNvSpPr txBox="1"/>
+          <p:nvPr/>
+        </p:nvSpPr>
+        <p:spPr>
+          <a:xfrm>
+            <a:off x="6387902" y="6078839"/>
+            <a:ext cx="1214307" cy="461665"/>
+          </a:xfrm>
+          <a:prstGeom prst="rect">
+            <a:avLst/>
+          </a:prstGeom>
+          <a:noFill/>
+        </p:spPr>
+        <p:txBody>
+          <a:bodyPr wrap="none" rtlCol="0">
+            <a:spAutoFit/>
+          </a:bodyPr>
+          <a:lstStyle/>
+          <a:p>
+            <a:r>
+              <a:rPr lang="en-US" sz="1200" dirty="0" smtClean="0"/>
+              <a:t>Feature #3</a:t>
+            </a:r>
+            <a:endParaRPr lang="en-US" sz="1200" dirty="0"/>
+          </a:p>
+          <a:p>
+            <a:r>
+              <a:rPr lang="en-US" sz="1200" dirty="0" smtClean="0"/>
+              <a:t>Follow someone</a:t>
+            </a:r>
+          </a:p>
+        </p:txBody>
+      </p:sp>
+    </p:spTree>
+    <p:extLst>
+      <p:ext uri="{BB962C8B-B14F-4D97-AF65-F5344CB8AC3E}">
+        <p14:creationId xmlns:p14="http://schemas.microsoft.com/office/powerpoint/2010/main" val="3770215667"/>
+      </p:ext>
+    </p:extLst>
+  </p:cSld>
+  <p:clrMapOvr>
+    <a:masterClrMapping/>
+  </p:clrMapOvr>
+</p:sld>
+</file>
+
 <file path=ppt/slides/slide2.xml><?xml version="1.0" encoding="utf-8"?>
 <p:sld xmlns:a="http://schemas.openxmlformats.org/drawingml/2006/main" xmlns:r="http://schemas.openxmlformats.org/officeDocument/2006/relationships" xmlns:p="http://schemas.openxmlformats.org/presentationml/2006/main">
   <p:cSld>
@@ -11729,7 +13488,7 @@
   <a:extraClrSchemeLst/>
   <a:extLst>
     <a:ext uri="{05A4C25C-085E-4340-85A3-A5531E510DB2}">
-      <thm15:themeFamily xmlns:thm15="http://schemas.microsoft.com/office/thememl/2012/main" xmlns="" name="Office Theme" id="{62F939B6-93AF-4DB8-9C6B-D6C7DFDC589F}" vid="{4A3C46E8-61CC-4603-A589-7422A47A8E4A}"/>
+      <thm15:themeFamily xmlns="" xmlns:thm15="http://schemas.microsoft.com/office/thememl/2012/main" name="Office Theme" id="{62F939B6-93AF-4DB8-9C6B-D6C7DFDC589F}" vid="{4A3C46E8-61CC-4603-A589-7422A47A8E4A}"/>
     </a:ext>
   </a:extLst>
 </a:theme>

--- a/design/System Design Notes.pptx
+++ b/design/System Design Notes.pptx
@@ -20,6 +20,8 @@
     <p:sldId id="268" r:id="rId14"/>
     <p:sldId id="269" r:id="rId15"/>
     <p:sldId id="270" r:id="rId16"/>
+    <p:sldId id="271" r:id="rId17"/>
+    <p:sldId id="272" r:id="rId18"/>
   </p:sldIdLst>
   <p:sldSz cx="12192000" cy="6858000"/>
   <p:notesSz cx="6858000" cy="9144000"/>
@@ -120,7 +122,7 @@
   </p:defaultTextStyle>
   <p:extLst>
     <p:ext uri="{EFAFB233-063F-42B5-8137-9DF3F51BA10A}">
-      <p15:sldGuideLst xmlns="" xmlns:p15="http://schemas.microsoft.com/office/powerpoint/2012/main"/>
+      <p15:sldGuideLst xmlns:p15="http://schemas.microsoft.com/office/powerpoint/2012/main" xmlns=""/>
     </p:ext>
   </p:extLst>
 </p:presentation>
@@ -5484,11 +5486,7 @@
           <a:p>
             <a:r>
               <a:rPr lang="en-US" dirty="0" smtClean="0"/>
-              <a:t>User Feed </a:t>
-            </a:r>
-            <a:r>
-              <a:rPr lang="en-US" dirty="0" smtClean="0"/>
-              <a:t>Service</a:t>
+              <a:t>User Feed Service</a:t>
             </a:r>
             <a:endParaRPr lang="en-US" dirty="0"/>
           </a:p>
@@ -6232,7 +6230,6 @@
               <a:rPr lang="en-US" sz="1200" dirty="0" smtClean="0"/>
               <a:t>Design ER diagram and DB tables</a:t>
             </a:r>
-            <a:endParaRPr lang="en-US" sz="1200" dirty="0" smtClean="0"/>
           </a:p>
           <a:p>
             <a:endParaRPr lang="en-US" sz="1200" dirty="0"/>
@@ -6363,11 +6360,7 @@
           <a:p>
             <a:r>
               <a:rPr lang="en-US" dirty="0" smtClean="0"/>
-              <a:t>Posts </a:t>
-            </a:r>
-            <a:r>
-              <a:rPr lang="en-US" dirty="0" smtClean="0"/>
-              <a:t>Service</a:t>
+              <a:t>Posts Service</a:t>
             </a:r>
             <a:endParaRPr lang="en-US" dirty="0"/>
           </a:p>
@@ -6402,11 +6395,7 @@
           <a:p>
             <a:r>
               <a:rPr lang="en-US" dirty="0" smtClean="0"/>
-              <a:t>Follow </a:t>
-            </a:r>
-            <a:r>
-              <a:rPr lang="en-US" dirty="0" smtClean="0"/>
-              <a:t>Service</a:t>
+              <a:t>Follow Service</a:t>
             </a:r>
             <a:endParaRPr lang="en-US" dirty="0"/>
           </a:p>
@@ -6514,11 +6503,7 @@
           <a:p>
             <a:r>
               <a:rPr lang="en-US" dirty="0" smtClean="0"/>
-              <a:t>Image </a:t>
-            </a:r>
-            <a:r>
-              <a:rPr lang="en-US" dirty="0" smtClean="0"/>
-              <a:t>Service</a:t>
+              <a:t>Image Service</a:t>
             </a:r>
             <a:endParaRPr lang="en-US" dirty="0"/>
           </a:p>
@@ -6553,11 +6538,7 @@
           <a:p>
             <a:r>
               <a:rPr lang="en-US" dirty="0" smtClean="0"/>
-              <a:t>Chat </a:t>
-            </a:r>
-            <a:r>
-              <a:rPr lang="en-US" dirty="0" smtClean="0"/>
-              <a:t>Service</a:t>
+              <a:t>Chat Service</a:t>
             </a:r>
             <a:endParaRPr lang="en-US" dirty="0"/>
           </a:p>
@@ -6592,11 +6573,7 @@
           <a:p>
             <a:r>
               <a:rPr lang="en-US" dirty="0" smtClean="0"/>
-              <a:t>Profile </a:t>
-            </a:r>
-            <a:r>
-              <a:rPr lang="en-US" dirty="0" smtClean="0"/>
-              <a:t>Service</a:t>
+              <a:t>Profile Service</a:t>
             </a:r>
             <a:endParaRPr lang="en-US" dirty="0"/>
           </a:p>
@@ -6631,11 +6608,7 @@
           <a:p>
             <a:r>
               <a:rPr lang="en-US" dirty="0" smtClean="0"/>
-              <a:t>Activity </a:t>
-            </a:r>
-            <a:r>
-              <a:rPr lang="en-US" dirty="0" smtClean="0"/>
-              <a:t>Service</a:t>
+              <a:t>Activity Service</a:t>
             </a:r>
             <a:endParaRPr lang="en-US" dirty="0"/>
           </a:p>
@@ -6670,11 +6643,7 @@
           <a:p>
             <a:r>
               <a:rPr lang="en-US" dirty="0" smtClean="0"/>
-              <a:t>Sessions </a:t>
-            </a:r>
-            <a:r>
-              <a:rPr lang="en-US" dirty="0" smtClean="0"/>
-              <a:t>Service</a:t>
+              <a:t>Sessions Service</a:t>
             </a:r>
             <a:endParaRPr lang="en-US" dirty="0"/>
           </a:p>
@@ -7020,6 +6989,875 @@
     <p:extLst>
       <p:ext uri="{BB962C8B-B14F-4D97-AF65-F5344CB8AC3E}">
         <p14:creationId xmlns:p14="http://schemas.microsoft.com/office/powerpoint/2010/main" val="3770215667"/>
+      </p:ext>
+    </p:extLst>
+  </p:cSld>
+  <p:clrMapOvr>
+    <a:masterClrMapping/>
+  </p:clrMapOvr>
+</p:sld>
+</file>
+
+<file path=ppt/slides/slide16.xml><?xml version="1.0" encoding="utf-8"?>
+<p:sld xmlns:a="http://schemas.openxmlformats.org/drawingml/2006/main" xmlns:r="http://schemas.openxmlformats.org/officeDocument/2006/relationships" xmlns:p="http://schemas.openxmlformats.org/presentationml/2006/main">
+  <p:cSld>
+    <p:spTree>
+      <p:nvGrpSpPr>
+        <p:cNvPr id="1" name=""/>
+        <p:cNvGrpSpPr/>
+        <p:nvPr/>
+      </p:nvGrpSpPr>
+      <p:grpSpPr>
+        <a:xfrm>
+          <a:off x="0" y="0"/>
+          <a:ext cx="0" cy="0"/>
+          <a:chOff x="0" y="0"/>
+          <a:chExt cx="0" cy="0"/>
+        </a:xfrm>
+      </p:grpSpPr>
+      <p:sp>
+        <p:nvSpPr>
+          <p:cNvPr id="4" name="Rectangle 3"/>
+          <p:cNvSpPr/>
+          <p:nvPr/>
+        </p:nvSpPr>
+        <p:spPr>
+          <a:xfrm>
+            <a:off x="4550987" y="0"/>
+            <a:ext cx="3604472" cy="523220"/>
+          </a:xfrm>
+          <a:prstGeom prst="rect">
+            <a:avLst/>
+          </a:prstGeom>
+          <a:noFill/>
+        </p:spPr>
+        <p:txBody>
+          <a:bodyPr wrap="square" lIns="91440" tIns="45720" rIns="91440" bIns="45720">
+            <a:spAutoFit/>
+          </a:bodyPr>
+          <a:lstStyle/>
+          <a:p>
+            <a:pPr algn="ctr"/>
+            <a:r>
+              <a:rPr lang="en-US" sz="2800" b="0" cap="none" spc="0" dirty="0" smtClean="0">
+                <a:ln w="0"/>
+                <a:solidFill>
+                  <a:schemeClr val="accent2"/>
+                </a:solidFill>
+                <a:effectLst>
+                  <a:outerShdw blurRad="38100" dist="19050" dir="2700000" algn="tl" rotWithShape="0">
+                    <a:schemeClr val="dk1">
+                      <a:alpha val="40000"/>
+                    </a:schemeClr>
+                  </a:outerShdw>
+                </a:effectLst>
+              </a:rPr>
+              <a:t>Heartbeats</a:t>
+            </a:r>
+            <a:endParaRPr lang="en-US" sz="5400" b="0" cap="none" spc="0" dirty="0">
+              <a:ln w="0"/>
+              <a:solidFill>
+                <a:schemeClr val="accent2"/>
+              </a:solidFill>
+              <a:effectLst>
+                <a:outerShdw blurRad="38100" dist="19050" dir="2700000" algn="tl" rotWithShape="0">
+                  <a:schemeClr val="dk1">
+                    <a:alpha val="40000"/>
+                  </a:schemeClr>
+                </a:outerShdw>
+              </a:effectLst>
+            </a:endParaRPr>
+          </a:p>
+        </p:txBody>
+      </p:sp>
+      <p:sp>
+        <p:nvSpPr>
+          <p:cNvPr id="5" name="TextBox 4"/>
+          <p:cNvSpPr txBox="1"/>
+          <p:nvPr/>
+        </p:nvSpPr>
+        <p:spPr>
+          <a:xfrm>
+            <a:off x="2879348" y="894583"/>
+            <a:ext cx="1136822" cy="369332"/>
+          </a:xfrm>
+          <a:prstGeom prst="rect">
+            <a:avLst/>
+          </a:prstGeom>
+          <a:noFill/>
+          <a:ln>
+            <a:solidFill>
+              <a:schemeClr val="accent1"/>
+            </a:solidFill>
+          </a:ln>
+        </p:spPr>
+        <p:txBody>
+          <a:bodyPr wrap="square" rtlCol="0">
+            <a:spAutoFit/>
+          </a:bodyPr>
+          <a:lstStyle/>
+          <a:p>
+            <a:r>
+              <a:rPr lang="en-US" dirty="0" smtClean="0"/>
+              <a:t>Server 1</a:t>
+            </a:r>
+            <a:endParaRPr lang="en-US" dirty="0"/>
+          </a:p>
+        </p:txBody>
+      </p:sp>
+      <p:sp>
+        <p:nvSpPr>
+          <p:cNvPr id="6" name="TextBox 5"/>
+          <p:cNvSpPr txBox="1"/>
+          <p:nvPr/>
+        </p:nvSpPr>
+        <p:spPr>
+          <a:xfrm>
+            <a:off x="2879348" y="1670731"/>
+            <a:ext cx="1136822" cy="369332"/>
+          </a:xfrm>
+          <a:prstGeom prst="rect">
+            <a:avLst/>
+          </a:prstGeom>
+          <a:noFill/>
+          <a:ln>
+            <a:solidFill>
+              <a:schemeClr val="accent1"/>
+            </a:solidFill>
+          </a:ln>
+        </p:spPr>
+        <p:txBody>
+          <a:bodyPr wrap="square" rtlCol="0">
+            <a:spAutoFit/>
+          </a:bodyPr>
+          <a:lstStyle/>
+          <a:p>
+            <a:r>
+              <a:rPr lang="en-US" dirty="0" smtClean="0"/>
+              <a:t>Server 2</a:t>
+            </a:r>
+            <a:endParaRPr lang="en-US" dirty="0"/>
+          </a:p>
+        </p:txBody>
+      </p:sp>
+      <p:sp>
+        <p:nvSpPr>
+          <p:cNvPr id="7" name="TextBox 6"/>
+          <p:cNvSpPr txBox="1"/>
+          <p:nvPr/>
+        </p:nvSpPr>
+        <p:spPr>
+          <a:xfrm>
+            <a:off x="2885168" y="2584902"/>
+            <a:ext cx="1136822" cy="369332"/>
+          </a:xfrm>
+          <a:prstGeom prst="rect">
+            <a:avLst/>
+          </a:prstGeom>
+          <a:noFill/>
+          <a:ln>
+            <a:solidFill>
+              <a:schemeClr val="accent1"/>
+            </a:solidFill>
+          </a:ln>
+        </p:spPr>
+        <p:txBody>
+          <a:bodyPr wrap="square" rtlCol="0">
+            <a:spAutoFit/>
+          </a:bodyPr>
+          <a:lstStyle/>
+          <a:p>
+            <a:r>
+              <a:rPr lang="en-US" smtClean="0"/>
+              <a:t>Server 3</a:t>
+            </a:r>
+            <a:endParaRPr lang="en-US" dirty="0"/>
+          </a:p>
+        </p:txBody>
+      </p:sp>
+      <p:sp>
+        <p:nvSpPr>
+          <p:cNvPr id="36" name="TextBox 35"/>
+          <p:cNvSpPr txBox="1"/>
+          <p:nvPr/>
+        </p:nvSpPr>
+        <p:spPr>
+          <a:xfrm>
+            <a:off x="5532836" y="959376"/>
+            <a:ext cx="5583644" cy="2862322"/>
+          </a:xfrm>
+          <a:prstGeom prst="rect">
+            <a:avLst/>
+          </a:prstGeom>
+          <a:noFill/>
+        </p:spPr>
+        <p:txBody>
+          <a:bodyPr wrap="none" rtlCol="0">
+            <a:spAutoFit/>
+          </a:bodyPr>
+          <a:lstStyle/>
+          <a:p>
+            <a:r>
+              <a:rPr lang="en-US" sz="2000" dirty="0" smtClean="0"/>
+              <a:t>If miss one heartbeat,</a:t>
+            </a:r>
+          </a:p>
+          <a:p>
+            <a:r>
+              <a:rPr lang="en-US" sz="2000" dirty="0" smtClean="0"/>
+              <a:t>Mark as critical</a:t>
+            </a:r>
+          </a:p>
+          <a:p>
+            <a:r>
+              <a:rPr lang="en-US" sz="2000" dirty="0" smtClean="0"/>
+              <a:t>If miss 2 heartbeats,</a:t>
+            </a:r>
+          </a:p>
+          <a:p>
+            <a:r>
+              <a:rPr lang="en-US" sz="2000" dirty="0" smtClean="0"/>
+              <a:t>Ask another service to restart</a:t>
+            </a:r>
+          </a:p>
+          <a:p>
+            <a:endParaRPr lang="en-US" sz="2000" dirty="0"/>
+          </a:p>
+          <a:p>
+            <a:pPr marL="228600" indent="-228600">
+              <a:buAutoNum type="arabicParenR"/>
+            </a:pPr>
+            <a:r>
+              <a:rPr lang="en-US" sz="2000" dirty="0" smtClean="0"/>
+              <a:t>Try 2 way heartbeat, to prevent zombie processes</a:t>
+            </a:r>
+          </a:p>
+          <a:p>
+            <a:pPr marL="685800" lvl="1" indent="-228600">
+              <a:buAutoNum type="arabicParenR"/>
+            </a:pPr>
+            <a:r>
+              <a:rPr lang="en-US" sz="2000" dirty="0" smtClean="0"/>
+              <a:t>Can restart itself</a:t>
+            </a:r>
+          </a:p>
+          <a:p>
+            <a:pPr marL="228600" indent="-228600">
+              <a:buAutoNum type="arabicParenR"/>
+            </a:pPr>
+            <a:r>
+              <a:rPr lang="en-US" sz="2000" dirty="0" smtClean="0"/>
+              <a:t>Cache snapshots on load balancer</a:t>
+            </a:r>
+          </a:p>
+          <a:p>
+            <a:pPr marL="685800" lvl="1" indent="-228600">
+              <a:buAutoNum type="arabicParenR"/>
+            </a:pPr>
+            <a:r>
+              <a:rPr lang="en-US" sz="2000" dirty="0" smtClean="0"/>
+              <a:t>Health services keep track of diffs</a:t>
+            </a:r>
+            <a:endParaRPr lang="en-US" sz="2000" dirty="0" smtClean="0"/>
+          </a:p>
+        </p:txBody>
+      </p:sp>
+      <p:sp>
+        <p:nvSpPr>
+          <p:cNvPr id="27" name="TextBox 26"/>
+          <p:cNvSpPr txBox="1"/>
+          <p:nvPr/>
+        </p:nvSpPr>
+        <p:spPr>
+          <a:xfrm>
+            <a:off x="469131" y="1079249"/>
+            <a:ext cx="1136822" cy="646331"/>
+          </a:xfrm>
+          <a:prstGeom prst="rect">
+            <a:avLst/>
+          </a:prstGeom>
+          <a:noFill/>
+          <a:ln>
+            <a:solidFill>
+              <a:schemeClr val="accent1"/>
+            </a:solidFill>
+          </a:ln>
+        </p:spPr>
+        <p:txBody>
+          <a:bodyPr wrap="square" rtlCol="0">
+            <a:spAutoFit/>
+          </a:bodyPr>
+          <a:lstStyle/>
+          <a:p>
+            <a:r>
+              <a:rPr lang="en-US" dirty="0" smtClean="0"/>
+              <a:t>Health </a:t>
+            </a:r>
+          </a:p>
+          <a:p>
+            <a:r>
+              <a:rPr lang="en-US" dirty="0" smtClean="0"/>
+              <a:t>Service</a:t>
+            </a:r>
+            <a:endParaRPr lang="en-US" dirty="0"/>
+          </a:p>
+        </p:txBody>
+      </p:sp>
+      <p:sp>
+        <p:nvSpPr>
+          <p:cNvPr id="29" name="TextBox 28"/>
+          <p:cNvSpPr txBox="1"/>
+          <p:nvPr/>
+        </p:nvSpPr>
+        <p:spPr>
+          <a:xfrm>
+            <a:off x="469131" y="2584902"/>
+            <a:ext cx="1136822" cy="646331"/>
+          </a:xfrm>
+          <a:prstGeom prst="rect">
+            <a:avLst/>
+          </a:prstGeom>
+          <a:noFill/>
+          <a:ln>
+            <a:solidFill>
+              <a:schemeClr val="accent1"/>
+            </a:solidFill>
+          </a:ln>
+        </p:spPr>
+        <p:txBody>
+          <a:bodyPr wrap="square" rtlCol="0">
+            <a:spAutoFit/>
+          </a:bodyPr>
+          <a:lstStyle/>
+          <a:p>
+            <a:r>
+              <a:rPr lang="en-US" dirty="0" smtClean="0"/>
+              <a:t>Load Balancer</a:t>
+            </a:r>
+            <a:endParaRPr lang="en-US" dirty="0"/>
+          </a:p>
+        </p:txBody>
+      </p:sp>
+      <p:cxnSp>
+        <p:nvCxnSpPr>
+          <p:cNvPr id="9" name="Straight Arrow Connector 8"/>
+          <p:cNvCxnSpPr>
+            <a:endCxn id="5" idx="1"/>
+          </p:cNvCxnSpPr>
+          <p:nvPr/>
+        </p:nvCxnSpPr>
+        <p:spPr>
+          <a:xfrm flipV="1">
+            <a:off x="1605953" y="1079249"/>
+            <a:ext cx="1273395" cy="184666"/>
+          </a:xfrm>
+          <a:prstGeom prst="straightConnector1">
+            <a:avLst/>
+          </a:prstGeom>
+          <a:ln>
+            <a:headEnd type="arrow"/>
+            <a:tailEnd type="arrow"/>
+          </a:ln>
+        </p:spPr>
+        <p:style>
+          <a:lnRef idx="1">
+            <a:schemeClr val="accent1"/>
+          </a:lnRef>
+          <a:fillRef idx="0">
+            <a:schemeClr val="accent1"/>
+          </a:fillRef>
+          <a:effectRef idx="0">
+            <a:schemeClr val="accent1"/>
+          </a:effectRef>
+          <a:fontRef idx="minor">
+            <a:schemeClr val="tx1"/>
+          </a:fontRef>
+        </p:style>
+      </p:cxnSp>
+      <p:cxnSp>
+        <p:nvCxnSpPr>
+          <p:cNvPr id="11" name="Straight Arrow Connector 10"/>
+          <p:cNvCxnSpPr>
+            <a:stCxn id="27" idx="3"/>
+          </p:cNvCxnSpPr>
+          <p:nvPr/>
+        </p:nvCxnSpPr>
+        <p:spPr>
+          <a:xfrm>
+            <a:off x="1605953" y="1402415"/>
+            <a:ext cx="1344281" cy="547155"/>
+          </a:xfrm>
+          <a:prstGeom prst="straightConnector1">
+            <a:avLst/>
+          </a:prstGeom>
+          <a:ln>
+            <a:headEnd type="arrow"/>
+            <a:tailEnd type="arrow"/>
+          </a:ln>
+        </p:spPr>
+        <p:style>
+          <a:lnRef idx="1">
+            <a:schemeClr val="accent1"/>
+          </a:lnRef>
+          <a:fillRef idx="0">
+            <a:schemeClr val="accent1"/>
+          </a:fillRef>
+          <a:effectRef idx="0">
+            <a:schemeClr val="accent1"/>
+          </a:effectRef>
+          <a:fontRef idx="minor">
+            <a:schemeClr val="tx1"/>
+          </a:fontRef>
+        </p:style>
+      </p:cxnSp>
+      <p:cxnSp>
+        <p:nvCxnSpPr>
+          <p:cNvPr id="25" name="Straight Arrow Connector 24"/>
+          <p:cNvCxnSpPr>
+            <a:endCxn id="7" idx="1"/>
+          </p:cNvCxnSpPr>
+          <p:nvPr/>
+        </p:nvCxnSpPr>
+        <p:spPr>
+          <a:xfrm>
+            <a:off x="1605953" y="1587260"/>
+            <a:ext cx="1279215" cy="1182308"/>
+          </a:xfrm>
+          <a:prstGeom prst="straightConnector1">
+            <a:avLst/>
+          </a:prstGeom>
+          <a:ln>
+            <a:headEnd type="arrow"/>
+            <a:tailEnd type="arrow"/>
+          </a:ln>
+        </p:spPr>
+        <p:style>
+          <a:lnRef idx="1">
+            <a:schemeClr val="accent1"/>
+          </a:lnRef>
+          <a:fillRef idx="0">
+            <a:schemeClr val="accent1"/>
+          </a:fillRef>
+          <a:effectRef idx="0">
+            <a:schemeClr val="accent1"/>
+          </a:effectRef>
+          <a:fontRef idx="minor">
+            <a:schemeClr val="tx1"/>
+          </a:fontRef>
+        </p:style>
+      </p:cxnSp>
+    </p:spTree>
+    <p:extLst>
+      <p:ext uri="{BB962C8B-B14F-4D97-AF65-F5344CB8AC3E}">
+        <p14:creationId xmlns:p14="http://schemas.microsoft.com/office/powerpoint/2010/main" val="1533910597"/>
+      </p:ext>
+    </p:extLst>
+  </p:cSld>
+  <p:clrMapOvr>
+    <a:masterClrMapping/>
+  </p:clrMapOvr>
+</p:sld>
+</file>
+
+<file path=ppt/slides/slide17.xml><?xml version="1.0" encoding="utf-8"?>
+<p:sld xmlns:a="http://schemas.openxmlformats.org/drawingml/2006/main" xmlns:r="http://schemas.openxmlformats.org/officeDocument/2006/relationships" xmlns:p="http://schemas.openxmlformats.org/presentationml/2006/main">
+  <p:cSld>
+    <p:spTree>
+      <p:nvGrpSpPr>
+        <p:cNvPr id="1" name=""/>
+        <p:cNvGrpSpPr/>
+        <p:nvPr/>
+      </p:nvGrpSpPr>
+      <p:grpSpPr>
+        <a:xfrm>
+          <a:off x="0" y="0"/>
+          <a:ext cx="0" cy="0"/>
+          <a:chOff x="0" y="0"/>
+          <a:chExt cx="0" cy="0"/>
+        </a:xfrm>
+      </p:grpSpPr>
+      <p:sp>
+        <p:nvSpPr>
+          <p:cNvPr id="4" name="Rectangle 3"/>
+          <p:cNvSpPr/>
+          <p:nvPr/>
+        </p:nvSpPr>
+        <p:spPr>
+          <a:xfrm>
+            <a:off x="4550987" y="0"/>
+            <a:ext cx="3604472" cy="523220"/>
+          </a:xfrm>
+          <a:prstGeom prst="rect">
+            <a:avLst/>
+          </a:prstGeom>
+          <a:noFill/>
+        </p:spPr>
+        <p:txBody>
+          <a:bodyPr wrap="square" lIns="91440" tIns="45720" rIns="91440" bIns="45720">
+            <a:spAutoFit/>
+          </a:bodyPr>
+          <a:lstStyle/>
+          <a:p>
+            <a:pPr algn="ctr"/>
+            <a:r>
+              <a:rPr lang="en-US" sz="2800" b="0" cap="none" spc="0" dirty="0" smtClean="0">
+                <a:ln w="0"/>
+                <a:solidFill>
+                  <a:schemeClr val="accent2"/>
+                </a:solidFill>
+                <a:effectLst>
+                  <a:outerShdw blurRad="38100" dist="19050" dir="2700000" algn="tl" rotWithShape="0">
+                    <a:schemeClr val="dk1">
+                      <a:alpha val="40000"/>
+                    </a:schemeClr>
+                  </a:outerShdw>
+                </a:effectLst>
+              </a:rPr>
+              <a:t>Tips</a:t>
+            </a:r>
+            <a:endParaRPr lang="en-US" sz="5400" b="0" cap="none" spc="0" dirty="0">
+              <a:ln w="0"/>
+              <a:solidFill>
+                <a:schemeClr val="accent2"/>
+              </a:solidFill>
+              <a:effectLst>
+                <a:outerShdw blurRad="38100" dist="19050" dir="2700000" algn="tl" rotWithShape="0">
+                  <a:schemeClr val="dk1">
+                    <a:alpha val="40000"/>
+                  </a:schemeClr>
+                </a:outerShdw>
+              </a:effectLst>
+            </a:endParaRPr>
+          </a:p>
+        </p:txBody>
+      </p:sp>
+      <p:sp>
+        <p:nvSpPr>
+          <p:cNvPr id="5" name="TextBox 4"/>
+          <p:cNvSpPr txBox="1"/>
+          <p:nvPr/>
+        </p:nvSpPr>
+        <p:spPr>
+          <a:xfrm>
+            <a:off x="1108037" y="2713410"/>
+            <a:ext cx="1136822" cy="369332"/>
+          </a:xfrm>
+          <a:prstGeom prst="rect">
+            <a:avLst/>
+          </a:prstGeom>
+          <a:noFill/>
+          <a:ln>
+            <a:solidFill>
+              <a:schemeClr val="accent1"/>
+            </a:solidFill>
+          </a:ln>
+        </p:spPr>
+        <p:txBody>
+          <a:bodyPr wrap="square" rtlCol="0">
+            <a:spAutoFit/>
+          </a:bodyPr>
+          <a:lstStyle/>
+          <a:p>
+            <a:r>
+              <a:rPr lang="en-US" dirty="0" smtClean="0"/>
+              <a:t>Server 1</a:t>
+            </a:r>
+            <a:endParaRPr lang="en-US" dirty="0"/>
+          </a:p>
+        </p:txBody>
+      </p:sp>
+      <p:sp>
+        <p:nvSpPr>
+          <p:cNvPr id="6" name="TextBox 5"/>
+          <p:cNvSpPr txBox="1"/>
+          <p:nvPr/>
+        </p:nvSpPr>
+        <p:spPr>
+          <a:xfrm>
+            <a:off x="2741325" y="2674676"/>
+            <a:ext cx="1136822" cy="369332"/>
+          </a:xfrm>
+          <a:prstGeom prst="rect">
+            <a:avLst/>
+          </a:prstGeom>
+          <a:noFill/>
+          <a:ln>
+            <a:solidFill>
+              <a:schemeClr val="accent1"/>
+            </a:solidFill>
+          </a:ln>
+        </p:spPr>
+        <p:txBody>
+          <a:bodyPr wrap="square" rtlCol="0">
+            <a:spAutoFit/>
+          </a:bodyPr>
+          <a:lstStyle/>
+          <a:p>
+            <a:r>
+              <a:rPr lang="en-US" dirty="0" smtClean="0"/>
+              <a:t>Server 2</a:t>
+            </a:r>
+            <a:endParaRPr lang="en-US" dirty="0"/>
+          </a:p>
+        </p:txBody>
+      </p:sp>
+      <p:sp>
+        <p:nvSpPr>
+          <p:cNvPr id="36" name="TextBox 35"/>
+          <p:cNvSpPr txBox="1"/>
+          <p:nvPr/>
+        </p:nvSpPr>
+        <p:spPr>
+          <a:xfrm>
+            <a:off x="5506957" y="811047"/>
+            <a:ext cx="5441618" cy="5632311"/>
+          </a:xfrm>
+          <a:prstGeom prst="rect">
+            <a:avLst/>
+          </a:prstGeom>
+          <a:noFill/>
+        </p:spPr>
+        <p:txBody>
+          <a:bodyPr wrap="none" rtlCol="0">
+            <a:spAutoFit/>
+          </a:bodyPr>
+          <a:lstStyle/>
+          <a:p>
+            <a:pPr marL="457200" indent="-457200">
+              <a:buAutoNum type="arabicParenR"/>
+            </a:pPr>
+            <a:r>
+              <a:rPr lang="en-US" sz="2400" dirty="0" smtClean="0"/>
+              <a:t>Don’t go into detail prematurely</a:t>
+            </a:r>
+          </a:p>
+          <a:p>
+            <a:pPr marL="914400" lvl="1" indent="-457200">
+              <a:buAutoNum type="arabicParenR"/>
+            </a:pPr>
+            <a:r>
+              <a:rPr lang="en-US" sz="2400" dirty="0" smtClean="0"/>
+              <a:t>Look for first point to go into detail</a:t>
+            </a:r>
+          </a:p>
+          <a:p>
+            <a:pPr marL="914400" lvl="1" indent="-457200">
+              <a:buAutoNum type="arabicParenR"/>
+            </a:pPr>
+            <a:r>
+              <a:rPr lang="en-US" sz="2400" dirty="0" smtClean="0"/>
+              <a:t>Database -&gt; ER diagrams</a:t>
+            </a:r>
+          </a:p>
+          <a:p>
+            <a:pPr marL="914400" lvl="1" indent="-457200">
+              <a:buAutoNum type="arabicParenR"/>
+            </a:pPr>
+            <a:endParaRPr lang="en-US" sz="2400" dirty="0" smtClean="0"/>
+          </a:p>
+          <a:p>
+            <a:pPr marL="457200" indent="-457200">
+              <a:buAutoNum type="arabicParenR"/>
+            </a:pPr>
+            <a:r>
+              <a:rPr lang="en-US" sz="2400" dirty="0" smtClean="0"/>
+              <a:t>Do not have a set architecture in mind</a:t>
+            </a:r>
+          </a:p>
+          <a:p>
+            <a:pPr marL="457200" indent="-457200">
+              <a:buAutoNum type="arabicParenR"/>
+            </a:pPr>
+            <a:endParaRPr lang="en-US" sz="2400" dirty="0" smtClean="0"/>
+          </a:p>
+          <a:p>
+            <a:pPr marL="457200" indent="-457200">
+              <a:buAutoNum type="arabicParenR"/>
+            </a:pPr>
+            <a:r>
+              <a:rPr lang="en-US" sz="2400" dirty="0" smtClean="0"/>
+              <a:t>KISS</a:t>
+            </a:r>
+          </a:p>
+          <a:p>
+            <a:pPr marL="914400" lvl="1" indent="-457200">
+              <a:buAutoNum type="arabicParenR"/>
+            </a:pPr>
+            <a:r>
+              <a:rPr lang="en-US" sz="2400" dirty="0" smtClean="0"/>
+              <a:t>Keep It Simple Stupid</a:t>
+            </a:r>
+          </a:p>
+          <a:p>
+            <a:pPr marL="457200" indent="-457200">
+              <a:buAutoNum type="arabicParenR"/>
+            </a:pPr>
+            <a:endParaRPr lang="en-US" sz="2400" dirty="0" smtClean="0"/>
+          </a:p>
+          <a:p>
+            <a:pPr marL="457200" indent="-457200">
+              <a:buAutoNum type="arabicParenR"/>
+            </a:pPr>
+            <a:r>
+              <a:rPr lang="en-US" sz="2400" dirty="0" smtClean="0"/>
+              <a:t>Form your </a:t>
+            </a:r>
+            <a:r>
+              <a:rPr lang="en-US" sz="2400" dirty="0" err="1" smtClean="0"/>
+              <a:t>thoughs</a:t>
+            </a:r>
+            <a:endParaRPr lang="en-US" sz="2400" dirty="0" smtClean="0"/>
+          </a:p>
+          <a:p>
+            <a:pPr marL="914400" lvl="1" indent="-457200">
+              <a:buAutoNum type="arabicParenR"/>
+            </a:pPr>
+            <a:r>
+              <a:rPr lang="en-US" sz="2400" dirty="0" smtClean="0"/>
+              <a:t>Make points without justifications</a:t>
+            </a:r>
+          </a:p>
+          <a:p>
+            <a:pPr marL="914400" lvl="1" indent="-457200">
+              <a:buAutoNum type="arabicParenR"/>
+            </a:pPr>
+            <a:r>
+              <a:rPr lang="en-US" sz="2400" dirty="0" smtClean="0"/>
+              <a:t>i.e. choosing a SQL database</a:t>
+            </a:r>
+          </a:p>
+          <a:p>
+            <a:pPr marL="457200" indent="-457200">
+              <a:buAutoNum type="arabicParenR"/>
+            </a:pPr>
+            <a:endParaRPr lang="en-US" sz="2400" dirty="0"/>
+          </a:p>
+          <a:p>
+            <a:pPr marL="457200" indent="-457200">
+              <a:buAutoNum type="arabicParenR"/>
+            </a:pPr>
+            <a:r>
+              <a:rPr lang="en-US" sz="2400" dirty="0" smtClean="0"/>
+              <a:t>Be Tech Aware</a:t>
+            </a:r>
+          </a:p>
+          <a:p>
+            <a:pPr marL="457200" indent="-457200">
+              <a:buAutoNum type="arabicParenR"/>
+            </a:pPr>
+            <a:endParaRPr lang="en-US" sz="2400" dirty="0" smtClean="0"/>
+          </a:p>
+        </p:txBody>
+      </p:sp>
+      <p:sp>
+        <p:nvSpPr>
+          <p:cNvPr id="27" name="TextBox 26"/>
+          <p:cNvSpPr txBox="1"/>
+          <p:nvPr/>
+        </p:nvSpPr>
+        <p:spPr>
+          <a:xfrm>
+            <a:off x="1676448" y="1105626"/>
+            <a:ext cx="1136822" cy="369332"/>
+          </a:xfrm>
+          <a:prstGeom prst="rect">
+            <a:avLst/>
+          </a:prstGeom>
+          <a:noFill/>
+          <a:ln>
+            <a:solidFill>
+              <a:schemeClr val="accent1"/>
+            </a:solidFill>
+          </a:ln>
+        </p:spPr>
+        <p:txBody>
+          <a:bodyPr wrap="square" rtlCol="0">
+            <a:spAutoFit/>
+          </a:bodyPr>
+          <a:lstStyle/>
+          <a:p>
+            <a:r>
+              <a:rPr lang="en-US" dirty="0" smtClean="0"/>
+              <a:t>Client</a:t>
+            </a:r>
+            <a:endParaRPr lang="en-US" dirty="0"/>
+          </a:p>
+        </p:txBody>
+      </p:sp>
+      <p:sp>
+        <p:nvSpPr>
+          <p:cNvPr id="29" name="TextBox 28"/>
+          <p:cNvSpPr txBox="1"/>
+          <p:nvPr/>
+        </p:nvSpPr>
+        <p:spPr>
+          <a:xfrm>
+            <a:off x="1676448" y="3442537"/>
+            <a:ext cx="1136822" cy="369332"/>
+          </a:xfrm>
+          <a:prstGeom prst="rect">
+            <a:avLst/>
+          </a:prstGeom>
+          <a:noFill/>
+          <a:ln>
+            <a:solidFill>
+              <a:schemeClr val="accent1"/>
+            </a:solidFill>
+          </a:ln>
+        </p:spPr>
+        <p:txBody>
+          <a:bodyPr wrap="square" rtlCol="0">
+            <a:spAutoFit/>
+          </a:bodyPr>
+          <a:lstStyle/>
+          <a:p>
+            <a:r>
+              <a:rPr lang="en-US" dirty="0" smtClean="0"/>
+              <a:t>Database</a:t>
+            </a:r>
+            <a:endParaRPr lang="en-US" dirty="0"/>
+          </a:p>
+        </p:txBody>
+      </p:sp>
+      <p:sp>
+        <p:nvSpPr>
+          <p:cNvPr id="12" name="TextBox 11"/>
+          <p:cNvSpPr txBox="1"/>
+          <p:nvPr/>
+        </p:nvSpPr>
+        <p:spPr>
+          <a:xfrm>
+            <a:off x="1676448" y="1829329"/>
+            <a:ext cx="1136822" cy="369332"/>
+          </a:xfrm>
+          <a:prstGeom prst="rect">
+            <a:avLst/>
+          </a:prstGeom>
+          <a:noFill/>
+          <a:ln>
+            <a:solidFill>
+              <a:schemeClr val="accent1"/>
+            </a:solidFill>
+          </a:ln>
+        </p:spPr>
+        <p:txBody>
+          <a:bodyPr wrap="square" rtlCol="0">
+            <a:spAutoFit/>
+          </a:bodyPr>
+          <a:lstStyle/>
+          <a:p>
+            <a:r>
+              <a:rPr lang="en-US" dirty="0" smtClean="0"/>
+              <a:t>Gateway</a:t>
+            </a:r>
+            <a:endParaRPr lang="en-US" dirty="0"/>
+          </a:p>
+        </p:txBody>
+      </p:sp>
+    </p:spTree>
+    <p:extLst>
+      <p:ext uri="{BB962C8B-B14F-4D97-AF65-F5344CB8AC3E}">
+        <p14:creationId xmlns:p14="http://schemas.microsoft.com/office/powerpoint/2010/main" val="3693484134"/>
       </p:ext>
     </p:extLst>
   </p:cSld>
@@ -13488,7 +14326,7 @@
   <a:extraClrSchemeLst/>
   <a:extLst>
     <a:ext uri="{05A4C25C-085E-4340-85A3-A5531E510DB2}">
-      <thm15:themeFamily xmlns="" xmlns:thm15="http://schemas.microsoft.com/office/thememl/2012/main" name="Office Theme" id="{62F939B6-93AF-4DB8-9C6B-D6C7DFDC589F}" vid="{4A3C46E8-61CC-4603-A589-7422A47A8E4A}"/>
+      <thm15:themeFamily xmlns:thm15="http://schemas.microsoft.com/office/thememl/2012/main" xmlns="" name="Office Theme" id="{62F939B6-93AF-4DB8-9C6B-D6C7DFDC589F}" vid="{4A3C46E8-61CC-4603-A589-7422A47A8E4A}"/>
     </a:ext>
   </a:extLst>
 </a:theme>
